--- a/Poster_Presentation.pptx
+++ b/Poster_Presentation.pptx
@@ -3432,6 +3432,11 @@
           <a:p>
             <a:r>
               <a:rPr lang="en-US" sz="9600" dirty="0">
+                <a:solidFill>
+                  <a:schemeClr val="accent2">
+                    <a:lumMod val="75000"/>
+                  </a:schemeClr>
+                </a:solidFill>
                 <a:effectLst/>
                 <a:latin typeface="Times New Roman" panose="02020603050405020304" pitchFamily="18" charset="0"/>
                 <a:cs typeface="Times New Roman" panose="02020603050405020304" pitchFamily="18" charset="0"/>
@@ -3470,7 +3475,13 @@
           <a:lstStyle/>
           <a:p>
             <a:r>
-              <a:rPr lang="en-US" sz="9600" dirty="0"/>
+              <a:rPr lang="en-US" sz="9600" dirty="0">
+                <a:solidFill>
+                  <a:schemeClr val="accent2">
+                    <a:lumMod val="75000"/>
+                  </a:schemeClr>
+                </a:solidFill>
+              </a:rPr>
               <a:t>Professor Nathalie Moon, Leo Watson</a:t>
             </a:r>
           </a:p>
@@ -4618,7 +4629,7 @@
         <p:spPr>
           <a:xfrm>
             <a:off x="17698267" y="7661806"/>
-            <a:ext cx="10778848" cy="769441"/>
+            <a:ext cx="13986073" cy="1446550"/>
           </a:xfrm>
           <a:prstGeom prst="rect">
             <a:avLst/>
@@ -4633,13 +4644,14 @@
           <a:p>
             <a:r>
               <a:rPr lang="en-US" sz="4400" dirty="0"/>
-              <a:t>Simulation 1:  Missing Data only in Response </a:t>
-            </a:r>
-            <a:r>
-              <a:rPr lang="en-US" sz="4400" i="1" dirty="0"/>
-              <a:t>Y</a:t>
-            </a:r>
-            <a:endParaRPr lang="en-US" sz="4400" dirty="0"/>
+              <a:t>Simulation 1:  Comparing Multiple Imputation under varying</a:t>
+            </a:r>
+          </a:p>
+          <a:p>
+            <a:r>
+              <a:rPr lang="en-US" sz="4400" dirty="0"/>
+              <a:t>Degrees of MCAR, MAR, MNAR</a:t>
+            </a:r>
           </a:p>
         </p:txBody>
       </p:sp>
@@ -4657,8 +4669,8 @@
         </p:nvSpPr>
         <p:spPr>
           <a:xfrm>
-            <a:off x="17698267" y="14993898"/>
-            <a:ext cx="14113223" cy="769441"/>
+            <a:off x="17459804" y="15013727"/>
+            <a:ext cx="14730507" cy="769441"/>
           </a:xfrm>
           <a:prstGeom prst="rect">
             <a:avLst/>
@@ -4673,13 +4685,16 @@
           <a:p>
             <a:r>
               <a:rPr lang="en-US" sz="4400" dirty="0"/>
-              <a:t>Simulation 2: Probability of missingness doesn’t depend on </a:t>
-            </a:r>
-            <a:r>
-              <a:rPr lang="en-US" sz="4400" i="1" dirty="0"/>
-              <a:t>Y</a:t>
-            </a:r>
-            <a:endParaRPr lang="en-US" sz="4400" dirty="0"/>
+              <a:t>Sim 2: When Listwise Deletion </a:t>
+            </a:r>
+            <a:r>
+              <a:rPr lang="en-US" sz="4400" dirty="0" err="1"/>
+              <a:t>Outpeforms</a:t>
+            </a:r>
+            <a:r>
+              <a:rPr lang="en-US" sz="4400" dirty="0"/>
+              <a:t> Multiple Imputation</a:t>
+            </a:r>
           </a:p>
         </p:txBody>
       </p:sp>
@@ -4697,8 +4712,8 @@
         </p:nvSpPr>
         <p:spPr>
           <a:xfrm>
-            <a:off x="17838626" y="21093048"/>
-            <a:ext cx="13972864" cy="1446550"/>
+            <a:off x="17698267" y="21093048"/>
+            <a:ext cx="14113223" cy="769441"/>
           </a:xfrm>
           <a:prstGeom prst="rect">
             <a:avLst/>
@@ -4713,12 +4728,9 @@
           <a:p>
             <a:r>
               <a:rPr lang="en-US" sz="4400" dirty="0"/>
-              <a:t>Simulation 3: Data follows Logistic Regression, probability of missingness depends only on </a:t>
-            </a:r>
-            <a:r>
-              <a:rPr lang="en-US" sz="4400" i="1" dirty="0"/>
-              <a:t>Y</a:t>
-            </a:r>
+              <a:t>Simulation 3: Dealing with non-normally distributed variables</a:t>
+            </a:r>
+            <a:endParaRPr lang="en-US" sz="4400" i="1" dirty="0"/>
           </a:p>
         </p:txBody>
       </p:sp>
@@ -4736,7 +4748,7 @@
         </p:nvSpPr>
         <p:spPr>
           <a:xfrm>
-            <a:off x="18470880" y="8763263"/>
+            <a:off x="17721822" y="9378727"/>
             <a:ext cx="2852063" cy="769441"/>
           </a:xfrm>
           <a:prstGeom prst="rect">
@@ -4771,7 +4783,7 @@
         </p:nvSpPr>
         <p:spPr>
           <a:xfrm>
-            <a:off x="18470880" y="10629448"/>
+            <a:off x="17768533" y="10940963"/>
             <a:ext cx="2758640" cy="769441"/>
           </a:xfrm>
           <a:prstGeom prst="rect">
@@ -4806,7 +4818,7 @@
         </p:nvSpPr>
         <p:spPr>
           <a:xfrm>
-            <a:off x="18470880" y="12675650"/>
+            <a:off x="17790250" y="12689756"/>
             <a:ext cx="1819409" cy="769441"/>
           </a:xfrm>
           <a:prstGeom prst="rect">
@@ -4841,8 +4853,8 @@
         </p:nvSpPr>
         <p:spPr>
           <a:xfrm>
-            <a:off x="18470880" y="15794261"/>
-            <a:ext cx="2852063" cy="769441"/>
+            <a:off x="17838626" y="15851093"/>
+            <a:ext cx="4309962" cy="892552"/>
           </a:xfrm>
           <a:prstGeom prst="rect">
             <a:avLst/>
@@ -4856,8 +4868,22 @@
           <a:lstStyle/>
           <a:p>
             <a:r>
-              <a:rPr lang="en-US" sz="4400" dirty="0"/>
-              <a:t>Hypothesis </a:t>
+              <a:rPr lang="en-US" sz="2800" dirty="0"/>
+              <a:t>Hypothesis 2a:</a:t>
+            </a:r>
+          </a:p>
+          <a:p>
+            <a:r>
+              <a:rPr lang="en-US" sz="2400" dirty="0"/>
+              <a:t>Missing Data only in Response </a:t>
+            </a:r>
+            <a:r>
+              <a:rPr lang="en-US" sz="2400" i="1" dirty="0"/>
+              <a:t>Y</a:t>
+            </a:r>
+            <a:r>
+              <a:rPr lang="en-US" sz="2400" dirty="0"/>
+              <a:t>  </a:t>
             </a:r>
           </a:p>
         </p:txBody>
@@ -4876,8 +4902,8 @@
         </p:nvSpPr>
         <p:spPr>
           <a:xfrm>
-            <a:off x="18470880" y="17660446"/>
-            <a:ext cx="2758640" cy="769441"/>
+            <a:off x="18001264" y="17674214"/>
+            <a:ext cx="1819601" cy="523220"/>
           </a:xfrm>
           <a:prstGeom prst="rect">
             <a:avLst/>
@@ -4891,7 +4917,7 @@
           <a:lstStyle/>
           <a:p>
             <a:r>
-              <a:rPr lang="en-US" sz="4400" dirty="0"/>
+              <a:rPr lang="en-US" sz="2800" dirty="0"/>
               <a:t>Simulation </a:t>
             </a:r>
           </a:p>
@@ -4911,8 +4937,8 @@
         </p:nvSpPr>
         <p:spPr>
           <a:xfrm>
-            <a:off x="18470880" y="19706648"/>
-            <a:ext cx="1819409" cy="769441"/>
+            <a:off x="18030791" y="19720416"/>
+            <a:ext cx="1225144" cy="523220"/>
           </a:xfrm>
           <a:prstGeom prst="rect">
             <a:avLst/>
@@ -4926,7 +4952,7 @@
           <a:lstStyle/>
           <a:p>
             <a:r>
-              <a:rPr lang="en-US" sz="4400" dirty="0"/>
+              <a:rPr lang="en-US" sz="2800" dirty="0"/>
               <a:t>Results</a:t>
             </a:r>
           </a:p>
@@ -4946,7 +4972,7 @@
         </p:nvSpPr>
         <p:spPr>
           <a:xfrm>
-            <a:off x="18470880" y="23235559"/>
+            <a:off x="17892161" y="22737873"/>
             <a:ext cx="2852063" cy="769441"/>
           </a:xfrm>
           <a:prstGeom prst="rect">
@@ -4981,7 +5007,7 @@
         </p:nvSpPr>
         <p:spPr>
           <a:xfrm>
-            <a:off x="18470880" y="25101744"/>
+            <a:off x="17892161" y="24604058"/>
             <a:ext cx="2758640" cy="769441"/>
           </a:xfrm>
           <a:prstGeom prst="rect">
@@ -5016,7 +5042,7 @@
         </p:nvSpPr>
         <p:spPr>
           <a:xfrm>
-            <a:off x="18470880" y="27147946"/>
+            <a:off x="17892161" y="26650260"/>
             <a:ext cx="1819409" cy="769441"/>
           </a:xfrm>
           <a:prstGeom prst="rect">
@@ -5032,6 +5058,238 @@
           <a:p>
             <a:r>
               <a:rPr lang="en-US" sz="4400" dirty="0"/>
+              <a:t>Results</a:t>
+            </a:r>
+          </a:p>
+        </p:txBody>
+      </p:sp>
+      <p:sp>
+        <p:nvSpPr>
+          <p:cNvPr id="816" name="TextBox 815">
+            <a:extLst>
+              <a:ext uri="{FF2B5EF4-FFF2-40B4-BE49-F238E27FC236}">
+                <a16:creationId xmlns:a16="http://schemas.microsoft.com/office/drawing/2014/main" id="{96398419-5594-B174-144C-44EC89DA800D}"/>
+              </a:ext>
+            </a:extLst>
+          </p:cNvPr>
+          <p:cNvSpPr txBox="1"/>
+          <p:nvPr/>
+        </p:nvSpPr>
+        <p:spPr>
+          <a:xfrm>
+            <a:off x="22191699" y="15808029"/>
+            <a:ext cx="3397290" cy="1261884"/>
+          </a:xfrm>
+          <a:prstGeom prst="rect">
+            <a:avLst/>
+          </a:prstGeom>
+          <a:noFill/>
+        </p:spPr>
+        <p:txBody>
+          <a:bodyPr wrap="square" rtlCol="0">
+            <a:spAutoFit/>
+          </a:bodyPr>
+          <a:lstStyle/>
+          <a:p>
+            <a:r>
+              <a:rPr lang="en-US" sz="2800" dirty="0"/>
+              <a:t>Hypothesis 2b:</a:t>
+            </a:r>
+          </a:p>
+          <a:p>
+            <a:r>
+              <a:rPr lang="en-US" sz="2400" dirty="0"/>
+              <a:t>Probability of missingness doesn’t depend on </a:t>
+            </a:r>
+            <a:r>
+              <a:rPr lang="en-US" sz="2400" i="1" dirty="0"/>
+              <a:t>Y</a:t>
+            </a:r>
+            <a:endParaRPr lang="en-US" sz="2400" dirty="0"/>
+          </a:p>
+        </p:txBody>
+      </p:sp>
+      <p:sp>
+        <p:nvSpPr>
+          <p:cNvPr id="817" name="TextBox 816">
+            <a:extLst>
+              <a:ext uri="{FF2B5EF4-FFF2-40B4-BE49-F238E27FC236}">
+                <a16:creationId xmlns:a16="http://schemas.microsoft.com/office/drawing/2014/main" id="{14A194AF-E87C-7B3E-625D-6CF57A4E793F}"/>
+              </a:ext>
+            </a:extLst>
+          </p:cNvPr>
+          <p:cNvSpPr txBox="1"/>
+          <p:nvPr/>
+        </p:nvSpPr>
+        <p:spPr>
+          <a:xfrm>
+            <a:off x="22191699" y="17674214"/>
+            <a:ext cx="1819601" cy="523220"/>
+          </a:xfrm>
+          <a:prstGeom prst="rect">
+            <a:avLst/>
+          </a:prstGeom>
+          <a:noFill/>
+        </p:spPr>
+        <p:txBody>
+          <a:bodyPr wrap="none" rtlCol="0">
+            <a:spAutoFit/>
+          </a:bodyPr>
+          <a:lstStyle/>
+          <a:p>
+            <a:r>
+              <a:rPr lang="en-US" sz="2800" dirty="0"/>
+              <a:t>Simulation </a:t>
+            </a:r>
+          </a:p>
+        </p:txBody>
+      </p:sp>
+      <p:sp>
+        <p:nvSpPr>
+          <p:cNvPr id="818" name="TextBox 817">
+            <a:extLst>
+              <a:ext uri="{FF2B5EF4-FFF2-40B4-BE49-F238E27FC236}">
+                <a16:creationId xmlns:a16="http://schemas.microsoft.com/office/drawing/2014/main" id="{C3D0DB7F-2543-780A-EBFB-2F8B9B8C0BF8}"/>
+              </a:ext>
+            </a:extLst>
+          </p:cNvPr>
+          <p:cNvSpPr txBox="1"/>
+          <p:nvPr/>
+        </p:nvSpPr>
+        <p:spPr>
+          <a:xfrm>
+            <a:off x="22191699" y="19720416"/>
+            <a:ext cx="1225144" cy="523220"/>
+          </a:xfrm>
+          <a:prstGeom prst="rect">
+            <a:avLst/>
+          </a:prstGeom>
+          <a:noFill/>
+        </p:spPr>
+        <p:txBody>
+          <a:bodyPr wrap="none" rtlCol="0">
+            <a:spAutoFit/>
+          </a:bodyPr>
+          <a:lstStyle/>
+          <a:p>
+            <a:r>
+              <a:rPr lang="en-US" sz="2800" dirty="0"/>
+              <a:t>Results</a:t>
+            </a:r>
+          </a:p>
+        </p:txBody>
+      </p:sp>
+      <p:sp>
+        <p:nvSpPr>
+          <p:cNvPr id="819" name="TextBox 818">
+            <a:extLst>
+              <a:ext uri="{FF2B5EF4-FFF2-40B4-BE49-F238E27FC236}">
+                <a16:creationId xmlns:a16="http://schemas.microsoft.com/office/drawing/2014/main" id="{76E9FAF0-3517-19EC-7E20-13D0B3235882}"/>
+              </a:ext>
+            </a:extLst>
+          </p:cNvPr>
+          <p:cNvSpPr txBox="1"/>
+          <p:nvPr/>
+        </p:nvSpPr>
+        <p:spPr>
+          <a:xfrm>
+            <a:off x="27092812" y="15715259"/>
+            <a:ext cx="4311581" cy="1631216"/>
+          </a:xfrm>
+          <a:prstGeom prst="rect">
+            <a:avLst/>
+          </a:prstGeom>
+          <a:noFill/>
+        </p:spPr>
+        <p:txBody>
+          <a:bodyPr wrap="square" rtlCol="0">
+            <a:spAutoFit/>
+          </a:bodyPr>
+          <a:lstStyle/>
+          <a:p>
+            <a:r>
+              <a:rPr lang="en-US" sz="2800" dirty="0"/>
+              <a:t>Hypothesis 2c:</a:t>
+            </a:r>
+          </a:p>
+          <a:p>
+            <a:r>
+              <a:rPr lang="en-US" sz="2400" dirty="0"/>
+              <a:t>Data follows Logistic Regression, probability of missingness depends only on </a:t>
+            </a:r>
+            <a:r>
+              <a:rPr lang="en-US" sz="2400" i="1" dirty="0"/>
+              <a:t>Y</a:t>
+            </a:r>
+            <a:endParaRPr lang="en-US" sz="2400" dirty="0"/>
+          </a:p>
+        </p:txBody>
+      </p:sp>
+      <p:sp>
+        <p:nvSpPr>
+          <p:cNvPr id="820" name="TextBox 819">
+            <a:extLst>
+              <a:ext uri="{FF2B5EF4-FFF2-40B4-BE49-F238E27FC236}">
+                <a16:creationId xmlns:a16="http://schemas.microsoft.com/office/drawing/2014/main" id="{2A8A54B7-5121-364F-8A16-1EE52FFD5764}"/>
+              </a:ext>
+            </a:extLst>
+          </p:cNvPr>
+          <p:cNvSpPr txBox="1"/>
+          <p:nvPr/>
+        </p:nvSpPr>
+        <p:spPr>
+          <a:xfrm>
+            <a:off x="27092812" y="17581444"/>
+            <a:ext cx="1819601" cy="523220"/>
+          </a:xfrm>
+          <a:prstGeom prst="rect">
+            <a:avLst/>
+          </a:prstGeom>
+          <a:noFill/>
+        </p:spPr>
+        <p:txBody>
+          <a:bodyPr wrap="none" rtlCol="0">
+            <a:spAutoFit/>
+          </a:bodyPr>
+          <a:lstStyle/>
+          <a:p>
+            <a:r>
+              <a:rPr lang="en-US" sz="2800" dirty="0"/>
+              <a:t>Simulation </a:t>
+            </a:r>
+          </a:p>
+        </p:txBody>
+      </p:sp>
+      <p:sp>
+        <p:nvSpPr>
+          <p:cNvPr id="821" name="TextBox 820">
+            <a:extLst>
+              <a:ext uri="{FF2B5EF4-FFF2-40B4-BE49-F238E27FC236}">
+                <a16:creationId xmlns:a16="http://schemas.microsoft.com/office/drawing/2014/main" id="{5526B75B-4DDF-716A-DF34-FD478A61B9E2}"/>
+              </a:ext>
+            </a:extLst>
+          </p:cNvPr>
+          <p:cNvSpPr txBox="1"/>
+          <p:nvPr/>
+        </p:nvSpPr>
+        <p:spPr>
+          <a:xfrm>
+            <a:off x="27092812" y="19627646"/>
+            <a:ext cx="1225144" cy="523220"/>
+          </a:xfrm>
+          <a:prstGeom prst="rect">
+            <a:avLst/>
+          </a:prstGeom>
+          <a:noFill/>
+        </p:spPr>
+        <p:txBody>
+          <a:bodyPr wrap="none" rtlCol="0">
+            <a:spAutoFit/>
+          </a:bodyPr>
+          <a:lstStyle/>
+          <a:p>
+            <a:r>
+              <a:rPr lang="en-US" sz="2800" dirty="0"/>
               <a:t>Results</a:t>
             </a:r>
           </a:p>

--- a/Poster_Presentation.pptx
+++ b/Poster_Presentation.pptx
@@ -486,7 +486,12 @@
             <p:ph type="sldImg"/>
           </p:nvPr>
         </p:nvSpPr>
-        <p:spPr/>
+        <p:spPr>
+          <a:xfrm>
+            <a:off x="2271713" y="1143000"/>
+            <a:ext cx="2314575" cy="3086100"/>
+          </a:xfrm>
+        </p:spPr>
       </p:sp>
       <p:sp>
         <p:nvSpPr>
@@ -580,7 +585,7 @@
           <a:bodyPr anchor="b"/>
           <a:lstStyle>
             <a:lvl1pPr algn="ctr">
-              <a:defRPr sz="21600"/>
+              <a:defRPr sz="21599"/>
             </a:lvl1pPr>
           </a:lstStyle>
           <a:p>
@@ -604,7 +609,7 @@
         </p:nvSpPr>
         <p:spPr>
           <a:xfrm>
-            <a:off x="4114800" y="23053043"/>
+            <a:off x="4114800" y="23053044"/>
             <a:ext cx="24688800" cy="10596877"/>
           </a:xfrm>
         </p:spPr>
@@ -615,35 +620,35 @@
               <a:buNone/>
               <a:defRPr sz="8640"/>
             </a:lvl1pPr>
-            <a:lvl2pPr marL="1645920" indent="0" algn="ctr">
+            <a:lvl2pPr marL="1645879" indent="0" algn="ctr">
               <a:buNone/>
               <a:defRPr sz="7200"/>
             </a:lvl2pPr>
-            <a:lvl3pPr marL="3291840" indent="0" algn="ctr">
+            <a:lvl3pPr marL="3291758" indent="0" algn="ctr">
               <a:buNone/>
               <a:defRPr sz="6480"/>
             </a:lvl3pPr>
-            <a:lvl4pPr marL="4937760" indent="0" algn="ctr">
+            <a:lvl4pPr marL="4937636" indent="0" algn="ctr">
               <a:buNone/>
               <a:defRPr sz="5760"/>
             </a:lvl4pPr>
-            <a:lvl5pPr marL="6583680" indent="0" algn="ctr">
+            <a:lvl5pPr marL="6583516" indent="0" algn="ctr">
               <a:buNone/>
               <a:defRPr sz="5760"/>
             </a:lvl5pPr>
-            <a:lvl6pPr marL="8229600" indent="0" algn="ctr">
+            <a:lvl6pPr marL="8229395" indent="0" algn="ctr">
               <a:buNone/>
               <a:defRPr sz="5760"/>
             </a:lvl6pPr>
-            <a:lvl7pPr marL="9875520" indent="0" algn="ctr">
+            <a:lvl7pPr marL="9875273" indent="0" algn="ctr">
               <a:buNone/>
               <a:defRPr sz="5760"/>
             </a:lvl7pPr>
-            <a:lvl8pPr marL="11521440" indent="0" algn="ctr">
+            <a:lvl8pPr marL="11521152" indent="0" algn="ctr">
               <a:buNone/>
               <a:defRPr sz="5760"/>
             </a:lvl8pPr>
-            <a:lvl9pPr marL="13167360" indent="0" algn="ctr">
+            <a:lvl9pPr marL="13167031" indent="0" algn="ctr">
               <a:buNone/>
               <a:defRPr sz="5760"/>
             </a:lvl9pPr>
@@ -934,7 +939,7 @@
         </p:nvSpPr>
         <p:spPr>
           <a:xfrm>
-            <a:off x="23557232" y="2336800"/>
+            <a:off x="23557232" y="2336801"/>
             <a:ext cx="7098030" cy="37195763"/>
           </a:xfrm>
         </p:spPr>
@@ -962,7 +967,7 @@
         </p:nvSpPr>
         <p:spPr>
           <a:xfrm>
-            <a:off x="2263142" y="2336800"/>
+            <a:off x="2263142" y="2336801"/>
             <a:ext cx="20882610" cy="37195763"/>
           </a:xfrm>
         </p:spPr>
@@ -1284,7 +1289,7 @@
         </p:nvSpPr>
         <p:spPr>
           <a:xfrm>
-            <a:off x="2245997" y="10942333"/>
+            <a:off x="2245997" y="10942334"/>
             <a:ext cx="28392120" cy="18257517"/>
           </a:xfrm>
         </p:spPr>
@@ -1292,7 +1297,7 @@
           <a:bodyPr anchor="b"/>
           <a:lstStyle>
             <a:lvl1pPr>
-              <a:defRPr sz="21600"/>
+              <a:defRPr sz="21599"/>
             </a:lvl1pPr>
           </a:lstStyle>
           <a:p>
@@ -1316,7 +1321,7 @@
         </p:nvSpPr>
         <p:spPr>
           <a:xfrm>
-            <a:off x="2245997" y="29372573"/>
+            <a:off x="2245997" y="29372574"/>
             <a:ext cx="28392120" cy="9601197"/>
           </a:xfrm>
         </p:spPr>
@@ -1331,7 +1336,7 @@
                 </a:solidFill>
               </a:defRPr>
             </a:lvl1pPr>
-            <a:lvl2pPr marL="1645920" indent="0">
+            <a:lvl2pPr marL="1645879" indent="0">
               <a:buNone/>
               <a:defRPr sz="7200">
                 <a:solidFill>
@@ -1341,7 +1346,7 @@
                 </a:solidFill>
               </a:defRPr>
             </a:lvl2pPr>
-            <a:lvl3pPr marL="3291840" indent="0">
+            <a:lvl3pPr marL="3291758" indent="0">
               <a:buNone/>
               <a:defRPr sz="6480">
                 <a:solidFill>
@@ -1351,7 +1356,7 @@
                 </a:solidFill>
               </a:defRPr>
             </a:lvl3pPr>
-            <a:lvl4pPr marL="4937760" indent="0">
+            <a:lvl4pPr marL="4937636" indent="0">
               <a:buNone/>
               <a:defRPr sz="5760">
                 <a:solidFill>
@@ -1361,7 +1366,7 @@
                 </a:solidFill>
               </a:defRPr>
             </a:lvl4pPr>
-            <a:lvl5pPr marL="6583680" indent="0">
+            <a:lvl5pPr marL="6583516" indent="0">
               <a:buNone/>
               <a:defRPr sz="5760">
                 <a:solidFill>
@@ -1371,7 +1376,7 @@
                 </a:solidFill>
               </a:defRPr>
             </a:lvl5pPr>
-            <a:lvl6pPr marL="8229600" indent="0">
+            <a:lvl6pPr marL="8229395" indent="0">
               <a:buNone/>
               <a:defRPr sz="5760">
                 <a:solidFill>
@@ -1381,7 +1386,7 @@
                 </a:solidFill>
               </a:defRPr>
             </a:lvl6pPr>
-            <a:lvl7pPr marL="9875520" indent="0">
+            <a:lvl7pPr marL="9875273" indent="0">
               <a:buNone/>
               <a:defRPr sz="5760">
                 <a:solidFill>
@@ -1391,7 +1396,7 @@
                 </a:solidFill>
               </a:defRPr>
             </a:lvl7pPr>
-            <a:lvl8pPr marL="11521440" indent="0">
+            <a:lvl8pPr marL="11521152" indent="0">
               <a:buNone/>
               <a:defRPr sz="5760">
                 <a:solidFill>
@@ -1401,7 +1406,7 @@
                 </a:solidFill>
               </a:defRPr>
             </a:lvl8pPr>
-            <a:lvl9pPr marL="13167360" indent="0">
+            <a:lvl9pPr marL="13167031" indent="0">
               <a:buNone/>
               <a:defRPr sz="5760">
                 <a:solidFill>
@@ -1551,7 +1556,7 @@
         </p:nvSpPr>
         <p:spPr>
           <a:xfrm>
-            <a:off x="2263140" y="11684000"/>
+            <a:off x="2263140" y="11684001"/>
             <a:ext cx="13990320" cy="27848563"/>
           </a:xfrm>
         </p:spPr>
@@ -1608,7 +1613,7 @@
         </p:nvSpPr>
         <p:spPr>
           <a:xfrm>
-            <a:off x="16664940" y="11684000"/>
+            <a:off x="16664940" y="11684001"/>
             <a:ext cx="13990320" cy="27848563"/>
           </a:xfrm>
         </p:spPr>
@@ -1760,7 +1765,7 @@
         </p:nvSpPr>
         <p:spPr>
           <a:xfrm>
-            <a:off x="2267428" y="2336810"/>
+            <a:off x="2267428" y="2336811"/>
             <a:ext cx="28392120" cy="8483603"/>
           </a:xfrm>
         </p:spPr>
@@ -1788,7 +1793,7 @@
         </p:nvSpPr>
         <p:spPr>
           <a:xfrm>
-            <a:off x="2267431" y="10759443"/>
+            <a:off x="2267431" y="10759444"/>
             <a:ext cx="13926024" cy="5273037"/>
           </a:xfrm>
         </p:spPr>
@@ -1799,35 +1804,35 @@
               <a:buNone/>
               <a:defRPr sz="8640" b="1"/>
             </a:lvl1pPr>
-            <a:lvl2pPr marL="1645920" indent="0">
+            <a:lvl2pPr marL="1645879" indent="0">
               <a:buNone/>
               <a:defRPr sz="7200" b="1"/>
             </a:lvl2pPr>
-            <a:lvl3pPr marL="3291840" indent="0">
+            <a:lvl3pPr marL="3291758" indent="0">
               <a:buNone/>
               <a:defRPr sz="6480" b="1"/>
             </a:lvl3pPr>
-            <a:lvl4pPr marL="4937760" indent="0">
+            <a:lvl4pPr marL="4937636" indent="0">
               <a:buNone/>
               <a:defRPr sz="5760" b="1"/>
             </a:lvl4pPr>
-            <a:lvl5pPr marL="6583680" indent="0">
+            <a:lvl5pPr marL="6583516" indent="0">
               <a:buNone/>
               <a:defRPr sz="5760" b="1"/>
             </a:lvl5pPr>
-            <a:lvl6pPr marL="8229600" indent="0">
+            <a:lvl6pPr marL="8229395" indent="0">
               <a:buNone/>
               <a:defRPr sz="5760" b="1"/>
             </a:lvl6pPr>
-            <a:lvl7pPr marL="9875520" indent="0">
+            <a:lvl7pPr marL="9875273" indent="0">
               <a:buNone/>
               <a:defRPr sz="5760" b="1"/>
             </a:lvl7pPr>
-            <a:lvl8pPr marL="11521440" indent="0">
+            <a:lvl8pPr marL="11521152" indent="0">
               <a:buNone/>
               <a:defRPr sz="5760" b="1"/>
             </a:lvl8pPr>
-            <a:lvl9pPr marL="13167360" indent="0">
+            <a:lvl9pPr marL="13167031" indent="0">
               <a:buNone/>
               <a:defRPr sz="5760" b="1"/>
             </a:lvl9pPr>
@@ -1853,7 +1858,7 @@
         </p:nvSpPr>
         <p:spPr>
           <a:xfrm>
-            <a:off x="2267431" y="16032480"/>
+            <a:off x="2267431" y="16032481"/>
             <a:ext cx="13926024" cy="23581363"/>
           </a:xfrm>
         </p:spPr>
@@ -1910,7 +1915,7 @@
         </p:nvSpPr>
         <p:spPr>
           <a:xfrm>
-            <a:off x="16664942" y="10759443"/>
+            <a:off x="16664943" y="10759444"/>
             <a:ext cx="13994608" cy="5273037"/>
           </a:xfrm>
         </p:spPr>
@@ -1921,35 +1926,35 @@
               <a:buNone/>
               <a:defRPr sz="8640" b="1"/>
             </a:lvl1pPr>
-            <a:lvl2pPr marL="1645920" indent="0">
+            <a:lvl2pPr marL="1645879" indent="0">
               <a:buNone/>
               <a:defRPr sz="7200" b="1"/>
             </a:lvl2pPr>
-            <a:lvl3pPr marL="3291840" indent="0">
+            <a:lvl3pPr marL="3291758" indent="0">
               <a:buNone/>
               <a:defRPr sz="6480" b="1"/>
             </a:lvl3pPr>
-            <a:lvl4pPr marL="4937760" indent="0">
+            <a:lvl4pPr marL="4937636" indent="0">
               <a:buNone/>
               <a:defRPr sz="5760" b="1"/>
             </a:lvl4pPr>
-            <a:lvl5pPr marL="6583680" indent="0">
+            <a:lvl5pPr marL="6583516" indent="0">
               <a:buNone/>
               <a:defRPr sz="5760" b="1"/>
             </a:lvl5pPr>
-            <a:lvl6pPr marL="8229600" indent="0">
+            <a:lvl6pPr marL="8229395" indent="0">
               <a:buNone/>
               <a:defRPr sz="5760" b="1"/>
             </a:lvl6pPr>
-            <a:lvl7pPr marL="9875520" indent="0">
+            <a:lvl7pPr marL="9875273" indent="0">
               <a:buNone/>
               <a:defRPr sz="5760" b="1"/>
             </a:lvl7pPr>
-            <a:lvl8pPr marL="11521440" indent="0">
+            <a:lvl8pPr marL="11521152" indent="0">
               <a:buNone/>
               <a:defRPr sz="5760" b="1"/>
             </a:lvl8pPr>
-            <a:lvl9pPr marL="13167360" indent="0">
+            <a:lvl9pPr marL="13167031" indent="0">
               <a:buNone/>
               <a:defRPr sz="5760" b="1"/>
             </a:lvl9pPr>
@@ -1975,7 +1980,7 @@
         </p:nvSpPr>
         <p:spPr>
           <a:xfrm>
-            <a:off x="16664942" y="16032480"/>
+            <a:off x="16664943" y="16032481"/>
             <a:ext cx="13994608" cy="23581363"/>
           </a:xfrm>
         </p:spPr>
@@ -2340,7 +2345,7 @@
         </p:nvSpPr>
         <p:spPr>
           <a:xfrm>
-            <a:off x="2267428" y="2926080"/>
+            <a:off x="2267429" y="2926080"/>
             <a:ext cx="10617041" cy="10241280"/>
           </a:xfrm>
         </p:spPr>
@@ -2372,7 +2377,7 @@
         </p:nvSpPr>
         <p:spPr>
           <a:xfrm>
-            <a:off x="13994608" y="6319530"/>
+            <a:off x="13994608" y="6319531"/>
             <a:ext cx="16664940" cy="31191200"/>
           </a:xfrm>
         </p:spPr>
@@ -2457,7 +2462,7 @@
         </p:nvSpPr>
         <p:spPr>
           <a:xfrm>
-            <a:off x="2267428" y="13167360"/>
+            <a:off x="2267429" y="13167361"/>
             <a:ext cx="10617041" cy="24394163"/>
           </a:xfrm>
         </p:spPr>
@@ -2468,35 +2473,35 @@
               <a:buNone/>
               <a:defRPr sz="5760"/>
             </a:lvl1pPr>
-            <a:lvl2pPr marL="1645920" indent="0">
+            <a:lvl2pPr marL="1645879" indent="0">
               <a:buNone/>
               <a:defRPr sz="5040"/>
             </a:lvl2pPr>
-            <a:lvl3pPr marL="3291840" indent="0">
+            <a:lvl3pPr marL="3291758" indent="0">
               <a:buNone/>
               <a:defRPr sz="4320"/>
             </a:lvl3pPr>
-            <a:lvl4pPr marL="4937760" indent="0">
+            <a:lvl4pPr marL="4937636" indent="0">
               <a:buNone/>
               <a:defRPr sz="3600"/>
             </a:lvl4pPr>
-            <a:lvl5pPr marL="6583680" indent="0">
+            <a:lvl5pPr marL="6583516" indent="0">
               <a:buNone/>
               <a:defRPr sz="3600"/>
             </a:lvl5pPr>
-            <a:lvl6pPr marL="8229600" indent="0">
+            <a:lvl6pPr marL="8229395" indent="0">
               <a:buNone/>
               <a:defRPr sz="3600"/>
             </a:lvl6pPr>
-            <a:lvl7pPr marL="9875520" indent="0">
+            <a:lvl7pPr marL="9875273" indent="0">
               <a:buNone/>
               <a:defRPr sz="3600"/>
             </a:lvl7pPr>
-            <a:lvl8pPr marL="11521440" indent="0">
+            <a:lvl8pPr marL="11521152" indent="0">
               <a:buNone/>
               <a:defRPr sz="3600"/>
             </a:lvl8pPr>
-            <a:lvl9pPr marL="13167360" indent="0">
+            <a:lvl9pPr marL="13167031" indent="0">
               <a:buNone/>
               <a:defRPr sz="3600"/>
             </a:lvl9pPr>
@@ -2617,7 +2622,7 @@
         </p:nvSpPr>
         <p:spPr>
           <a:xfrm>
-            <a:off x="2267428" y="2926080"/>
+            <a:off x="2267429" y="2926080"/>
             <a:ext cx="10617041" cy="10241280"/>
           </a:xfrm>
         </p:spPr>
@@ -2649,7 +2654,7 @@
         </p:nvSpPr>
         <p:spPr>
           <a:xfrm>
-            <a:off x="13994608" y="6319530"/>
+            <a:off x="13994608" y="6319531"/>
             <a:ext cx="16664940" cy="31191200"/>
           </a:xfrm>
         </p:spPr>
@@ -2660,35 +2665,35 @@
               <a:buNone/>
               <a:defRPr sz="11520"/>
             </a:lvl1pPr>
-            <a:lvl2pPr marL="1645920" indent="0">
+            <a:lvl2pPr marL="1645879" indent="0">
               <a:buNone/>
               <a:defRPr sz="10080"/>
             </a:lvl2pPr>
-            <a:lvl3pPr marL="3291840" indent="0">
+            <a:lvl3pPr marL="3291758" indent="0">
               <a:buNone/>
               <a:defRPr sz="8640"/>
             </a:lvl3pPr>
-            <a:lvl4pPr marL="4937760" indent="0">
+            <a:lvl4pPr marL="4937636" indent="0">
               <a:buNone/>
               <a:defRPr sz="7200"/>
             </a:lvl4pPr>
-            <a:lvl5pPr marL="6583680" indent="0">
+            <a:lvl5pPr marL="6583516" indent="0">
               <a:buNone/>
               <a:defRPr sz="7200"/>
             </a:lvl5pPr>
-            <a:lvl6pPr marL="8229600" indent="0">
+            <a:lvl6pPr marL="8229395" indent="0">
               <a:buNone/>
               <a:defRPr sz="7200"/>
             </a:lvl6pPr>
-            <a:lvl7pPr marL="9875520" indent="0">
+            <a:lvl7pPr marL="9875273" indent="0">
               <a:buNone/>
               <a:defRPr sz="7200"/>
             </a:lvl7pPr>
-            <a:lvl8pPr marL="11521440" indent="0">
+            <a:lvl8pPr marL="11521152" indent="0">
               <a:buNone/>
               <a:defRPr sz="7200"/>
             </a:lvl8pPr>
-            <a:lvl9pPr marL="13167360" indent="0">
+            <a:lvl9pPr marL="13167031" indent="0">
               <a:buNone/>
               <a:defRPr sz="7200"/>
             </a:lvl9pPr>
@@ -2714,7 +2719,7 @@
         </p:nvSpPr>
         <p:spPr>
           <a:xfrm>
-            <a:off x="2267428" y="13167360"/>
+            <a:off x="2267429" y="13167361"/>
             <a:ext cx="10617041" cy="24394163"/>
           </a:xfrm>
         </p:spPr>
@@ -2725,35 +2730,35 @@
               <a:buNone/>
               <a:defRPr sz="5760"/>
             </a:lvl1pPr>
-            <a:lvl2pPr marL="1645920" indent="0">
+            <a:lvl2pPr marL="1645879" indent="0">
               <a:buNone/>
               <a:defRPr sz="5040"/>
             </a:lvl2pPr>
-            <a:lvl3pPr marL="3291840" indent="0">
+            <a:lvl3pPr marL="3291758" indent="0">
               <a:buNone/>
               <a:defRPr sz="4320"/>
             </a:lvl3pPr>
-            <a:lvl4pPr marL="4937760" indent="0">
+            <a:lvl4pPr marL="4937636" indent="0">
               <a:buNone/>
               <a:defRPr sz="3600"/>
             </a:lvl4pPr>
-            <a:lvl5pPr marL="6583680" indent="0">
+            <a:lvl5pPr marL="6583516" indent="0">
               <a:buNone/>
               <a:defRPr sz="3600"/>
             </a:lvl5pPr>
-            <a:lvl6pPr marL="8229600" indent="0">
+            <a:lvl6pPr marL="8229395" indent="0">
               <a:buNone/>
               <a:defRPr sz="3600"/>
             </a:lvl6pPr>
-            <a:lvl7pPr marL="9875520" indent="0">
+            <a:lvl7pPr marL="9875273" indent="0">
               <a:buNone/>
               <a:defRPr sz="3600"/>
             </a:lvl7pPr>
-            <a:lvl8pPr marL="11521440" indent="0">
+            <a:lvl8pPr marL="11521152" indent="0">
               <a:buNone/>
               <a:defRPr sz="3600"/>
             </a:lvl8pPr>
-            <a:lvl9pPr marL="13167360" indent="0">
+            <a:lvl9pPr marL="13167031" indent="0">
               <a:buNone/>
               <a:defRPr sz="3600"/>
             </a:lvl9pPr>
@@ -2879,7 +2884,7 @@
         </p:nvSpPr>
         <p:spPr>
           <a:xfrm>
-            <a:off x="2263140" y="2336810"/>
+            <a:off x="2263140" y="2336811"/>
             <a:ext cx="28392120" cy="8483603"/>
           </a:xfrm>
           <a:prstGeom prst="rect">
@@ -2912,7 +2917,7 @@
         </p:nvSpPr>
         <p:spPr>
           <a:xfrm>
-            <a:off x="2263140" y="11684000"/>
+            <a:off x="2263140" y="11684001"/>
             <a:ext cx="28392120" cy="27848563"/>
           </a:xfrm>
           <a:prstGeom prst="rect">
@@ -2974,7 +2979,7 @@
         </p:nvSpPr>
         <p:spPr>
           <a:xfrm>
-            <a:off x="2263140" y="40680650"/>
+            <a:off x="2263140" y="40680651"/>
             <a:ext cx="7406640" cy="2336800"/>
           </a:xfrm>
           <a:prstGeom prst="rect">
@@ -3015,7 +3020,7 @@
         </p:nvSpPr>
         <p:spPr>
           <a:xfrm>
-            <a:off x="10904220" y="40680650"/>
+            <a:off x="10904220" y="40680651"/>
             <a:ext cx="11109960" cy="2336800"/>
           </a:xfrm>
           <a:prstGeom prst="rect">
@@ -3052,7 +3057,7 @@
         </p:nvSpPr>
         <p:spPr>
           <a:xfrm>
-            <a:off x="23248620" y="40680650"/>
+            <a:off x="23248620" y="40680651"/>
             <a:ext cx="7406640" cy="2336800"/>
           </a:xfrm>
           <a:prstGeom prst="rect">
@@ -3104,7 +3109,7 @@
   </p:sldLayoutIdLst>
   <p:txStyles>
     <p:titleStyle>
-      <a:lvl1pPr algn="l" defTabSz="3291840" rtl="0" eaLnBrk="1" latinLnBrk="0" hangingPunct="1">
+      <a:lvl1pPr algn="l" defTabSz="3291758" rtl="0" eaLnBrk="1" latinLnBrk="0" hangingPunct="1">
         <a:lnSpc>
           <a:spcPct val="90000"/>
         </a:lnSpc>
@@ -3112,7 +3117,7 @@
           <a:spcPct val="0"/>
         </a:spcBef>
         <a:buNone/>
-        <a:defRPr sz="15840" kern="1200">
+        <a:defRPr sz="15839" kern="1200">
           <a:solidFill>
             <a:schemeClr val="tx1"/>
           </a:solidFill>
@@ -3123,7 +3128,7 @@
       </a:lvl1pPr>
     </p:titleStyle>
     <p:bodyStyle>
-      <a:lvl1pPr marL="822960" indent="-822960" algn="l" defTabSz="3291840" rtl="0" eaLnBrk="1" latinLnBrk="0" hangingPunct="1">
+      <a:lvl1pPr marL="822940" indent="-822940" algn="l" defTabSz="3291758" rtl="0" eaLnBrk="1" latinLnBrk="0" hangingPunct="1">
         <a:lnSpc>
           <a:spcPct val="90000"/>
         </a:lnSpc>
@@ -3141,7 +3146,7 @@
           <a:cs typeface="+mn-cs"/>
         </a:defRPr>
       </a:lvl1pPr>
-      <a:lvl2pPr marL="2468880" indent="-822960" algn="l" defTabSz="3291840" rtl="0" eaLnBrk="1" latinLnBrk="0" hangingPunct="1">
+      <a:lvl2pPr marL="2468819" indent="-822940" algn="l" defTabSz="3291758" rtl="0" eaLnBrk="1" latinLnBrk="0" hangingPunct="1">
         <a:lnSpc>
           <a:spcPct val="90000"/>
         </a:lnSpc>
@@ -3159,7 +3164,7 @@
           <a:cs typeface="+mn-cs"/>
         </a:defRPr>
       </a:lvl2pPr>
-      <a:lvl3pPr marL="4114800" indent="-822960" algn="l" defTabSz="3291840" rtl="0" eaLnBrk="1" latinLnBrk="0" hangingPunct="1">
+      <a:lvl3pPr marL="4114697" indent="-822940" algn="l" defTabSz="3291758" rtl="0" eaLnBrk="1" latinLnBrk="0" hangingPunct="1">
         <a:lnSpc>
           <a:spcPct val="90000"/>
         </a:lnSpc>
@@ -3177,7 +3182,7 @@
           <a:cs typeface="+mn-cs"/>
         </a:defRPr>
       </a:lvl3pPr>
-      <a:lvl4pPr marL="5760720" indent="-822960" algn="l" defTabSz="3291840" rtl="0" eaLnBrk="1" latinLnBrk="0" hangingPunct="1">
+      <a:lvl4pPr marL="5760576" indent="-822940" algn="l" defTabSz="3291758" rtl="0" eaLnBrk="1" latinLnBrk="0" hangingPunct="1">
         <a:lnSpc>
           <a:spcPct val="90000"/>
         </a:lnSpc>
@@ -3195,7 +3200,7 @@
           <a:cs typeface="+mn-cs"/>
         </a:defRPr>
       </a:lvl4pPr>
-      <a:lvl5pPr marL="7406640" indent="-822960" algn="l" defTabSz="3291840" rtl="0" eaLnBrk="1" latinLnBrk="0" hangingPunct="1">
+      <a:lvl5pPr marL="7406455" indent="-822940" algn="l" defTabSz="3291758" rtl="0" eaLnBrk="1" latinLnBrk="0" hangingPunct="1">
         <a:lnSpc>
           <a:spcPct val="90000"/>
         </a:lnSpc>
@@ -3213,7 +3218,7 @@
           <a:cs typeface="+mn-cs"/>
         </a:defRPr>
       </a:lvl5pPr>
-      <a:lvl6pPr marL="9052560" indent="-822960" algn="l" defTabSz="3291840" rtl="0" eaLnBrk="1" latinLnBrk="0" hangingPunct="1">
+      <a:lvl6pPr marL="9052334" indent="-822940" algn="l" defTabSz="3291758" rtl="0" eaLnBrk="1" latinLnBrk="0" hangingPunct="1">
         <a:lnSpc>
           <a:spcPct val="90000"/>
         </a:lnSpc>
@@ -3231,7 +3236,7 @@
           <a:cs typeface="+mn-cs"/>
         </a:defRPr>
       </a:lvl6pPr>
-      <a:lvl7pPr marL="10698480" indent="-822960" algn="l" defTabSz="3291840" rtl="0" eaLnBrk="1" latinLnBrk="0" hangingPunct="1">
+      <a:lvl7pPr marL="10698212" indent="-822940" algn="l" defTabSz="3291758" rtl="0" eaLnBrk="1" latinLnBrk="0" hangingPunct="1">
         <a:lnSpc>
           <a:spcPct val="90000"/>
         </a:lnSpc>
@@ -3249,7 +3254,7 @@
           <a:cs typeface="+mn-cs"/>
         </a:defRPr>
       </a:lvl7pPr>
-      <a:lvl8pPr marL="12344400" indent="-822960" algn="l" defTabSz="3291840" rtl="0" eaLnBrk="1" latinLnBrk="0" hangingPunct="1">
+      <a:lvl8pPr marL="12344092" indent="-822940" algn="l" defTabSz="3291758" rtl="0" eaLnBrk="1" latinLnBrk="0" hangingPunct="1">
         <a:lnSpc>
           <a:spcPct val="90000"/>
         </a:lnSpc>
@@ -3267,7 +3272,7 @@
           <a:cs typeface="+mn-cs"/>
         </a:defRPr>
       </a:lvl8pPr>
-      <a:lvl9pPr marL="13990320" indent="-822960" algn="l" defTabSz="3291840" rtl="0" eaLnBrk="1" latinLnBrk="0" hangingPunct="1">
+      <a:lvl9pPr marL="13989971" indent="-822940" algn="l" defTabSz="3291758" rtl="0" eaLnBrk="1" latinLnBrk="0" hangingPunct="1">
         <a:lnSpc>
           <a:spcPct val="90000"/>
         </a:lnSpc>
@@ -3290,7 +3295,7 @@
       <a:defPPr>
         <a:defRPr lang="en-US"/>
       </a:defPPr>
-      <a:lvl1pPr marL="0" algn="l" defTabSz="3291840" rtl="0" eaLnBrk="1" latinLnBrk="0" hangingPunct="1">
+      <a:lvl1pPr marL="0" algn="l" defTabSz="3291758" rtl="0" eaLnBrk="1" latinLnBrk="0" hangingPunct="1">
         <a:defRPr sz="6480" kern="1200">
           <a:solidFill>
             <a:schemeClr val="tx1"/>
@@ -3300,7 +3305,7 @@
           <a:cs typeface="+mn-cs"/>
         </a:defRPr>
       </a:lvl1pPr>
-      <a:lvl2pPr marL="1645920" algn="l" defTabSz="3291840" rtl="0" eaLnBrk="1" latinLnBrk="0" hangingPunct="1">
+      <a:lvl2pPr marL="1645879" algn="l" defTabSz="3291758" rtl="0" eaLnBrk="1" latinLnBrk="0" hangingPunct="1">
         <a:defRPr sz="6480" kern="1200">
           <a:solidFill>
             <a:schemeClr val="tx1"/>
@@ -3310,7 +3315,7 @@
           <a:cs typeface="+mn-cs"/>
         </a:defRPr>
       </a:lvl2pPr>
-      <a:lvl3pPr marL="3291840" algn="l" defTabSz="3291840" rtl="0" eaLnBrk="1" latinLnBrk="0" hangingPunct="1">
+      <a:lvl3pPr marL="3291758" algn="l" defTabSz="3291758" rtl="0" eaLnBrk="1" latinLnBrk="0" hangingPunct="1">
         <a:defRPr sz="6480" kern="1200">
           <a:solidFill>
             <a:schemeClr val="tx1"/>
@@ -3320,7 +3325,7 @@
           <a:cs typeface="+mn-cs"/>
         </a:defRPr>
       </a:lvl3pPr>
-      <a:lvl4pPr marL="4937760" algn="l" defTabSz="3291840" rtl="0" eaLnBrk="1" latinLnBrk="0" hangingPunct="1">
+      <a:lvl4pPr marL="4937636" algn="l" defTabSz="3291758" rtl="0" eaLnBrk="1" latinLnBrk="0" hangingPunct="1">
         <a:defRPr sz="6480" kern="1200">
           <a:solidFill>
             <a:schemeClr val="tx1"/>
@@ -3330,7 +3335,7 @@
           <a:cs typeface="+mn-cs"/>
         </a:defRPr>
       </a:lvl4pPr>
-      <a:lvl5pPr marL="6583680" algn="l" defTabSz="3291840" rtl="0" eaLnBrk="1" latinLnBrk="0" hangingPunct="1">
+      <a:lvl5pPr marL="6583516" algn="l" defTabSz="3291758" rtl="0" eaLnBrk="1" latinLnBrk="0" hangingPunct="1">
         <a:defRPr sz="6480" kern="1200">
           <a:solidFill>
             <a:schemeClr val="tx1"/>
@@ -3340,7 +3345,7 @@
           <a:cs typeface="+mn-cs"/>
         </a:defRPr>
       </a:lvl5pPr>
-      <a:lvl6pPr marL="8229600" algn="l" defTabSz="3291840" rtl="0" eaLnBrk="1" latinLnBrk="0" hangingPunct="1">
+      <a:lvl6pPr marL="8229395" algn="l" defTabSz="3291758" rtl="0" eaLnBrk="1" latinLnBrk="0" hangingPunct="1">
         <a:defRPr sz="6480" kern="1200">
           <a:solidFill>
             <a:schemeClr val="tx1"/>
@@ -3350,7 +3355,7 @@
           <a:cs typeface="+mn-cs"/>
         </a:defRPr>
       </a:lvl6pPr>
-      <a:lvl7pPr marL="9875520" algn="l" defTabSz="3291840" rtl="0" eaLnBrk="1" latinLnBrk="0" hangingPunct="1">
+      <a:lvl7pPr marL="9875273" algn="l" defTabSz="3291758" rtl="0" eaLnBrk="1" latinLnBrk="0" hangingPunct="1">
         <a:defRPr sz="6480" kern="1200">
           <a:solidFill>
             <a:schemeClr val="tx1"/>
@@ -3360,7 +3365,7 @@
           <a:cs typeface="+mn-cs"/>
         </a:defRPr>
       </a:lvl7pPr>
-      <a:lvl8pPr marL="11521440" algn="l" defTabSz="3291840" rtl="0" eaLnBrk="1" latinLnBrk="0" hangingPunct="1">
+      <a:lvl8pPr marL="11521152" algn="l" defTabSz="3291758" rtl="0" eaLnBrk="1" latinLnBrk="0" hangingPunct="1">
         <a:defRPr sz="6480" kern="1200">
           <a:solidFill>
             <a:schemeClr val="tx1"/>
@@ -3370,7 +3375,7 @@
           <a:cs typeface="+mn-cs"/>
         </a:defRPr>
       </a:lvl8pPr>
-      <a:lvl9pPr marL="13167360" algn="l" defTabSz="3291840" rtl="0" eaLnBrk="1" latinLnBrk="0" hangingPunct="1">
+      <a:lvl9pPr marL="13167031" algn="l" defTabSz="3291758" rtl="0" eaLnBrk="1" latinLnBrk="0" hangingPunct="1">
         <a:defRPr sz="6480" kern="1200">
           <a:solidFill>
             <a:schemeClr val="tx1"/>
@@ -3437,7 +3442,6 @@
                     <a:lumMod val="75000"/>
                   </a:schemeClr>
                 </a:solidFill>
-                <a:effectLst/>
                 <a:latin typeface="Times New Roman" panose="02020603050405020304" pitchFamily="18" charset="0"/>
                 <a:cs typeface="Times New Roman" panose="02020603050405020304" pitchFamily="18" charset="0"/>
               </a:rPr>
@@ -3461,7 +3465,7 @@
         <p:spPr>
           <a:xfrm>
             <a:off x="3403600" y="4114800"/>
-            <a:ext cx="19099524" cy="1569660"/>
+            <a:ext cx="14127778" cy="1569660"/>
           </a:xfrm>
           <a:prstGeom prst="rect">
             <a:avLst/>
@@ -3482,7 +3486,7 @@
                   </a:schemeClr>
                 </a:solidFill>
               </a:rPr>
-              <a:t>Professor Nathalie Moon, Leo Watson</a:t>
+              <a:t>Leo Watson, Nathalie Moon</a:t>
             </a:r>
           </a:p>
         </p:txBody>
@@ -3532,7 +3536,7 @@
         <p:spPr>
           <a:xfrm>
             <a:off x="945520" y="6160235"/>
-            <a:ext cx="14630400" cy="1143000"/>
+            <a:ext cx="14630400" cy="1015663"/>
           </a:xfrm>
           <a:prstGeom prst="rect">
             <a:avLst/>
@@ -3667,11 +3671,10 @@
           <a:p>
             <a:pPr algn="l" fontAlgn="base"/>
             <a:r>
-              <a:rPr lang="en-US" sz="5400" b="0" dirty="0">
+              <a:rPr lang="en-US" sz="5400" dirty="0">
                 <a:solidFill>
                   <a:srgbClr val="333333"/>
                 </a:solidFill>
-                <a:effectLst/>
                 <a:latin typeface="Times New Roman" panose="02020603050405020304" pitchFamily="18" charset="0"/>
                 <a:cs typeface="Times New Roman" panose="02020603050405020304" pitchFamily="18" charset="0"/>
               </a:rPr>
@@ -3682,18 +3685,16 @@
                 <a:solidFill>
                   <a:srgbClr val="333333"/>
                 </a:solidFill>
-                <a:effectLst/>
                 <a:latin typeface="Times New Roman" panose="02020603050405020304" pitchFamily="18" charset="0"/>
                 <a:cs typeface="Times New Roman" panose="02020603050405020304" pitchFamily="18" charset="0"/>
               </a:rPr>
               <a:t>missing data mechanisms </a:t>
             </a:r>
             <a:r>
-              <a:rPr lang="en-US" sz="5400" b="0" dirty="0">
+              <a:rPr lang="en-US" sz="5400" dirty="0">
                 <a:solidFill>
                   <a:srgbClr val="333333"/>
                 </a:solidFill>
-                <a:effectLst/>
                 <a:latin typeface="Times New Roman" panose="02020603050405020304" pitchFamily="18" charset="0"/>
                 <a:cs typeface="Times New Roman" panose="02020603050405020304" pitchFamily="18" charset="0"/>
               </a:rPr>
@@ -3704,18 +3705,16 @@
                 <a:solidFill>
                   <a:srgbClr val="333333"/>
                 </a:solidFill>
-                <a:effectLst/>
                 <a:latin typeface="Times New Roman" panose="02020603050405020304" pitchFamily="18" charset="0"/>
                 <a:cs typeface="Times New Roman" panose="02020603050405020304" pitchFamily="18" charset="0"/>
               </a:rPr>
               <a:t>modern approaches to handling missing data</a:t>
             </a:r>
             <a:r>
-              <a:rPr lang="en-US" sz="5400" b="0" dirty="0">
+              <a:rPr lang="en-US" sz="5400" dirty="0">
                 <a:solidFill>
                   <a:srgbClr val="333333"/>
                 </a:solidFill>
-                <a:effectLst/>
                 <a:latin typeface="Times New Roman" panose="02020603050405020304" pitchFamily="18" charset="0"/>
                 <a:cs typeface="Times New Roman" panose="02020603050405020304" pitchFamily="18" charset="0"/>
               </a:rPr>
@@ -3726,38 +3725,34 @@
                 <a:solidFill>
                   <a:srgbClr val="333333"/>
                 </a:solidFill>
-                <a:effectLst/>
                 <a:latin typeface="Times New Roman" panose="02020603050405020304" pitchFamily="18" charset="0"/>
                 <a:cs typeface="Times New Roman" panose="02020603050405020304" pitchFamily="18" charset="0"/>
               </a:rPr>
               <a:t>R simulations</a:t>
             </a:r>
             <a:r>
-              <a:rPr lang="en-US" sz="5400" b="0" dirty="0">
+              <a:rPr lang="en-US" sz="5400" dirty="0">
                 <a:solidFill>
                   <a:srgbClr val="333333"/>
                 </a:solidFill>
-                <a:effectLst/>
                 <a:latin typeface="Times New Roman" panose="02020603050405020304" pitchFamily="18" charset="0"/>
                 <a:cs typeface="Times New Roman" panose="02020603050405020304" pitchFamily="18" charset="0"/>
               </a:rPr>
               <a:t>.</a:t>
             </a:r>
             <a:br>
-              <a:rPr lang="en-US" sz="5400" b="0" dirty="0">
+              <a:rPr lang="en-US" sz="5400" dirty="0">
                 <a:solidFill>
                   <a:srgbClr val="333333"/>
                 </a:solidFill>
-                <a:effectLst/>
                 <a:latin typeface="Times New Roman" panose="02020603050405020304" pitchFamily="18" charset="0"/>
                 <a:cs typeface="Times New Roman" panose="02020603050405020304" pitchFamily="18" charset="0"/>
               </a:rPr>
             </a:br>
-            <a:endParaRPr lang="en-US" sz="5400" b="0" dirty="0">
+            <a:endParaRPr lang="en-US" sz="5400" dirty="0">
               <a:solidFill>
                 <a:srgbClr val="000000"/>
               </a:solidFill>
-              <a:effectLst/>
               <a:latin typeface="Times New Roman" panose="02020603050405020304" pitchFamily="18" charset="0"/>
               <a:cs typeface="Times New Roman" panose="02020603050405020304" pitchFamily="18" charset="0"/>
             </a:endParaRPr>
@@ -3784,8 +3779,8 @@
         </p:nvSpPr>
         <p:spPr>
           <a:xfrm>
-            <a:off x="945518" y="15191839"/>
-            <a:ext cx="14630400" cy="1143000"/>
+            <a:off x="945518" y="15191840"/>
+            <a:ext cx="14630400" cy="1015663"/>
           </a:xfrm>
           <a:prstGeom prst="rect">
             <a:avLst/>
@@ -3957,7 +3952,7 @@
         <p:spPr>
           <a:xfrm>
             <a:off x="17342480" y="30121759"/>
-            <a:ext cx="14630400" cy="1014984"/>
+            <a:ext cx="14630400" cy="769441"/>
           </a:xfrm>
           <a:prstGeom prst="rect">
             <a:avLst/>
@@ -4169,7 +4164,7 @@
         </p:nvSpPr>
         <p:spPr>
           <a:xfrm>
-            <a:off x="1167762" y="16748948"/>
+            <a:off x="1167762" y="16748949"/>
             <a:ext cx="2931508" cy="769441"/>
           </a:xfrm>
           <a:prstGeom prst="rect">
@@ -4208,7 +4203,7 @@
         </p:nvSpPr>
         <p:spPr>
           <a:xfrm>
-            <a:off x="1358712" y="20835443"/>
+            <a:off x="1358712" y="20835444"/>
             <a:ext cx="2740558" cy="769441"/>
           </a:xfrm>
           <a:prstGeom prst="rect">
@@ -4247,7 +4242,7 @@
         </p:nvSpPr>
         <p:spPr>
           <a:xfrm>
-            <a:off x="2427787" y="22844989"/>
+            <a:off x="2427788" y="22844990"/>
             <a:ext cx="1601721" cy="769441"/>
           </a:xfrm>
           <a:prstGeom prst="rect">
@@ -4282,7 +4277,7 @@
         </p:nvSpPr>
         <p:spPr>
           <a:xfrm>
-            <a:off x="2427787" y="25485626"/>
+            <a:off x="2427788" y="25485627"/>
             <a:ext cx="1300356" cy="769441"/>
           </a:xfrm>
           <a:prstGeom prst="rect">
@@ -4317,7 +4312,7 @@
         </p:nvSpPr>
         <p:spPr>
           <a:xfrm>
-            <a:off x="2488304" y="29005707"/>
+            <a:off x="2488304" y="29005708"/>
             <a:ext cx="1664238" cy="769441"/>
           </a:xfrm>
           <a:prstGeom prst="rect">
@@ -4352,7 +4347,7 @@
         </p:nvSpPr>
         <p:spPr>
           <a:xfrm>
-            <a:off x="2729152" y="33903252"/>
+            <a:off x="2729153" y="33903253"/>
             <a:ext cx="4068999" cy="769441"/>
           </a:xfrm>
           <a:prstGeom prst="rect">
@@ -4422,7 +4417,7 @@
         </p:nvSpPr>
         <p:spPr>
           <a:xfrm>
-            <a:off x="1407758" y="21770157"/>
+            <a:off x="1407759" y="21770158"/>
             <a:ext cx="6143733" cy="769441"/>
           </a:xfrm>
           <a:prstGeom prst="rect">
@@ -4463,7 +4458,7 @@
         </p:nvSpPr>
         <p:spPr>
           <a:xfrm>
-            <a:off x="1387502" y="32589492"/>
+            <a:off x="1387502" y="32589493"/>
             <a:ext cx="5423536" cy="769441"/>
           </a:xfrm>
           <a:prstGeom prst="rect">
@@ -4504,7 +4499,7 @@
         </p:nvSpPr>
         <p:spPr>
           <a:xfrm>
-            <a:off x="1523363" y="17742289"/>
+            <a:off x="1523364" y="17742290"/>
             <a:ext cx="13747118" cy="3477875"/>
           </a:xfrm>
           <a:prstGeom prst="rect">
@@ -4518,7 +4513,7 @@
           </a:bodyPr>
           <a:lstStyle/>
           <a:p>
-            <a:pPr marL="571500" indent="-571500">
+            <a:pPr marL="571486" indent="-571486">
               <a:buFont typeface="Arial" panose="020B0604020202020204" pitchFamily="34" charset="0"/>
               <a:buChar char="•"/>
             </a:pPr>
@@ -4528,7 +4523,7 @@
             </a:r>
           </a:p>
           <a:p>
-            <a:pPr marL="571500" indent="-571500">
+            <a:pPr marL="571486" indent="-571486">
               <a:buFont typeface="Arial" panose="020B0604020202020204" pitchFamily="34" charset="0"/>
               <a:buChar char="•"/>
             </a:pPr>
@@ -4538,7 +4533,7 @@
             </a:r>
           </a:p>
           <a:p>
-            <a:pPr marL="571500" indent="-571500">
+            <a:pPr marL="571486" indent="-571486">
               <a:buFont typeface="Arial" panose="020B0604020202020204" pitchFamily="34" charset="0"/>
               <a:buChar char="•"/>
             </a:pPr>
@@ -4561,7 +4556,7 @@
         <p:spPr>
           <a:xfrm>
             <a:off x="17342480" y="6116659"/>
-            <a:ext cx="14630400" cy="1143000"/>
+            <a:ext cx="14630400" cy="1015663"/>
           </a:xfrm>
           <a:prstGeom prst="rect">
             <a:avLst/>
@@ -4669,8 +4664,8 @@
         </p:nvSpPr>
         <p:spPr>
           <a:xfrm>
-            <a:off x="17459804" y="15013727"/>
-            <a:ext cx="14730507" cy="769441"/>
+            <a:off x="17459806" y="15013728"/>
+            <a:ext cx="14932614" cy="769441"/>
           </a:xfrm>
           <a:prstGeom prst="rect">
             <a:avLst/>
@@ -4685,15 +4680,7 @@
           <a:p>
             <a:r>
               <a:rPr lang="en-US" sz="4400" dirty="0"/>
-              <a:t>Sim 2: When Listwise Deletion </a:t>
-            </a:r>
-            <a:r>
-              <a:rPr lang="en-US" sz="4400" dirty="0" err="1"/>
-              <a:t>Outpeforms</a:t>
-            </a:r>
-            <a:r>
-              <a:rPr lang="en-US" sz="4400" dirty="0"/>
-              <a:t> Multiple Imputation</a:t>
+              <a:t>Sim 2: When Listwise Deletion Outperforms Multiple Imputation</a:t>
             </a:r>
           </a:p>
         </p:txBody>
@@ -4712,7 +4699,7 @@
         </p:nvSpPr>
         <p:spPr>
           <a:xfrm>
-            <a:off x="17698267" y="21093048"/>
+            <a:off x="17698268" y="21093048"/>
             <a:ext cx="14113223" cy="769441"/>
           </a:xfrm>
           <a:prstGeom prst="rect">
@@ -4783,7 +4770,7 @@
         </p:nvSpPr>
         <p:spPr>
           <a:xfrm>
-            <a:off x="17768533" y="10940963"/>
+            <a:off x="17768533" y="10940964"/>
             <a:ext cx="2758640" cy="769441"/>
           </a:xfrm>
           <a:prstGeom prst="rect">
@@ -4818,7 +4805,7 @@
         </p:nvSpPr>
         <p:spPr>
           <a:xfrm>
-            <a:off x="17790250" y="12689756"/>
+            <a:off x="17790251" y="12689757"/>
             <a:ext cx="1819409" cy="769441"/>
           </a:xfrm>
           <a:prstGeom prst="rect">
@@ -4902,7 +4889,7 @@
         </p:nvSpPr>
         <p:spPr>
           <a:xfrm>
-            <a:off x="18001264" y="17674214"/>
+            <a:off x="18001265" y="17674214"/>
             <a:ext cx="1819601" cy="523220"/>
           </a:xfrm>
           <a:prstGeom prst="rect">
@@ -4972,7 +4959,7 @@
         </p:nvSpPr>
         <p:spPr>
           <a:xfrm>
-            <a:off x="17892161" y="22737873"/>
+            <a:off x="17892162" y="22737874"/>
             <a:ext cx="2852063" cy="769441"/>
           </a:xfrm>
           <a:prstGeom prst="rect">
@@ -5007,7 +4994,7 @@
         </p:nvSpPr>
         <p:spPr>
           <a:xfrm>
-            <a:off x="17892161" y="24604058"/>
+            <a:off x="17892161" y="24604059"/>
             <a:ext cx="2758640" cy="769441"/>
           </a:xfrm>
           <a:prstGeom prst="rect">
@@ -5042,7 +5029,7 @@
         </p:nvSpPr>
         <p:spPr>
           <a:xfrm>
-            <a:off x="17892161" y="26650260"/>
+            <a:off x="17892162" y="26650261"/>
             <a:ext cx="1819409" cy="769441"/>
           </a:xfrm>
           <a:prstGeom prst="rect">
@@ -5123,7 +5110,7 @@
         </p:nvSpPr>
         <p:spPr>
           <a:xfrm>
-            <a:off x="22191699" y="17674214"/>
+            <a:off x="22191700" y="17674214"/>
             <a:ext cx="1819601" cy="523220"/>
           </a:xfrm>
           <a:prstGeom prst="rect">
@@ -5193,7 +5180,7 @@
         </p:nvSpPr>
         <p:spPr>
           <a:xfrm>
-            <a:off x="27092812" y="15715259"/>
+            <a:off x="27092813" y="15715259"/>
             <a:ext cx="4311581" cy="1631216"/>
           </a:xfrm>
           <a:prstGeom prst="rect">
@@ -5239,7 +5226,7 @@
         </p:nvSpPr>
         <p:spPr>
           <a:xfrm>
-            <a:off x="27092812" y="17581444"/>
+            <a:off x="27092813" y="17581444"/>
             <a:ext cx="1819601" cy="523220"/>
           </a:xfrm>
           <a:prstGeom prst="rect">

--- a/Poster_Presentation.pptx
+++ b/Poster_Presentation.pptx
@@ -5,10 +5,11 @@
     <p:sldMasterId id="2147483696" r:id="rId1"/>
   </p:sldMasterIdLst>
   <p:notesMasterIdLst>
-    <p:notesMasterId r:id="rId3"/>
+    <p:notesMasterId r:id="rId4"/>
   </p:notesMasterIdLst>
   <p:sldIdLst>
     <p:sldId id="256" r:id="rId2"/>
+    <p:sldId id="257" r:id="rId3"/>
   </p:sldIdLst>
   <p:sldSz cx="32918400" cy="43891200"/>
   <p:notesSz cx="6858000" cy="9144000"/>
@@ -107,6 +108,11 @@
       </a:defRPr>
     </a:lvl9pPr>
   </p:defaultTextStyle>
+  <p:extLst>
+    <p:ext uri="{EFAFB233-063F-42B5-8137-9DF3F51BA10A}">
+      <p15:sldGuideLst xmlns:p15="http://schemas.microsoft.com/office/powerpoint/2012/main"/>
+    </p:ext>
+  </p:extLst>
 </p:presentation>
 </file>
 
@@ -192,7 +198,7 @@
           <a:p>
             <a:fld id="{02C904AC-053D-414E-8CF7-1E5EE25AE52F}" type="datetimeFigureOut">
               <a:rPr lang="en-US" smtClean="0"/>
-              <a:t>8/3/22</a:t>
+              <a:t>8/15/22</a:t>
             </a:fld>
             <a:endParaRPr lang="en-US"/>
           </a:p>
@@ -548,6 +554,90 @@
 </p:notes>
 </file>
 
+<file path=ppt/notesSlides/notesSlide2.xml><?xml version="1.0" encoding="utf-8"?>
+<p:notes xmlns:a="http://schemas.openxmlformats.org/drawingml/2006/main" xmlns:r="http://schemas.openxmlformats.org/officeDocument/2006/relationships" xmlns:p="http://schemas.openxmlformats.org/presentationml/2006/main">
+  <p:cSld>
+    <p:spTree>
+      <p:nvGrpSpPr>
+        <p:cNvPr id="1" name=""/>
+        <p:cNvGrpSpPr/>
+        <p:nvPr/>
+      </p:nvGrpSpPr>
+      <p:grpSpPr>
+        <a:xfrm>
+          <a:off x="0" y="0"/>
+          <a:ext cx="0" cy="0"/>
+          <a:chOff x="0" y="0"/>
+          <a:chExt cx="0" cy="0"/>
+        </a:xfrm>
+      </p:grpSpPr>
+      <p:sp>
+        <p:nvSpPr>
+          <p:cNvPr id="2" name="Slide Image Placeholder 1"/>
+          <p:cNvSpPr>
+            <a:spLocks noGrp="1" noRot="1" noChangeAspect="1"/>
+          </p:cNvSpPr>
+          <p:nvPr>
+            <p:ph type="sldImg"/>
+          </p:nvPr>
+        </p:nvSpPr>
+        <p:spPr/>
+      </p:sp>
+      <p:sp>
+        <p:nvSpPr>
+          <p:cNvPr id="3" name="Notes Placeholder 2"/>
+          <p:cNvSpPr>
+            <a:spLocks noGrp="1"/>
+          </p:cNvSpPr>
+          <p:nvPr>
+            <p:ph type="body" idx="1"/>
+          </p:nvPr>
+        </p:nvSpPr>
+        <p:spPr/>
+        <p:txBody>
+          <a:bodyPr/>
+          <a:lstStyle/>
+          <a:p>
+            <a:endParaRPr lang="en-US" dirty="0"/>
+          </a:p>
+        </p:txBody>
+      </p:sp>
+      <p:sp>
+        <p:nvSpPr>
+          <p:cNvPr id="4" name="Slide Number Placeholder 3"/>
+          <p:cNvSpPr>
+            <a:spLocks noGrp="1"/>
+          </p:cNvSpPr>
+          <p:nvPr>
+            <p:ph type="sldNum" sz="quarter" idx="5"/>
+          </p:nvPr>
+        </p:nvSpPr>
+        <p:spPr/>
+        <p:txBody>
+          <a:bodyPr/>
+          <a:lstStyle/>
+          <a:p>
+            <a:fld id="{95C99BD3-432F-864C-832B-770A01FF35E1}" type="slidenum">
+              <a:rPr lang="en-US" smtClean="0"/>
+              <a:t>2</a:t>
+            </a:fld>
+            <a:endParaRPr lang="en-US"/>
+          </a:p>
+        </p:txBody>
+      </p:sp>
+    </p:spTree>
+    <p:extLst>
+      <p:ext uri="{BB962C8B-B14F-4D97-AF65-F5344CB8AC3E}">
+        <p14:creationId xmlns:p14="http://schemas.microsoft.com/office/powerpoint/2010/main" val="1597125195"/>
+      </p:ext>
+    </p:extLst>
+  </p:cSld>
+  <p:clrMapOvr>
+    <a:masterClrMapping/>
+  </p:clrMapOvr>
+</p:notes>
+</file>
+
 <file path=ppt/slideLayouts/slideLayout1.xml><?xml version="1.0" encoding="utf-8"?>
 <p:sldLayout xmlns:a="http://schemas.openxmlformats.org/drawingml/2006/main" xmlns:r="http://schemas.openxmlformats.org/officeDocument/2006/relationships" xmlns:p="http://schemas.openxmlformats.org/presentationml/2006/main" type="title" preserve="1">
   <p:cSld name="Title Slide">
@@ -679,7 +769,7 @@
           <a:p>
             <a:fld id="{073DE5F2-815D-AA46-A42C-BC02079399B9}" type="datetimeFigureOut">
               <a:rPr lang="en-US" smtClean="0"/>
-              <a:t>8/3/22</a:t>
+              <a:t>8/15/22</a:t>
             </a:fld>
             <a:endParaRPr lang="en-US"/>
           </a:p>
@@ -849,7 +939,7 @@
           <a:p>
             <a:fld id="{073DE5F2-815D-AA46-A42C-BC02079399B9}" type="datetimeFigureOut">
               <a:rPr lang="en-US" smtClean="0"/>
-              <a:t>8/3/22</a:t>
+              <a:t>8/15/22</a:t>
             </a:fld>
             <a:endParaRPr lang="en-US"/>
           </a:p>
@@ -1029,7 +1119,7 @@
           <a:p>
             <a:fld id="{073DE5F2-815D-AA46-A42C-BC02079399B9}" type="datetimeFigureOut">
               <a:rPr lang="en-US" smtClean="0"/>
-              <a:t>8/3/22</a:t>
+              <a:t>8/15/22</a:t>
             </a:fld>
             <a:endParaRPr lang="en-US"/>
           </a:p>
@@ -1199,7 +1289,7 @@
           <a:p>
             <a:fld id="{073DE5F2-815D-AA46-A42C-BC02079399B9}" type="datetimeFigureOut">
               <a:rPr lang="en-US" smtClean="0"/>
-              <a:t>8/3/22</a:t>
+              <a:t>8/15/22</a:t>
             </a:fld>
             <a:endParaRPr lang="en-US"/>
           </a:p>
@@ -1443,7 +1533,7 @@
           <a:p>
             <a:fld id="{073DE5F2-815D-AA46-A42C-BC02079399B9}" type="datetimeFigureOut">
               <a:rPr lang="en-US" smtClean="0"/>
-              <a:t>8/3/22</a:t>
+              <a:t>8/15/22</a:t>
             </a:fld>
             <a:endParaRPr lang="en-US"/>
           </a:p>
@@ -1675,7 +1765,7 @@
           <a:p>
             <a:fld id="{073DE5F2-815D-AA46-A42C-BC02079399B9}" type="datetimeFigureOut">
               <a:rPr lang="en-US" smtClean="0"/>
-              <a:t>8/3/22</a:t>
+              <a:t>8/15/22</a:t>
             </a:fld>
             <a:endParaRPr lang="en-US"/>
           </a:p>
@@ -2042,7 +2132,7 @@
           <a:p>
             <a:fld id="{073DE5F2-815D-AA46-A42C-BC02079399B9}" type="datetimeFigureOut">
               <a:rPr lang="en-US" smtClean="0"/>
-              <a:t>8/3/22</a:t>
+              <a:t>8/15/22</a:t>
             </a:fld>
             <a:endParaRPr lang="en-US"/>
           </a:p>
@@ -2160,7 +2250,7 @@
           <a:p>
             <a:fld id="{073DE5F2-815D-AA46-A42C-BC02079399B9}" type="datetimeFigureOut">
               <a:rPr lang="en-US" smtClean="0"/>
-              <a:t>8/3/22</a:t>
+              <a:t>8/15/22</a:t>
             </a:fld>
             <a:endParaRPr lang="en-US"/>
           </a:p>
@@ -2255,7 +2345,7 @@
           <a:p>
             <a:fld id="{073DE5F2-815D-AA46-A42C-BC02079399B9}" type="datetimeFigureOut">
               <a:rPr lang="en-US" smtClean="0"/>
-              <a:t>8/3/22</a:t>
+              <a:t>8/15/22</a:t>
             </a:fld>
             <a:endParaRPr lang="en-US"/>
           </a:p>
@@ -2532,7 +2622,7 @@
           <a:p>
             <a:fld id="{073DE5F2-815D-AA46-A42C-BC02079399B9}" type="datetimeFigureOut">
               <a:rPr lang="en-US" smtClean="0"/>
-              <a:t>8/3/22</a:t>
+              <a:t>8/15/22</a:t>
             </a:fld>
             <a:endParaRPr lang="en-US"/>
           </a:p>
@@ -2789,7 +2879,7 @@
           <a:p>
             <a:fld id="{073DE5F2-815D-AA46-A42C-BC02079399B9}" type="datetimeFigureOut">
               <a:rPr lang="en-US" smtClean="0"/>
-              <a:t>8/3/22</a:t>
+              <a:t>8/15/22</a:t>
             </a:fld>
             <a:endParaRPr lang="en-US"/>
           </a:p>
@@ -3002,7 +3092,7 @@
           <a:p>
             <a:fld id="{073DE5F2-815D-AA46-A42C-BC02079399B9}" type="datetimeFigureOut">
               <a:rPr lang="en-US" smtClean="0"/>
-              <a:t>8/3/22</a:t>
+              <a:t>8/15/22</a:t>
             </a:fld>
             <a:endParaRPr lang="en-US"/>
           </a:p>
@@ -3421,7 +3511,7 @@
         </p:nvSpPr>
         <p:spPr>
           <a:xfrm>
-            <a:off x="1167762" y="577334"/>
+            <a:off x="1086480" y="174057"/>
             <a:ext cx="23571200" cy="3046988"/>
           </a:xfrm>
           <a:prstGeom prst="rect">
@@ -3464,7 +3554,7 @@
         </p:nvSpPr>
         <p:spPr>
           <a:xfrm>
-            <a:off x="3403600" y="4114800"/>
+            <a:off x="3164179" y="3668125"/>
             <a:ext cx="14127778" cy="1569660"/>
           </a:xfrm>
           <a:prstGeom prst="rect">
@@ -3513,7 +3603,7 @@
         </p:blipFill>
         <p:spPr>
           <a:xfrm>
-            <a:off x="25043762" y="898567"/>
+            <a:off x="25002561" y="365095"/>
             <a:ext cx="6011937" cy="4452560"/>
           </a:xfrm>
           <a:prstGeom prst="rect">
@@ -3535,7 +3625,7 @@
         </p:nvSpPr>
         <p:spPr>
           <a:xfrm>
-            <a:off x="945520" y="6160235"/>
+            <a:off x="640081" y="5652169"/>
             <a:ext cx="14630400" cy="1015663"/>
           </a:xfrm>
           <a:prstGeom prst="rect">
@@ -3603,8 +3693,8 @@
         </p:nvSpPr>
         <p:spPr>
           <a:xfrm>
-            <a:off x="945520" y="7175899"/>
-            <a:ext cx="14630400" cy="6971466"/>
+            <a:off x="640081" y="6699055"/>
+            <a:ext cx="14308665" cy="3908383"/>
           </a:xfrm>
           <a:prstGeom prst="rect">
             <a:avLst/>
@@ -3655,7 +3745,7 @@
         </p:nvSpPr>
         <p:spPr>
           <a:xfrm>
-            <a:off x="1523362" y="8220374"/>
+            <a:off x="928470" y="7038082"/>
             <a:ext cx="13747119" cy="4585871"/>
           </a:xfrm>
           <a:prstGeom prst="rect">
@@ -3669,7 +3759,7 @@
           </a:bodyPr>
           <a:lstStyle/>
           <a:p>
-            <a:pPr algn="l" fontAlgn="base"/>
+            <a:pPr fontAlgn="base"/>
             <a:r>
               <a:rPr lang="en-US" sz="5400" dirty="0">
                 <a:solidFill>
@@ -3718,7 +3808,7 @@
                 <a:latin typeface="Times New Roman" panose="02020603050405020304" pitchFamily="18" charset="0"/>
                 <a:cs typeface="Times New Roman" panose="02020603050405020304" pitchFamily="18" charset="0"/>
               </a:rPr>
-              <a:t>. Investigating hypotheses about imputation techniques using </a:t>
+              <a:t>. </a:t>
             </a:r>
             <a:r>
               <a:rPr lang="en-US" sz="5400" b="1" dirty="0">
@@ -3728,7 +3818,7 @@
                 <a:latin typeface="Times New Roman" panose="02020603050405020304" pitchFamily="18" charset="0"/>
                 <a:cs typeface="Times New Roman" panose="02020603050405020304" pitchFamily="18" charset="0"/>
               </a:rPr>
-              <a:t>R simulations</a:t>
+              <a:t>Designing</a:t>
             </a:r>
             <a:r>
               <a:rPr lang="en-US" sz="5400" dirty="0">
@@ -3738,7 +3828,27 @@
                 <a:latin typeface="Times New Roman" panose="02020603050405020304" pitchFamily="18" charset="0"/>
                 <a:cs typeface="Times New Roman" panose="02020603050405020304" pitchFamily="18" charset="0"/>
               </a:rPr>
-              <a:t>.</a:t>
+              <a:t> </a:t>
+            </a:r>
+            <a:r>
+              <a:rPr lang="en-US" sz="5400" b="1" dirty="0">
+                <a:solidFill>
+                  <a:srgbClr val="333333"/>
+                </a:solidFill>
+                <a:latin typeface="Times New Roman" panose="02020603050405020304" pitchFamily="18" charset="0"/>
+                <a:cs typeface="Times New Roman" panose="02020603050405020304" pitchFamily="18" charset="0"/>
+              </a:rPr>
+              <a:t>R simulations </a:t>
+            </a:r>
+            <a:r>
+              <a:rPr lang="en-US" sz="5400" dirty="0">
+                <a:solidFill>
+                  <a:srgbClr val="333333"/>
+                </a:solidFill>
+                <a:latin typeface="Times New Roman" panose="02020603050405020304" pitchFamily="18" charset="0"/>
+                <a:cs typeface="Times New Roman" panose="02020603050405020304" pitchFamily="18" charset="0"/>
+              </a:rPr>
+              <a:t>to investigate hypotheses about imputation technique.</a:t>
             </a:r>
             <a:br>
               <a:rPr lang="en-US" sz="5400" dirty="0">
@@ -3779,7 +3889,7 @@
         </p:nvSpPr>
         <p:spPr>
           <a:xfrm>
-            <a:off x="945518" y="15191840"/>
+            <a:off x="623782" y="11157322"/>
             <a:ext cx="14630400" cy="1015663"/>
           </a:xfrm>
           <a:prstGeom prst="rect">
@@ -3847,7 +3957,7 @@
         </p:nvSpPr>
         <p:spPr>
           <a:xfrm>
-            <a:off x="945518" y="16207502"/>
+            <a:off x="623782" y="12172985"/>
             <a:ext cx="14630400" cy="25634496"/>
           </a:xfrm>
           <a:prstGeom prst="rect">
@@ -3899,7 +4009,7 @@
         </p:nvSpPr>
         <p:spPr>
           <a:xfrm>
-            <a:off x="17342480" y="7254525"/>
+            <a:off x="17342480" y="6701442"/>
             <a:ext cx="14630400" cy="21904675"/>
           </a:xfrm>
           <a:prstGeom prst="rect">
@@ -3908,7 +4018,7 @@
           <a:noFill/>
           <a:ln w="34925">
             <a:solidFill>
-              <a:schemeClr val="accent2"/>
+              <a:schemeClr val="tx1"/>
             </a:solidFill>
           </a:ln>
         </p:spPr>
@@ -3933,7 +4043,11 @@
           <a:lstStyle/>
           <a:p>
             <a:pPr algn="ctr"/>
-            <a:endParaRPr kumimoji="1" lang="ja-JP" altLang="en-US"/>
+            <a:endParaRPr kumimoji="1" lang="ja-JP" altLang="en-US">
+              <a:solidFill>
+                <a:srgbClr val="FF0000"/>
+              </a:solidFill>
+            </a:endParaRPr>
           </a:p>
         </p:txBody>
       </p:sp>
@@ -4164,7 +4278,7 @@
         </p:nvSpPr>
         <p:spPr>
           <a:xfrm>
-            <a:off x="1167762" y="16748949"/>
+            <a:off x="846026" y="12838504"/>
             <a:ext cx="2931508" cy="769441"/>
           </a:xfrm>
           <a:prstGeom prst="rect">
@@ -4203,7 +4317,7 @@
         </p:nvSpPr>
         <p:spPr>
           <a:xfrm>
-            <a:off x="1358712" y="20835444"/>
+            <a:off x="1036976" y="16924999"/>
             <a:ext cx="2740558" cy="769441"/>
           </a:xfrm>
           <a:prstGeom prst="rect">
@@ -4242,7 +4356,7 @@
         </p:nvSpPr>
         <p:spPr>
           <a:xfrm>
-            <a:off x="2427788" y="22844990"/>
+            <a:off x="2106052" y="18934545"/>
             <a:ext cx="1601721" cy="769441"/>
           </a:xfrm>
           <a:prstGeom prst="rect">
@@ -4277,7 +4391,7 @@
         </p:nvSpPr>
         <p:spPr>
           <a:xfrm>
-            <a:off x="2427788" y="25485627"/>
+            <a:off x="2106052" y="21575182"/>
             <a:ext cx="1300356" cy="769441"/>
           </a:xfrm>
           <a:prstGeom prst="rect">
@@ -4312,7 +4426,7 @@
         </p:nvSpPr>
         <p:spPr>
           <a:xfrm>
-            <a:off x="2488304" y="29005708"/>
+            <a:off x="2166568" y="25095263"/>
             <a:ext cx="1664238" cy="769441"/>
           </a:xfrm>
           <a:prstGeom prst="rect">
@@ -4347,7 +4461,7 @@
         </p:nvSpPr>
         <p:spPr>
           <a:xfrm>
-            <a:off x="2729153" y="33903253"/>
+            <a:off x="2407417" y="29992808"/>
             <a:ext cx="4068999" cy="769441"/>
           </a:xfrm>
           <a:prstGeom prst="rect">
@@ -4382,7 +4496,7 @@
         </p:nvSpPr>
         <p:spPr>
           <a:xfrm>
-            <a:off x="2729152" y="37175971"/>
+            <a:off x="2407416" y="33265526"/>
             <a:ext cx="4795608" cy="769441"/>
           </a:xfrm>
           <a:prstGeom prst="rect">
@@ -4417,7 +4531,7 @@
         </p:nvSpPr>
         <p:spPr>
           <a:xfrm>
-            <a:off x="1407759" y="21770158"/>
+            <a:off x="1086023" y="17859713"/>
             <a:ext cx="6143733" cy="769441"/>
           </a:xfrm>
           <a:prstGeom prst="rect">
@@ -4458,7 +4572,7 @@
         </p:nvSpPr>
         <p:spPr>
           <a:xfrm>
-            <a:off x="1387502" y="32589493"/>
+            <a:off x="1065766" y="28679048"/>
             <a:ext cx="5423536" cy="769441"/>
           </a:xfrm>
           <a:prstGeom prst="rect">
@@ -4499,7 +4613,7 @@
         </p:nvSpPr>
         <p:spPr>
           <a:xfrm>
-            <a:off x="1523364" y="17742290"/>
+            <a:off x="1201628" y="13831845"/>
             <a:ext cx="13747118" cy="3477875"/>
           </a:xfrm>
           <a:prstGeom prst="rect">
@@ -4555,7 +4669,7 @@
         </p:nvSpPr>
         <p:spPr>
           <a:xfrm>
-            <a:off x="17342480" y="6116659"/>
+            <a:off x="17342480" y="5670158"/>
             <a:ext cx="14630400" cy="1015663"/>
           </a:xfrm>
           <a:prstGeom prst="rect">
@@ -4623,8 +4737,8 @@
         </p:nvSpPr>
         <p:spPr>
           <a:xfrm>
-            <a:off x="17698267" y="7661806"/>
-            <a:ext cx="13986073" cy="1446550"/>
+            <a:off x="17511848" y="6934497"/>
+            <a:ext cx="14291663" cy="1446550"/>
           </a:xfrm>
           <a:prstGeom prst="rect">
             <a:avLst/>
@@ -4632,20 +4746,14 @@
           <a:noFill/>
         </p:spPr>
         <p:txBody>
-          <a:bodyPr wrap="none" rtlCol="0">
+          <a:bodyPr wrap="square" rtlCol="0">
             <a:spAutoFit/>
           </a:bodyPr>
           <a:lstStyle/>
           <a:p>
             <a:r>
-              <a:rPr lang="en-US" sz="4400" dirty="0"/>
-              <a:t>Simulation 1:  Comparing Multiple Imputation under varying</a:t>
-            </a:r>
-          </a:p>
-          <a:p>
-            <a:r>
-              <a:rPr lang="en-US" sz="4400" dirty="0"/>
-              <a:t>Degrees of MCAR, MAR, MNAR</a:t>
+              <a:rPr lang="en-US" sz="4400" b="1" dirty="0"/>
+              <a:t>1) Comparing multiple imputation under varying degrees of MCAR, MAR, MNAR</a:t>
             </a:r>
           </a:p>
         </p:txBody>
@@ -4664,8 +4772,8 @@
         </p:nvSpPr>
         <p:spPr>
           <a:xfrm>
-            <a:off x="17459806" y="15013728"/>
-            <a:ext cx="14932614" cy="769441"/>
+            <a:off x="17681269" y="23041024"/>
+            <a:ext cx="14175034" cy="769441"/>
           </a:xfrm>
           <a:prstGeom prst="rect">
             <a:avLst/>
@@ -4679,79 +4787,8 @@
           <a:lstStyle/>
           <a:p>
             <a:r>
-              <a:rPr lang="en-US" sz="4400" dirty="0"/>
-              <a:t>Sim 2: When Listwise Deletion Outperforms Multiple Imputation</a:t>
-            </a:r>
-          </a:p>
-        </p:txBody>
-      </p:sp>
-      <p:sp>
-        <p:nvSpPr>
-          <p:cNvPr id="804" name="TextBox 803">
-            <a:extLst>
-              <a:ext uri="{FF2B5EF4-FFF2-40B4-BE49-F238E27FC236}">
-                <a16:creationId xmlns:a16="http://schemas.microsoft.com/office/drawing/2014/main" id="{9840C514-20E6-2A1B-CBA7-F3115E281A12}"/>
-              </a:ext>
-            </a:extLst>
-          </p:cNvPr>
-          <p:cNvSpPr txBox="1"/>
-          <p:nvPr/>
-        </p:nvSpPr>
-        <p:spPr>
-          <a:xfrm>
-            <a:off x="17698268" y="21093048"/>
-            <a:ext cx="14113223" cy="769441"/>
-          </a:xfrm>
-          <a:prstGeom prst="rect">
-            <a:avLst/>
-          </a:prstGeom>
-          <a:noFill/>
-        </p:spPr>
-        <p:txBody>
-          <a:bodyPr wrap="square" rtlCol="0">
-            <a:spAutoFit/>
-          </a:bodyPr>
-          <a:lstStyle/>
-          <a:p>
-            <a:r>
-              <a:rPr lang="en-US" sz="4400" dirty="0"/>
-              <a:t>Simulation 3: Dealing with non-normally distributed variables</a:t>
-            </a:r>
-            <a:endParaRPr lang="en-US" sz="4400" i="1" dirty="0"/>
-          </a:p>
-        </p:txBody>
-      </p:sp>
-      <p:sp>
-        <p:nvSpPr>
-          <p:cNvPr id="805" name="TextBox 804">
-            <a:extLst>
-              <a:ext uri="{FF2B5EF4-FFF2-40B4-BE49-F238E27FC236}">
-                <a16:creationId xmlns:a16="http://schemas.microsoft.com/office/drawing/2014/main" id="{F5336AD5-25B2-A743-7C08-50302E9DD653}"/>
-              </a:ext>
-            </a:extLst>
-          </p:cNvPr>
-          <p:cNvSpPr txBox="1"/>
-          <p:nvPr/>
-        </p:nvSpPr>
-        <p:spPr>
-          <a:xfrm>
-            <a:off x="17721822" y="9378727"/>
-            <a:ext cx="2852063" cy="769441"/>
-          </a:xfrm>
-          <a:prstGeom prst="rect">
-            <a:avLst/>
-          </a:prstGeom>
-          <a:noFill/>
-        </p:spPr>
-        <p:txBody>
-          <a:bodyPr wrap="none" rtlCol="0">
-            <a:spAutoFit/>
-          </a:bodyPr>
-          <a:lstStyle/>
-          <a:p>
-            <a:r>
-              <a:rPr lang="en-US" sz="4400" dirty="0"/>
-              <a:t>Hypothesis </a:t>
+              <a:rPr lang="en-US" sz="4400" b="1" dirty="0"/>
+              <a:t>2) When Listwise Deletion Outperforms Multiple Imputation</a:t>
             </a:r>
           </a:p>
         </p:txBody>
@@ -4770,8 +4807,8 @@
         </p:nvSpPr>
         <p:spPr>
           <a:xfrm>
-            <a:off x="17768533" y="10940964"/>
-            <a:ext cx="2758640" cy="769441"/>
+            <a:off x="17511848" y="8298859"/>
+            <a:ext cx="2831224" cy="769441"/>
           </a:xfrm>
           <a:prstGeom prst="rect">
             <a:avLst/>
@@ -4785,43 +4822,8 @@
           <a:lstStyle/>
           <a:p>
             <a:r>
-              <a:rPr lang="en-US" sz="4400" dirty="0"/>
+              <a:rPr lang="en-US" sz="4400" b="1" dirty="0"/>
               <a:t>Simulation </a:t>
-            </a:r>
-          </a:p>
-        </p:txBody>
-      </p:sp>
-      <p:sp>
-        <p:nvSpPr>
-          <p:cNvPr id="809" name="TextBox 808">
-            <a:extLst>
-              <a:ext uri="{FF2B5EF4-FFF2-40B4-BE49-F238E27FC236}">
-                <a16:creationId xmlns:a16="http://schemas.microsoft.com/office/drawing/2014/main" id="{69DE3A94-B933-2210-3BA0-2CC96D7A2701}"/>
-              </a:ext>
-            </a:extLst>
-          </p:cNvPr>
-          <p:cNvSpPr txBox="1"/>
-          <p:nvPr/>
-        </p:nvSpPr>
-        <p:spPr>
-          <a:xfrm>
-            <a:off x="17790251" y="12689757"/>
-            <a:ext cx="1819409" cy="769441"/>
-          </a:xfrm>
-          <a:prstGeom prst="rect">
-            <a:avLst/>
-          </a:prstGeom>
-          <a:noFill/>
-        </p:spPr>
-        <p:txBody>
-          <a:bodyPr wrap="none" rtlCol="0">
-            <a:spAutoFit/>
-          </a:bodyPr>
-          <a:lstStyle/>
-          <a:p>
-            <a:r>
-              <a:rPr lang="en-US" sz="4400" dirty="0"/>
-              <a:t>Results</a:t>
             </a:r>
           </a:p>
         </p:txBody>
@@ -4840,7 +4842,7 @@
         </p:nvSpPr>
         <p:spPr>
           <a:xfrm>
-            <a:off x="17838626" y="15851093"/>
+            <a:off x="18177415" y="24094747"/>
             <a:ext cx="4309962" cy="892552"/>
           </a:xfrm>
           <a:prstGeom prst="rect">
@@ -4889,7 +4891,7 @@
         </p:nvSpPr>
         <p:spPr>
           <a:xfrm>
-            <a:off x="18001265" y="17674214"/>
+            <a:off x="18340054" y="25917868"/>
             <a:ext cx="1819601" cy="523220"/>
           </a:xfrm>
           <a:prstGeom prst="rect">
@@ -4924,7 +4926,7 @@
         </p:nvSpPr>
         <p:spPr>
           <a:xfrm>
-            <a:off x="18030791" y="19720416"/>
+            <a:off x="18369580" y="27964070"/>
             <a:ext cx="1225144" cy="523220"/>
           </a:xfrm>
           <a:prstGeom prst="rect">
@@ -4940,111 +4942,6 @@
           <a:p>
             <a:r>
               <a:rPr lang="en-US" sz="2800" dirty="0"/>
-              <a:t>Results</a:t>
-            </a:r>
-          </a:p>
-        </p:txBody>
-      </p:sp>
-      <p:sp>
-        <p:nvSpPr>
-          <p:cNvPr id="813" name="TextBox 812">
-            <a:extLst>
-              <a:ext uri="{FF2B5EF4-FFF2-40B4-BE49-F238E27FC236}">
-                <a16:creationId xmlns:a16="http://schemas.microsoft.com/office/drawing/2014/main" id="{724E91A7-8CF7-0AC6-1EBB-ABF16C17AFF1}"/>
-              </a:ext>
-            </a:extLst>
-          </p:cNvPr>
-          <p:cNvSpPr txBox="1"/>
-          <p:nvPr/>
-        </p:nvSpPr>
-        <p:spPr>
-          <a:xfrm>
-            <a:off x="17892162" y="22737874"/>
-            <a:ext cx="2852063" cy="769441"/>
-          </a:xfrm>
-          <a:prstGeom prst="rect">
-            <a:avLst/>
-          </a:prstGeom>
-          <a:noFill/>
-        </p:spPr>
-        <p:txBody>
-          <a:bodyPr wrap="none" rtlCol="0">
-            <a:spAutoFit/>
-          </a:bodyPr>
-          <a:lstStyle/>
-          <a:p>
-            <a:r>
-              <a:rPr lang="en-US" sz="4400" dirty="0"/>
-              <a:t>Hypothesis </a:t>
-            </a:r>
-          </a:p>
-        </p:txBody>
-      </p:sp>
-      <p:sp>
-        <p:nvSpPr>
-          <p:cNvPr id="814" name="TextBox 813">
-            <a:extLst>
-              <a:ext uri="{FF2B5EF4-FFF2-40B4-BE49-F238E27FC236}">
-                <a16:creationId xmlns:a16="http://schemas.microsoft.com/office/drawing/2014/main" id="{59457DF3-FD40-41F7-A03F-A5652FB7F6AA}"/>
-              </a:ext>
-            </a:extLst>
-          </p:cNvPr>
-          <p:cNvSpPr txBox="1"/>
-          <p:nvPr/>
-        </p:nvSpPr>
-        <p:spPr>
-          <a:xfrm>
-            <a:off x="17892161" y="24604059"/>
-            <a:ext cx="2758640" cy="769441"/>
-          </a:xfrm>
-          <a:prstGeom prst="rect">
-            <a:avLst/>
-          </a:prstGeom>
-          <a:noFill/>
-        </p:spPr>
-        <p:txBody>
-          <a:bodyPr wrap="none" rtlCol="0">
-            <a:spAutoFit/>
-          </a:bodyPr>
-          <a:lstStyle/>
-          <a:p>
-            <a:r>
-              <a:rPr lang="en-US" sz="4400" dirty="0"/>
-              <a:t>Simulation </a:t>
-            </a:r>
-          </a:p>
-        </p:txBody>
-      </p:sp>
-      <p:sp>
-        <p:nvSpPr>
-          <p:cNvPr id="815" name="TextBox 814">
-            <a:extLst>
-              <a:ext uri="{FF2B5EF4-FFF2-40B4-BE49-F238E27FC236}">
-                <a16:creationId xmlns:a16="http://schemas.microsoft.com/office/drawing/2014/main" id="{8707FD38-50B1-64F5-0F14-853A7E3095C5}"/>
-              </a:ext>
-            </a:extLst>
-          </p:cNvPr>
-          <p:cNvSpPr txBox="1"/>
-          <p:nvPr/>
-        </p:nvSpPr>
-        <p:spPr>
-          <a:xfrm>
-            <a:off x="17892162" y="26650261"/>
-            <a:ext cx="1819409" cy="769441"/>
-          </a:xfrm>
-          <a:prstGeom prst="rect">
-            <a:avLst/>
-          </a:prstGeom>
-          <a:noFill/>
-        </p:spPr>
-        <p:txBody>
-          <a:bodyPr wrap="none" rtlCol="0">
-            <a:spAutoFit/>
-          </a:bodyPr>
-          <a:lstStyle/>
-          <a:p>
-            <a:r>
-              <a:rPr lang="en-US" sz="4400" dirty="0"/>
               <a:t>Results</a:t>
             </a:r>
           </a:p>
@@ -5064,7 +4961,7 @@
         </p:nvSpPr>
         <p:spPr>
           <a:xfrm>
-            <a:off x="22191699" y="15808029"/>
+            <a:off x="22530488" y="24051683"/>
             <a:ext cx="3397290" cy="1261884"/>
           </a:xfrm>
           <a:prstGeom prst="rect">
@@ -5110,7 +5007,7 @@
         </p:nvSpPr>
         <p:spPr>
           <a:xfrm>
-            <a:off x="22191700" y="17674214"/>
+            <a:off x="22530489" y="25917868"/>
             <a:ext cx="1819601" cy="523220"/>
           </a:xfrm>
           <a:prstGeom prst="rect">
@@ -5145,7 +5042,7 @@
         </p:nvSpPr>
         <p:spPr>
           <a:xfrm>
-            <a:off x="22191699" y="19720416"/>
+            <a:off x="22530488" y="27964070"/>
             <a:ext cx="1225144" cy="523220"/>
           </a:xfrm>
           <a:prstGeom prst="rect">
@@ -5180,7 +5077,7 @@
         </p:nvSpPr>
         <p:spPr>
           <a:xfrm>
-            <a:off x="27092813" y="15715259"/>
+            <a:off x="27431602" y="23958913"/>
             <a:ext cx="4311581" cy="1631216"/>
           </a:xfrm>
           <a:prstGeom prst="rect">
@@ -5226,7 +5123,7 @@
         </p:nvSpPr>
         <p:spPr>
           <a:xfrm>
-            <a:off x="27092813" y="17581444"/>
+            <a:off x="27431602" y="25825098"/>
             <a:ext cx="1819601" cy="523220"/>
           </a:xfrm>
           <a:prstGeom prst="rect">
@@ -5261,7 +5158,7 @@
         </p:nvSpPr>
         <p:spPr>
           <a:xfrm>
-            <a:off x="27092812" y="19627646"/>
+            <a:off x="27431601" y="27871300"/>
             <a:ext cx="1225144" cy="523220"/>
           </a:xfrm>
           <a:prstGeom prst="rect">
@@ -5282,10 +5179,2513 @@
           </a:p>
         </p:txBody>
       </p:sp>
+      <p:pic>
+        <p:nvPicPr>
+          <p:cNvPr id="12" name="Picture 11" descr="Graphical user interface, text, application, chat or text message&#10;&#10;Description automatically generated">
+            <a:extLst>
+              <a:ext uri="{FF2B5EF4-FFF2-40B4-BE49-F238E27FC236}">
+                <a16:creationId xmlns:a16="http://schemas.microsoft.com/office/drawing/2014/main" id="{370E05A9-31AC-4F22-72EF-99CB3DD8B65F}"/>
+              </a:ext>
+            </a:extLst>
+          </p:cNvPr>
+          <p:cNvPicPr>
+            <a:picLocks noChangeAspect="1"/>
+          </p:cNvPicPr>
+          <p:nvPr/>
+        </p:nvPicPr>
+        <p:blipFill rotWithShape="1">
+          <a:blip r:embed="rId4"/>
+          <a:srcRect l="-457" t="-577" r="35842" b="2707"/>
+          <a:stretch/>
+        </p:blipFill>
+        <p:spPr>
+          <a:xfrm>
+            <a:off x="17681270" y="14645298"/>
+            <a:ext cx="6718290" cy="3592130"/>
+          </a:xfrm>
+          <a:prstGeom prst="rect">
+            <a:avLst/>
+          </a:prstGeom>
+        </p:spPr>
+      </p:pic>
+      <p:pic>
+        <p:nvPicPr>
+          <p:cNvPr id="13" name="Picture 12" descr="A picture containing logo&#10;&#10;Description automatically generated">
+            <a:extLst>
+              <a:ext uri="{FF2B5EF4-FFF2-40B4-BE49-F238E27FC236}">
+                <a16:creationId xmlns:a16="http://schemas.microsoft.com/office/drawing/2014/main" id="{70C8A810-8018-0639-CF02-D662ADA2FCBF}"/>
+              </a:ext>
+            </a:extLst>
+          </p:cNvPr>
+          <p:cNvPicPr>
+            <a:picLocks noChangeAspect="1"/>
+          </p:cNvPicPr>
+          <p:nvPr/>
+        </p:nvPicPr>
+        <p:blipFill rotWithShape="1">
+          <a:blip r:embed="rId5"/>
+          <a:srcRect r="39707" b="1110"/>
+          <a:stretch/>
+        </p:blipFill>
+        <p:spPr>
+          <a:xfrm>
+            <a:off x="17657766" y="12827583"/>
+            <a:ext cx="6669479" cy="1971767"/>
+          </a:xfrm>
+          <a:prstGeom prst="rect">
+            <a:avLst/>
+          </a:prstGeom>
+        </p:spPr>
+      </p:pic>
+      <p:pic>
+        <p:nvPicPr>
+          <p:cNvPr id="14" name="Picture 13" descr="A picture containing graphical user interface&#10;&#10;Description automatically generated">
+            <a:extLst>
+              <a:ext uri="{FF2B5EF4-FFF2-40B4-BE49-F238E27FC236}">
+                <a16:creationId xmlns:a16="http://schemas.microsoft.com/office/drawing/2014/main" id="{1C97C3CE-9AC8-720B-263B-981FBD829BF3}"/>
+              </a:ext>
+            </a:extLst>
+          </p:cNvPr>
+          <p:cNvPicPr>
+            <a:picLocks noChangeAspect="1"/>
+          </p:cNvPicPr>
+          <p:nvPr/>
+        </p:nvPicPr>
+        <p:blipFill rotWithShape="1">
+          <a:blip r:embed="rId6"/>
+          <a:srcRect r="47678" b="-494"/>
+          <a:stretch/>
+        </p:blipFill>
+        <p:spPr>
+          <a:xfrm>
+            <a:off x="17681269" y="11340196"/>
+            <a:ext cx="5787684" cy="1774036"/>
+          </a:xfrm>
+          <a:prstGeom prst="rect">
+            <a:avLst/>
+          </a:prstGeom>
+        </p:spPr>
+      </p:pic>
+      <p:pic>
+        <p:nvPicPr>
+          <p:cNvPr id="15" name="Picture 14" descr="Text&#10;&#10;Description automatically generated">
+            <a:extLst>
+              <a:ext uri="{FF2B5EF4-FFF2-40B4-BE49-F238E27FC236}">
+                <a16:creationId xmlns:a16="http://schemas.microsoft.com/office/drawing/2014/main" id="{60EFDC8F-43FC-5D71-5C86-029BEBACEC51}"/>
+              </a:ext>
+            </a:extLst>
+          </p:cNvPr>
+          <p:cNvPicPr>
+            <a:picLocks noChangeAspect="1"/>
+          </p:cNvPicPr>
+          <p:nvPr/>
+        </p:nvPicPr>
+        <p:blipFill rotWithShape="1">
+          <a:blip r:embed="rId7"/>
+          <a:srcRect t="1" r="33869" b="460"/>
+          <a:stretch/>
+        </p:blipFill>
+        <p:spPr>
+          <a:xfrm>
+            <a:off x="17681269" y="9346954"/>
+            <a:ext cx="6702691" cy="2262832"/>
+          </a:xfrm>
+          <a:prstGeom prst="rect">
+            <a:avLst/>
+          </a:prstGeom>
+        </p:spPr>
+      </p:pic>
+      <mc:AlternateContent xmlns:mc="http://schemas.openxmlformats.org/markup-compatibility/2006">
+        <mc:Choice xmlns:a14="http://schemas.microsoft.com/office/drawing/2010/main" Requires="a14">
+          <p:sp>
+            <p:nvSpPr>
+              <p:cNvPr id="16" name="TextBox 15">
+                <a:extLst>
+                  <a:ext uri="{FF2B5EF4-FFF2-40B4-BE49-F238E27FC236}">
+                    <a16:creationId xmlns:a16="http://schemas.microsoft.com/office/drawing/2014/main" id="{982BD24A-5F20-40AA-AA65-78EA2CD793C3}"/>
+                  </a:ext>
+                </a:extLst>
+              </p:cNvPr>
+              <p:cNvSpPr txBox="1"/>
+              <p:nvPr/>
+            </p:nvSpPr>
+            <p:spPr>
+              <a:xfrm>
+                <a:off x="25137228" y="9103677"/>
+                <a:ext cx="5483004" cy="2878160"/>
+              </a:xfrm>
+              <a:prstGeom prst="rect">
+                <a:avLst/>
+              </a:prstGeom>
+              <a:noFill/>
+            </p:spPr>
+            <p:txBody>
+              <a:bodyPr wrap="square" rtlCol="0">
+                <a:spAutoFit/>
+              </a:bodyPr>
+              <a:lstStyle/>
+              <a:p>
+                <a:pPr>
+                  <a:lnSpc>
+                    <a:spcPct val="150000"/>
+                  </a:lnSpc>
+                </a:pPr>
+                <a:r>
+                  <a:rPr lang="en-US" sz="2400" b="1" dirty="0"/>
+                  <a:t>Simulate determining </a:t>
+                </a:r>
+                <a14:m>
+                  <m:oMath xmlns:m="http://schemas.openxmlformats.org/officeDocument/2006/math">
+                    <m:sSub>
+                      <m:sSubPr>
+                        <m:ctrlPr>
+                          <a:rPr lang="en-US" sz="2400" b="1" i="1" smtClean="0">
+                            <a:latin typeface="Cambria Math" panose="02040503050406030204" pitchFamily="18" charset="0"/>
+                          </a:rPr>
+                        </m:ctrlPr>
+                      </m:sSubPr>
+                      <m:e>
+                        <m:r>
+                          <a:rPr lang="en-US" sz="2400" b="1" i="1" smtClean="0">
+                            <a:latin typeface="Cambria Math" panose="02040503050406030204" pitchFamily="18" charset="0"/>
+                          </a:rPr>
+                          <m:t>𝜷</m:t>
+                        </m:r>
+                      </m:e>
+                      <m:sub>
+                        <m:r>
+                          <a:rPr lang="en-US" sz="2400" b="1" i="1" smtClean="0">
+                            <a:latin typeface="Cambria Math" panose="02040503050406030204" pitchFamily="18" charset="0"/>
+                          </a:rPr>
+                          <m:t>𝟏</m:t>
+                        </m:r>
+                      </m:sub>
+                    </m:sSub>
+                    <m:r>
+                      <a:rPr lang="en-US" sz="2400" b="1" i="1" smtClean="0">
+                        <a:latin typeface="Cambria Math" panose="02040503050406030204" pitchFamily="18" charset="0"/>
+                      </a:rPr>
+                      <m:t>=</m:t>
+                    </m:r>
+                    <m:r>
+                      <a:rPr lang="en-US" sz="2400" b="1" i="1" smtClean="0">
+                        <a:latin typeface="Cambria Math" panose="02040503050406030204" pitchFamily="18" charset="0"/>
+                      </a:rPr>
+                      <m:t>𝟏</m:t>
+                    </m:r>
+                  </m:oMath>
+                </a14:m>
+                <a:endParaRPr lang="en-US" sz="2400" b="1" dirty="0"/>
+              </a:p>
+              <a:p>
+                <a:pPr marL="800100" lvl="1" indent="-342900">
+                  <a:lnSpc>
+                    <a:spcPct val="150000"/>
+                  </a:lnSpc>
+                  <a:buFont typeface="+mj-lt"/>
+                  <a:buAutoNum type="arabicPeriod"/>
+                </a:pPr>
+                <a:r>
+                  <a:rPr lang="en-US" sz="2400" dirty="0"/>
+                  <a:t>MCAR: </a:t>
+                </a:r>
+                <a14:m>
+                  <m:oMath xmlns:m="http://schemas.openxmlformats.org/officeDocument/2006/math">
+                    <m:sSub>
+                      <m:sSubPr>
+                        <m:ctrlPr>
+                          <a:rPr lang="en-US" sz="2400" b="0" i="1" smtClean="0">
+                            <a:latin typeface="Cambria Math" panose="02040503050406030204" pitchFamily="18" charset="0"/>
+                          </a:rPr>
+                        </m:ctrlPr>
+                      </m:sSubPr>
+                      <m:e>
+                        <m:r>
+                          <a:rPr lang="en-US" sz="2400" b="0" i="1" smtClean="0">
+                            <a:latin typeface="Cambria Math" panose="02040503050406030204" pitchFamily="18" charset="0"/>
+                          </a:rPr>
+                          <m:t>𝑦</m:t>
+                        </m:r>
+                      </m:e>
+                      <m:sub>
+                        <m:r>
+                          <a:rPr lang="en-US" sz="2400" b="0" i="1" smtClean="0">
+                            <a:latin typeface="Cambria Math" panose="02040503050406030204" pitchFamily="18" charset="0"/>
+                          </a:rPr>
+                          <m:t>𝑖</m:t>
+                        </m:r>
+                      </m:sub>
+                    </m:sSub>
+                    <m:r>
+                      <a:rPr lang="en-US" sz="2400" b="0" i="1" smtClean="0">
+                        <a:latin typeface="Cambria Math" panose="02040503050406030204" pitchFamily="18" charset="0"/>
+                      </a:rPr>
+                      <m:t>=</m:t>
+                    </m:r>
+                    <m:sSub>
+                      <m:sSubPr>
+                        <m:ctrlPr>
+                          <a:rPr lang="en-US" sz="2400" b="0" i="1" smtClean="0">
+                            <a:latin typeface="Cambria Math" panose="02040503050406030204" pitchFamily="18" charset="0"/>
+                          </a:rPr>
+                        </m:ctrlPr>
+                      </m:sSubPr>
+                      <m:e>
+                        <m:r>
+                          <a:rPr lang="en-US" sz="2400" b="0" i="1" smtClean="0">
+                            <a:latin typeface="Cambria Math" panose="02040503050406030204" pitchFamily="18" charset="0"/>
+                          </a:rPr>
+                          <m:t>𝑥</m:t>
+                        </m:r>
+                      </m:e>
+                      <m:sub>
+                        <m:r>
+                          <a:rPr lang="en-US" sz="2400" b="0" i="1" smtClean="0">
+                            <a:latin typeface="Cambria Math" panose="02040503050406030204" pitchFamily="18" charset="0"/>
+                          </a:rPr>
+                          <m:t>𝑖</m:t>
+                        </m:r>
+                      </m:sub>
+                    </m:sSub>
+                    <m:sSub>
+                      <m:sSubPr>
+                        <m:ctrlPr>
+                          <a:rPr lang="en-US" sz="2400" b="0" i="1" smtClean="0">
+                            <a:latin typeface="Cambria Math" panose="02040503050406030204" pitchFamily="18" charset="0"/>
+                          </a:rPr>
+                        </m:ctrlPr>
+                      </m:sSubPr>
+                      <m:e>
+                        <m:r>
+                          <a:rPr lang="en-US" sz="2400" b="0" i="1" smtClean="0">
+                            <a:latin typeface="Cambria Math" panose="02040503050406030204" pitchFamily="18" charset="0"/>
+                          </a:rPr>
+                          <m:t>𝛽</m:t>
+                        </m:r>
+                      </m:e>
+                      <m:sub>
+                        <m:r>
+                          <a:rPr lang="en-US" sz="2400" b="0" i="1" smtClean="0">
+                            <a:latin typeface="Cambria Math" panose="02040503050406030204" pitchFamily="18" charset="0"/>
+                          </a:rPr>
+                          <m:t>1,</m:t>
+                        </m:r>
+                      </m:sub>
+                    </m:sSub>
+                    <m:r>
+                      <a:rPr lang="en-US" sz="2400" b="0" i="1" smtClean="0">
+                        <a:latin typeface="Cambria Math" panose="02040503050406030204" pitchFamily="18" charset="0"/>
+                      </a:rPr>
+                      <m:t>+</m:t>
+                    </m:r>
+                    <m:sSub>
+                      <m:sSubPr>
+                        <m:ctrlPr>
+                          <a:rPr lang="en-US" sz="2400" b="0" i="1" smtClean="0">
+                            <a:latin typeface="Cambria Math" panose="02040503050406030204" pitchFamily="18" charset="0"/>
+                          </a:rPr>
+                        </m:ctrlPr>
+                      </m:sSubPr>
+                      <m:e>
+                        <m:r>
+                          <a:rPr lang="en-US" sz="2400" b="0" i="1" smtClean="0">
+                            <a:latin typeface="Cambria Math" panose="02040503050406030204" pitchFamily="18" charset="0"/>
+                          </a:rPr>
+                          <m:t>𝜖</m:t>
+                        </m:r>
+                      </m:e>
+                      <m:sub>
+                        <m:r>
+                          <a:rPr lang="en-US" sz="2400" b="0" i="1" smtClean="0">
+                            <a:latin typeface="Cambria Math" panose="02040503050406030204" pitchFamily="18" charset="0"/>
+                          </a:rPr>
+                          <m:t>𝑖</m:t>
+                        </m:r>
+                      </m:sub>
+                    </m:sSub>
+                  </m:oMath>
+                </a14:m>
+                <a:endParaRPr lang="en-US" sz="2400" dirty="0"/>
+              </a:p>
+              <a:p>
+                <a:pPr marL="800100" lvl="1" indent="-342900">
+                  <a:lnSpc>
+                    <a:spcPct val="150000"/>
+                  </a:lnSpc>
+                  <a:buFont typeface="+mj-lt"/>
+                  <a:buAutoNum type="arabicPeriod"/>
+                </a:pPr>
+                <a:r>
+                  <a:rPr lang="en-US" sz="2400" dirty="0"/>
+                  <a:t>MAR: </a:t>
+                </a:r>
+                <a14:m>
+                  <m:oMath xmlns:m="http://schemas.openxmlformats.org/officeDocument/2006/math">
+                    <m:sSub>
+                      <m:sSubPr>
+                        <m:ctrlPr>
+                          <a:rPr lang="en-US" sz="2400" b="0" i="1" smtClean="0">
+                            <a:latin typeface="Cambria Math" panose="02040503050406030204" pitchFamily="18" charset="0"/>
+                          </a:rPr>
+                        </m:ctrlPr>
+                      </m:sSubPr>
+                      <m:e>
+                        <m:r>
+                          <a:rPr lang="en-US" sz="2400" b="0" i="1" smtClean="0">
+                            <a:latin typeface="Cambria Math" panose="02040503050406030204" pitchFamily="18" charset="0"/>
+                          </a:rPr>
+                          <m:t>𝑦</m:t>
+                        </m:r>
+                      </m:e>
+                      <m:sub>
+                        <m:r>
+                          <a:rPr lang="en-US" sz="2400" b="0" i="1" smtClean="0">
+                            <a:latin typeface="Cambria Math" panose="02040503050406030204" pitchFamily="18" charset="0"/>
+                          </a:rPr>
+                          <m:t>𝑖</m:t>
+                        </m:r>
+                      </m:sub>
+                    </m:sSub>
+                    <m:r>
+                      <a:rPr lang="en-US" sz="2400" b="0" i="1" smtClean="0">
+                        <a:latin typeface="Cambria Math" panose="02040503050406030204" pitchFamily="18" charset="0"/>
+                      </a:rPr>
+                      <m:t>=</m:t>
+                    </m:r>
+                    <m:sSub>
+                      <m:sSubPr>
+                        <m:ctrlPr>
+                          <a:rPr lang="en-US" sz="2400" b="0" i="1" smtClean="0">
+                            <a:latin typeface="Cambria Math" panose="02040503050406030204" pitchFamily="18" charset="0"/>
+                          </a:rPr>
+                        </m:ctrlPr>
+                      </m:sSubPr>
+                      <m:e>
+                        <m:r>
+                          <a:rPr lang="en-US" sz="2400" b="0" i="1" smtClean="0">
+                            <a:latin typeface="Cambria Math" panose="02040503050406030204" pitchFamily="18" charset="0"/>
+                          </a:rPr>
+                          <m:t>𝑥</m:t>
+                        </m:r>
+                      </m:e>
+                      <m:sub>
+                        <m:r>
+                          <a:rPr lang="en-US" sz="2400" b="0" i="1" smtClean="0">
+                            <a:latin typeface="Cambria Math" panose="02040503050406030204" pitchFamily="18" charset="0"/>
+                          </a:rPr>
+                          <m:t>1,</m:t>
+                        </m:r>
+                        <m:r>
+                          <a:rPr lang="en-US" sz="2400" b="0" i="1" smtClean="0">
+                            <a:latin typeface="Cambria Math" panose="02040503050406030204" pitchFamily="18" charset="0"/>
+                          </a:rPr>
+                          <m:t>𝑖</m:t>
+                        </m:r>
+                      </m:sub>
+                    </m:sSub>
+                    <m:sSub>
+                      <m:sSubPr>
+                        <m:ctrlPr>
+                          <a:rPr lang="en-US" sz="2400" b="0" i="1" smtClean="0">
+                            <a:latin typeface="Cambria Math" panose="02040503050406030204" pitchFamily="18" charset="0"/>
+                          </a:rPr>
+                        </m:ctrlPr>
+                      </m:sSubPr>
+                      <m:e>
+                        <m:r>
+                          <a:rPr lang="en-US" sz="2400" b="0" i="1" smtClean="0">
+                            <a:latin typeface="Cambria Math" panose="02040503050406030204" pitchFamily="18" charset="0"/>
+                          </a:rPr>
+                          <m:t>𝛽</m:t>
+                        </m:r>
+                      </m:e>
+                      <m:sub>
+                        <m:r>
+                          <a:rPr lang="en-US" sz="2400" b="0" i="1" smtClean="0">
+                            <a:latin typeface="Cambria Math" panose="02040503050406030204" pitchFamily="18" charset="0"/>
+                          </a:rPr>
+                          <m:t>1</m:t>
+                        </m:r>
+                      </m:sub>
+                    </m:sSub>
+                    <m:r>
+                      <a:rPr lang="en-US" sz="2400" b="0" i="1" smtClean="0">
+                        <a:latin typeface="Cambria Math" panose="02040503050406030204" pitchFamily="18" charset="0"/>
+                      </a:rPr>
+                      <m:t>+</m:t>
+                    </m:r>
+                    <m:sSub>
+                      <m:sSubPr>
+                        <m:ctrlPr>
+                          <a:rPr lang="en-US" sz="2400" b="0" i="1" smtClean="0">
+                            <a:latin typeface="Cambria Math" panose="02040503050406030204" pitchFamily="18" charset="0"/>
+                          </a:rPr>
+                        </m:ctrlPr>
+                      </m:sSubPr>
+                      <m:e>
+                        <m:r>
+                          <a:rPr lang="en-US" sz="2400" b="0" i="1" smtClean="0">
+                            <a:latin typeface="Cambria Math" panose="02040503050406030204" pitchFamily="18" charset="0"/>
+                          </a:rPr>
+                          <m:t>𝑥</m:t>
+                        </m:r>
+                      </m:e>
+                      <m:sub>
+                        <m:r>
+                          <a:rPr lang="en-US" sz="2400" b="0" i="1" smtClean="0">
+                            <a:latin typeface="Cambria Math" panose="02040503050406030204" pitchFamily="18" charset="0"/>
+                          </a:rPr>
+                          <m:t>2,</m:t>
+                        </m:r>
+                        <m:r>
+                          <a:rPr lang="en-US" sz="2400" b="0" i="1" smtClean="0">
+                            <a:latin typeface="Cambria Math" panose="02040503050406030204" pitchFamily="18" charset="0"/>
+                          </a:rPr>
+                          <m:t>𝑖</m:t>
+                        </m:r>
+                      </m:sub>
+                    </m:sSub>
+                    <m:sSub>
+                      <m:sSubPr>
+                        <m:ctrlPr>
+                          <a:rPr lang="en-US" sz="2400" b="0" i="1" smtClean="0">
+                            <a:latin typeface="Cambria Math" panose="02040503050406030204" pitchFamily="18" charset="0"/>
+                          </a:rPr>
+                        </m:ctrlPr>
+                      </m:sSubPr>
+                      <m:e>
+                        <m:r>
+                          <a:rPr lang="en-US" sz="2400" b="0" i="1" smtClean="0">
+                            <a:latin typeface="Cambria Math" panose="02040503050406030204" pitchFamily="18" charset="0"/>
+                          </a:rPr>
+                          <m:t>𝛽</m:t>
+                        </m:r>
+                      </m:e>
+                      <m:sub>
+                        <m:r>
+                          <a:rPr lang="en-US" sz="2400" b="0" i="1" smtClean="0">
+                            <a:latin typeface="Cambria Math" panose="02040503050406030204" pitchFamily="18" charset="0"/>
+                          </a:rPr>
+                          <m:t>2</m:t>
+                        </m:r>
+                      </m:sub>
+                    </m:sSub>
+                    <m:r>
+                      <a:rPr lang="en-US" sz="2400" b="0" i="1" smtClean="0">
+                        <a:latin typeface="Cambria Math" panose="02040503050406030204" pitchFamily="18" charset="0"/>
+                      </a:rPr>
+                      <m:t>+</m:t>
+                    </m:r>
+                    <m:sSub>
+                      <m:sSubPr>
+                        <m:ctrlPr>
+                          <a:rPr lang="en-US" sz="2400" b="0" i="1" smtClean="0">
+                            <a:latin typeface="Cambria Math" panose="02040503050406030204" pitchFamily="18" charset="0"/>
+                          </a:rPr>
+                        </m:ctrlPr>
+                      </m:sSubPr>
+                      <m:e>
+                        <m:r>
+                          <a:rPr lang="en-US" sz="2400" b="0" i="1" smtClean="0">
+                            <a:latin typeface="Cambria Math" panose="02040503050406030204" pitchFamily="18" charset="0"/>
+                          </a:rPr>
+                          <m:t>𝜖</m:t>
+                        </m:r>
+                      </m:e>
+                      <m:sub>
+                        <m:r>
+                          <a:rPr lang="en-US" sz="2400" b="0" i="1" smtClean="0">
+                            <a:latin typeface="Cambria Math" panose="02040503050406030204" pitchFamily="18" charset="0"/>
+                          </a:rPr>
+                          <m:t>𝑖</m:t>
+                        </m:r>
+                      </m:sub>
+                    </m:sSub>
+                  </m:oMath>
+                </a14:m>
+                <a:endParaRPr lang="en-US" sz="2400" b="0" dirty="0"/>
+              </a:p>
+              <a:p>
+                <a:pPr marL="800100" lvl="1" indent="-342900">
+                  <a:lnSpc>
+                    <a:spcPct val="150000"/>
+                  </a:lnSpc>
+                  <a:buFont typeface="+mj-lt"/>
+                  <a:buAutoNum type="arabicPeriod"/>
+                </a:pPr>
+                <a:r>
+                  <a:rPr lang="en-US" sz="2400" dirty="0"/>
+                  <a:t>MNAR: </a:t>
+                </a:r>
+                <a14:m>
+                  <m:oMath xmlns:m="http://schemas.openxmlformats.org/officeDocument/2006/math">
+                    <m:sSub>
+                      <m:sSubPr>
+                        <m:ctrlPr>
+                          <a:rPr lang="en-US" sz="2400" i="1">
+                            <a:latin typeface="Cambria Math" panose="02040503050406030204" pitchFamily="18" charset="0"/>
+                          </a:rPr>
+                        </m:ctrlPr>
+                      </m:sSubPr>
+                      <m:e>
+                        <m:r>
+                          <a:rPr lang="en-US" sz="2400" i="1">
+                            <a:latin typeface="Cambria Math" panose="02040503050406030204" pitchFamily="18" charset="0"/>
+                          </a:rPr>
+                          <m:t>𝑦</m:t>
+                        </m:r>
+                      </m:e>
+                      <m:sub>
+                        <m:r>
+                          <a:rPr lang="en-US" sz="2400" i="1">
+                            <a:latin typeface="Cambria Math" panose="02040503050406030204" pitchFamily="18" charset="0"/>
+                          </a:rPr>
+                          <m:t>𝑖</m:t>
+                        </m:r>
+                      </m:sub>
+                    </m:sSub>
+                    <m:r>
+                      <a:rPr lang="en-US" sz="2400" i="1">
+                        <a:latin typeface="Cambria Math" panose="02040503050406030204" pitchFamily="18" charset="0"/>
+                      </a:rPr>
+                      <m:t>=</m:t>
+                    </m:r>
+                    <m:sSub>
+                      <m:sSubPr>
+                        <m:ctrlPr>
+                          <a:rPr lang="en-US" sz="2400" i="1">
+                            <a:latin typeface="Cambria Math" panose="02040503050406030204" pitchFamily="18" charset="0"/>
+                          </a:rPr>
+                        </m:ctrlPr>
+                      </m:sSubPr>
+                      <m:e>
+                        <m:r>
+                          <a:rPr lang="en-US" sz="2400" i="1">
+                            <a:latin typeface="Cambria Math" panose="02040503050406030204" pitchFamily="18" charset="0"/>
+                          </a:rPr>
+                          <m:t>𝑥</m:t>
+                        </m:r>
+                      </m:e>
+                      <m:sub>
+                        <m:r>
+                          <a:rPr lang="en-US" sz="2400" i="1">
+                            <a:latin typeface="Cambria Math" panose="02040503050406030204" pitchFamily="18" charset="0"/>
+                          </a:rPr>
+                          <m:t>𝑖</m:t>
+                        </m:r>
+                      </m:sub>
+                    </m:sSub>
+                    <m:sSub>
+                      <m:sSubPr>
+                        <m:ctrlPr>
+                          <a:rPr lang="en-US" sz="2400" i="1">
+                            <a:latin typeface="Cambria Math" panose="02040503050406030204" pitchFamily="18" charset="0"/>
+                          </a:rPr>
+                        </m:ctrlPr>
+                      </m:sSubPr>
+                      <m:e>
+                        <m:r>
+                          <a:rPr lang="en-US" sz="2400" i="1">
+                            <a:latin typeface="Cambria Math" panose="02040503050406030204" pitchFamily="18" charset="0"/>
+                          </a:rPr>
+                          <m:t>𝛽</m:t>
+                        </m:r>
+                      </m:e>
+                      <m:sub>
+                        <m:r>
+                          <a:rPr lang="en-US" sz="2400" i="1">
+                            <a:latin typeface="Cambria Math" panose="02040503050406030204" pitchFamily="18" charset="0"/>
+                          </a:rPr>
+                          <m:t>1,</m:t>
+                        </m:r>
+                      </m:sub>
+                    </m:sSub>
+                    <m:r>
+                      <a:rPr lang="en-US" sz="2400" i="1">
+                        <a:latin typeface="Cambria Math" panose="02040503050406030204" pitchFamily="18" charset="0"/>
+                      </a:rPr>
+                      <m:t>+</m:t>
+                    </m:r>
+                    <m:sSub>
+                      <m:sSubPr>
+                        <m:ctrlPr>
+                          <a:rPr lang="en-US" sz="2400" i="1">
+                            <a:latin typeface="Cambria Math" panose="02040503050406030204" pitchFamily="18" charset="0"/>
+                          </a:rPr>
+                        </m:ctrlPr>
+                      </m:sSubPr>
+                      <m:e>
+                        <m:r>
+                          <a:rPr lang="en-US" sz="2400" i="1">
+                            <a:latin typeface="Cambria Math" panose="02040503050406030204" pitchFamily="18" charset="0"/>
+                          </a:rPr>
+                          <m:t>𝜖</m:t>
+                        </m:r>
+                      </m:e>
+                      <m:sub>
+                        <m:r>
+                          <a:rPr lang="en-US" sz="2400" i="1">
+                            <a:latin typeface="Cambria Math" panose="02040503050406030204" pitchFamily="18" charset="0"/>
+                          </a:rPr>
+                          <m:t>𝑖</m:t>
+                        </m:r>
+                      </m:sub>
+                    </m:sSub>
+                  </m:oMath>
+                </a14:m>
+                <a:endParaRPr lang="en-US" sz="2400" dirty="0"/>
+              </a:p>
+              <a:p>
+                <a:pPr marL="342900" indent="-342900">
+                  <a:lnSpc>
+                    <a:spcPct val="150000"/>
+                  </a:lnSpc>
+                  <a:buFont typeface="+mj-lt"/>
+                  <a:buAutoNum type="arabicPeriod"/>
+                </a:pPr>
+                <a:endParaRPr lang="en-US" sz="2400" dirty="0"/>
+              </a:p>
+            </p:txBody>
+          </p:sp>
+        </mc:Choice>
+        <mc:Fallback>
+          <p:sp>
+            <p:nvSpPr>
+              <p:cNvPr id="16" name="TextBox 15">
+                <a:extLst>
+                  <a:ext uri="{FF2B5EF4-FFF2-40B4-BE49-F238E27FC236}">
+                    <a16:creationId xmlns:a16="http://schemas.microsoft.com/office/drawing/2014/main" id="{982BD24A-5F20-40AA-AA65-78EA2CD793C3}"/>
+                  </a:ext>
+                </a:extLst>
+              </p:cNvPr>
+              <p:cNvSpPr txBox="1">
+                <a:spLocks noRot="1" noChangeAspect="1" noMove="1" noResize="1" noEditPoints="1" noAdjustHandles="1" noChangeArrowheads="1" noChangeShapeType="1" noTextEdit="1"/>
+              </p:cNvSpPr>
+              <p:nvPr/>
+            </p:nvSpPr>
+            <p:spPr>
+              <a:xfrm>
+                <a:off x="25137228" y="9103677"/>
+                <a:ext cx="5483004" cy="2878160"/>
+              </a:xfrm>
+              <a:prstGeom prst="rect">
+                <a:avLst/>
+              </a:prstGeom>
+              <a:blipFill>
+                <a:blip r:embed="rId8"/>
+                <a:stretch>
+                  <a:fillRect l="-1848"/>
+                </a:stretch>
+              </a:blipFill>
+            </p:spPr>
+            <p:txBody>
+              <a:bodyPr/>
+              <a:lstStyle/>
+              <a:p>
+                <a:r>
+                  <a:rPr lang="en-US">
+                    <a:noFill/>
+                  </a:rPr>
+                  <a:t> </a:t>
+                </a:r>
+              </a:p>
+            </p:txBody>
+          </p:sp>
+        </mc:Fallback>
+      </mc:AlternateContent>
+      <p:pic>
+        <p:nvPicPr>
+          <p:cNvPr id="18" name="Picture 17" descr="Text&#10;&#10;Description automatically generated with medium confidence">
+            <a:extLst>
+              <a:ext uri="{FF2B5EF4-FFF2-40B4-BE49-F238E27FC236}">
+                <a16:creationId xmlns:a16="http://schemas.microsoft.com/office/drawing/2014/main" id="{1A29C890-5086-B6E3-B778-1466F6A17CC7}"/>
+              </a:ext>
+            </a:extLst>
+          </p:cNvPr>
+          <p:cNvPicPr>
+            <a:picLocks noChangeAspect="1"/>
+          </p:cNvPicPr>
+          <p:nvPr/>
+        </p:nvPicPr>
+        <p:blipFill rotWithShape="1">
+          <a:blip r:embed="rId9"/>
+          <a:srcRect r="48588" b="1014"/>
+          <a:stretch/>
+        </p:blipFill>
+        <p:spPr>
+          <a:xfrm>
+            <a:off x="24998483" y="12192835"/>
+            <a:ext cx="5621749" cy="2262832"/>
+          </a:xfrm>
+          <a:prstGeom prst="rect">
+            <a:avLst/>
+          </a:prstGeom>
+        </p:spPr>
+      </p:pic>
+      <p:pic>
+        <p:nvPicPr>
+          <p:cNvPr id="20" name="Picture 19" descr="Text&#10;&#10;Description automatically generated">
+            <a:extLst>
+              <a:ext uri="{FF2B5EF4-FFF2-40B4-BE49-F238E27FC236}">
+                <a16:creationId xmlns:a16="http://schemas.microsoft.com/office/drawing/2014/main" id="{5B72AE04-515B-AED2-B0E0-8156E8AEFCDE}"/>
+              </a:ext>
+            </a:extLst>
+          </p:cNvPr>
+          <p:cNvPicPr>
+            <a:picLocks noChangeAspect="1"/>
+          </p:cNvPicPr>
+          <p:nvPr/>
+        </p:nvPicPr>
+        <p:blipFill rotWithShape="1">
+          <a:blip r:embed="rId10"/>
+          <a:srcRect r="18638" b="3007"/>
+          <a:stretch/>
+        </p:blipFill>
+        <p:spPr>
+          <a:xfrm>
+            <a:off x="24998483" y="14821657"/>
+            <a:ext cx="6718289" cy="3390751"/>
+          </a:xfrm>
+          <a:prstGeom prst="rect">
+            <a:avLst/>
+          </a:prstGeom>
+        </p:spPr>
+      </p:pic>
+      <p:pic>
+        <p:nvPicPr>
+          <p:cNvPr id="24" name="Picture 23">
+            <a:extLst>
+              <a:ext uri="{FF2B5EF4-FFF2-40B4-BE49-F238E27FC236}">
+                <a16:creationId xmlns:a16="http://schemas.microsoft.com/office/drawing/2014/main" id="{BC414047-8115-F7E9-8607-83E2E9DC6403}"/>
+              </a:ext>
+            </a:extLst>
+          </p:cNvPr>
+          <p:cNvPicPr>
+            <a:picLocks noChangeAspect="1"/>
+          </p:cNvPicPr>
+          <p:nvPr/>
+        </p:nvPicPr>
+        <p:blipFill rotWithShape="1">
+          <a:blip r:embed="rId11"/>
+          <a:srcRect t="-9705" r="42362" b="-1"/>
+          <a:stretch/>
+        </p:blipFill>
+        <p:spPr>
+          <a:xfrm>
+            <a:off x="24980006" y="11836059"/>
+            <a:ext cx="6375793" cy="431911"/>
+          </a:xfrm>
+          <a:prstGeom prst="rect">
+            <a:avLst/>
+          </a:prstGeom>
+        </p:spPr>
+      </p:pic>
+      <p:sp>
+        <p:nvSpPr>
+          <p:cNvPr id="25" name="正方形/長方形 17">
+            <a:extLst>
+              <a:ext uri="{FF2B5EF4-FFF2-40B4-BE49-F238E27FC236}">
+                <a16:creationId xmlns:a16="http://schemas.microsoft.com/office/drawing/2014/main" id="{7963D427-87F0-0A08-78A3-1A7E33D109EA}"/>
+              </a:ext>
+            </a:extLst>
+          </p:cNvPr>
+          <p:cNvSpPr/>
+          <p:nvPr/>
+        </p:nvSpPr>
+        <p:spPr>
+          <a:xfrm>
+            <a:off x="17575427" y="9109681"/>
+            <a:ext cx="7095131" cy="9335335"/>
+          </a:xfrm>
+          <a:prstGeom prst="rect">
+            <a:avLst/>
+          </a:prstGeom>
+          <a:noFill/>
+          <a:ln w="34925">
+            <a:solidFill>
+              <a:schemeClr val="accent2"/>
+            </a:solidFill>
+          </a:ln>
+        </p:spPr>
+        <p:style>
+          <a:lnRef idx="2">
+            <a:schemeClr val="accent1">
+              <a:shade val="50000"/>
+            </a:schemeClr>
+          </a:lnRef>
+          <a:fillRef idx="1">
+            <a:schemeClr val="accent1"/>
+          </a:fillRef>
+          <a:effectRef idx="0">
+            <a:schemeClr val="accent1"/>
+          </a:effectRef>
+          <a:fontRef idx="minor">
+            <a:schemeClr val="lt1"/>
+          </a:fontRef>
+        </p:style>
+        <p:txBody>
+          <a:bodyPr rtlCol="0" anchor="ctr"/>
+          <a:lstStyle/>
+          <a:p>
+            <a:pPr algn="ctr"/>
+            <a:endParaRPr kumimoji="1" lang="ja-JP" altLang="en-US"/>
+          </a:p>
+        </p:txBody>
+      </p:sp>
+      <p:sp>
+        <p:nvSpPr>
+          <p:cNvPr id="26" name="正方形/長方形 17">
+            <a:extLst>
+              <a:ext uri="{FF2B5EF4-FFF2-40B4-BE49-F238E27FC236}">
+                <a16:creationId xmlns:a16="http://schemas.microsoft.com/office/drawing/2014/main" id="{54358222-7D5A-30CE-5B9C-AE624AAB2A59}"/>
+              </a:ext>
+            </a:extLst>
+          </p:cNvPr>
+          <p:cNvSpPr/>
+          <p:nvPr/>
+        </p:nvSpPr>
+        <p:spPr>
+          <a:xfrm>
+            <a:off x="24792937" y="9096555"/>
+            <a:ext cx="7095131" cy="9335335"/>
+          </a:xfrm>
+          <a:prstGeom prst="rect">
+            <a:avLst/>
+          </a:prstGeom>
+          <a:noFill/>
+          <a:ln w="34925">
+            <a:solidFill>
+              <a:schemeClr val="accent2"/>
+            </a:solidFill>
+          </a:ln>
+        </p:spPr>
+        <p:style>
+          <a:lnRef idx="2">
+            <a:schemeClr val="accent1">
+              <a:shade val="50000"/>
+            </a:schemeClr>
+          </a:lnRef>
+          <a:fillRef idx="1">
+            <a:schemeClr val="accent1"/>
+          </a:fillRef>
+          <a:effectRef idx="0">
+            <a:schemeClr val="accent1"/>
+          </a:effectRef>
+          <a:fontRef idx="minor">
+            <a:schemeClr val="lt1"/>
+          </a:fontRef>
+        </p:style>
+        <p:txBody>
+          <a:bodyPr rtlCol="0" anchor="ctr"/>
+          <a:lstStyle/>
+          <a:p>
+            <a:pPr algn="ctr"/>
+            <a:endParaRPr kumimoji="1" lang="ja-JP" altLang="en-US"/>
+          </a:p>
+        </p:txBody>
+      </p:sp>
+      <p:graphicFrame>
+        <p:nvGraphicFramePr>
+          <p:cNvPr id="27" name="Table 2">
+            <a:extLst>
+              <a:ext uri="{FF2B5EF4-FFF2-40B4-BE49-F238E27FC236}">
+                <a16:creationId xmlns:a16="http://schemas.microsoft.com/office/drawing/2014/main" id="{AF15BAC0-FC08-2DCC-2B72-FA6E2A289066}"/>
+              </a:ext>
+            </a:extLst>
+          </p:cNvPr>
+          <p:cNvGraphicFramePr>
+            <a:graphicFrameLocks/>
+          </p:cNvGraphicFramePr>
+          <p:nvPr>
+            <p:extLst>
+              <p:ext uri="{D42A27DB-BD31-4B8C-83A1-F6EECF244321}">
+                <p14:modId xmlns:p14="http://schemas.microsoft.com/office/powerpoint/2010/main" val="2293829492"/>
+              </p:ext>
+            </p:extLst>
+          </p:nvPr>
+        </p:nvGraphicFramePr>
+        <p:xfrm>
+          <a:off x="18708761" y="18640536"/>
+          <a:ext cx="11897835" cy="3947900"/>
+        </p:xfrm>
+        <a:graphic>
+          <a:graphicData uri="http://schemas.openxmlformats.org/drawingml/2006/table">
+            <a:tbl>
+              <a:tblPr firstRow="1" bandRow="1">
+                <a:tableStyleId>{5C22544A-7EE6-4342-B048-85BDC9FD1C3A}</a:tableStyleId>
+              </a:tblPr>
+              <a:tblGrid>
+                <a:gridCol w="2379567">
+                  <a:extLst>
+                    <a:ext uri="{9D8B030D-6E8A-4147-A177-3AD203B41FA5}">
+                      <a16:colId xmlns:a16="http://schemas.microsoft.com/office/drawing/2014/main" val="2639204986"/>
+                    </a:ext>
+                  </a:extLst>
+                </a:gridCol>
+                <a:gridCol w="2379567">
+                  <a:extLst>
+                    <a:ext uri="{9D8B030D-6E8A-4147-A177-3AD203B41FA5}">
+                      <a16:colId xmlns:a16="http://schemas.microsoft.com/office/drawing/2014/main" val="2690891796"/>
+                    </a:ext>
+                  </a:extLst>
+                </a:gridCol>
+                <a:gridCol w="2379567">
+                  <a:extLst>
+                    <a:ext uri="{9D8B030D-6E8A-4147-A177-3AD203B41FA5}">
+                      <a16:colId xmlns:a16="http://schemas.microsoft.com/office/drawing/2014/main" val="3723378948"/>
+                    </a:ext>
+                  </a:extLst>
+                </a:gridCol>
+                <a:gridCol w="2379567">
+                  <a:extLst>
+                    <a:ext uri="{9D8B030D-6E8A-4147-A177-3AD203B41FA5}">
+                      <a16:colId xmlns:a16="http://schemas.microsoft.com/office/drawing/2014/main" val="1498371569"/>
+                    </a:ext>
+                  </a:extLst>
+                </a:gridCol>
+                <a:gridCol w="2379567">
+                  <a:extLst>
+                    <a:ext uri="{9D8B030D-6E8A-4147-A177-3AD203B41FA5}">
+                      <a16:colId xmlns:a16="http://schemas.microsoft.com/office/drawing/2014/main" val="889807820"/>
+                    </a:ext>
+                  </a:extLst>
+                </a:gridCol>
+              </a:tblGrid>
+              <a:tr h="410296">
+                <a:tc>
+                  <a:txBody>
+                    <a:bodyPr/>
+                    <a:lstStyle/>
+                    <a:p>
+                      <a:endParaRPr lang="en-US" sz="2400" dirty="0"/>
+                    </a:p>
+                  </a:txBody>
+                  <a:tcPr>
+                    <a:lnTlToBr w="12700" cap="flat" cmpd="sng" algn="ctr">
+                      <a:solidFill>
+                        <a:schemeClr val="tx1"/>
+                      </a:solidFill>
+                      <a:prstDash val="solid"/>
+                      <a:round/>
+                      <a:headEnd type="none" w="med" len="med"/>
+                      <a:tailEnd type="none" w="med" len="med"/>
+                    </a:lnTlToBr>
+                    <a:solidFill>
+                      <a:schemeClr val="tx2"/>
+                    </a:solidFill>
+                  </a:tcPr>
+                </a:tc>
+                <a:tc>
+                  <a:txBody>
+                    <a:bodyPr/>
+                    <a:lstStyle/>
+                    <a:p>
+                      <a:r>
+                        <a:rPr lang="en-US" sz="2400" dirty="0"/>
+                        <a:t>Estimate</a:t>
+                      </a:r>
+                    </a:p>
+                  </a:txBody>
+                  <a:tcPr/>
+                </a:tc>
+                <a:tc>
+                  <a:txBody>
+                    <a:bodyPr/>
+                    <a:lstStyle/>
+                    <a:p>
+                      <a:r>
+                        <a:rPr lang="en-US" sz="2400" dirty="0"/>
+                        <a:t>PB</a:t>
+                      </a:r>
+                    </a:p>
+                  </a:txBody>
+                  <a:tcPr/>
+                </a:tc>
+                <a:tc>
+                  <a:txBody>
+                    <a:bodyPr/>
+                    <a:lstStyle/>
+                    <a:p>
+                      <a:r>
+                        <a:rPr lang="en-US" sz="2400" dirty="0"/>
+                        <a:t>CR</a:t>
+                      </a:r>
+                    </a:p>
+                  </a:txBody>
+                  <a:tcPr/>
+                </a:tc>
+                <a:tc>
+                  <a:txBody>
+                    <a:bodyPr/>
+                    <a:lstStyle/>
+                    <a:p>
+                      <a:r>
+                        <a:rPr lang="en-US" sz="2400" dirty="0"/>
+                        <a:t>AW</a:t>
+                      </a:r>
+                    </a:p>
+                  </a:txBody>
+                  <a:tcPr/>
+                </a:tc>
+                <a:extLst>
+                  <a:ext uri="{0D108BD9-81ED-4DB2-BD59-A6C34878D82A}">
+                    <a16:rowId xmlns:a16="http://schemas.microsoft.com/office/drawing/2014/main" val="1025636070"/>
+                  </a:ext>
+                </a:extLst>
+              </a:tr>
+              <a:tr h="302595">
+                <a:tc>
+                  <a:txBody>
+                    <a:bodyPr/>
+                    <a:lstStyle/>
+                    <a:p>
+                      <a:r>
+                        <a:rPr lang="en-US" sz="2400" dirty="0"/>
+                        <a:t>MCAR</a:t>
+                      </a:r>
+                    </a:p>
+                  </a:txBody>
+                  <a:tcPr>
+                    <a:solidFill>
+                      <a:schemeClr val="accent2"/>
+                    </a:solidFill>
+                  </a:tcPr>
+                </a:tc>
+                <a:tc>
+                  <a:txBody>
+                    <a:bodyPr/>
+                    <a:lstStyle/>
+                    <a:p>
+                      <a:r>
+                        <a:rPr lang="en-US" sz="2400" dirty="0"/>
+                        <a:t>0.9779</a:t>
+                      </a:r>
+                    </a:p>
+                  </a:txBody>
+                  <a:tcPr/>
+                </a:tc>
+                <a:tc>
+                  <a:txBody>
+                    <a:bodyPr/>
+                    <a:lstStyle/>
+                    <a:p>
+                      <a:r>
+                        <a:rPr lang="en-US" sz="2400" dirty="0"/>
+                        <a:t>2.209</a:t>
+                      </a:r>
+                    </a:p>
+                  </a:txBody>
+                  <a:tcPr/>
+                </a:tc>
+                <a:tc>
+                  <a:txBody>
+                    <a:bodyPr/>
+                    <a:lstStyle/>
+                    <a:p>
+                      <a:r>
+                        <a:rPr lang="en-US" sz="2400" dirty="0"/>
+                        <a:t>0.97</a:t>
+                      </a:r>
+                    </a:p>
+                  </a:txBody>
+                  <a:tcPr/>
+                </a:tc>
+                <a:tc>
+                  <a:txBody>
+                    <a:bodyPr/>
+                    <a:lstStyle/>
+                    <a:p>
+                      <a:r>
+                        <a:rPr lang="en-US" sz="2400" dirty="0"/>
+                        <a:t>0.102</a:t>
+                      </a:r>
+                    </a:p>
+                  </a:txBody>
+                  <a:tcPr/>
+                </a:tc>
+                <a:extLst>
+                  <a:ext uri="{0D108BD9-81ED-4DB2-BD59-A6C34878D82A}">
+                    <a16:rowId xmlns:a16="http://schemas.microsoft.com/office/drawing/2014/main" val="2450062889"/>
+                  </a:ext>
+                </a:extLst>
+              </a:tr>
+              <a:tr h="410296">
+                <a:tc>
+                  <a:txBody>
+                    <a:bodyPr/>
+                    <a:lstStyle/>
+                    <a:p>
+                      <a:r>
+                        <a:rPr lang="en-US" sz="2400" dirty="0"/>
+                        <a:t>MAR-light</a:t>
+                      </a:r>
+                    </a:p>
+                  </a:txBody>
+                  <a:tcPr>
+                    <a:solidFill>
+                      <a:schemeClr val="accent2"/>
+                    </a:solidFill>
+                  </a:tcPr>
+                </a:tc>
+                <a:tc>
+                  <a:txBody>
+                    <a:bodyPr/>
+                    <a:lstStyle/>
+                    <a:p>
+                      <a:r>
+                        <a:rPr lang="en-US" sz="2400" dirty="0"/>
+                        <a:t>0.9768</a:t>
+                      </a:r>
+                    </a:p>
+                  </a:txBody>
+                  <a:tcPr/>
+                </a:tc>
+                <a:tc>
+                  <a:txBody>
+                    <a:bodyPr/>
+                    <a:lstStyle/>
+                    <a:p>
+                      <a:r>
+                        <a:rPr lang="en-US" sz="2400" dirty="0"/>
+                        <a:t>2.315</a:t>
+                      </a:r>
+                    </a:p>
+                  </a:txBody>
+                  <a:tcPr/>
+                </a:tc>
+                <a:tc>
+                  <a:txBody>
+                    <a:bodyPr/>
+                    <a:lstStyle/>
+                    <a:p>
+                      <a:r>
+                        <a:rPr lang="en-US" sz="2400" dirty="0"/>
+                        <a:t>0.91</a:t>
+                      </a:r>
+                    </a:p>
+                  </a:txBody>
+                  <a:tcPr/>
+                </a:tc>
+                <a:tc>
+                  <a:txBody>
+                    <a:bodyPr/>
+                    <a:lstStyle/>
+                    <a:p>
+                      <a:r>
+                        <a:rPr lang="en-US" sz="2400" dirty="0"/>
+                        <a:t>0.108</a:t>
+                      </a:r>
+                    </a:p>
+                  </a:txBody>
+                  <a:tcPr/>
+                </a:tc>
+                <a:extLst>
+                  <a:ext uri="{0D108BD9-81ED-4DB2-BD59-A6C34878D82A}">
+                    <a16:rowId xmlns:a16="http://schemas.microsoft.com/office/drawing/2014/main" val="106183214"/>
+                  </a:ext>
+                </a:extLst>
+              </a:tr>
+              <a:tr h="602350">
+                <a:tc>
+                  <a:txBody>
+                    <a:bodyPr/>
+                    <a:lstStyle/>
+                    <a:p>
+                      <a:r>
+                        <a:rPr lang="en-US" sz="2400" dirty="0"/>
+                        <a:t>MAR-moderate</a:t>
+                      </a:r>
+                    </a:p>
+                  </a:txBody>
+                  <a:tcPr>
+                    <a:solidFill>
+                      <a:schemeClr val="accent2"/>
+                    </a:solidFill>
+                  </a:tcPr>
+                </a:tc>
+                <a:tc>
+                  <a:txBody>
+                    <a:bodyPr/>
+                    <a:lstStyle/>
+                    <a:p>
+                      <a:r>
+                        <a:rPr lang="en-US" sz="2400" dirty="0"/>
+                        <a:t>0.9799</a:t>
+                      </a:r>
+                    </a:p>
+                  </a:txBody>
+                  <a:tcPr/>
+                </a:tc>
+                <a:tc>
+                  <a:txBody>
+                    <a:bodyPr/>
+                    <a:lstStyle/>
+                    <a:p>
+                      <a:r>
+                        <a:rPr lang="en-US" sz="2400" dirty="0"/>
+                        <a:t>2.011</a:t>
+                      </a:r>
+                    </a:p>
+                  </a:txBody>
+                  <a:tcPr/>
+                </a:tc>
+                <a:tc>
+                  <a:txBody>
+                    <a:bodyPr/>
+                    <a:lstStyle/>
+                    <a:p>
+                      <a:r>
+                        <a:rPr lang="en-US" sz="2400" dirty="0"/>
+                        <a:t>0.91</a:t>
+                      </a:r>
+                    </a:p>
+                  </a:txBody>
+                  <a:tcPr/>
+                </a:tc>
+                <a:tc>
+                  <a:txBody>
+                    <a:bodyPr/>
+                    <a:lstStyle/>
+                    <a:p>
+                      <a:r>
+                        <a:rPr lang="en-US" sz="2400" dirty="0"/>
+                        <a:t>0.095</a:t>
+                      </a:r>
+                    </a:p>
+                  </a:txBody>
+                  <a:tcPr/>
+                </a:tc>
+                <a:extLst>
+                  <a:ext uri="{0D108BD9-81ED-4DB2-BD59-A6C34878D82A}">
+                    <a16:rowId xmlns:a16="http://schemas.microsoft.com/office/drawing/2014/main" val="2167119470"/>
+                  </a:ext>
+                </a:extLst>
+              </a:tr>
+              <a:tr h="414239">
+                <a:tc>
+                  <a:txBody>
+                    <a:bodyPr/>
+                    <a:lstStyle/>
+                    <a:p>
+                      <a:r>
+                        <a:rPr lang="en-US" sz="2400" dirty="0"/>
+                        <a:t>MAR-heavy</a:t>
+                      </a:r>
+                    </a:p>
+                  </a:txBody>
+                  <a:tcPr>
+                    <a:solidFill>
+                      <a:schemeClr val="accent2"/>
+                    </a:solidFill>
+                  </a:tcPr>
+                </a:tc>
+                <a:tc>
+                  <a:txBody>
+                    <a:bodyPr/>
+                    <a:lstStyle/>
+                    <a:p>
+                      <a:r>
+                        <a:rPr lang="en-US" sz="2400" dirty="0"/>
+                        <a:t>0.9841</a:t>
+                      </a:r>
+                    </a:p>
+                  </a:txBody>
+                  <a:tcPr/>
+                </a:tc>
+                <a:tc>
+                  <a:txBody>
+                    <a:bodyPr/>
+                    <a:lstStyle/>
+                    <a:p>
+                      <a:r>
+                        <a:rPr lang="en-US" sz="2400" dirty="0"/>
+                        <a:t>1.588</a:t>
+                      </a:r>
+                    </a:p>
+                  </a:txBody>
+                  <a:tcPr/>
+                </a:tc>
+                <a:tc>
+                  <a:txBody>
+                    <a:bodyPr/>
+                    <a:lstStyle/>
+                    <a:p>
+                      <a:r>
+                        <a:rPr lang="en-US" sz="2400" dirty="0"/>
+                        <a:t>0.90</a:t>
+                      </a:r>
+                    </a:p>
+                  </a:txBody>
+                  <a:tcPr/>
+                </a:tc>
+                <a:tc>
+                  <a:txBody>
+                    <a:bodyPr/>
+                    <a:lstStyle/>
+                    <a:p>
+                      <a:r>
+                        <a:rPr lang="en-US" sz="2400" dirty="0"/>
+                        <a:t>0.082</a:t>
+                      </a:r>
+                    </a:p>
+                  </a:txBody>
+                  <a:tcPr/>
+                </a:tc>
+                <a:extLst>
+                  <a:ext uri="{0D108BD9-81ED-4DB2-BD59-A6C34878D82A}">
+                    <a16:rowId xmlns:a16="http://schemas.microsoft.com/office/drawing/2014/main" val="4197118472"/>
+                  </a:ext>
+                </a:extLst>
+              </a:tr>
+              <a:tr h="414239">
+                <a:tc>
+                  <a:txBody>
+                    <a:bodyPr/>
+                    <a:lstStyle/>
+                    <a:p>
+                      <a:r>
+                        <a:rPr lang="en-US" sz="2400" dirty="0"/>
+                        <a:t>MNAR-light</a:t>
+                      </a:r>
+                    </a:p>
+                  </a:txBody>
+                  <a:tcPr>
+                    <a:solidFill>
+                      <a:schemeClr val="accent2"/>
+                    </a:solidFill>
+                  </a:tcPr>
+                </a:tc>
+                <a:tc>
+                  <a:txBody>
+                    <a:bodyPr/>
+                    <a:lstStyle/>
+                    <a:p>
+                      <a:r>
+                        <a:rPr lang="en-US" sz="2400" dirty="0"/>
+                        <a:t>1.0174</a:t>
+                      </a:r>
+                    </a:p>
+                  </a:txBody>
+                  <a:tcPr/>
+                </a:tc>
+                <a:tc>
+                  <a:txBody>
+                    <a:bodyPr/>
+                    <a:lstStyle/>
+                    <a:p>
+                      <a:r>
+                        <a:rPr lang="en-US" sz="2400" dirty="0"/>
+                        <a:t>1.740</a:t>
+                      </a:r>
+                    </a:p>
+                  </a:txBody>
+                  <a:tcPr/>
+                </a:tc>
+                <a:tc>
+                  <a:txBody>
+                    <a:bodyPr/>
+                    <a:lstStyle/>
+                    <a:p>
+                      <a:r>
+                        <a:rPr lang="en-US" sz="2400" dirty="0"/>
+                        <a:t>0.96</a:t>
+                      </a:r>
+                    </a:p>
+                  </a:txBody>
+                  <a:tcPr/>
+                </a:tc>
+                <a:tc>
+                  <a:txBody>
+                    <a:bodyPr/>
+                    <a:lstStyle/>
+                    <a:p>
+                      <a:r>
+                        <a:rPr lang="en-US" sz="2400" dirty="0"/>
+                        <a:t>0.306</a:t>
+                      </a:r>
+                    </a:p>
+                  </a:txBody>
+                  <a:tcPr/>
+                </a:tc>
+                <a:extLst>
+                  <a:ext uri="{0D108BD9-81ED-4DB2-BD59-A6C34878D82A}">
+                    <a16:rowId xmlns:a16="http://schemas.microsoft.com/office/drawing/2014/main" val="4122388607"/>
+                  </a:ext>
+                </a:extLst>
+              </a:tr>
+              <a:tr h="602350">
+                <a:tc>
+                  <a:txBody>
+                    <a:bodyPr/>
+                    <a:lstStyle/>
+                    <a:p>
+                      <a:r>
+                        <a:rPr lang="en-US" sz="2400" dirty="0"/>
+                        <a:t>MNAR-moderate</a:t>
+                      </a:r>
+                    </a:p>
+                  </a:txBody>
+                  <a:tcPr>
+                    <a:solidFill>
+                      <a:schemeClr val="accent2"/>
+                    </a:solidFill>
+                  </a:tcPr>
+                </a:tc>
+                <a:tc>
+                  <a:txBody>
+                    <a:bodyPr/>
+                    <a:lstStyle/>
+                    <a:p>
+                      <a:r>
+                        <a:rPr lang="en-US" sz="2400" dirty="0"/>
+                        <a:t>1.0262</a:t>
+                      </a:r>
+                    </a:p>
+                  </a:txBody>
+                  <a:tcPr/>
+                </a:tc>
+                <a:tc>
+                  <a:txBody>
+                    <a:bodyPr/>
+                    <a:lstStyle/>
+                    <a:p>
+                      <a:r>
+                        <a:rPr lang="en-US" sz="2400" dirty="0"/>
+                        <a:t>2.615</a:t>
+                      </a:r>
+                    </a:p>
+                  </a:txBody>
+                  <a:tcPr/>
+                </a:tc>
+                <a:tc>
+                  <a:txBody>
+                    <a:bodyPr/>
+                    <a:lstStyle/>
+                    <a:p>
+                      <a:r>
+                        <a:rPr lang="en-US" sz="2400" dirty="0"/>
+                        <a:t>0.95</a:t>
+                      </a:r>
+                    </a:p>
+                  </a:txBody>
+                  <a:tcPr/>
+                </a:tc>
+                <a:tc>
+                  <a:txBody>
+                    <a:bodyPr/>
+                    <a:lstStyle/>
+                    <a:p>
+                      <a:r>
+                        <a:rPr lang="en-US" sz="2400" dirty="0"/>
+                        <a:t>0.331</a:t>
+                      </a:r>
+                    </a:p>
+                  </a:txBody>
+                  <a:tcPr/>
+                </a:tc>
+                <a:extLst>
+                  <a:ext uri="{0D108BD9-81ED-4DB2-BD59-A6C34878D82A}">
+                    <a16:rowId xmlns:a16="http://schemas.microsoft.com/office/drawing/2014/main" val="1306177704"/>
+                  </a:ext>
+                </a:extLst>
+              </a:tr>
+              <a:tr h="414239">
+                <a:tc>
+                  <a:txBody>
+                    <a:bodyPr/>
+                    <a:lstStyle/>
+                    <a:p>
+                      <a:r>
+                        <a:rPr lang="en-US" sz="2400" dirty="0"/>
+                        <a:t>MNAR-heavy</a:t>
+                      </a:r>
+                    </a:p>
+                  </a:txBody>
+                  <a:tcPr>
+                    <a:solidFill>
+                      <a:schemeClr val="accent2"/>
+                    </a:solidFill>
+                  </a:tcPr>
+                </a:tc>
+                <a:tc>
+                  <a:txBody>
+                    <a:bodyPr/>
+                    <a:lstStyle/>
+                    <a:p>
+                      <a:r>
+                        <a:rPr lang="en-US" sz="2400" dirty="0"/>
+                        <a:t>1.0485</a:t>
+                      </a:r>
+                    </a:p>
+                  </a:txBody>
+                  <a:tcPr/>
+                </a:tc>
+                <a:tc>
+                  <a:txBody>
+                    <a:bodyPr/>
+                    <a:lstStyle/>
+                    <a:p>
+                      <a:r>
+                        <a:rPr lang="en-US" sz="2400" dirty="0"/>
+                        <a:t>4.853</a:t>
+                      </a:r>
+                    </a:p>
+                  </a:txBody>
+                  <a:tcPr/>
+                </a:tc>
+                <a:tc>
+                  <a:txBody>
+                    <a:bodyPr/>
+                    <a:lstStyle/>
+                    <a:p>
+                      <a:r>
+                        <a:rPr lang="en-US" sz="2400" dirty="0"/>
+                        <a:t>0.88</a:t>
+                      </a:r>
+                    </a:p>
+                  </a:txBody>
+                  <a:tcPr/>
+                </a:tc>
+                <a:tc>
+                  <a:txBody>
+                    <a:bodyPr/>
+                    <a:lstStyle/>
+                    <a:p>
+                      <a:r>
+                        <a:rPr lang="en-US" sz="2400" dirty="0"/>
+                        <a:t>0.388</a:t>
+                      </a:r>
+                    </a:p>
+                  </a:txBody>
+                  <a:tcPr/>
+                </a:tc>
+                <a:extLst>
+                  <a:ext uri="{0D108BD9-81ED-4DB2-BD59-A6C34878D82A}">
+                    <a16:rowId xmlns:a16="http://schemas.microsoft.com/office/drawing/2014/main" val="4228847266"/>
+                  </a:ext>
+                </a:extLst>
+              </a:tr>
+            </a:tbl>
+          </a:graphicData>
+        </a:graphic>
+      </p:graphicFrame>
+      <p:sp>
+        <p:nvSpPr>
+          <p:cNvPr id="29" name="正方形/長方形 17">
+            <a:extLst>
+              <a:ext uri="{FF2B5EF4-FFF2-40B4-BE49-F238E27FC236}">
+                <a16:creationId xmlns:a16="http://schemas.microsoft.com/office/drawing/2014/main" id="{3FB023C2-9525-8AE2-37A3-16B9BAC2F6A1}"/>
+              </a:ext>
+            </a:extLst>
+          </p:cNvPr>
+          <p:cNvSpPr/>
+          <p:nvPr/>
+        </p:nvSpPr>
+        <p:spPr>
+          <a:xfrm>
+            <a:off x="17612133" y="18563159"/>
+            <a:ext cx="14275935" cy="4112697"/>
+          </a:xfrm>
+          <a:prstGeom prst="rect">
+            <a:avLst/>
+          </a:prstGeom>
+          <a:noFill/>
+          <a:ln w="34925">
+            <a:solidFill>
+              <a:schemeClr val="accent2"/>
+            </a:solidFill>
+          </a:ln>
+        </p:spPr>
+        <p:style>
+          <a:lnRef idx="2">
+            <a:schemeClr val="accent1">
+              <a:shade val="50000"/>
+            </a:schemeClr>
+          </a:lnRef>
+          <a:fillRef idx="1">
+            <a:schemeClr val="accent1"/>
+          </a:fillRef>
+          <a:effectRef idx="0">
+            <a:schemeClr val="accent1"/>
+          </a:effectRef>
+          <a:fontRef idx="minor">
+            <a:schemeClr val="lt1"/>
+          </a:fontRef>
+        </p:style>
+        <p:txBody>
+          <a:bodyPr rtlCol="0" anchor="ctr"/>
+          <a:lstStyle/>
+          <a:p>
+            <a:pPr algn="ctr"/>
+            <a:endParaRPr kumimoji="1" lang="ja-JP" altLang="en-US"/>
+          </a:p>
+        </p:txBody>
+      </p:sp>
     </p:spTree>
     <p:extLst>
       <p:ext uri="{BB962C8B-B14F-4D97-AF65-F5344CB8AC3E}">
         <p14:creationId xmlns:p14="http://schemas.microsoft.com/office/powerpoint/2010/main" val="1403076430"/>
+      </p:ext>
+    </p:extLst>
+  </p:cSld>
+  <p:clrMapOvr>
+    <a:masterClrMapping/>
+  </p:clrMapOvr>
+</p:sld>
+</file>
+
+<file path=ppt/slides/slide2.xml><?xml version="1.0" encoding="utf-8"?>
+<p:sld xmlns:a="http://schemas.openxmlformats.org/drawingml/2006/main" xmlns:r="http://schemas.openxmlformats.org/officeDocument/2006/relationships" xmlns:p="http://schemas.openxmlformats.org/presentationml/2006/main">
+  <p:cSld>
+    <p:spTree>
+      <p:nvGrpSpPr>
+        <p:cNvPr id="1" name=""/>
+        <p:cNvGrpSpPr/>
+        <p:nvPr/>
+      </p:nvGrpSpPr>
+      <p:grpSpPr>
+        <a:xfrm>
+          <a:off x="0" y="0"/>
+          <a:ext cx="0" cy="0"/>
+          <a:chOff x="0" y="0"/>
+          <a:chExt cx="0" cy="0"/>
+        </a:xfrm>
+      </p:grpSpPr>
+      <p:sp>
+        <p:nvSpPr>
+          <p:cNvPr id="2" name="Title 1">
+            <a:extLst>
+              <a:ext uri="{FF2B5EF4-FFF2-40B4-BE49-F238E27FC236}">
+                <a16:creationId xmlns:a16="http://schemas.microsoft.com/office/drawing/2014/main" id="{B9EDC037-4E54-CDD0-A47F-848D9EC091E2}"/>
+              </a:ext>
+            </a:extLst>
+          </p:cNvPr>
+          <p:cNvSpPr>
+            <a:spLocks noGrp="1"/>
+          </p:cNvSpPr>
+          <p:nvPr>
+            <p:ph type="title"/>
+          </p:nvPr>
+        </p:nvSpPr>
+        <p:spPr/>
+        <p:txBody>
+          <a:bodyPr/>
+          <a:lstStyle/>
+          <a:p>
+            <a:endParaRPr lang="en-US"/>
+          </a:p>
+        </p:txBody>
+      </p:sp>
+      <p:graphicFrame>
+        <p:nvGraphicFramePr>
+          <p:cNvPr id="4" name="Table 2">
+            <a:extLst>
+              <a:ext uri="{FF2B5EF4-FFF2-40B4-BE49-F238E27FC236}">
+                <a16:creationId xmlns:a16="http://schemas.microsoft.com/office/drawing/2014/main" id="{629D417F-46F1-03AB-EACD-F28E949E6A9B}"/>
+              </a:ext>
+            </a:extLst>
+          </p:cNvPr>
+          <p:cNvGraphicFramePr>
+            <a:graphicFrameLocks noGrp="1"/>
+          </p:cNvGraphicFramePr>
+          <p:nvPr>
+            <p:ph idx="1"/>
+            <p:extLst>
+              <p:ext uri="{D42A27DB-BD31-4B8C-83A1-F6EECF244321}">
+                <p14:modId xmlns:p14="http://schemas.microsoft.com/office/powerpoint/2010/main" val="1316901754"/>
+              </p:ext>
+            </p:extLst>
+          </p:nvPr>
+        </p:nvGraphicFramePr>
+        <p:xfrm>
+          <a:off x="17255165" y="22845246"/>
+          <a:ext cx="13986075" cy="9602772"/>
+        </p:xfrm>
+        <a:graphic>
+          <a:graphicData uri="http://schemas.openxmlformats.org/drawingml/2006/table">
+            <a:tbl>
+              <a:tblPr firstRow="1" bandRow="1">
+                <a:tableStyleId>{5C22544A-7EE6-4342-B048-85BDC9FD1C3A}</a:tableStyleId>
+              </a:tblPr>
+              <a:tblGrid>
+                <a:gridCol w="2797215">
+                  <a:extLst>
+                    <a:ext uri="{9D8B030D-6E8A-4147-A177-3AD203B41FA5}">
+                      <a16:colId xmlns:a16="http://schemas.microsoft.com/office/drawing/2014/main" val="2639204986"/>
+                    </a:ext>
+                  </a:extLst>
+                </a:gridCol>
+                <a:gridCol w="2797215">
+                  <a:extLst>
+                    <a:ext uri="{9D8B030D-6E8A-4147-A177-3AD203B41FA5}">
+                      <a16:colId xmlns:a16="http://schemas.microsoft.com/office/drawing/2014/main" val="2690891796"/>
+                    </a:ext>
+                  </a:extLst>
+                </a:gridCol>
+                <a:gridCol w="2797215">
+                  <a:extLst>
+                    <a:ext uri="{9D8B030D-6E8A-4147-A177-3AD203B41FA5}">
+                      <a16:colId xmlns:a16="http://schemas.microsoft.com/office/drawing/2014/main" val="3723378948"/>
+                    </a:ext>
+                  </a:extLst>
+                </a:gridCol>
+                <a:gridCol w="2797215">
+                  <a:extLst>
+                    <a:ext uri="{9D8B030D-6E8A-4147-A177-3AD203B41FA5}">
+                      <a16:colId xmlns:a16="http://schemas.microsoft.com/office/drawing/2014/main" val="1498371569"/>
+                    </a:ext>
+                  </a:extLst>
+                </a:gridCol>
+                <a:gridCol w="2797215">
+                  <a:extLst>
+                    <a:ext uri="{9D8B030D-6E8A-4147-A177-3AD203B41FA5}">
+                      <a16:colId xmlns:a16="http://schemas.microsoft.com/office/drawing/2014/main" val="889807820"/>
+                    </a:ext>
+                  </a:extLst>
+                </a:gridCol>
+              </a:tblGrid>
+              <a:tr h="838986">
+                <a:tc>
+                  <a:txBody>
+                    <a:bodyPr/>
+                    <a:lstStyle/>
+                    <a:p>
+                      <a:endParaRPr lang="en-US" sz="4400" dirty="0"/>
+                    </a:p>
+                  </a:txBody>
+                  <a:tcPr>
+                    <a:lnTlToBr w="12700" cap="flat" cmpd="sng" algn="ctr">
+                      <a:solidFill>
+                        <a:schemeClr val="tx1"/>
+                      </a:solidFill>
+                      <a:prstDash val="solid"/>
+                      <a:round/>
+                      <a:headEnd type="none" w="med" len="med"/>
+                      <a:tailEnd type="none" w="med" len="med"/>
+                    </a:lnTlToBr>
+                    <a:solidFill>
+                      <a:schemeClr val="tx2"/>
+                    </a:solidFill>
+                  </a:tcPr>
+                </a:tc>
+                <a:tc>
+                  <a:txBody>
+                    <a:bodyPr/>
+                    <a:lstStyle/>
+                    <a:p>
+                      <a:r>
+                        <a:rPr lang="en-US" sz="4400" dirty="0"/>
+                        <a:t>Estimate</a:t>
+                      </a:r>
+                    </a:p>
+                  </a:txBody>
+                  <a:tcPr/>
+                </a:tc>
+                <a:tc>
+                  <a:txBody>
+                    <a:bodyPr/>
+                    <a:lstStyle/>
+                    <a:p>
+                      <a:r>
+                        <a:rPr lang="en-US" sz="4400" dirty="0"/>
+                        <a:t>PB</a:t>
+                      </a:r>
+                    </a:p>
+                  </a:txBody>
+                  <a:tcPr/>
+                </a:tc>
+                <a:tc>
+                  <a:txBody>
+                    <a:bodyPr/>
+                    <a:lstStyle/>
+                    <a:p>
+                      <a:r>
+                        <a:rPr lang="en-US" sz="4400" dirty="0"/>
+                        <a:t>CR</a:t>
+                      </a:r>
+                    </a:p>
+                  </a:txBody>
+                  <a:tcPr/>
+                </a:tc>
+                <a:tc>
+                  <a:txBody>
+                    <a:bodyPr/>
+                    <a:lstStyle/>
+                    <a:p>
+                      <a:r>
+                        <a:rPr lang="en-US" sz="4400" dirty="0"/>
+                        <a:t>AW</a:t>
+                      </a:r>
+                    </a:p>
+                  </a:txBody>
+                  <a:tcPr/>
+                </a:tc>
+                <a:extLst>
+                  <a:ext uri="{0D108BD9-81ED-4DB2-BD59-A6C34878D82A}">
+                    <a16:rowId xmlns:a16="http://schemas.microsoft.com/office/drawing/2014/main" val="1025636070"/>
+                  </a:ext>
+                </a:extLst>
+              </a:tr>
+              <a:tr h="446269">
+                <a:tc>
+                  <a:txBody>
+                    <a:bodyPr/>
+                    <a:lstStyle/>
+                    <a:p>
+                      <a:r>
+                        <a:rPr lang="en-US" sz="4400" dirty="0"/>
+                        <a:t>MCAR</a:t>
+                      </a:r>
+                    </a:p>
+                  </a:txBody>
+                  <a:tcPr>
+                    <a:solidFill>
+                      <a:schemeClr val="accent2"/>
+                    </a:solidFill>
+                  </a:tcPr>
+                </a:tc>
+                <a:tc>
+                  <a:txBody>
+                    <a:bodyPr/>
+                    <a:lstStyle/>
+                    <a:p>
+                      <a:r>
+                        <a:rPr lang="en-US" sz="4400" dirty="0"/>
+                        <a:t>0.9779</a:t>
+                      </a:r>
+                    </a:p>
+                  </a:txBody>
+                  <a:tcPr/>
+                </a:tc>
+                <a:tc>
+                  <a:txBody>
+                    <a:bodyPr/>
+                    <a:lstStyle/>
+                    <a:p>
+                      <a:r>
+                        <a:rPr lang="en-US" sz="4400" dirty="0"/>
+                        <a:t>2.209</a:t>
+                      </a:r>
+                    </a:p>
+                  </a:txBody>
+                  <a:tcPr/>
+                </a:tc>
+                <a:tc>
+                  <a:txBody>
+                    <a:bodyPr/>
+                    <a:lstStyle/>
+                    <a:p>
+                      <a:r>
+                        <a:rPr lang="en-US" sz="4400" dirty="0"/>
+                        <a:t>0.97</a:t>
+                      </a:r>
+                    </a:p>
+                  </a:txBody>
+                  <a:tcPr/>
+                </a:tc>
+                <a:tc>
+                  <a:txBody>
+                    <a:bodyPr/>
+                    <a:lstStyle/>
+                    <a:p>
+                      <a:r>
+                        <a:rPr lang="en-US" sz="4400" dirty="0"/>
+                        <a:t>0.102</a:t>
+                      </a:r>
+                    </a:p>
+                  </a:txBody>
+                  <a:tcPr/>
+                </a:tc>
+                <a:extLst>
+                  <a:ext uri="{0D108BD9-81ED-4DB2-BD59-A6C34878D82A}">
+                    <a16:rowId xmlns:a16="http://schemas.microsoft.com/office/drawing/2014/main" val="2450062889"/>
+                  </a:ext>
+                </a:extLst>
+              </a:tr>
+              <a:tr h="838986">
+                <a:tc>
+                  <a:txBody>
+                    <a:bodyPr/>
+                    <a:lstStyle/>
+                    <a:p>
+                      <a:r>
+                        <a:rPr lang="en-US" sz="4400" dirty="0"/>
+                        <a:t>MAR-light</a:t>
+                      </a:r>
+                    </a:p>
+                  </a:txBody>
+                  <a:tcPr>
+                    <a:solidFill>
+                      <a:schemeClr val="accent2"/>
+                    </a:solidFill>
+                  </a:tcPr>
+                </a:tc>
+                <a:tc>
+                  <a:txBody>
+                    <a:bodyPr/>
+                    <a:lstStyle/>
+                    <a:p>
+                      <a:r>
+                        <a:rPr lang="en-US" sz="4400" dirty="0"/>
+                        <a:t>0.9768</a:t>
+                      </a:r>
+                    </a:p>
+                  </a:txBody>
+                  <a:tcPr/>
+                </a:tc>
+                <a:tc>
+                  <a:txBody>
+                    <a:bodyPr/>
+                    <a:lstStyle/>
+                    <a:p>
+                      <a:r>
+                        <a:rPr lang="en-US" sz="4400" dirty="0"/>
+                        <a:t>2.315</a:t>
+                      </a:r>
+                    </a:p>
+                  </a:txBody>
+                  <a:tcPr/>
+                </a:tc>
+                <a:tc>
+                  <a:txBody>
+                    <a:bodyPr/>
+                    <a:lstStyle/>
+                    <a:p>
+                      <a:r>
+                        <a:rPr lang="en-US" sz="4400" dirty="0"/>
+                        <a:t>0.91</a:t>
+                      </a:r>
+                    </a:p>
+                  </a:txBody>
+                  <a:tcPr/>
+                </a:tc>
+                <a:tc>
+                  <a:txBody>
+                    <a:bodyPr/>
+                    <a:lstStyle/>
+                    <a:p>
+                      <a:r>
+                        <a:rPr lang="en-US" sz="4400" dirty="0"/>
+                        <a:t>0.108</a:t>
+                      </a:r>
+                    </a:p>
+                  </a:txBody>
+                  <a:tcPr/>
+                </a:tc>
+                <a:extLst>
+                  <a:ext uri="{0D108BD9-81ED-4DB2-BD59-A6C34878D82A}">
+                    <a16:rowId xmlns:a16="http://schemas.microsoft.com/office/drawing/2014/main" val="106183214"/>
+                  </a:ext>
+                </a:extLst>
+              </a:tr>
+              <a:tr h="1231702">
+                <a:tc>
+                  <a:txBody>
+                    <a:bodyPr/>
+                    <a:lstStyle/>
+                    <a:p>
+                      <a:r>
+                        <a:rPr lang="en-US" sz="4400" dirty="0"/>
+                        <a:t>MAR-moderate</a:t>
+                      </a:r>
+                    </a:p>
+                  </a:txBody>
+                  <a:tcPr>
+                    <a:solidFill>
+                      <a:schemeClr val="accent2"/>
+                    </a:solidFill>
+                  </a:tcPr>
+                </a:tc>
+                <a:tc>
+                  <a:txBody>
+                    <a:bodyPr/>
+                    <a:lstStyle/>
+                    <a:p>
+                      <a:r>
+                        <a:rPr lang="en-US" sz="4400" dirty="0"/>
+                        <a:t>0.9799</a:t>
+                      </a:r>
+                    </a:p>
+                  </a:txBody>
+                  <a:tcPr/>
+                </a:tc>
+                <a:tc>
+                  <a:txBody>
+                    <a:bodyPr/>
+                    <a:lstStyle/>
+                    <a:p>
+                      <a:r>
+                        <a:rPr lang="en-US" sz="4400" dirty="0"/>
+                        <a:t>2.011</a:t>
+                      </a:r>
+                    </a:p>
+                  </a:txBody>
+                  <a:tcPr/>
+                </a:tc>
+                <a:tc>
+                  <a:txBody>
+                    <a:bodyPr/>
+                    <a:lstStyle/>
+                    <a:p>
+                      <a:r>
+                        <a:rPr lang="en-US" sz="4400" dirty="0"/>
+                        <a:t>0.91</a:t>
+                      </a:r>
+                    </a:p>
+                  </a:txBody>
+                  <a:tcPr/>
+                </a:tc>
+                <a:tc>
+                  <a:txBody>
+                    <a:bodyPr/>
+                    <a:lstStyle/>
+                    <a:p>
+                      <a:r>
+                        <a:rPr lang="en-US" sz="4400" dirty="0"/>
+                        <a:t>0.095</a:t>
+                      </a:r>
+                    </a:p>
+                  </a:txBody>
+                  <a:tcPr/>
+                </a:tc>
+                <a:extLst>
+                  <a:ext uri="{0D108BD9-81ED-4DB2-BD59-A6C34878D82A}">
+                    <a16:rowId xmlns:a16="http://schemas.microsoft.com/office/drawing/2014/main" val="2167119470"/>
+                  </a:ext>
+                </a:extLst>
+              </a:tr>
+              <a:tr h="838986">
+                <a:tc>
+                  <a:txBody>
+                    <a:bodyPr/>
+                    <a:lstStyle/>
+                    <a:p>
+                      <a:r>
+                        <a:rPr lang="en-US" sz="4400" dirty="0"/>
+                        <a:t>MAR-heavy</a:t>
+                      </a:r>
+                    </a:p>
+                  </a:txBody>
+                  <a:tcPr>
+                    <a:solidFill>
+                      <a:schemeClr val="accent2"/>
+                    </a:solidFill>
+                  </a:tcPr>
+                </a:tc>
+                <a:tc>
+                  <a:txBody>
+                    <a:bodyPr/>
+                    <a:lstStyle/>
+                    <a:p>
+                      <a:r>
+                        <a:rPr lang="en-US" sz="4400" dirty="0"/>
+                        <a:t>0.9841</a:t>
+                      </a:r>
+                    </a:p>
+                  </a:txBody>
+                  <a:tcPr/>
+                </a:tc>
+                <a:tc>
+                  <a:txBody>
+                    <a:bodyPr/>
+                    <a:lstStyle/>
+                    <a:p>
+                      <a:r>
+                        <a:rPr lang="en-US" sz="4400" dirty="0"/>
+                        <a:t>1.588</a:t>
+                      </a:r>
+                    </a:p>
+                  </a:txBody>
+                  <a:tcPr/>
+                </a:tc>
+                <a:tc>
+                  <a:txBody>
+                    <a:bodyPr/>
+                    <a:lstStyle/>
+                    <a:p>
+                      <a:r>
+                        <a:rPr lang="en-US" sz="4400" dirty="0"/>
+                        <a:t>0.90</a:t>
+                      </a:r>
+                    </a:p>
+                  </a:txBody>
+                  <a:tcPr/>
+                </a:tc>
+                <a:tc>
+                  <a:txBody>
+                    <a:bodyPr/>
+                    <a:lstStyle/>
+                    <a:p>
+                      <a:r>
+                        <a:rPr lang="en-US" sz="4400" dirty="0"/>
+                        <a:t>0.082</a:t>
+                      </a:r>
+                    </a:p>
+                  </a:txBody>
+                  <a:tcPr/>
+                </a:tc>
+                <a:extLst>
+                  <a:ext uri="{0D108BD9-81ED-4DB2-BD59-A6C34878D82A}">
+                    <a16:rowId xmlns:a16="http://schemas.microsoft.com/office/drawing/2014/main" val="4197118472"/>
+                  </a:ext>
+                </a:extLst>
+              </a:tr>
+              <a:tr h="838986">
+                <a:tc>
+                  <a:txBody>
+                    <a:bodyPr/>
+                    <a:lstStyle/>
+                    <a:p>
+                      <a:r>
+                        <a:rPr lang="en-US" sz="4400" dirty="0"/>
+                        <a:t>MNAR-light</a:t>
+                      </a:r>
+                    </a:p>
+                  </a:txBody>
+                  <a:tcPr>
+                    <a:solidFill>
+                      <a:schemeClr val="accent2"/>
+                    </a:solidFill>
+                  </a:tcPr>
+                </a:tc>
+                <a:tc>
+                  <a:txBody>
+                    <a:bodyPr/>
+                    <a:lstStyle/>
+                    <a:p>
+                      <a:r>
+                        <a:rPr lang="en-US" sz="4400" dirty="0"/>
+                        <a:t>1.0174</a:t>
+                      </a:r>
+                    </a:p>
+                  </a:txBody>
+                  <a:tcPr/>
+                </a:tc>
+                <a:tc>
+                  <a:txBody>
+                    <a:bodyPr/>
+                    <a:lstStyle/>
+                    <a:p>
+                      <a:r>
+                        <a:rPr lang="en-US" sz="4400" dirty="0"/>
+                        <a:t>1.740</a:t>
+                      </a:r>
+                    </a:p>
+                  </a:txBody>
+                  <a:tcPr/>
+                </a:tc>
+                <a:tc>
+                  <a:txBody>
+                    <a:bodyPr/>
+                    <a:lstStyle/>
+                    <a:p>
+                      <a:r>
+                        <a:rPr lang="en-US" sz="4400" dirty="0"/>
+                        <a:t>0.96</a:t>
+                      </a:r>
+                    </a:p>
+                  </a:txBody>
+                  <a:tcPr/>
+                </a:tc>
+                <a:tc>
+                  <a:txBody>
+                    <a:bodyPr/>
+                    <a:lstStyle/>
+                    <a:p>
+                      <a:r>
+                        <a:rPr lang="en-US" sz="4400" dirty="0"/>
+                        <a:t>0.306</a:t>
+                      </a:r>
+                    </a:p>
+                  </a:txBody>
+                  <a:tcPr/>
+                </a:tc>
+                <a:extLst>
+                  <a:ext uri="{0D108BD9-81ED-4DB2-BD59-A6C34878D82A}">
+                    <a16:rowId xmlns:a16="http://schemas.microsoft.com/office/drawing/2014/main" val="4122388607"/>
+                  </a:ext>
+                </a:extLst>
+              </a:tr>
+              <a:tr h="1231702">
+                <a:tc>
+                  <a:txBody>
+                    <a:bodyPr/>
+                    <a:lstStyle/>
+                    <a:p>
+                      <a:r>
+                        <a:rPr lang="en-US" sz="4400" dirty="0"/>
+                        <a:t>MNAR-moderate</a:t>
+                      </a:r>
+                    </a:p>
+                  </a:txBody>
+                  <a:tcPr>
+                    <a:solidFill>
+                      <a:schemeClr val="accent2"/>
+                    </a:solidFill>
+                  </a:tcPr>
+                </a:tc>
+                <a:tc>
+                  <a:txBody>
+                    <a:bodyPr/>
+                    <a:lstStyle/>
+                    <a:p>
+                      <a:r>
+                        <a:rPr lang="en-US" sz="4400" dirty="0"/>
+                        <a:t>1.0262</a:t>
+                      </a:r>
+                    </a:p>
+                  </a:txBody>
+                  <a:tcPr/>
+                </a:tc>
+                <a:tc>
+                  <a:txBody>
+                    <a:bodyPr/>
+                    <a:lstStyle/>
+                    <a:p>
+                      <a:r>
+                        <a:rPr lang="en-US" sz="4400" dirty="0"/>
+                        <a:t>2.615</a:t>
+                      </a:r>
+                    </a:p>
+                  </a:txBody>
+                  <a:tcPr/>
+                </a:tc>
+                <a:tc>
+                  <a:txBody>
+                    <a:bodyPr/>
+                    <a:lstStyle/>
+                    <a:p>
+                      <a:r>
+                        <a:rPr lang="en-US" sz="4400" dirty="0"/>
+                        <a:t>0.95</a:t>
+                      </a:r>
+                    </a:p>
+                  </a:txBody>
+                  <a:tcPr/>
+                </a:tc>
+                <a:tc>
+                  <a:txBody>
+                    <a:bodyPr/>
+                    <a:lstStyle/>
+                    <a:p>
+                      <a:r>
+                        <a:rPr lang="en-US" sz="4400" dirty="0"/>
+                        <a:t>0.331</a:t>
+                      </a:r>
+                    </a:p>
+                  </a:txBody>
+                  <a:tcPr/>
+                </a:tc>
+                <a:extLst>
+                  <a:ext uri="{0D108BD9-81ED-4DB2-BD59-A6C34878D82A}">
+                    <a16:rowId xmlns:a16="http://schemas.microsoft.com/office/drawing/2014/main" val="1306177704"/>
+                  </a:ext>
+                </a:extLst>
+              </a:tr>
+              <a:tr h="838986">
+                <a:tc>
+                  <a:txBody>
+                    <a:bodyPr/>
+                    <a:lstStyle/>
+                    <a:p>
+                      <a:r>
+                        <a:rPr lang="en-US" sz="4400" dirty="0"/>
+                        <a:t>MNAR-heavy</a:t>
+                      </a:r>
+                    </a:p>
+                  </a:txBody>
+                  <a:tcPr>
+                    <a:solidFill>
+                      <a:schemeClr val="accent2"/>
+                    </a:solidFill>
+                  </a:tcPr>
+                </a:tc>
+                <a:tc>
+                  <a:txBody>
+                    <a:bodyPr/>
+                    <a:lstStyle/>
+                    <a:p>
+                      <a:r>
+                        <a:rPr lang="en-US" sz="4400" dirty="0"/>
+                        <a:t>1.0485</a:t>
+                      </a:r>
+                    </a:p>
+                  </a:txBody>
+                  <a:tcPr/>
+                </a:tc>
+                <a:tc>
+                  <a:txBody>
+                    <a:bodyPr/>
+                    <a:lstStyle/>
+                    <a:p>
+                      <a:r>
+                        <a:rPr lang="en-US" sz="4400" dirty="0"/>
+                        <a:t>4.853</a:t>
+                      </a:r>
+                    </a:p>
+                  </a:txBody>
+                  <a:tcPr/>
+                </a:tc>
+                <a:tc>
+                  <a:txBody>
+                    <a:bodyPr/>
+                    <a:lstStyle/>
+                    <a:p>
+                      <a:r>
+                        <a:rPr lang="en-US" sz="4400" dirty="0"/>
+                        <a:t>0.88</a:t>
+                      </a:r>
+                    </a:p>
+                  </a:txBody>
+                  <a:tcPr/>
+                </a:tc>
+                <a:tc>
+                  <a:txBody>
+                    <a:bodyPr/>
+                    <a:lstStyle/>
+                    <a:p>
+                      <a:r>
+                        <a:rPr lang="en-US" sz="4400" dirty="0"/>
+                        <a:t>0.388</a:t>
+                      </a:r>
+                    </a:p>
+                  </a:txBody>
+                  <a:tcPr/>
+                </a:tc>
+                <a:extLst>
+                  <a:ext uri="{0D108BD9-81ED-4DB2-BD59-A6C34878D82A}">
+                    <a16:rowId xmlns:a16="http://schemas.microsoft.com/office/drawing/2014/main" val="4228847266"/>
+                  </a:ext>
+                </a:extLst>
+              </a:tr>
+            </a:tbl>
+          </a:graphicData>
+        </a:graphic>
+      </p:graphicFrame>
+      <p:pic>
+        <p:nvPicPr>
+          <p:cNvPr id="5" name="Picture 4" descr="Graphical user interface, text, application, chat or text message&#10;&#10;Description automatically generated">
+            <a:extLst>
+              <a:ext uri="{FF2B5EF4-FFF2-40B4-BE49-F238E27FC236}">
+                <a16:creationId xmlns:a16="http://schemas.microsoft.com/office/drawing/2014/main" id="{B9E3DE57-C4A9-E53F-8FA5-0499A3FF3A81}"/>
+              </a:ext>
+            </a:extLst>
+          </p:cNvPr>
+          <p:cNvPicPr>
+            <a:picLocks noChangeAspect="1"/>
+          </p:cNvPicPr>
+          <p:nvPr/>
+        </p:nvPicPr>
+        <p:blipFill>
+          <a:blip r:embed="rId3"/>
+          <a:stretch>
+            <a:fillRect/>
+          </a:stretch>
+        </p:blipFill>
+        <p:spPr>
+          <a:xfrm>
+            <a:off x="0" y="17605642"/>
+            <a:ext cx="20666074" cy="4623108"/>
+          </a:xfrm>
+          <a:prstGeom prst="rect">
+            <a:avLst/>
+          </a:prstGeom>
+        </p:spPr>
+      </p:pic>
+      <p:pic>
+        <p:nvPicPr>
+          <p:cNvPr id="6" name="Picture 5" descr="A picture containing logo&#10;&#10;Description automatically generated">
+            <a:extLst>
+              <a:ext uri="{FF2B5EF4-FFF2-40B4-BE49-F238E27FC236}">
+                <a16:creationId xmlns:a16="http://schemas.microsoft.com/office/drawing/2014/main" id="{03A867F0-2E04-209C-7260-4A17A848503C}"/>
+              </a:ext>
+            </a:extLst>
+          </p:cNvPr>
+          <p:cNvPicPr>
+            <a:picLocks noChangeAspect="1"/>
+          </p:cNvPicPr>
+          <p:nvPr/>
+        </p:nvPicPr>
+        <p:blipFill>
+          <a:blip r:embed="rId4"/>
+          <a:stretch>
+            <a:fillRect/>
+          </a:stretch>
+        </p:blipFill>
+        <p:spPr>
+          <a:xfrm>
+            <a:off x="1" y="13901071"/>
+            <a:ext cx="20883675" cy="3909923"/>
+          </a:xfrm>
+          <a:prstGeom prst="rect">
+            <a:avLst/>
+          </a:prstGeom>
+        </p:spPr>
+      </p:pic>
+      <p:pic>
+        <p:nvPicPr>
+          <p:cNvPr id="7" name="Picture 6" descr="A picture containing graphical user interface&#10;&#10;Description automatically generated">
+            <a:extLst>
+              <a:ext uri="{FF2B5EF4-FFF2-40B4-BE49-F238E27FC236}">
+                <a16:creationId xmlns:a16="http://schemas.microsoft.com/office/drawing/2014/main" id="{5A602417-29DB-4293-FE14-556289215CFE}"/>
+              </a:ext>
+            </a:extLst>
+          </p:cNvPr>
+          <p:cNvPicPr>
+            <a:picLocks noChangeAspect="1"/>
+          </p:cNvPicPr>
+          <p:nvPr/>
+        </p:nvPicPr>
+        <p:blipFill>
+          <a:blip r:embed="rId5"/>
+          <a:stretch>
+            <a:fillRect/>
+          </a:stretch>
+        </p:blipFill>
+        <p:spPr>
+          <a:xfrm>
+            <a:off x="2" y="10441669"/>
+            <a:ext cx="20883675" cy="3670300"/>
+          </a:xfrm>
+          <a:prstGeom prst="rect">
+            <a:avLst/>
+          </a:prstGeom>
+        </p:spPr>
+      </p:pic>
+      <p:pic>
+        <p:nvPicPr>
+          <p:cNvPr id="8" name="Picture 7" descr="Text&#10;&#10;Description automatically generated">
+            <a:extLst>
+              <a:ext uri="{FF2B5EF4-FFF2-40B4-BE49-F238E27FC236}">
+                <a16:creationId xmlns:a16="http://schemas.microsoft.com/office/drawing/2014/main" id="{A710C99F-F45A-674C-3164-62F5F9F64A37}"/>
+              </a:ext>
+            </a:extLst>
+          </p:cNvPr>
+          <p:cNvPicPr>
+            <a:picLocks noChangeAspect="1"/>
+          </p:cNvPicPr>
+          <p:nvPr/>
+        </p:nvPicPr>
+        <p:blipFill>
+          <a:blip r:embed="rId6"/>
+          <a:stretch>
+            <a:fillRect/>
+          </a:stretch>
+        </p:blipFill>
+        <p:spPr>
+          <a:xfrm>
+            <a:off x="3" y="6315291"/>
+            <a:ext cx="20883675" cy="4291823"/>
+          </a:xfrm>
+          <a:prstGeom prst="rect">
+            <a:avLst/>
+          </a:prstGeom>
+        </p:spPr>
+      </p:pic>
+    </p:spTree>
+    <p:extLst>
+      <p:ext uri="{BB962C8B-B14F-4D97-AF65-F5344CB8AC3E}">
+        <p14:creationId xmlns:p14="http://schemas.microsoft.com/office/powerpoint/2010/main" val="3512770524"/>
       </p:ext>
     </p:extLst>
   </p:cSld>

--- a/Poster_Presentation.pptx
+++ b/Poster_Presentation.pptx
@@ -5,11 +5,13 @@
     <p:sldMasterId id="2147483696" r:id="rId1"/>
   </p:sldMasterIdLst>
   <p:notesMasterIdLst>
-    <p:notesMasterId r:id="rId4"/>
+    <p:notesMasterId r:id="rId6"/>
   </p:notesMasterIdLst>
   <p:sldIdLst>
-    <p:sldId id="256" r:id="rId2"/>
-    <p:sldId id="257" r:id="rId3"/>
+    <p:sldId id="259" r:id="rId2"/>
+    <p:sldId id="256" r:id="rId3"/>
+    <p:sldId id="257" r:id="rId4"/>
+    <p:sldId id="258" r:id="rId5"/>
   </p:sldIdLst>
   <p:sldSz cx="32918400" cy="43891200"/>
   <p:notesSz cx="6858000" cy="9144000"/>
@@ -514,7 +516,10 @@
           <a:bodyPr/>
           <a:lstStyle/>
           <a:p>
-            <a:endParaRPr lang="en-US" dirty="0"/>
+            <a:r>
+              <a:rPr lang="en-US" dirty="0"/>
+              <a:t>5 </a:t>
+            </a:r>
           </a:p>
         </p:txBody>
       </p:sp>
@@ -544,7 +549,7 @@
     </p:spTree>
     <p:extLst>
       <p:ext uri="{BB962C8B-B14F-4D97-AF65-F5344CB8AC3E}">
-        <p14:creationId xmlns:p14="http://schemas.microsoft.com/office/powerpoint/2010/main" val="870980868"/>
+        <p14:creationId xmlns:p14="http://schemas.microsoft.com/office/powerpoint/2010/main" val="1517952569"/>
       </p:ext>
     </p:extLst>
   </p:cSld>
@@ -581,7 +586,12 @@
             <p:ph type="sldImg"/>
           </p:nvPr>
         </p:nvSpPr>
-        <p:spPr/>
+        <p:spPr>
+          <a:xfrm>
+            <a:off x="2271713" y="1143000"/>
+            <a:ext cx="2314575" cy="3086100"/>
+          </a:xfrm>
+        </p:spPr>
       </p:sp>
       <p:sp>
         <p:nvSpPr>
@@ -628,7 +638,175 @@
     </p:spTree>
     <p:extLst>
       <p:ext uri="{BB962C8B-B14F-4D97-AF65-F5344CB8AC3E}">
+        <p14:creationId xmlns:p14="http://schemas.microsoft.com/office/powerpoint/2010/main" val="870980868"/>
+      </p:ext>
+    </p:extLst>
+  </p:cSld>
+  <p:clrMapOvr>
+    <a:masterClrMapping/>
+  </p:clrMapOvr>
+</p:notes>
+</file>
+
+<file path=ppt/notesSlides/notesSlide3.xml><?xml version="1.0" encoding="utf-8"?>
+<p:notes xmlns:a="http://schemas.openxmlformats.org/drawingml/2006/main" xmlns:r="http://schemas.openxmlformats.org/officeDocument/2006/relationships" xmlns:p="http://schemas.openxmlformats.org/presentationml/2006/main">
+  <p:cSld>
+    <p:spTree>
+      <p:nvGrpSpPr>
+        <p:cNvPr id="1" name=""/>
+        <p:cNvGrpSpPr/>
+        <p:nvPr/>
+      </p:nvGrpSpPr>
+      <p:grpSpPr>
+        <a:xfrm>
+          <a:off x="0" y="0"/>
+          <a:ext cx="0" cy="0"/>
+          <a:chOff x="0" y="0"/>
+          <a:chExt cx="0" cy="0"/>
+        </a:xfrm>
+      </p:grpSpPr>
+      <p:sp>
+        <p:nvSpPr>
+          <p:cNvPr id="2" name="Slide Image Placeholder 1"/>
+          <p:cNvSpPr>
+            <a:spLocks noGrp="1" noRot="1" noChangeAspect="1"/>
+          </p:cNvSpPr>
+          <p:nvPr>
+            <p:ph type="sldImg"/>
+          </p:nvPr>
+        </p:nvSpPr>
+        <p:spPr/>
+      </p:sp>
+      <p:sp>
+        <p:nvSpPr>
+          <p:cNvPr id="3" name="Notes Placeholder 2"/>
+          <p:cNvSpPr>
+            <a:spLocks noGrp="1"/>
+          </p:cNvSpPr>
+          <p:nvPr>
+            <p:ph type="body" idx="1"/>
+          </p:nvPr>
+        </p:nvSpPr>
+        <p:spPr/>
+        <p:txBody>
+          <a:bodyPr/>
+          <a:lstStyle/>
+          <a:p>
+            <a:endParaRPr lang="en-US" dirty="0"/>
+          </a:p>
+        </p:txBody>
+      </p:sp>
+      <p:sp>
+        <p:nvSpPr>
+          <p:cNvPr id="4" name="Slide Number Placeholder 3"/>
+          <p:cNvSpPr>
+            <a:spLocks noGrp="1"/>
+          </p:cNvSpPr>
+          <p:nvPr>
+            <p:ph type="sldNum" sz="quarter" idx="5"/>
+          </p:nvPr>
+        </p:nvSpPr>
+        <p:spPr/>
+        <p:txBody>
+          <a:bodyPr/>
+          <a:lstStyle/>
+          <a:p>
+            <a:fld id="{95C99BD3-432F-864C-832B-770A01FF35E1}" type="slidenum">
+              <a:rPr lang="en-US" smtClean="0"/>
+              <a:t>3</a:t>
+            </a:fld>
+            <a:endParaRPr lang="en-US"/>
+          </a:p>
+        </p:txBody>
+      </p:sp>
+    </p:spTree>
+    <p:extLst>
+      <p:ext uri="{BB962C8B-B14F-4D97-AF65-F5344CB8AC3E}">
         <p14:creationId xmlns:p14="http://schemas.microsoft.com/office/powerpoint/2010/main" val="1597125195"/>
+      </p:ext>
+    </p:extLst>
+  </p:cSld>
+  <p:clrMapOvr>
+    <a:masterClrMapping/>
+  </p:clrMapOvr>
+</p:notes>
+</file>
+
+<file path=ppt/notesSlides/notesSlide4.xml><?xml version="1.0" encoding="utf-8"?>
+<p:notes xmlns:a="http://schemas.openxmlformats.org/drawingml/2006/main" xmlns:r="http://schemas.openxmlformats.org/officeDocument/2006/relationships" xmlns:p="http://schemas.openxmlformats.org/presentationml/2006/main">
+  <p:cSld>
+    <p:spTree>
+      <p:nvGrpSpPr>
+        <p:cNvPr id="1" name=""/>
+        <p:cNvGrpSpPr/>
+        <p:nvPr/>
+      </p:nvGrpSpPr>
+      <p:grpSpPr>
+        <a:xfrm>
+          <a:off x="0" y="0"/>
+          <a:ext cx="0" cy="0"/>
+          <a:chOff x="0" y="0"/>
+          <a:chExt cx="0" cy="0"/>
+        </a:xfrm>
+      </p:grpSpPr>
+      <p:sp>
+        <p:nvSpPr>
+          <p:cNvPr id="2" name="Slide Image Placeholder 1"/>
+          <p:cNvSpPr>
+            <a:spLocks noGrp="1" noRot="1" noChangeAspect="1"/>
+          </p:cNvSpPr>
+          <p:nvPr>
+            <p:ph type="sldImg"/>
+          </p:nvPr>
+        </p:nvSpPr>
+        <p:spPr/>
+      </p:sp>
+      <p:sp>
+        <p:nvSpPr>
+          <p:cNvPr id="3" name="Notes Placeholder 2"/>
+          <p:cNvSpPr>
+            <a:spLocks noGrp="1"/>
+          </p:cNvSpPr>
+          <p:nvPr>
+            <p:ph type="body" idx="1"/>
+          </p:nvPr>
+        </p:nvSpPr>
+        <p:spPr/>
+        <p:txBody>
+          <a:bodyPr/>
+          <a:lstStyle/>
+          <a:p>
+            <a:endParaRPr lang="en-US" dirty="0"/>
+          </a:p>
+        </p:txBody>
+      </p:sp>
+      <p:sp>
+        <p:nvSpPr>
+          <p:cNvPr id="4" name="Slide Number Placeholder 3"/>
+          <p:cNvSpPr>
+            <a:spLocks noGrp="1"/>
+          </p:cNvSpPr>
+          <p:nvPr>
+            <p:ph type="sldNum" sz="quarter" idx="5"/>
+          </p:nvPr>
+        </p:nvSpPr>
+        <p:spPr/>
+        <p:txBody>
+          <a:bodyPr/>
+          <a:lstStyle/>
+          <a:p>
+            <a:fld id="{95C99BD3-432F-864C-832B-770A01FF35E1}" type="slidenum">
+              <a:rPr lang="en-US" smtClean="0"/>
+              <a:t>4</a:t>
+            </a:fld>
+            <a:endParaRPr lang="en-US"/>
+          </a:p>
+        </p:txBody>
+      </p:sp>
+    </p:spTree>
+    <p:extLst>
+      <p:ext uri="{BB962C8B-B14F-4D97-AF65-F5344CB8AC3E}">
+        <p14:creationId xmlns:p14="http://schemas.microsoft.com/office/powerpoint/2010/main" val="789357527"/>
       </p:ext>
     </p:extLst>
   </p:cSld>
@@ -3499,6 +3677,414 @@
       </p:grpSpPr>
       <p:sp>
         <p:nvSpPr>
+          <p:cNvPr id="835" name="Rectangle 834">
+            <a:extLst>
+              <a:ext uri="{FF2B5EF4-FFF2-40B4-BE49-F238E27FC236}">
+                <a16:creationId xmlns:a16="http://schemas.microsoft.com/office/drawing/2014/main" id="{AA1018B1-BC15-8AE3-51BB-0F8E7A2F2F3B}"/>
+              </a:ext>
+            </a:extLst>
+          </p:cNvPr>
+          <p:cNvSpPr/>
+          <p:nvPr/>
+        </p:nvSpPr>
+        <p:spPr>
+          <a:xfrm flipV="1">
+            <a:off x="1398560" y="16316374"/>
+            <a:ext cx="13192217" cy="439902"/>
+          </a:xfrm>
+          <a:prstGeom prst="rect">
+            <a:avLst/>
+          </a:prstGeom>
+          <a:solidFill>
+            <a:schemeClr val="bg2">
+              <a:lumMod val="75000"/>
+            </a:schemeClr>
+          </a:solidFill>
+        </p:spPr>
+        <p:style>
+          <a:lnRef idx="2">
+            <a:schemeClr val="accent1">
+              <a:shade val="50000"/>
+            </a:schemeClr>
+          </a:lnRef>
+          <a:fillRef idx="1">
+            <a:schemeClr val="accent1"/>
+          </a:fillRef>
+          <a:effectRef idx="0">
+            <a:schemeClr val="accent1"/>
+          </a:effectRef>
+          <a:fontRef idx="minor">
+            <a:schemeClr val="lt1"/>
+          </a:fontRef>
+        </p:style>
+        <p:txBody>
+          <a:bodyPr rtlCol="0" anchor="ctr"/>
+          <a:lstStyle/>
+          <a:p>
+            <a:pPr algn="ctr"/>
+            <a:endParaRPr lang="en-US"/>
+          </a:p>
+        </p:txBody>
+      </p:sp>
+      <p:sp>
+        <p:nvSpPr>
+          <p:cNvPr id="834" name="Rectangle 833">
+            <a:extLst>
+              <a:ext uri="{FF2B5EF4-FFF2-40B4-BE49-F238E27FC236}">
+                <a16:creationId xmlns:a16="http://schemas.microsoft.com/office/drawing/2014/main" id="{F2DEF6E0-39CC-8E28-D0C0-DE0F52F6ABF2}"/>
+              </a:ext>
+            </a:extLst>
+          </p:cNvPr>
+          <p:cNvSpPr/>
+          <p:nvPr/>
+        </p:nvSpPr>
+        <p:spPr>
+          <a:xfrm>
+            <a:off x="1412888" y="18032222"/>
+            <a:ext cx="13192217" cy="446747"/>
+          </a:xfrm>
+          <a:prstGeom prst="rect">
+            <a:avLst/>
+          </a:prstGeom>
+          <a:solidFill>
+            <a:schemeClr val="bg2">
+              <a:lumMod val="75000"/>
+            </a:schemeClr>
+          </a:solidFill>
+        </p:spPr>
+        <p:style>
+          <a:lnRef idx="2">
+            <a:schemeClr val="accent1">
+              <a:shade val="50000"/>
+            </a:schemeClr>
+          </a:lnRef>
+          <a:fillRef idx="1">
+            <a:schemeClr val="accent1"/>
+          </a:fillRef>
+          <a:effectRef idx="0">
+            <a:schemeClr val="accent1"/>
+          </a:effectRef>
+          <a:fontRef idx="minor">
+            <a:schemeClr val="lt1"/>
+          </a:fontRef>
+        </p:style>
+        <p:txBody>
+          <a:bodyPr rtlCol="0" anchor="ctr"/>
+          <a:lstStyle/>
+          <a:p>
+            <a:pPr algn="ctr"/>
+            <a:endParaRPr lang="en-US"/>
+          </a:p>
+        </p:txBody>
+      </p:sp>
+      <p:sp>
+        <p:nvSpPr>
+          <p:cNvPr id="833" name="Rectangle 832">
+            <a:extLst>
+              <a:ext uri="{FF2B5EF4-FFF2-40B4-BE49-F238E27FC236}">
+                <a16:creationId xmlns:a16="http://schemas.microsoft.com/office/drawing/2014/main" id="{3C0AF493-9DD9-CBE1-C20A-A0BB72597B1C}"/>
+              </a:ext>
+            </a:extLst>
+          </p:cNvPr>
+          <p:cNvSpPr/>
+          <p:nvPr/>
+        </p:nvSpPr>
+        <p:spPr>
+          <a:xfrm>
+            <a:off x="1342873" y="19565062"/>
+            <a:ext cx="13192217" cy="860839"/>
+          </a:xfrm>
+          <a:prstGeom prst="rect">
+            <a:avLst/>
+          </a:prstGeom>
+          <a:solidFill>
+            <a:schemeClr val="bg2">
+              <a:lumMod val="75000"/>
+            </a:schemeClr>
+          </a:solidFill>
+        </p:spPr>
+        <p:style>
+          <a:lnRef idx="2">
+            <a:schemeClr val="accent1">
+              <a:shade val="50000"/>
+            </a:schemeClr>
+          </a:lnRef>
+          <a:fillRef idx="1">
+            <a:schemeClr val="accent1"/>
+          </a:fillRef>
+          <a:effectRef idx="0">
+            <a:schemeClr val="accent1"/>
+          </a:effectRef>
+          <a:fontRef idx="minor">
+            <a:schemeClr val="lt1"/>
+          </a:fontRef>
+        </p:style>
+        <p:txBody>
+          <a:bodyPr rtlCol="0" anchor="ctr"/>
+          <a:lstStyle/>
+          <a:p>
+            <a:pPr algn="ctr"/>
+            <a:endParaRPr lang="en-US"/>
+          </a:p>
+        </p:txBody>
+      </p:sp>
+      <p:sp>
+        <p:nvSpPr>
+          <p:cNvPr id="832" name="Rectangle 831">
+            <a:extLst>
+              <a:ext uri="{FF2B5EF4-FFF2-40B4-BE49-F238E27FC236}">
+                <a16:creationId xmlns:a16="http://schemas.microsoft.com/office/drawing/2014/main" id="{E70BF5E8-051C-2419-9EB7-952D992781BE}"/>
+              </a:ext>
+            </a:extLst>
+          </p:cNvPr>
+          <p:cNvSpPr/>
+          <p:nvPr/>
+        </p:nvSpPr>
+        <p:spPr>
+          <a:xfrm>
+            <a:off x="1261646" y="28358222"/>
+            <a:ext cx="13687100" cy="1899522"/>
+          </a:xfrm>
+          <a:prstGeom prst="rect">
+            <a:avLst/>
+          </a:prstGeom>
+          <a:solidFill>
+            <a:schemeClr val="bg2">
+              <a:lumMod val="75000"/>
+            </a:schemeClr>
+          </a:solidFill>
+        </p:spPr>
+        <p:style>
+          <a:lnRef idx="2">
+            <a:schemeClr val="accent1">
+              <a:shade val="50000"/>
+            </a:schemeClr>
+          </a:lnRef>
+          <a:fillRef idx="1">
+            <a:schemeClr val="accent1"/>
+          </a:fillRef>
+          <a:effectRef idx="0">
+            <a:schemeClr val="accent1"/>
+          </a:effectRef>
+          <a:fontRef idx="minor">
+            <a:schemeClr val="lt1"/>
+          </a:fontRef>
+        </p:style>
+        <p:txBody>
+          <a:bodyPr rtlCol="0" anchor="ctr"/>
+          <a:lstStyle/>
+          <a:p>
+            <a:pPr algn="ctr"/>
+            <a:endParaRPr lang="en-US"/>
+          </a:p>
+        </p:txBody>
+      </p:sp>
+      <p:sp>
+        <p:nvSpPr>
+          <p:cNvPr id="830" name="Rectangle 829">
+            <a:extLst>
+              <a:ext uri="{FF2B5EF4-FFF2-40B4-BE49-F238E27FC236}">
+                <a16:creationId xmlns:a16="http://schemas.microsoft.com/office/drawing/2014/main" id="{868E7436-8805-EC44-D3C2-91605E47DD4D}"/>
+              </a:ext>
+            </a:extLst>
+          </p:cNvPr>
+          <p:cNvSpPr/>
+          <p:nvPr/>
+        </p:nvSpPr>
+        <p:spPr>
+          <a:xfrm>
+            <a:off x="1170643" y="23478810"/>
+            <a:ext cx="12608486" cy="563808"/>
+          </a:xfrm>
+          <a:prstGeom prst="rect">
+            <a:avLst/>
+          </a:prstGeom>
+          <a:solidFill>
+            <a:schemeClr val="bg2">
+              <a:lumMod val="75000"/>
+            </a:schemeClr>
+          </a:solidFill>
+        </p:spPr>
+        <p:style>
+          <a:lnRef idx="2">
+            <a:schemeClr val="accent1">
+              <a:shade val="50000"/>
+            </a:schemeClr>
+          </a:lnRef>
+          <a:fillRef idx="1">
+            <a:schemeClr val="accent1"/>
+          </a:fillRef>
+          <a:effectRef idx="0">
+            <a:schemeClr val="accent1"/>
+          </a:effectRef>
+          <a:fontRef idx="minor">
+            <a:schemeClr val="lt1"/>
+          </a:fontRef>
+        </p:style>
+        <p:txBody>
+          <a:bodyPr rtlCol="0" anchor="ctr"/>
+          <a:lstStyle/>
+          <a:p>
+            <a:pPr algn="ctr"/>
+            <a:endParaRPr lang="en-US"/>
+          </a:p>
+        </p:txBody>
+      </p:sp>
+      <p:sp>
+        <p:nvSpPr>
+          <p:cNvPr id="815" name="Rectangle 814">
+            <a:extLst>
+              <a:ext uri="{FF2B5EF4-FFF2-40B4-BE49-F238E27FC236}">
+                <a16:creationId xmlns:a16="http://schemas.microsoft.com/office/drawing/2014/main" id="{CA18274C-FD21-E4FB-66DC-74A8BE0E299E}"/>
+              </a:ext>
+            </a:extLst>
+          </p:cNvPr>
+          <p:cNvSpPr/>
+          <p:nvPr/>
+        </p:nvSpPr>
+        <p:spPr>
+          <a:xfrm>
+            <a:off x="17455112" y="36038968"/>
+            <a:ext cx="14517768" cy="4484794"/>
+          </a:xfrm>
+          <a:prstGeom prst="rect">
+            <a:avLst/>
+          </a:prstGeom>
+          <a:solidFill>
+            <a:schemeClr val="bg2">
+              <a:lumMod val="75000"/>
+            </a:schemeClr>
+          </a:solidFill>
+        </p:spPr>
+        <p:style>
+          <a:lnRef idx="2">
+            <a:schemeClr val="accent1">
+              <a:shade val="50000"/>
+            </a:schemeClr>
+          </a:lnRef>
+          <a:fillRef idx="1">
+            <a:schemeClr val="accent1"/>
+          </a:fillRef>
+          <a:effectRef idx="0">
+            <a:schemeClr val="accent1"/>
+          </a:effectRef>
+          <a:fontRef idx="minor">
+            <a:schemeClr val="lt1"/>
+          </a:fontRef>
+        </p:style>
+        <p:txBody>
+          <a:bodyPr rtlCol="0" anchor="ctr"/>
+          <a:lstStyle/>
+          <a:p>
+            <a:pPr algn="ctr"/>
+            <a:endParaRPr lang="en-US"/>
+          </a:p>
+        </p:txBody>
+      </p:sp>
+      <p:sp>
+        <p:nvSpPr>
+          <p:cNvPr id="814" name="Rectangle 813">
+            <a:extLst>
+              <a:ext uri="{FF2B5EF4-FFF2-40B4-BE49-F238E27FC236}">
+                <a16:creationId xmlns:a16="http://schemas.microsoft.com/office/drawing/2014/main" id="{01890A89-245E-CB9B-D504-446AF425A037}"/>
+              </a:ext>
+            </a:extLst>
+          </p:cNvPr>
+          <p:cNvSpPr/>
+          <p:nvPr/>
+        </p:nvSpPr>
+        <p:spPr>
+          <a:xfrm>
+            <a:off x="17398796" y="28944385"/>
+            <a:ext cx="14517768" cy="6448568"/>
+          </a:xfrm>
+          <a:prstGeom prst="rect">
+            <a:avLst/>
+          </a:prstGeom>
+          <a:solidFill>
+            <a:schemeClr val="bg2">
+              <a:lumMod val="75000"/>
+            </a:schemeClr>
+          </a:solidFill>
+        </p:spPr>
+        <p:style>
+          <a:lnRef idx="2">
+            <a:schemeClr val="accent1">
+              <a:shade val="50000"/>
+            </a:schemeClr>
+          </a:lnRef>
+          <a:fillRef idx="1">
+            <a:schemeClr val="accent1"/>
+          </a:fillRef>
+          <a:effectRef idx="0">
+            <a:schemeClr val="accent1"/>
+          </a:effectRef>
+          <a:fontRef idx="minor">
+            <a:schemeClr val="lt1"/>
+          </a:fontRef>
+        </p:style>
+        <p:txBody>
+          <a:bodyPr rtlCol="0" anchor="ctr"/>
+          <a:lstStyle/>
+          <a:p>
+            <a:pPr algn="ctr"/>
+            <a:endParaRPr lang="en-US"/>
+          </a:p>
+        </p:txBody>
+      </p:sp>
+      <p:sp>
+        <p:nvSpPr>
+          <p:cNvPr id="813" name="Rectangle 812">
+            <a:extLst>
+              <a:ext uri="{FF2B5EF4-FFF2-40B4-BE49-F238E27FC236}">
+                <a16:creationId xmlns:a16="http://schemas.microsoft.com/office/drawing/2014/main" id="{7CA28974-3673-D5E4-FE41-087773055D13}"/>
+              </a:ext>
+            </a:extLst>
+          </p:cNvPr>
+          <p:cNvSpPr/>
+          <p:nvPr/>
+        </p:nvSpPr>
+        <p:spPr>
+          <a:xfrm>
+            <a:off x="17455112" y="22712716"/>
+            <a:ext cx="14517768" cy="5634456"/>
+          </a:xfrm>
+          <a:prstGeom prst="rect">
+            <a:avLst/>
+          </a:prstGeom>
+          <a:solidFill>
+            <a:schemeClr val="bg2">
+              <a:lumMod val="75000"/>
+            </a:schemeClr>
+          </a:solidFill>
+        </p:spPr>
+        <p:style>
+          <a:lnRef idx="2">
+            <a:schemeClr val="accent1">
+              <a:shade val="50000"/>
+            </a:schemeClr>
+          </a:lnRef>
+          <a:fillRef idx="1">
+            <a:schemeClr val="accent1"/>
+          </a:fillRef>
+          <a:effectRef idx="0">
+            <a:schemeClr val="accent1"/>
+          </a:effectRef>
+          <a:fontRef idx="minor">
+            <a:schemeClr val="lt1"/>
+          </a:fontRef>
+        </p:style>
+        <p:txBody>
+          <a:bodyPr rtlCol="0" anchor="ctr"/>
+          <a:lstStyle/>
+          <a:p>
+            <a:pPr algn="ctr"/>
+            <a:endParaRPr lang="en-US"/>
+          </a:p>
+        </p:txBody>
+      </p:sp>
+      <p:sp>
+        <p:nvSpPr>
           <p:cNvPr id="770" name="TextBox 769">
             <a:extLst>
               <a:ext uri="{FF2B5EF4-FFF2-40B4-BE49-F238E27FC236}">
@@ -3693,8 +4279,1941 @@
         </p:nvSpPr>
         <p:spPr>
           <a:xfrm>
-            <a:off x="640081" y="6699055"/>
-            <a:ext cx="14308665" cy="3908383"/>
+            <a:off x="640081" y="6699056"/>
+            <a:ext cx="14630400" cy="3908274"/>
+          </a:xfrm>
+          <a:prstGeom prst="rect">
+            <a:avLst/>
+          </a:prstGeom>
+          <a:noFill/>
+          <a:ln w="34925">
+            <a:solidFill>
+              <a:schemeClr val="tx1"/>
+            </a:solidFill>
+          </a:ln>
+        </p:spPr>
+        <p:style>
+          <a:lnRef idx="2">
+            <a:schemeClr val="accent1">
+              <a:shade val="50000"/>
+            </a:schemeClr>
+          </a:lnRef>
+          <a:fillRef idx="1">
+            <a:schemeClr val="accent1"/>
+          </a:fillRef>
+          <a:effectRef idx="0">
+            <a:schemeClr val="accent1"/>
+          </a:effectRef>
+          <a:fontRef idx="minor">
+            <a:schemeClr val="lt1"/>
+          </a:fontRef>
+        </p:style>
+        <p:txBody>
+          <a:bodyPr rtlCol="0" anchor="ctr"/>
+          <a:lstStyle/>
+          <a:p>
+            <a:pPr algn="ctr"/>
+            <a:endParaRPr kumimoji="1" lang="ja-JP" altLang="en-US"/>
+          </a:p>
+        </p:txBody>
+      </p:sp>
+      <p:sp>
+        <p:nvSpPr>
+          <p:cNvPr id="776" name="TextBox 775">
+            <a:extLst>
+              <a:ext uri="{FF2B5EF4-FFF2-40B4-BE49-F238E27FC236}">
+                <a16:creationId xmlns:a16="http://schemas.microsoft.com/office/drawing/2014/main" id="{6E092D70-4633-21D5-9EA1-E1D21572DF57}"/>
+              </a:ext>
+            </a:extLst>
+          </p:cNvPr>
+          <p:cNvSpPr txBox="1"/>
+          <p:nvPr/>
+        </p:nvSpPr>
+        <p:spPr>
+          <a:xfrm>
+            <a:off x="928470" y="7038082"/>
+            <a:ext cx="13747119" cy="4585871"/>
+          </a:xfrm>
+          <a:prstGeom prst="rect">
+            <a:avLst/>
+          </a:prstGeom>
+          <a:noFill/>
+        </p:spPr>
+        <p:txBody>
+          <a:bodyPr wrap="square">
+            <a:spAutoFit/>
+          </a:bodyPr>
+          <a:lstStyle/>
+          <a:p>
+            <a:pPr fontAlgn="base"/>
+            <a:r>
+              <a:rPr lang="en-US" sz="5400" dirty="0">
+                <a:solidFill>
+                  <a:srgbClr val="333333"/>
+                </a:solidFill>
+                <a:latin typeface="Times New Roman" panose="02020603050405020304" pitchFamily="18" charset="0"/>
+                <a:cs typeface="Times New Roman" panose="02020603050405020304" pitchFamily="18" charset="0"/>
+              </a:rPr>
+              <a:t>Analysis of </a:t>
+            </a:r>
+            <a:r>
+              <a:rPr lang="en-US" sz="5400" b="1" dirty="0">
+                <a:solidFill>
+                  <a:srgbClr val="333333"/>
+                </a:solidFill>
+                <a:latin typeface="Times New Roman" panose="02020603050405020304" pitchFamily="18" charset="0"/>
+                <a:cs typeface="Times New Roman" panose="02020603050405020304" pitchFamily="18" charset="0"/>
+              </a:rPr>
+              <a:t>missing data mechanisms </a:t>
+            </a:r>
+            <a:r>
+              <a:rPr lang="en-US" sz="5400" dirty="0">
+                <a:solidFill>
+                  <a:srgbClr val="333333"/>
+                </a:solidFill>
+                <a:latin typeface="Times New Roman" panose="02020603050405020304" pitchFamily="18" charset="0"/>
+                <a:cs typeface="Times New Roman" panose="02020603050405020304" pitchFamily="18" charset="0"/>
+              </a:rPr>
+              <a:t>and </a:t>
+            </a:r>
+            <a:r>
+              <a:rPr lang="en-US" sz="5400" b="1" dirty="0">
+                <a:solidFill>
+                  <a:srgbClr val="333333"/>
+                </a:solidFill>
+                <a:latin typeface="Times New Roman" panose="02020603050405020304" pitchFamily="18" charset="0"/>
+                <a:cs typeface="Times New Roman" panose="02020603050405020304" pitchFamily="18" charset="0"/>
+              </a:rPr>
+              <a:t>modern approaches to handling missing data</a:t>
+            </a:r>
+            <a:r>
+              <a:rPr lang="en-US" sz="5400" dirty="0">
+                <a:solidFill>
+                  <a:srgbClr val="333333"/>
+                </a:solidFill>
+                <a:latin typeface="Times New Roman" panose="02020603050405020304" pitchFamily="18" charset="0"/>
+                <a:cs typeface="Times New Roman" panose="02020603050405020304" pitchFamily="18" charset="0"/>
+              </a:rPr>
+              <a:t>. </a:t>
+            </a:r>
+            <a:r>
+              <a:rPr lang="en-US" sz="5400" b="1" dirty="0">
+                <a:solidFill>
+                  <a:srgbClr val="333333"/>
+                </a:solidFill>
+                <a:latin typeface="Times New Roman" panose="02020603050405020304" pitchFamily="18" charset="0"/>
+                <a:cs typeface="Times New Roman" panose="02020603050405020304" pitchFamily="18" charset="0"/>
+              </a:rPr>
+              <a:t>Designing</a:t>
+            </a:r>
+            <a:r>
+              <a:rPr lang="en-US" sz="5400" dirty="0">
+                <a:solidFill>
+                  <a:srgbClr val="333333"/>
+                </a:solidFill>
+                <a:latin typeface="Times New Roman" panose="02020603050405020304" pitchFamily="18" charset="0"/>
+                <a:cs typeface="Times New Roman" panose="02020603050405020304" pitchFamily="18" charset="0"/>
+              </a:rPr>
+              <a:t> </a:t>
+            </a:r>
+            <a:r>
+              <a:rPr lang="en-US" sz="5400" b="1" dirty="0">
+                <a:solidFill>
+                  <a:srgbClr val="333333"/>
+                </a:solidFill>
+                <a:latin typeface="Times New Roman" panose="02020603050405020304" pitchFamily="18" charset="0"/>
+                <a:cs typeface="Times New Roman" panose="02020603050405020304" pitchFamily="18" charset="0"/>
+              </a:rPr>
+              <a:t>R simulations </a:t>
+            </a:r>
+            <a:r>
+              <a:rPr lang="en-US" sz="5400" dirty="0">
+                <a:solidFill>
+                  <a:srgbClr val="333333"/>
+                </a:solidFill>
+                <a:latin typeface="Times New Roman" panose="02020603050405020304" pitchFamily="18" charset="0"/>
+                <a:cs typeface="Times New Roman" panose="02020603050405020304" pitchFamily="18" charset="0"/>
+              </a:rPr>
+              <a:t>to investigate hypotheses about imputation technique.</a:t>
+            </a:r>
+            <a:br>
+              <a:rPr lang="en-US" sz="5400" dirty="0">
+                <a:solidFill>
+                  <a:srgbClr val="333333"/>
+                </a:solidFill>
+                <a:latin typeface="Times New Roman" panose="02020603050405020304" pitchFamily="18" charset="0"/>
+                <a:cs typeface="Times New Roman" panose="02020603050405020304" pitchFamily="18" charset="0"/>
+              </a:rPr>
+            </a:br>
+            <a:endParaRPr lang="en-US" sz="5400" dirty="0">
+              <a:solidFill>
+                <a:srgbClr val="000000"/>
+              </a:solidFill>
+              <a:latin typeface="Times New Roman" panose="02020603050405020304" pitchFamily="18" charset="0"/>
+              <a:cs typeface="Times New Roman" panose="02020603050405020304" pitchFamily="18" charset="0"/>
+            </a:endParaRPr>
+          </a:p>
+          <a:p>
+            <a:br>
+              <a:rPr lang="en-US" sz="1100" dirty="0"/>
+            </a:br>
+            <a:endParaRPr lang="en-US" sz="1100" dirty="0"/>
+          </a:p>
+        </p:txBody>
+      </p:sp>
+      <p:sp>
+        <p:nvSpPr>
+          <p:cNvPr id="777" name="テキスト ボックス 16">
+            <a:extLst>
+              <a:ext uri="{FF2B5EF4-FFF2-40B4-BE49-F238E27FC236}">
+                <a16:creationId xmlns:a16="http://schemas.microsoft.com/office/drawing/2014/main" id="{DE3BFD10-1A8C-92B8-ED52-7D25AA92E4C9}"/>
+              </a:ext>
+            </a:extLst>
+          </p:cNvPr>
+          <p:cNvSpPr txBox="1"/>
+          <p:nvPr/>
+        </p:nvSpPr>
+        <p:spPr>
+          <a:xfrm>
+            <a:off x="623782" y="11157322"/>
+            <a:ext cx="14630400" cy="1015663"/>
+          </a:xfrm>
+          <a:prstGeom prst="rect">
+            <a:avLst/>
+          </a:prstGeom>
+          <a:solidFill>
+            <a:schemeClr val="accent2"/>
+          </a:solidFill>
+          <a:ln>
+            <a:solidFill>
+              <a:schemeClr val="accent2"/>
+            </a:solidFill>
+          </a:ln>
+        </p:spPr>
+        <p:txBody>
+          <a:bodyPr wrap="square" rtlCol="0">
+            <a:spAutoFit/>
+          </a:bodyPr>
+          <a:lstStyle/>
+          <a:p>
+            <a:r>
+              <a:rPr lang="en-US" altLang="ja-JP" sz="6000" b="1" dirty="0">
+                <a:solidFill>
+                  <a:schemeClr val="bg1"/>
+                </a:solidFill>
+                <a:latin typeface="Helvetica Neue" charset="0"/>
+                <a:ea typeface="Helvetica Neue" charset="0"/>
+                <a:cs typeface="Helvetica Neue" charset="0"/>
+              </a:rPr>
+              <a:t> I</a:t>
+            </a:r>
+            <a:r>
+              <a:rPr lang="en-US" altLang="ja-JP" sz="4400" b="1" dirty="0">
+                <a:solidFill>
+                  <a:schemeClr val="bg1"/>
+                </a:solidFill>
+                <a:latin typeface="Helvetica Neue" charset="0"/>
+                <a:ea typeface="Helvetica Neue" charset="0"/>
+                <a:cs typeface="Helvetica Neue" charset="0"/>
+              </a:rPr>
+              <a:t>NTRODUCTION</a:t>
+            </a:r>
+            <a:endParaRPr kumimoji="1" lang="ja-JP" altLang="en-US" sz="4400" b="1" dirty="0">
+              <a:solidFill>
+                <a:schemeClr val="bg1"/>
+              </a:solidFill>
+              <a:latin typeface="Helvetica Neue" charset="0"/>
+              <a:ea typeface="Helvetica Neue" charset="0"/>
+              <a:cs typeface="Helvetica Neue" charset="0"/>
+            </a:endParaRPr>
+          </a:p>
+        </p:txBody>
+      </p:sp>
+      <p:sp>
+        <p:nvSpPr>
+          <p:cNvPr id="778" name="正方形/長方形 17">
+            <a:extLst>
+              <a:ext uri="{FF2B5EF4-FFF2-40B4-BE49-F238E27FC236}">
+                <a16:creationId xmlns:a16="http://schemas.microsoft.com/office/drawing/2014/main" id="{F75CC8C1-4F2A-8C82-CB89-6CF0774EEB96}"/>
+              </a:ext>
+            </a:extLst>
+          </p:cNvPr>
+          <p:cNvSpPr/>
+          <p:nvPr/>
+        </p:nvSpPr>
+        <p:spPr>
+          <a:xfrm>
+            <a:off x="623782" y="12172985"/>
+            <a:ext cx="14630400" cy="23219084"/>
+          </a:xfrm>
+          <a:prstGeom prst="rect">
+            <a:avLst/>
+          </a:prstGeom>
+          <a:noFill/>
+          <a:ln w="34925">
+            <a:solidFill>
+              <a:schemeClr val="tx1"/>
+            </a:solidFill>
+          </a:ln>
+        </p:spPr>
+        <p:style>
+          <a:lnRef idx="2">
+            <a:schemeClr val="accent1">
+              <a:shade val="50000"/>
+            </a:schemeClr>
+          </a:lnRef>
+          <a:fillRef idx="1">
+            <a:schemeClr val="accent1"/>
+          </a:fillRef>
+          <a:effectRef idx="0">
+            <a:schemeClr val="accent1"/>
+          </a:effectRef>
+          <a:fontRef idx="minor">
+            <a:schemeClr val="lt1"/>
+          </a:fontRef>
+        </p:style>
+        <p:txBody>
+          <a:bodyPr rtlCol="0" anchor="ctr"/>
+          <a:lstStyle/>
+          <a:p>
+            <a:pPr algn="ctr"/>
+            <a:endParaRPr kumimoji="1" lang="ja-JP" altLang="en-US"/>
+          </a:p>
+        </p:txBody>
+      </p:sp>
+      <p:sp>
+        <p:nvSpPr>
+          <p:cNvPr id="780" name="正方形/長方形 13">
+            <a:extLst>
+              <a:ext uri="{FF2B5EF4-FFF2-40B4-BE49-F238E27FC236}">
+                <a16:creationId xmlns:a16="http://schemas.microsoft.com/office/drawing/2014/main" id="{7F537126-6314-E948-3A0A-286138B17171}"/>
+              </a:ext>
+            </a:extLst>
+          </p:cNvPr>
+          <p:cNvSpPr/>
+          <p:nvPr/>
+        </p:nvSpPr>
+        <p:spPr>
+          <a:xfrm>
+            <a:off x="17342480" y="6701442"/>
+            <a:ext cx="14630400" cy="36824663"/>
+          </a:xfrm>
+          <a:prstGeom prst="rect">
+            <a:avLst/>
+          </a:prstGeom>
+          <a:noFill/>
+          <a:ln w="34925">
+            <a:solidFill>
+              <a:schemeClr val="tx1"/>
+            </a:solidFill>
+          </a:ln>
+        </p:spPr>
+        <p:style>
+          <a:lnRef idx="2">
+            <a:schemeClr val="accent1">
+              <a:shade val="50000"/>
+            </a:schemeClr>
+          </a:lnRef>
+          <a:fillRef idx="1">
+            <a:schemeClr val="accent1"/>
+          </a:fillRef>
+          <a:effectRef idx="0">
+            <a:schemeClr val="accent1"/>
+          </a:effectRef>
+          <a:fontRef idx="minor">
+            <a:schemeClr val="lt1"/>
+          </a:fontRef>
+        </p:style>
+        <p:txBody>
+          <a:bodyPr rtlCol="0" anchor="ctr"/>
+          <a:lstStyle/>
+          <a:p>
+            <a:pPr algn="ctr"/>
+            <a:endParaRPr kumimoji="1" lang="ja-JP" altLang="en-US">
+              <a:solidFill>
+                <a:srgbClr val="FF0000"/>
+              </a:solidFill>
+            </a:endParaRPr>
+          </a:p>
+        </p:txBody>
+      </p:sp>
+      <p:sp>
+        <p:nvSpPr>
+          <p:cNvPr id="787" name="TextBox 786">
+            <a:extLst>
+              <a:ext uri="{FF2B5EF4-FFF2-40B4-BE49-F238E27FC236}">
+                <a16:creationId xmlns:a16="http://schemas.microsoft.com/office/drawing/2014/main" id="{E8047528-365D-53BA-D151-B90991961BA2}"/>
+              </a:ext>
+            </a:extLst>
+          </p:cNvPr>
+          <p:cNvSpPr txBox="1"/>
+          <p:nvPr/>
+        </p:nvSpPr>
+        <p:spPr>
+          <a:xfrm>
+            <a:off x="846026" y="12327525"/>
+            <a:ext cx="2242730" cy="584775"/>
+          </a:xfrm>
+          <a:prstGeom prst="rect">
+            <a:avLst/>
+          </a:prstGeom>
+          <a:noFill/>
+        </p:spPr>
+        <p:txBody>
+          <a:bodyPr wrap="none" rtlCol="0">
+            <a:spAutoFit/>
+          </a:bodyPr>
+          <a:lstStyle/>
+          <a:p>
+            <a:r>
+              <a:rPr lang="en-US" sz="3200" b="1" dirty="0">
+                <a:solidFill>
+                  <a:schemeClr val="accent2"/>
+                </a:solidFill>
+              </a:rPr>
+              <a:t>Motivations</a:t>
+            </a:r>
+          </a:p>
+        </p:txBody>
+      </p:sp>
+      <p:sp>
+        <p:nvSpPr>
+          <p:cNvPr id="790" name="TextBox 789">
+            <a:extLst>
+              <a:ext uri="{FF2B5EF4-FFF2-40B4-BE49-F238E27FC236}">
+                <a16:creationId xmlns:a16="http://schemas.microsoft.com/office/drawing/2014/main" id="{7179581E-192C-3276-4884-358E5E1E34D0}"/>
+              </a:ext>
+            </a:extLst>
+          </p:cNvPr>
+          <p:cNvSpPr txBox="1"/>
+          <p:nvPr/>
+        </p:nvSpPr>
+        <p:spPr>
+          <a:xfrm>
+            <a:off x="896192" y="14724456"/>
+            <a:ext cx="2045945" cy="584775"/>
+          </a:xfrm>
+          <a:prstGeom prst="rect">
+            <a:avLst/>
+          </a:prstGeom>
+          <a:noFill/>
+        </p:spPr>
+        <p:txBody>
+          <a:bodyPr wrap="none" rtlCol="0">
+            <a:spAutoFit/>
+          </a:bodyPr>
+          <a:lstStyle/>
+          <a:p>
+            <a:r>
+              <a:rPr lang="en-US" sz="3200" b="1" dirty="0">
+                <a:solidFill>
+                  <a:schemeClr val="accent2"/>
+                </a:solidFill>
+              </a:rPr>
+              <a:t>Definitions</a:t>
+            </a:r>
+          </a:p>
+        </p:txBody>
+      </p:sp>
+      <p:sp>
+        <p:nvSpPr>
+          <p:cNvPr id="791" name="TextBox 790">
+            <a:extLst>
+              <a:ext uri="{FF2B5EF4-FFF2-40B4-BE49-F238E27FC236}">
+                <a16:creationId xmlns:a16="http://schemas.microsoft.com/office/drawing/2014/main" id="{1D919DB4-88E8-664C-1E4B-D166103600D7}"/>
+              </a:ext>
+            </a:extLst>
+          </p:cNvPr>
+          <p:cNvSpPr txBox="1"/>
+          <p:nvPr/>
+        </p:nvSpPr>
+        <p:spPr>
+          <a:xfrm>
+            <a:off x="1483371" y="16358179"/>
+            <a:ext cx="13437827" cy="1938992"/>
+          </a:xfrm>
+          <a:prstGeom prst="rect">
+            <a:avLst/>
+          </a:prstGeom>
+          <a:noFill/>
+        </p:spPr>
+        <p:txBody>
+          <a:bodyPr wrap="square" rtlCol="0">
+            <a:spAutoFit/>
+          </a:bodyPr>
+          <a:lstStyle/>
+          <a:p>
+            <a:r>
+              <a:rPr lang="en-US" sz="2400" b="1" dirty="0"/>
+              <a:t>MCAR</a:t>
+            </a:r>
+            <a:r>
+              <a:rPr lang="en-US" sz="2400" dirty="0"/>
+              <a:t>: When probability of missingness for data points in a dataset is constant.</a:t>
+            </a:r>
+          </a:p>
+          <a:p>
+            <a:pPr marL="1028700" lvl="1" indent="-571500">
+              <a:buFont typeface="Arial" panose="020B0604020202020204" pitchFamily="34" charset="0"/>
+              <a:buChar char="•"/>
+            </a:pPr>
+            <a:r>
+              <a:rPr lang="en-US" sz="2400" dirty="0"/>
+              <a:t>Each student’s mark is stored in a spreadsheet by the instructor but following a computer update 10% of the data is deleted at random. </a:t>
+            </a:r>
+          </a:p>
+          <a:p>
+            <a:pPr marL="1028700" lvl="1" indent="-571500">
+              <a:buFont typeface="Arial" panose="020B0604020202020204" pitchFamily="34" charset="0"/>
+              <a:buChar char="•"/>
+            </a:pPr>
+            <a:endParaRPr lang="en-US" sz="2400" dirty="0"/>
+          </a:p>
+          <a:p>
+            <a:pPr marL="1028700" lvl="1" indent="-571500">
+              <a:buFont typeface="Arial" panose="020B0604020202020204" pitchFamily="34" charset="0"/>
+              <a:buChar char="•"/>
+            </a:pPr>
+            <a:endParaRPr lang="en-US" sz="2400" dirty="0"/>
+          </a:p>
+        </p:txBody>
+      </p:sp>
+      <p:sp>
+        <p:nvSpPr>
+          <p:cNvPr id="794" name="TextBox 793">
+            <a:extLst>
+              <a:ext uri="{FF2B5EF4-FFF2-40B4-BE49-F238E27FC236}">
+                <a16:creationId xmlns:a16="http://schemas.microsoft.com/office/drawing/2014/main" id="{84202D82-670A-2AFF-494D-88995F4E2CFB}"/>
+              </a:ext>
+            </a:extLst>
+          </p:cNvPr>
+          <p:cNvSpPr txBox="1"/>
+          <p:nvPr/>
+        </p:nvSpPr>
+        <p:spPr>
+          <a:xfrm>
+            <a:off x="1483372" y="18045209"/>
+            <a:ext cx="13192218" cy="1938992"/>
+          </a:xfrm>
+          <a:prstGeom prst="rect">
+            <a:avLst/>
+          </a:prstGeom>
+          <a:noFill/>
+        </p:spPr>
+        <p:txBody>
+          <a:bodyPr wrap="square" rtlCol="0">
+            <a:spAutoFit/>
+          </a:bodyPr>
+          <a:lstStyle/>
+          <a:p>
+            <a:r>
+              <a:rPr lang="en-US" sz="2400" b="1" dirty="0"/>
+              <a:t>MAR</a:t>
+            </a:r>
+            <a:r>
+              <a:rPr lang="en-US" sz="2400" dirty="0"/>
+              <a:t>: When probability of missingness is dependent on some observed variable of the dataset.</a:t>
+            </a:r>
+          </a:p>
+          <a:p>
+            <a:pPr marL="800100" lvl="1" indent="-342900">
+              <a:buFont typeface="Arial" panose="020B0604020202020204" pitchFamily="34" charset="0"/>
+              <a:buChar char="•"/>
+            </a:pPr>
+            <a:r>
+              <a:rPr lang="en-US" sz="2400" dirty="0"/>
+              <a:t>Most students joined a class from day 1, but some students joined late from the waitlist due to capacity restrictions. 10% of students who joined on time had a missing submission for the first problem set, while 30% of students who joined late missed the first problem set. </a:t>
+            </a:r>
+          </a:p>
+          <a:p>
+            <a:pPr marL="800100" lvl="1" indent="-342900">
+              <a:buFont typeface="Arial" panose="020B0604020202020204" pitchFamily="34" charset="0"/>
+              <a:buChar char="•"/>
+            </a:pPr>
+            <a:endParaRPr lang="en-US" sz="2400" dirty="0"/>
+          </a:p>
+        </p:txBody>
+      </p:sp>
+      <p:sp>
+        <p:nvSpPr>
+          <p:cNvPr id="795" name="TextBox 794">
+            <a:extLst>
+              <a:ext uri="{FF2B5EF4-FFF2-40B4-BE49-F238E27FC236}">
+                <a16:creationId xmlns:a16="http://schemas.microsoft.com/office/drawing/2014/main" id="{EEEDBD89-ED10-133F-9C45-72114FDCEBFE}"/>
+              </a:ext>
+            </a:extLst>
+          </p:cNvPr>
+          <p:cNvSpPr txBox="1"/>
+          <p:nvPr/>
+        </p:nvSpPr>
+        <p:spPr>
+          <a:xfrm>
+            <a:off x="1398560" y="19588784"/>
+            <a:ext cx="13192218" cy="3416320"/>
+          </a:xfrm>
+          <a:prstGeom prst="rect">
+            <a:avLst/>
+          </a:prstGeom>
+          <a:noFill/>
+        </p:spPr>
+        <p:txBody>
+          <a:bodyPr wrap="square" rtlCol="0">
+            <a:spAutoFit/>
+          </a:bodyPr>
+          <a:lstStyle/>
+          <a:p>
+            <a:r>
+              <a:rPr lang="en-US" sz="2400" b="1" dirty="0"/>
+              <a:t>MNAR</a:t>
+            </a:r>
+            <a:r>
+              <a:rPr lang="en-US" sz="2400" dirty="0"/>
+              <a:t>: When probability of missingness is dependent on the true value of the data point which we don’t</a:t>
+            </a:r>
+          </a:p>
+          <a:p>
+            <a:r>
+              <a:rPr lang="en-US" sz="2400" dirty="0"/>
+              <a:t>know for all subjects.</a:t>
+            </a:r>
+          </a:p>
+          <a:p>
+            <a:r>
+              <a:rPr lang="en-US" sz="2400" dirty="0"/>
+              <a:t>	• Due to a system failure, the instructor loses all the students’ marks. Left with no choice, the instructor requests the students to calculate and share their true final marks to the instructor. If they don’t, the instructor will input that they got a B. </a:t>
+            </a:r>
+          </a:p>
+          <a:p>
+            <a:r>
+              <a:rPr lang="en-US" sz="2400" b="1" dirty="0"/>
+              <a:t>		– </a:t>
+            </a:r>
+            <a:r>
+              <a:rPr lang="en-US" sz="2400" dirty="0"/>
+              <a:t>If a student’s true mark is an A, they are 90% likely to state their true mark. </a:t>
+            </a:r>
+            <a:r>
+              <a:rPr lang="en-US" sz="2400" b="1" dirty="0"/>
+              <a:t>– </a:t>
+            </a:r>
+            <a:r>
+              <a:rPr lang="en-US" sz="2400" dirty="0"/>
+              <a:t>If a student’s true mark is a B, they are 70% likely to state their true mark. </a:t>
+            </a:r>
+            <a:r>
+              <a:rPr lang="en-US" sz="2400" b="1" dirty="0"/>
+              <a:t>– </a:t>
+            </a:r>
+            <a:r>
+              <a:rPr lang="en-US" sz="2400" dirty="0"/>
+              <a:t>If a student’s true mark is a C, they are 50% likely to state their true mark. </a:t>
+            </a:r>
+          </a:p>
+          <a:p>
+            <a:pPr marL="342900" indent="-342900">
+              <a:buFont typeface="Arial" panose="020B0604020202020204" pitchFamily="34" charset="0"/>
+              <a:buChar char="•"/>
+            </a:pPr>
+            <a:endParaRPr lang="en-US" sz="2400" dirty="0"/>
+          </a:p>
+        </p:txBody>
+      </p:sp>
+      <p:sp>
+        <p:nvSpPr>
+          <p:cNvPr id="796" name="TextBox 795">
+            <a:extLst>
+              <a:ext uri="{FF2B5EF4-FFF2-40B4-BE49-F238E27FC236}">
+                <a16:creationId xmlns:a16="http://schemas.microsoft.com/office/drawing/2014/main" id="{35A875C4-04CD-A699-A38C-BFFE94B24C83}"/>
+              </a:ext>
+            </a:extLst>
+          </p:cNvPr>
+          <p:cNvSpPr txBox="1"/>
+          <p:nvPr/>
+        </p:nvSpPr>
+        <p:spPr>
+          <a:xfrm>
+            <a:off x="1201628" y="23533496"/>
+            <a:ext cx="12495728" cy="830997"/>
+          </a:xfrm>
+          <a:prstGeom prst="rect">
+            <a:avLst/>
+          </a:prstGeom>
+          <a:noFill/>
+        </p:spPr>
+        <p:txBody>
+          <a:bodyPr wrap="none" rtlCol="0">
+            <a:spAutoFit/>
+          </a:bodyPr>
+          <a:lstStyle/>
+          <a:p>
+            <a:r>
+              <a:rPr lang="en-US" sz="2400" b="1" dirty="0"/>
+              <a:t>Listwise Deletion</a:t>
+            </a:r>
+            <a:r>
+              <a:rPr lang="en-US" sz="2400" dirty="0"/>
+              <a:t>: Eliminates all observations containing ANY missing values in variables of interest</a:t>
+            </a:r>
+          </a:p>
+          <a:p>
+            <a:r>
+              <a:rPr lang="en-US" sz="2400" dirty="0"/>
+              <a:t> </a:t>
+            </a:r>
+          </a:p>
+        </p:txBody>
+      </p:sp>
+      <p:sp>
+        <p:nvSpPr>
+          <p:cNvPr id="797" name="TextBox 796">
+            <a:extLst>
+              <a:ext uri="{FF2B5EF4-FFF2-40B4-BE49-F238E27FC236}">
+                <a16:creationId xmlns:a16="http://schemas.microsoft.com/office/drawing/2014/main" id="{0D41AAC3-DEF9-5010-5E06-AC3FD4EBC8F0}"/>
+              </a:ext>
+            </a:extLst>
+          </p:cNvPr>
+          <p:cNvSpPr txBox="1"/>
+          <p:nvPr/>
+        </p:nvSpPr>
+        <p:spPr>
+          <a:xfrm>
+            <a:off x="1201628" y="28299548"/>
+            <a:ext cx="13928878" cy="1938992"/>
+          </a:xfrm>
+          <a:prstGeom prst="rect">
+            <a:avLst/>
+          </a:prstGeom>
+          <a:noFill/>
+        </p:spPr>
+        <p:txBody>
+          <a:bodyPr wrap="none" rtlCol="0">
+            <a:spAutoFit/>
+          </a:bodyPr>
+          <a:lstStyle/>
+          <a:p>
+            <a:r>
+              <a:rPr lang="en-US" sz="2400" b="1" dirty="0"/>
+              <a:t>Multiple Imputation</a:t>
+            </a:r>
+            <a:r>
+              <a:rPr lang="en-US" sz="2400" dirty="0"/>
+              <a:t>:</a:t>
+            </a:r>
+          </a:p>
+          <a:p>
+            <a:pPr marL="914400" lvl="1" indent="-457200">
+              <a:buFont typeface="+mj-lt"/>
+              <a:buAutoNum type="arabicPeriod"/>
+            </a:pPr>
+            <a:r>
+              <a:rPr lang="en-US" sz="2400" dirty="0"/>
+              <a:t>Takes incomplete dataset and creates multiple copies of it.</a:t>
+            </a:r>
+          </a:p>
+          <a:p>
+            <a:pPr marL="914400" lvl="1" indent="-457200">
+              <a:buFont typeface="+mj-lt"/>
+              <a:buAutoNum type="arabicPeriod"/>
+            </a:pPr>
+            <a:r>
+              <a:rPr lang="en-US" sz="2400" dirty="0"/>
+              <a:t>Impute incomplete columns with plausible values through an iterative predictive method for each copy</a:t>
+            </a:r>
+          </a:p>
+          <a:p>
+            <a:pPr marL="914400" lvl="1" indent="-457200">
+              <a:buFont typeface="+mj-lt"/>
+              <a:buAutoNum type="arabicPeriod"/>
+            </a:pPr>
+            <a:r>
+              <a:rPr lang="en-US" sz="2400" dirty="0"/>
+              <a:t>Obtain estimate for parameter of interest for each copy</a:t>
+            </a:r>
+          </a:p>
+          <a:p>
+            <a:pPr marL="914400" lvl="1" indent="-457200">
+              <a:buFont typeface="+mj-lt"/>
+              <a:buAutoNum type="arabicPeriod"/>
+            </a:pPr>
+            <a:r>
+              <a:rPr lang="en-US" sz="2400" dirty="0"/>
+              <a:t>Pool estimators together to create a single pooled estimate.</a:t>
+            </a:r>
+          </a:p>
+        </p:txBody>
+      </p:sp>
+      <p:sp>
+        <p:nvSpPr>
+          <p:cNvPr id="798" name="TextBox 797">
+            <a:extLst>
+              <a:ext uri="{FF2B5EF4-FFF2-40B4-BE49-F238E27FC236}">
+                <a16:creationId xmlns:a16="http://schemas.microsoft.com/office/drawing/2014/main" id="{616DBA72-DCA1-A6FA-1A0C-C844BA2355B5}"/>
+              </a:ext>
+            </a:extLst>
+          </p:cNvPr>
+          <p:cNvSpPr txBox="1"/>
+          <p:nvPr/>
+        </p:nvSpPr>
+        <p:spPr>
+          <a:xfrm>
+            <a:off x="1201628" y="15463971"/>
+            <a:ext cx="4520020" cy="584775"/>
+          </a:xfrm>
+          <a:prstGeom prst="rect">
+            <a:avLst/>
+          </a:prstGeom>
+          <a:noFill/>
+        </p:spPr>
+        <p:txBody>
+          <a:bodyPr wrap="none" rtlCol="0">
+            <a:spAutoFit/>
+          </a:bodyPr>
+          <a:lstStyle/>
+          <a:p>
+            <a:r>
+              <a:rPr lang="en-US" sz="3200" dirty="0">
+                <a:solidFill>
+                  <a:schemeClr val="accent2">
+                    <a:lumMod val="75000"/>
+                  </a:schemeClr>
+                </a:solidFill>
+              </a:rPr>
+              <a:t>Missing Data Mechanisms</a:t>
+            </a:r>
+          </a:p>
+        </p:txBody>
+      </p:sp>
+      <p:sp>
+        <p:nvSpPr>
+          <p:cNvPr id="799" name="TextBox 798">
+            <a:extLst>
+              <a:ext uri="{FF2B5EF4-FFF2-40B4-BE49-F238E27FC236}">
+                <a16:creationId xmlns:a16="http://schemas.microsoft.com/office/drawing/2014/main" id="{9D0E13C0-54A6-7611-B337-50B35A412616}"/>
+              </a:ext>
+            </a:extLst>
+          </p:cNvPr>
+          <p:cNvSpPr txBox="1"/>
+          <p:nvPr/>
+        </p:nvSpPr>
+        <p:spPr>
+          <a:xfrm>
+            <a:off x="1201628" y="22712716"/>
+            <a:ext cx="3999428" cy="584775"/>
+          </a:xfrm>
+          <a:prstGeom prst="rect">
+            <a:avLst/>
+          </a:prstGeom>
+          <a:noFill/>
+        </p:spPr>
+        <p:txBody>
+          <a:bodyPr wrap="none" rtlCol="0">
+            <a:spAutoFit/>
+          </a:bodyPr>
+          <a:lstStyle/>
+          <a:p>
+            <a:r>
+              <a:rPr lang="en-US" sz="3200" dirty="0">
+                <a:solidFill>
+                  <a:schemeClr val="accent2">
+                    <a:lumMod val="75000"/>
+                  </a:schemeClr>
+                </a:solidFill>
+              </a:rPr>
+              <a:t>Imputation Techniques</a:t>
+            </a:r>
+          </a:p>
+        </p:txBody>
+      </p:sp>
+      <p:sp>
+        <p:nvSpPr>
+          <p:cNvPr id="800" name="TextBox 799">
+            <a:extLst>
+              <a:ext uri="{FF2B5EF4-FFF2-40B4-BE49-F238E27FC236}">
+                <a16:creationId xmlns:a16="http://schemas.microsoft.com/office/drawing/2014/main" id="{FF15EC8D-D253-3FF0-A260-0D219A8E4FBC}"/>
+              </a:ext>
+            </a:extLst>
+          </p:cNvPr>
+          <p:cNvSpPr txBox="1"/>
+          <p:nvPr/>
+        </p:nvSpPr>
+        <p:spPr>
+          <a:xfrm>
+            <a:off x="1201628" y="13277411"/>
+            <a:ext cx="13747118" cy="1569660"/>
+          </a:xfrm>
+          <a:prstGeom prst="rect">
+            <a:avLst/>
+          </a:prstGeom>
+          <a:noFill/>
+        </p:spPr>
+        <p:txBody>
+          <a:bodyPr wrap="square" rtlCol="0">
+            <a:spAutoFit/>
+          </a:bodyPr>
+          <a:lstStyle/>
+          <a:p>
+            <a:pPr marL="571486" indent="-571486">
+              <a:buFont typeface="Arial" panose="020B0604020202020204" pitchFamily="34" charset="0"/>
+              <a:buChar char="•"/>
+            </a:pPr>
+            <a:r>
+              <a:rPr lang="en-US" sz="2400" dirty="0"/>
+              <a:t>Interested in what scenarios different imputation techniques should be used to reduce runtime without sacrificing bias, error, and other performance measures.</a:t>
+            </a:r>
+          </a:p>
+          <a:p>
+            <a:pPr marL="571486" indent="-571486">
+              <a:buFont typeface="Arial" panose="020B0604020202020204" pitchFamily="34" charset="0"/>
+              <a:buChar char="•"/>
+            </a:pPr>
+            <a:r>
+              <a:rPr lang="en-US" sz="2400" dirty="0"/>
+              <a:t>Determine the types of missing data in the real world</a:t>
+            </a:r>
+          </a:p>
+          <a:p>
+            <a:pPr marL="571486" indent="-571486">
+              <a:buFont typeface="Arial" panose="020B0604020202020204" pitchFamily="34" charset="0"/>
+              <a:buChar char="•"/>
+            </a:pPr>
+            <a:endParaRPr lang="en-US" sz="2400" dirty="0"/>
+          </a:p>
+        </p:txBody>
+      </p:sp>
+      <p:sp>
+        <p:nvSpPr>
+          <p:cNvPr id="801" name="テキスト ボックス 7">
+            <a:extLst>
+              <a:ext uri="{FF2B5EF4-FFF2-40B4-BE49-F238E27FC236}">
+                <a16:creationId xmlns:a16="http://schemas.microsoft.com/office/drawing/2014/main" id="{23900E85-E1A8-BC09-FF9A-F74955CE2323}"/>
+              </a:ext>
+            </a:extLst>
+          </p:cNvPr>
+          <p:cNvSpPr txBox="1"/>
+          <p:nvPr/>
+        </p:nvSpPr>
+        <p:spPr>
+          <a:xfrm>
+            <a:off x="17342480" y="5670158"/>
+            <a:ext cx="14630400" cy="1015663"/>
+          </a:xfrm>
+          <a:prstGeom prst="rect">
+            <a:avLst/>
+          </a:prstGeom>
+          <a:solidFill>
+            <a:schemeClr val="accent2"/>
+          </a:solidFill>
+          <a:ln>
+            <a:solidFill>
+              <a:schemeClr val="accent2"/>
+            </a:solidFill>
+          </a:ln>
+        </p:spPr>
+        <p:txBody>
+          <a:bodyPr wrap="square" rtlCol="0">
+            <a:spAutoFit/>
+          </a:bodyPr>
+          <a:lstStyle/>
+          <a:p>
+            <a:r>
+              <a:rPr lang="en-US" altLang="ja-JP" sz="6000" b="1" dirty="0">
+                <a:solidFill>
+                  <a:schemeClr val="bg1"/>
+                </a:solidFill>
+                <a:latin typeface="Helvetica Neue" charset="0"/>
+                <a:ea typeface="Helvetica Neue" charset="0"/>
+                <a:cs typeface="Helvetica Neue" charset="0"/>
+              </a:rPr>
+              <a:t> </a:t>
+            </a:r>
+            <a:r>
+              <a:rPr lang="en-US" altLang="ja-JP" sz="4400" b="1" dirty="0">
+                <a:solidFill>
+                  <a:schemeClr val="bg1"/>
+                </a:solidFill>
+                <a:latin typeface="Helvetica Neue" charset="0"/>
+                <a:ea typeface="Helvetica Neue" charset="0"/>
+                <a:cs typeface="Helvetica Neue" charset="0"/>
+              </a:rPr>
+              <a:t>INVESTIGATIONS</a:t>
+            </a:r>
+            <a:endParaRPr kumimoji="1" lang="ja-JP" altLang="en-US" sz="4400" b="1" dirty="0">
+              <a:solidFill>
+                <a:schemeClr val="bg1"/>
+              </a:solidFill>
+              <a:latin typeface="Helvetica Neue" charset="0"/>
+              <a:ea typeface="Helvetica Neue" charset="0"/>
+              <a:cs typeface="Helvetica Neue" charset="0"/>
+            </a:endParaRPr>
+          </a:p>
+        </p:txBody>
+      </p:sp>
+      <p:sp>
+        <p:nvSpPr>
+          <p:cNvPr id="802" name="TextBox 801">
+            <a:extLst>
+              <a:ext uri="{FF2B5EF4-FFF2-40B4-BE49-F238E27FC236}">
+                <a16:creationId xmlns:a16="http://schemas.microsoft.com/office/drawing/2014/main" id="{A6EB571F-E94E-3A89-EE7E-5869A43C9A78}"/>
+              </a:ext>
+            </a:extLst>
+          </p:cNvPr>
+          <p:cNvSpPr txBox="1"/>
+          <p:nvPr/>
+        </p:nvSpPr>
+        <p:spPr>
+          <a:xfrm>
+            <a:off x="17358779" y="6934497"/>
+            <a:ext cx="15677187" cy="738664"/>
+          </a:xfrm>
+          <a:prstGeom prst="rect">
+            <a:avLst/>
+          </a:prstGeom>
+          <a:noFill/>
+        </p:spPr>
+        <p:txBody>
+          <a:bodyPr wrap="square" rtlCol="0">
+            <a:spAutoFit/>
+          </a:bodyPr>
+          <a:lstStyle/>
+          <a:p>
+            <a:r>
+              <a:rPr lang="en-US" sz="4100" b="1" dirty="0">
+                <a:solidFill>
+                  <a:schemeClr val="accent2"/>
+                </a:solidFill>
+              </a:rPr>
+              <a:t>(1) Multiple imputation under varying levels of MCAR, MAR, MNAR</a:t>
+            </a:r>
+          </a:p>
+        </p:txBody>
+      </p:sp>
+      <p:sp>
+        <p:nvSpPr>
+          <p:cNvPr id="803" name="TextBox 802">
+            <a:extLst>
+              <a:ext uri="{FF2B5EF4-FFF2-40B4-BE49-F238E27FC236}">
+                <a16:creationId xmlns:a16="http://schemas.microsoft.com/office/drawing/2014/main" id="{4A395611-EB76-7BEE-6B1C-F33839C780DD}"/>
+              </a:ext>
+            </a:extLst>
+          </p:cNvPr>
+          <p:cNvSpPr txBox="1"/>
+          <p:nvPr/>
+        </p:nvSpPr>
+        <p:spPr>
+          <a:xfrm>
+            <a:off x="17570163" y="21383204"/>
+            <a:ext cx="14479605" cy="769441"/>
+          </a:xfrm>
+          <a:prstGeom prst="rect">
+            <a:avLst/>
+          </a:prstGeom>
+          <a:noFill/>
+        </p:spPr>
+        <p:txBody>
+          <a:bodyPr wrap="none" rtlCol="0">
+            <a:spAutoFit/>
+          </a:bodyPr>
+          <a:lstStyle/>
+          <a:p>
+            <a:r>
+              <a:rPr lang="en-US" sz="4400" b="1" dirty="0">
+                <a:solidFill>
+                  <a:schemeClr val="accent2"/>
+                </a:solidFill>
+              </a:rPr>
+              <a:t>(2) When Listwise Deletion Outperforms Multiple Imputation</a:t>
+            </a:r>
+          </a:p>
+        </p:txBody>
+      </p:sp>
+      <p:sp>
+        <p:nvSpPr>
+          <p:cNvPr id="810" name="TextBox 809">
+            <a:extLst>
+              <a:ext uri="{FF2B5EF4-FFF2-40B4-BE49-F238E27FC236}">
+                <a16:creationId xmlns:a16="http://schemas.microsoft.com/office/drawing/2014/main" id="{9B31872C-273F-5881-DD30-8739E2D6C968}"/>
+              </a:ext>
+            </a:extLst>
+          </p:cNvPr>
+          <p:cNvSpPr txBox="1"/>
+          <p:nvPr/>
+        </p:nvSpPr>
+        <p:spPr>
+          <a:xfrm>
+            <a:off x="17644668" y="22127728"/>
+            <a:ext cx="8163325" cy="707886"/>
+          </a:xfrm>
+          <a:prstGeom prst="rect">
+            <a:avLst/>
+          </a:prstGeom>
+          <a:noFill/>
+        </p:spPr>
+        <p:txBody>
+          <a:bodyPr wrap="none" rtlCol="0">
+            <a:spAutoFit/>
+          </a:bodyPr>
+          <a:lstStyle/>
+          <a:p>
+            <a:r>
+              <a:rPr lang="en-US" sz="4000" b="1" dirty="0">
+                <a:solidFill>
+                  <a:schemeClr val="accent2">
+                    <a:lumMod val="75000"/>
+                  </a:schemeClr>
+                </a:solidFill>
+              </a:rPr>
+              <a:t>Case 1: </a:t>
+            </a:r>
+            <a:r>
+              <a:rPr lang="en-US" sz="3600" b="1" dirty="0">
+                <a:solidFill>
+                  <a:schemeClr val="accent2">
+                    <a:lumMod val="75000"/>
+                  </a:schemeClr>
+                </a:solidFill>
+              </a:rPr>
+              <a:t>Missing Data only in Response </a:t>
+            </a:r>
+            <a:r>
+              <a:rPr lang="en-US" sz="3600" b="1" i="1" dirty="0">
+                <a:solidFill>
+                  <a:schemeClr val="accent2">
+                    <a:lumMod val="75000"/>
+                  </a:schemeClr>
+                </a:solidFill>
+              </a:rPr>
+              <a:t>Y</a:t>
+            </a:r>
+            <a:r>
+              <a:rPr lang="en-US" sz="3600" b="1" dirty="0">
+                <a:solidFill>
+                  <a:schemeClr val="accent2">
+                    <a:lumMod val="75000"/>
+                  </a:schemeClr>
+                </a:solidFill>
+              </a:rPr>
+              <a:t>  </a:t>
+            </a:r>
+          </a:p>
+        </p:txBody>
+      </p:sp>
+      <p:pic>
+        <p:nvPicPr>
+          <p:cNvPr id="12" name="Picture 11" descr="Graphical user interface, text, application, chat or text message&#10;&#10;Description automatically generated">
+            <a:extLst>
+              <a:ext uri="{FF2B5EF4-FFF2-40B4-BE49-F238E27FC236}">
+                <a16:creationId xmlns:a16="http://schemas.microsoft.com/office/drawing/2014/main" id="{370E05A9-31AC-4F22-72EF-99CB3DD8B65F}"/>
+              </a:ext>
+            </a:extLst>
+          </p:cNvPr>
+          <p:cNvPicPr>
+            <a:picLocks noChangeAspect="1"/>
+          </p:cNvPicPr>
+          <p:nvPr/>
+        </p:nvPicPr>
+        <p:blipFill rotWithShape="1">
+          <a:blip r:embed="rId4"/>
+          <a:srcRect l="-457" t="-577" r="35842" b="2707"/>
+          <a:stretch/>
+        </p:blipFill>
+        <p:spPr>
+          <a:xfrm>
+            <a:off x="17642609" y="13275269"/>
+            <a:ext cx="6718290" cy="3592130"/>
+          </a:xfrm>
+          <a:prstGeom prst="rect">
+            <a:avLst/>
+          </a:prstGeom>
+        </p:spPr>
+      </p:pic>
+      <p:pic>
+        <p:nvPicPr>
+          <p:cNvPr id="13" name="Picture 12" descr="A picture containing logo&#10;&#10;Description automatically generated">
+            <a:extLst>
+              <a:ext uri="{FF2B5EF4-FFF2-40B4-BE49-F238E27FC236}">
+                <a16:creationId xmlns:a16="http://schemas.microsoft.com/office/drawing/2014/main" id="{70C8A810-8018-0639-CF02-D662ADA2FCBF}"/>
+              </a:ext>
+            </a:extLst>
+          </p:cNvPr>
+          <p:cNvPicPr>
+            <a:picLocks noChangeAspect="1"/>
+          </p:cNvPicPr>
+          <p:nvPr/>
+        </p:nvPicPr>
+        <p:blipFill rotWithShape="1">
+          <a:blip r:embed="rId5"/>
+          <a:srcRect r="39707" b="1110"/>
+          <a:stretch/>
+        </p:blipFill>
+        <p:spPr>
+          <a:xfrm>
+            <a:off x="17619105" y="11457554"/>
+            <a:ext cx="6669479" cy="1971767"/>
+          </a:xfrm>
+          <a:prstGeom prst="rect">
+            <a:avLst/>
+          </a:prstGeom>
+        </p:spPr>
+      </p:pic>
+      <p:pic>
+        <p:nvPicPr>
+          <p:cNvPr id="14" name="Picture 13" descr="A picture containing graphical user interface&#10;&#10;Description automatically generated">
+            <a:extLst>
+              <a:ext uri="{FF2B5EF4-FFF2-40B4-BE49-F238E27FC236}">
+                <a16:creationId xmlns:a16="http://schemas.microsoft.com/office/drawing/2014/main" id="{1C97C3CE-9AC8-720B-263B-981FBD829BF3}"/>
+              </a:ext>
+            </a:extLst>
+          </p:cNvPr>
+          <p:cNvPicPr>
+            <a:picLocks noChangeAspect="1"/>
+          </p:cNvPicPr>
+          <p:nvPr/>
+        </p:nvPicPr>
+        <p:blipFill rotWithShape="1">
+          <a:blip r:embed="rId6"/>
+          <a:srcRect r="47678" b="-494"/>
+          <a:stretch/>
+        </p:blipFill>
+        <p:spPr>
+          <a:xfrm>
+            <a:off x="17642608" y="9970167"/>
+            <a:ext cx="5787684" cy="1774036"/>
+          </a:xfrm>
+          <a:prstGeom prst="rect">
+            <a:avLst/>
+          </a:prstGeom>
+        </p:spPr>
+      </p:pic>
+      <p:pic>
+        <p:nvPicPr>
+          <p:cNvPr id="15" name="Picture 14" descr="Text&#10;&#10;Description automatically generated">
+            <a:extLst>
+              <a:ext uri="{FF2B5EF4-FFF2-40B4-BE49-F238E27FC236}">
+                <a16:creationId xmlns:a16="http://schemas.microsoft.com/office/drawing/2014/main" id="{60EFDC8F-43FC-5D71-5C86-029BEBACEC51}"/>
+              </a:ext>
+            </a:extLst>
+          </p:cNvPr>
+          <p:cNvPicPr>
+            <a:picLocks noChangeAspect="1"/>
+          </p:cNvPicPr>
+          <p:nvPr/>
+        </p:nvPicPr>
+        <p:blipFill rotWithShape="1">
+          <a:blip r:embed="rId7"/>
+          <a:srcRect t="1" r="33869" b="460"/>
+          <a:stretch/>
+        </p:blipFill>
+        <p:spPr>
+          <a:xfrm>
+            <a:off x="17642608" y="7976925"/>
+            <a:ext cx="6702691" cy="2262832"/>
+          </a:xfrm>
+          <a:prstGeom prst="rect">
+            <a:avLst/>
+          </a:prstGeom>
+        </p:spPr>
+      </p:pic>
+      <mc:AlternateContent xmlns:mc="http://schemas.openxmlformats.org/markup-compatibility/2006">
+        <mc:Choice xmlns:a14="http://schemas.microsoft.com/office/drawing/2010/main" Requires="a14">
+          <p:sp>
+            <p:nvSpPr>
+              <p:cNvPr id="16" name="TextBox 15">
+                <a:extLst>
+                  <a:ext uri="{FF2B5EF4-FFF2-40B4-BE49-F238E27FC236}">
+                    <a16:creationId xmlns:a16="http://schemas.microsoft.com/office/drawing/2014/main" id="{982BD24A-5F20-40AA-AA65-78EA2CD793C3}"/>
+                  </a:ext>
+                </a:extLst>
+              </p:cNvPr>
+              <p:cNvSpPr txBox="1"/>
+              <p:nvPr/>
+            </p:nvSpPr>
+            <p:spPr>
+              <a:xfrm>
+                <a:off x="25098567" y="7733648"/>
+                <a:ext cx="5483004" cy="2878160"/>
+              </a:xfrm>
+              <a:prstGeom prst="rect">
+                <a:avLst/>
+              </a:prstGeom>
+              <a:noFill/>
+            </p:spPr>
+            <p:txBody>
+              <a:bodyPr wrap="square" rtlCol="0">
+                <a:spAutoFit/>
+              </a:bodyPr>
+              <a:lstStyle/>
+              <a:p>
+                <a:pPr>
+                  <a:lnSpc>
+                    <a:spcPct val="150000"/>
+                  </a:lnSpc>
+                </a:pPr>
+                <a:r>
+                  <a:rPr lang="en-US" sz="2400" b="1" dirty="0"/>
+                  <a:t>Simulate determining </a:t>
+                </a:r>
+                <a14:m>
+                  <m:oMath xmlns:m="http://schemas.openxmlformats.org/officeDocument/2006/math">
+                    <m:sSub>
+                      <m:sSubPr>
+                        <m:ctrlPr>
+                          <a:rPr lang="en-US" sz="2400" b="1" i="1" smtClean="0">
+                            <a:latin typeface="Cambria Math" panose="02040503050406030204" pitchFamily="18" charset="0"/>
+                          </a:rPr>
+                        </m:ctrlPr>
+                      </m:sSubPr>
+                      <m:e>
+                        <m:r>
+                          <a:rPr lang="en-US" sz="2400" b="1" i="1" smtClean="0">
+                            <a:latin typeface="Cambria Math" panose="02040503050406030204" pitchFamily="18" charset="0"/>
+                          </a:rPr>
+                          <m:t>𝜷</m:t>
+                        </m:r>
+                      </m:e>
+                      <m:sub>
+                        <m:r>
+                          <a:rPr lang="en-US" sz="2400" b="1" i="1" smtClean="0">
+                            <a:latin typeface="Cambria Math" panose="02040503050406030204" pitchFamily="18" charset="0"/>
+                          </a:rPr>
+                          <m:t>𝟏</m:t>
+                        </m:r>
+                      </m:sub>
+                    </m:sSub>
+                    <m:r>
+                      <a:rPr lang="en-US" sz="2400" b="1" i="1" smtClean="0">
+                        <a:latin typeface="Cambria Math" panose="02040503050406030204" pitchFamily="18" charset="0"/>
+                      </a:rPr>
+                      <m:t>=</m:t>
+                    </m:r>
+                    <m:r>
+                      <a:rPr lang="en-US" sz="2400" b="1" i="1" smtClean="0">
+                        <a:latin typeface="Cambria Math" panose="02040503050406030204" pitchFamily="18" charset="0"/>
+                      </a:rPr>
+                      <m:t>𝟏</m:t>
+                    </m:r>
+                  </m:oMath>
+                </a14:m>
+                <a:endParaRPr lang="en-US" sz="2400" b="1" dirty="0"/>
+              </a:p>
+              <a:p>
+                <a:pPr marL="800100" lvl="1" indent="-342900">
+                  <a:lnSpc>
+                    <a:spcPct val="150000"/>
+                  </a:lnSpc>
+                  <a:buFont typeface="+mj-lt"/>
+                  <a:buAutoNum type="arabicPeriod"/>
+                </a:pPr>
+                <a:r>
+                  <a:rPr lang="en-US" sz="2400" dirty="0"/>
+                  <a:t>MCAR: </a:t>
+                </a:r>
+                <a14:m>
+                  <m:oMath xmlns:m="http://schemas.openxmlformats.org/officeDocument/2006/math">
+                    <m:sSub>
+                      <m:sSubPr>
+                        <m:ctrlPr>
+                          <a:rPr lang="en-US" sz="2400" b="0" i="1" smtClean="0">
+                            <a:latin typeface="Cambria Math" panose="02040503050406030204" pitchFamily="18" charset="0"/>
+                          </a:rPr>
+                        </m:ctrlPr>
+                      </m:sSubPr>
+                      <m:e>
+                        <m:r>
+                          <a:rPr lang="en-US" sz="2400" b="0" i="1" smtClean="0">
+                            <a:latin typeface="Cambria Math" panose="02040503050406030204" pitchFamily="18" charset="0"/>
+                          </a:rPr>
+                          <m:t>𝑦</m:t>
+                        </m:r>
+                      </m:e>
+                      <m:sub>
+                        <m:r>
+                          <a:rPr lang="en-US" sz="2400" b="0" i="1" smtClean="0">
+                            <a:latin typeface="Cambria Math" panose="02040503050406030204" pitchFamily="18" charset="0"/>
+                          </a:rPr>
+                          <m:t>𝑖</m:t>
+                        </m:r>
+                      </m:sub>
+                    </m:sSub>
+                    <m:r>
+                      <a:rPr lang="en-US" sz="2400" b="0" i="1" smtClean="0">
+                        <a:latin typeface="Cambria Math" panose="02040503050406030204" pitchFamily="18" charset="0"/>
+                      </a:rPr>
+                      <m:t>=</m:t>
+                    </m:r>
+                    <m:sSub>
+                      <m:sSubPr>
+                        <m:ctrlPr>
+                          <a:rPr lang="en-US" sz="2400" b="0" i="1" smtClean="0">
+                            <a:latin typeface="Cambria Math" panose="02040503050406030204" pitchFamily="18" charset="0"/>
+                          </a:rPr>
+                        </m:ctrlPr>
+                      </m:sSubPr>
+                      <m:e>
+                        <m:r>
+                          <a:rPr lang="en-US" sz="2400" b="0" i="1" smtClean="0">
+                            <a:latin typeface="Cambria Math" panose="02040503050406030204" pitchFamily="18" charset="0"/>
+                          </a:rPr>
+                          <m:t>𝑥</m:t>
+                        </m:r>
+                      </m:e>
+                      <m:sub>
+                        <m:r>
+                          <a:rPr lang="en-US" sz="2400" b="0" i="1" smtClean="0">
+                            <a:latin typeface="Cambria Math" panose="02040503050406030204" pitchFamily="18" charset="0"/>
+                          </a:rPr>
+                          <m:t>𝑖</m:t>
+                        </m:r>
+                      </m:sub>
+                    </m:sSub>
+                    <m:sSub>
+                      <m:sSubPr>
+                        <m:ctrlPr>
+                          <a:rPr lang="en-US" sz="2400" b="0" i="1" smtClean="0">
+                            <a:latin typeface="Cambria Math" panose="02040503050406030204" pitchFamily="18" charset="0"/>
+                          </a:rPr>
+                        </m:ctrlPr>
+                      </m:sSubPr>
+                      <m:e>
+                        <m:r>
+                          <a:rPr lang="en-US" sz="2400" b="0" i="1" smtClean="0">
+                            <a:latin typeface="Cambria Math" panose="02040503050406030204" pitchFamily="18" charset="0"/>
+                          </a:rPr>
+                          <m:t>𝛽</m:t>
+                        </m:r>
+                      </m:e>
+                      <m:sub>
+                        <m:r>
+                          <a:rPr lang="en-US" sz="2400" b="0" i="1" smtClean="0">
+                            <a:latin typeface="Cambria Math" panose="02040503050406030204" pitchFamily="18" charset="0"/>
+                          </a:rPr>
+                          <m:t>1,</m:t>
+                        </m:r>
+                      </m:sub>
+                    </m:sSub>
+                    <m:r>
+                      <a:rPr lang="en-US" sz="2400" b="0" i="1" smtClean="0">
+                        <a:latin typeface="Cambria Math" panose="02040503050406030204" pitchFamily="18" charset="0"/>
+                      </a:rPr>
+                      <m:t>+</m:t>
+                    </m:r>
+                    <m:sSub>
+                      <m:sSubPr>
+                        <m:ctrlPr>
+                          <a:rPr lang="en-US" sz="2400" b="0" i="1" smtClean="0">
+                            <a:latin typeface="Cambria Math" panose="02040503050406030204" pitchFamily="18" charset="0"/>
+                          </a:rPr>
+                        </m:ctrlPr>
+                      </m:sSubPr>
+                      <m:e>
+                        <m:r>
+                          <a:rPr lang="en-US" sz="2400" b="0" i="1" smtClean="0">
+                            <a:latin typeface="Cambria Math" panose="02040503050406030204" pitchFamily="18" charset="0"/>
+                          </a:rPr>
+                          <m:t>𝜖</m:t>
+                        </m:r>
+                      </m:e>
+                      <m:sub>
+                        <m:r>
+                          <a:rPr lang="en-US" sz="2400" b="0" i="1" smtClean="0">
+                            <a:latin typeface="Cambria Math" panose="02040503050406030204" pitchFamily="18" charset="0"/>
+                          </a:rPr>
+                          <m:t>𝑖</m:t>
+                        </m:r>
+                      </m:sub>
+                    </m:sSub>
+                  </m:oMath>
+                </a14:m>
+                <a:endParaRPr lang="en-US" sz="2400" dirty="0"/>
+              </a:p>
+              <a:p>
+                <a:pPr marL="800100" lvl="1" indent="-342900">
+                  <a:lnSpc>
+                    <a:spcPct val="150000"/>
+                  </a:lnSpc>
+                  <a:buFont typeface="+mj-lt"/>
+                  <a:buAutoNum type="arabicPeriod"/>
+                </a:pPr>
+                <a:r>
+                  <a:rPr lang="en-US" sz="2400" dirty="0"/>
+                  <a:t>MAR: </a:t>
+                </a:r>
+                <a14:m>
+                  <m:oMath xmlns:m="http://schemas.openxmlformats.org/officeDocument/2006/math">
+                    <m:sSub>
+                      <m:sSubPr>
+                        <m:ctrlPr>
+                          <a:rPr lang="en-US" sz="2400" b="0" i="1" smtClean="0">
+                            <a:latin typeface="Cambria Math" panose="02040503050406030204" pitchFamily="18" charset="0"/>
+                          </a:rPr>
+                        </m:ctrlPr>
+                      </m:sSubPr>
+                      <m:e>
+                        <m:r>
+                          <a:rPr lang="en-US" sz="2400" b="0" i="1" smtClean="0">
+                            <a:latin typeface="Cambria Math" panose="02040503050406030204" pitchFamily="18" charset="0"/>
+                          </a:rPr>
+                          <m:t>𝑦</m:t>
+                        </m:r>
+                      </m:e>
+                      <m:sub>
+                        <m:r>
+                          <a:rPr lang="en-US" sz="2400" b="0" i="1" smtClean="0">
+                            <a:latin typeface="Cambria Math" panose="02040503050406030204" pitchFamily="18" charset="0"/>
+                          </a:rPr>
+                          <m:t>𝑖</m:t>
+                        </m:r>
+                      </m:sub>
+                    </m:sSub>
+                    <m:r>
+                      <a:rPr lang="en-US" sz="2400" b="0" i="1" smtClean="0">
+                        <a:latin typeface="Cambria Math" panose="02040503050406030204" pitchFamily="18" charset="0"/>
+                      </a:rPr>
+                      <m:t>=</m:t>
+                    </m:r>
+                    <m:sSub>
+                      <m:sSubPr>
+                        <m:ctrlPr>
+                          <a:rPr lang="en-US" sz="2400" b="0" i="1" smtClean="0">
+                            <a:latin typeface="Cambria Math" panose="02040503050406030204" pitchFamily="18" charset="0"/>
+                          </a:rPr>
+                        </m:ctrlPr>
+                      </m:sSubPr>
+                      <m:e>
+                        <m:r>
+                          <a:rPr lang="en-US" sz="2400" b="0" i="1" smtClean="0">
+                            <a:latin typeface="Cambria Math" panose="02040503050406030204" pitchFamily="18" charset="0"/>
+                          </a:rPr>
+                          <m:t>𝑥</m:t>
+                        </m:r>
+                      </m:e>
+                      <m:sub>
+                        <m:r>
+                          <a:rPr lang="en-US" sz="2400" b="0" i="1" smtClean="0">
+                            <a:latin typeface="Cambria Math" panose="02040503050406030204" pitchFamily="18" charset="0"/>
+                          </a:rPr>
+                          <m:t>1,</m:t>
+                        </m:r>
+                        <m:r>
+                          <a:rPr lang="en-US" sz="2400" b="0" i="1" smtClean="0">
+                            <a:latin typeface="Cambria Math" panose="02040503050406030204" pitchFamily="18" charset="0"/>
+                          </a:rPr>
+                          <m:t>𝑖</m:t>
+                        </m:r>
+                      </m:sub>
+                    </m:sSub>
+                    <m:sSub>
+                      <m:sSubPr>
+                        <m:ctrlPr>
+                          <a:rPr lang="en-US" sz="2400" b="0" i="1" smtClean="0">
+                            <a:latin typeface="Cambria Math" panose="02040503050406030204" pitchFamily="18" charset="0"/>
+                          </a:rPr>
+                        </m:ctrlPr>
+                      </m:sSubPr>
+                      <m:e>
+                        <m:r>
+                          <a:rPr lang="en-US" sz="2400" b="0" i="1" smtClean="0">
+                            <a:latin typeface="Cambria Math" panose="02040503050406030204" pitchFamily="18" charset="0"/>
+                          </a:rPr>
+                          <m:t>𝛽</m:t>
+                        </m:r>
+                      </m:e>
+                      <m:sub>
+                        <m:r>
+                          <a:rPr lang="en-US" sz="2400" b="0" i="1" smtClean="0">
+                            <a:latin typeface="Cambria Math" panose="02040503050406030204" pitchFamily="18" charset="0"/>
+                          </a:rPr>
+                          <m:t>1</m:t>
+                        </m:r>
+                      </m:sub>
+                    </m:sSub>
+                    <m:r>
+                      <a:rPr lang="en-US" sz="2400" b="0" i="1" smtClean="0">
+                        <a:latin typeface="Cambria Math" panose="02040503050406030204" pitchFamily="18" charset="0"/>
+                      </a:rPr>
+                      <m:t>+</m:t>
+                    </m:r>
+                    <m:sSub>
+                      <m:sSubPr>
+                        <m:ctrlPr>
+                          <a:rPr lang="en-US" sz="2400" b="0" i="1" smtClean="0">
+                            <a:latin typeface="Cambria Math" panose="02040503050406030204" pitchFamily="18" charset="0"/>
+                          </a:rPr>
+                        </m:ctrlPr>
+                      </m:sSubPr>
+                      <m:e>
+                        <m:r>
+                          <a:rPr lang="en-US" sz="2400" b="0" i="1" smtClean="0">
+                            <a:latin typeface="Cambria Math" panose="02040503050406030204" pitchFamily="18" charset="0"/>
+                          </a:rPr>
+                          <m:t>𝑥</m:t>
+                        </m:r>
+                      </m:e>
+                      <m:sub>
+                        <m:r>
+                          <a:rPr lang="en-US" sz="2400" b="0" i="1" smtClean="0">
+                            <a:latin typeface="Cambria Math" panose="02040503050406030204" pitchFamily="18" charset="0"/>
+                          </a:rPr>
+                          <m:t>2,</m:t>
+                        </m:r>
+                        <m:r>
+                          <a:rPr lang="en-US" sz="2400" b="0" i="1" smtClean="0">
+                            <a:latin typeface="Cambria Math" panose="02040503050406030204" pitchFamily="18" charset="0"/>
+                          </a:rPr>
+                          <m:t>𝑖</m:t>
+                        </m:r>
+                      </m:sub>
+                    </m:sSub>
+                    <m:sSub>
+                      <m:sSubPr>
+                        <m:ctrlPr>
+                          <a:rPr lang="en-US" sz="2400" b="0" i="1" smtClean="0">
+                            <a:latin typeface="Cambria Math" panose="02040503050406030204" pitchFamily="18" charset="0"/>
+                          </a:rPr>
+                        </m:ctrlPr>
+                      </m:sSubPr>
+                      <m:e>
+                        <m:r>
+                          <a:rPr lang="en-US" sz="2400" b="0" i="1" smtClean="0">
+                            <a:latin typeface="Cambria Math" panose="02040503050406030204" pitchFamily="18" charset="0"/>
+                          </a:rPr>
+                          <m:t>𝛽</m:t>
+                        </m:r>
+                      </m:e>
+                      <m:sub>
+                        <m:r>
+                          <a:rPr lang="en-US" sz="2400" b="0" i="1" smtClean="0">
+                            <a:latin typeface="Cambria Math" panose="02040503050406030204" pitchFamily="18" charset="0"/>
+                          </a:rPr>
+                          <m:t>2</m:t>
+                        </m:r>
+                      </m:sub>
+                    </m:sSub>
+                    <m:r>
+                      <a:rPr lang="en-US" sz="2400" b="0" i="1" smtClean="0">
+                        <a:latin typeface="Cambria Math" panose="02040503050406030204" pitchFamily="18" charset="0"/>
+                      </a:rPr>
+                      <m:t>+</m:t>
+                    </m:r>
+                    <m:sSub>
+                      <m:sSubPr>
+                        <m:ctrlPr>
+                          <a:rPr lang="en-US" sz="2400" b="0" i="1" smtClean="0">
+                            <a:latin typeface="Cambria Math" panose="02040503050406030204" pitchFamily="18" charset="0"/>
+                          </a:rPr>
+                        </m:ctrlPr>
+                      </m:sSubPr>
+                      <m:e>
+                        <m:r>
+                          <a:rPr lang="en-US" sz="2400" b="0" i="1" smtClean="0">
+                            <a:latin typeface="Cambria Math" panose="02040503050406030204" pitchFamily="18" charset="0"/>
+                          </a:rPr>
+                          <m:t>𝜖</m:t>
+                        </m:r>
+                      </m:e>
+                      <m:sub>
+                        <m:r>
+                          <a:rPr lang="en-US" sz="2400" b="0" i="1" smtClean="0">
+                            <a:latin typeface="Cambria Math" panose="02040503050406030204" pitchFamily="18" charset="0"/>
+                          </a:rPr>
+                          <m:t>𝑖</m:t>
+                        </m:r>
+                      </m:sub>
+                    </m:sSub>
+                  </m:oMath>
+                </a14:m>
+                <a:endParaRPr lang="en-US" sz="2400" b="0" dirty="0"/>
+              </a:p>
+              <a:p>
+                <a:pPr marL="800100" lvl="1" indent="-342900">
+                  <a:lnSpc>
+                    <a:spcPct val="150000"/>
+                  </a:lnSpc>
+                  <a:buFont typeface="+mj-lt"/>
+                  <a:buAutoNum type="arabicPeriod"/>
+                </a:pPr>
+                <a:r>
+                  <a:rPr lang="en-US" sz="2400" dirty="0"/>
+                  <a:t>MNAR: </a:t>
+                </a:r>
+                <a14:m>
+                  <m:oMath xmlns:m="http://schemas.openxmlformats.org/officeDocument/2006/math">
+                    <m:sSub>
+                      <m:sSubPr>
+                        <m:ctrlPr>
+                          <a:rPr lang="en-US" sz="2400" i="1">
+                            <a:latin typeface="Cambria Math" panose="02040503050406030204" pitchFamily="18" charset="0"/>
+                          </a:rPr>
+                        </m:ctrlPr>
+                      </m:sSubPr>
+                      <m:e>
+                        <m:r>
+                          <a:rPr lang="en-US" sz="2400" i="1">
+                            <a:latin typeface="Cambria Math" panose="02040503050406030204" pitchFamily="18" charset="0"/>
+                          </a:rPr>
+                          <m:t>𝑦</m:t>
+                        </m:r>
+                      </m:e>
+                      <m:sub>
+                        <m:r>
+                          <a:rPr lang="en-US" sz="2400" i="1">
+                            <a:latin typeface="Cambria Math" panose="02040503050406030204" pitchFamily="18" charset="0"/>
+                          </a:rPr>
+                          <m:t>𝑖</m:t>
+                        </m:r>
+                      </m:sub>
+                    </m:sSub>
+                    <m:r>
+                      <a:rPr lang="en-US" sz="2400" i="1">
+                        <a:latin typeface="Cambria Math" panose="02040503050406030204" pitchFamily="18" charset="0"/>
+                      </a:rPr>
+                      <m:t>=</m:t>
+                    </m:r>
+                    <m:sSub>
+                      <m:sSubPr>
+                        <m:ctrlPr>
+                          <a:rPr lang="en-US" sz="2400" i="1">
+                            <a:latin typeface="Cambria Math" panose="02040503050406030204" pitchFamily="18" charset="0"/>
+                          </a:rPr>
+                        </m:ctrlPr>
+                      </m:sSubPr>
+                      <m:e>
+                        <m:r>
+                          <a:rPr lang="en-US" sz="2400" i="1">
+                            <a:latin typeface="Cambria Math" panose="02040503050406030204" pitchFamily="18" charset="0"/>
+                          </a:rPr>
+                          <m:t>𝑥</m:t>
+                        </m:r>
+                      </m:e>
+                      <m:sub>
+                        <m:r>
+                          <a:rPr lang="en-US" sz="2400" i="1">
+                            <a:latin typeface="Cambria Math" panose="02040503050406030204" pitchFamily="18" charset="0"/>
+                          </a:rPr>
+                          <m:t>𝑖</m:t>
+                        </m:r>
+                      </m:sub>
+                    </m:sSub>
+                    <m:sSub>
+                      <m:sSubPr>
+                        <m:ctrlPr>
+                          <a:rPr lang="en-US" sz="2400" i="1">
+                            <a:latin typeface="Cambria Math" panose="02040503050406030204" pitchFamily="18" charset="0"/>
+                          </a:rPr>
+                        </m:ctrlPr>
+                      </m:sSubPr>
+                      <m:e>
+                        <m:r>
+                          <a:rPr lang="en-US" sz="2400" i="1">
+                            <a:latin typeface="Cambria Math" panose="02040503050406030204" pitchFamily="18" charset="0"/>
+                          </a:rPr>
+                          <m:t>𝛽</m:t>
+                        </m:r>
+                      </m:e>
+                      <m:sub>
+                        <m:r>
+                          <a:rPr lang="en-US" sz="2400" i="1">
+                            <a:latin typeface="Cambria Math" panose="02040503050406030204" pitchFamily="18" charset="0"/>
+                          </a:rPr>
+                          <m:t>1,</m:t>
+                        </m:r>
+                      </m:sub>
+                    </m:sSub>
+                    <m:r>
+                      <a:rPr lang="en-US" sz="2400" i="1">
+                        <a:latin typeface="Cambria Math" panose="02040503050406030204" pitchFamily="18" charset="0"/>
+                      </a:rPr>
+                      <m:t>+</m:t>
+                    </m:r>
+                    <m:sSub>
+                      <m:sSubPr>
+                        <m:ctrlPr>
+                          <a:rPr lang="en-US" sz="2400" i="1">
+                            <a:latin typeface="Cambria Math" panose="02040503050406030204" pitchFamily="18" charset="0"/>
+                          </a:rPr>
+                        </m:ctrlPr>
+                      </m:sSubPr>
+                      <m:e>
+                        <m:r>
+                          <a:rPr lang="en-US" sz="2400" i="1">
+                            <a:latin typeface="Cambria Math" panose="02040503050406030204" pitchFamily="18" charset="0"/>
+                          </a:rPr>
+                          <m:t>𝜖</m:t>
+                        </m:r>
+                      </m:e>
+                      <m:sub>
+                        <m:r>
+                          <a:rPr lang="en-US" sz="2400" i="1">
+                            <a:latin typeface="Cambria Math" panose="02040503050406030204" pitchFamily="18" charset="0"/>
+                          </a:rPr>
+                          <m:t>𝑖</m:t>
+                        </m:r>
+                      </m:sub>
+                    </m:sSub>
+                  </m:oMath>
+                </a14:m>
+                <a:endParaRPr lang="en-US" sz="2400" dirty="0"/>
+              </a:p>
+              <a:p>
+                <a:pPr marL="342900" indent="-342900">
+                  <a:lnSpc>
+                    <a:spcPct val="150000"/>
+                  </a:lnSpc>
+                  <a:buFont typeface="+mj-lt"/>
+                  <a:buAutoNum type="arabicPeriod"/>
+                </a:pPr>
+                <a:endParaRPr lang="en-US" sz="2400" dirty="0"/>
+              </a:p>
+            </p:txBody>
+          </p:sp>
+        </mc:Choice>
+        <mc:Fallback>
+          <p:sp>
+            <p:nvSpPr>
+              <p:cNvPr id="16" name="TextBox 15">
+                <a:extLst>
+                  <a:ext uri="{FF2B5EF4-FFF2-40B4-BE49-F238E27FC236}">
+                    <a16:creationId xmlns:a16="http://schemas.microsoft.com/office/drawing/2014/main" id="{982BD24A-5F20-40AA-AA65-78EA2CD793C3}"/>
+                  </a:ext>
+                </a:extLst>
+              </p:cNvPr>
+              <p:cNvSpPr txBox="1">
+                <a:spLocks noRot="1" noChangeAspect="1" noMove="1" noResize="1" noEditPoints="1" noAdjustHandles="1" noChangeArrowheads="1" noChangeShapeType="1" noTextEdit="1"/>
+              </p:cNvSpPr>
+              <p:nvPr/>
+            </p:nvSpPr>
+            <p:spPr>
+              <a:xfrm>
+                <a:off x="25098567" y="7733648"/>
+                <a:ext cx="5483004" cy="2878160"/>
+              </a:xfrm>
+              <a:prstGeom prst="rect">
+                <a:avLst/>
+              </a:prstGeom>
+              <a:blipFill>
+                <a:blip r:embed="rId8"/>
+                <a:stretch>
+                  <a:fillRect l="-1848"/>
+                </a:stretch>
+              </a:blipFill>
+            </p:spPr>
+            <p:txBody>
+              <a:bodyPr/>
+              <a:lstStyle/>
+              <a:p>
+                <a:r>
+                  <a:rPr lang="en-US">
+                    <a:noFill/>
+                  </a:rPr>
+                  <a:t> </a:t>
+                </a:r>
+              </a:p>
+            </p:txBody>
+          </p:sp>
+        </mc:Fallback>
+      </mc:AlternateContent>
+      <p:pic>
+        <p:nvPicPr>
+          <p:cNvPr id="18" name="Picture 17" descr="Text&#10;&#10;Description automatically generated with medium confidence">
+            <a:extLst>
+              <a:ext uri="{FF2B5EF4-FFF2-40B4-BE49-F238E27FC236}">
+                <a16:creationId xmlns:a16="http://schemas.microsoft.com/office/drawing/2014/main" id="{1A29C890-5086-B6E3-B778-1466F6A17CC7}"/>
+              </a:ext>
+            </a:extLst>
+          </p:cNvPr>
+          <p:cNvPicPr>
+            <a:picLocks noChangeAspect="1"/>
+          </p:cNvPicPr>
+          <p:nvPr/>
+        </p:nvPicPr>
+        <p:blipFill rotWithShape="1">
+          <a:blip r:embed="rId9"/>
+          <a:srcRect r="48588" b="1014"/>
+          <a:stretch/>
+        </p:blipFill>
+        <p:spPr>
+          <a:xfrm>
+            <a:off x="24959822" y="10822806"/>
+            <a:ext cx="5621749" cy="2262832"/>
+          </a:xfrm>
+          <a:prstGeom prst="rect">
+            <a:avLst/>
+          </a:prstGeom>
+        </p:spPr>
+      </p:pic>
+      <p:pic>
+        <p:nvPicPr>
+          <p:cNvPr id="20" name="Picture 19" descr="Text&#10;&#10;Description automatically generated">
+            <a:extLst>
+              <a:ext uri="{FF2B5EF4-FFF2-40B4-BE49-F238E27FC236}">
+                <a16:creationId xmlns:a16="http://schemas.microsoft.com/office/drawing/2014/main" id="{5B72AE04-515B-AED2-B0E0-8156E8AEFCDE}"/>
+              </a:ext>
+            </a:extLst>
+          </p:cNvPr>
+          <p:cNvPicPr>
+            <a:picLocks noChangeAspect="1"/>
+          </p:cNvPicPr>
+          <p:nvPr/>
+        </p:nvPicPr>
+        <p:blipFill rotWithShape="1">
+          <a:blip r:embed="rId10"/>
+          <a:srcRect r="18638" b="3007"/>
+          <a:stretch/>
+        </p:blipFill>
+        <p:spPr>
+          <a:xfrm>
+            <a:off x="24959822" y="13451628"/>
+            <a:ext cx="6718289" cy="3390751"/>
+          </a:xfrm>
+          <a:prstGeom prst="rect">
+            <a:avLst/>
+          </a:prstGeom>
+        </p:spPr>
+      </p:pic>
+      <p:pic>
+        <p:nvPicPr>
+          <p:cNvPr id="24" name="Picture 23">
+            <a:extLst>
+              <a:ext uri="{FF2B5EF4-FFF2-40B4-BE49-F238E27FC236}">
+                <a16:creationId xmlns:a16="http://schemas.microsoft.com/office/drawing/2014/main" id="{BC414047-8115-F7E9-8607-83E2E9DC6403}"/>
+              </a:ext>
+            </a:extLst>
+          </p:cNvPr>
+          <p:cNvPicPr>
+            <a:picLocks noChangeAspect="1"/>
+          </p:cNvPicPr>
+          <p:nvPr/>
+        </p:nvPicPr>
+        <p:blipFill rotWithShape="1">
+          <a:blip r:embed="rId11"/>
+          <a:srcRect t="-9705" r="42362" b="-1"/>
+          <a:stretch/>
+        </p:blipFill>
+        <p:spPr>
+          <a:xfrm>
+            <a:off x="24980006" y="11836059"/>
+            <a:ext cx="6375793" cy="431911"/>
+          </a:xfrm>
+          <a:prstGeom prst="rect">
+            <a:avLst/>
+          </a:prstGeom>
+        </p:spPr>
+      </p:pic>
+      <p:sp>
+        <p:nvSpPr>
+          <p:cNvPr id="25" name="正方形/長方形 17">
+            <a:extLst>
+              <a:ext uri="{FF2B5EF4-FFF2-40B4-BE49-F238E27FC236}">
+                <a16:creationId xmlns:a16="http://schemas.microsoft.com/office/drawing/2014/main" id="{7963D427-87F0-0A08-78A3-1A7E33D109EA}"/>
+              </a:ext>
+            </a:extLst>
+          </p:cNvPr>
+          <p:cNvSpPr/>
+          <p:nvPr/>
+        </p:nvSpPr>
+        <p:spPr>
+          <a:xfrm>
+            <a:off x="17536766" y="7739652"/>
+            <a:ext cx="7095131" cy="9335335"/>
           </a:xfrm>
           <a:prstGeom prst="rect">
             <a:avLst/>
@@ -3733,222 +6252,10 @@
       </p:sp>
       <p:sp>
         <p:nvSpPr>
-          <p:cNvPr id="776" name="TextBox 775">
+          <p:cNvPr id="26" name="正方形/長方形 17">
             <a:extLst>
               <a:ext uri="{FF2B5EF4-FFF2-40B4-BE49-F238E27FC236}">
-                <a16:creationId xmlns:a16="http://schemas.microsoft.com/office/drawing/2014/main" id="{6E092D70-4633-21D5-9EA1-E1D21572DF57}"/>
-              </a:ext>
-            </a:extLst>
-          </p:cNvPr>
-          <p:cNvSpPr txBox="1"/>
-          <p:nvPr/>
-        </p:nvSpPr>
-        <p:spPr>
-          <a:xfrm>
-            <a:off x="928470" y="7038082"/>
-            <a:ext cx="13747119" cy="4585871"/>
-          </a:xfrm>
-          <a:prstGeom prst="rect">
-            <a:avLst/>
-          </a:prstGeom>
-          <a:noFill/>
-        </p:spPr>
-        <p:txBody>
-          <a:bodyPr wrap="square">
-            <a:spAutoFit/>
-          </a:bodyPr>
-          <a:lstStyle/>
-          <a:p>
-            <a:pPr fontAlgn="base"/>
-            <a:r>
-              <a:rPr lang="en-US" sz="5400" dirty="0">
-                <a:solidFill>
-                  <a:srgbClr val="333333"/>
-                </a:solidFill>
-                <a:latin typeface="Times New Roman" panose="02020603050405020304" pitchFamily="18" charset="0"/>
-                <a:cs typeface="Times New Roman" panose="02020603050405020304" pitchFamily="18" charset="0"/>
-              </a:rPr>
-              <a:t>Analysis of </a:t>
-            </a:r>
-            <a:r>
-              <a:rPr lang="en-US" sz="5400" b="1" dirty="0">
-                <a:solidFill>
-                  <a:srgbClr val="333333"/>
-                </a:solidFill>
-                <a:latin typeface="Times New Roman" panose="02020603050405020304" pitchFamily="18" charset="0"/>
-                <a:cs typeface="Times New Roman" panose="02020603050405020304" pitchFamily="18" charset="0"/>
-              </a:rPr>
-              <a:t>missing data mechanisms </a:t>
-            </a:r>
-            <a:r>
-              <a:rPr lang="en-US" sz="5400" dirty="0">
-                <a:solidFill>
-                  <a:srgbClr val="333333"/>
-                </a:solidFill>
-                <a:latin typeface="Times New Roman" panose="02020603050405020304" pitchFamily="18" charset="0"/>
-                <a:cs typeface="Times New Roman" panose="02020603050405020304" pitchFamily="18" charset="0"/>
-              </a:rPr>
-              <a:t>and </a:t>
-            </a:r>
-            <a:r>
-              <a:rPr lang="en-US" sz="5400" b="1" dirty="0">
-                <a:solidFill>
-                  <a:srgbClr val="333333"/>
-                </a:solidFill>
-                <a:latin typeface="Times New Roman" panose="02020603050405020304" pitchFamily="18" charset="0"/>
-                <a:cs typeface="Times New Roman" panose="02020603050405020304" pitchFamily="18" charset="0"/>
-              </a:rPr>
-              <a:t>modern approaches to handling missing data</a:t>
-            </a:r>
-            <a:r>
-              <a:rPr lang="en-US" sz="5400" dirty="0">
-                <a:solidFill>
-                  <a:srgbClr val="333333"/>
-                </a:solidFill>
-                <a:latin typeface="Times New Roman" panose="02020603050405020304" pitchFamily="18" charset="0"/>
-                <a:cs typeface="Times New Roman" panose="02020603050405020304" pitchFamily="18" charset="0"/>
-              </a:rPr>
-              <a:t>. </a:t>
-            </a:r>
-            <a:r>
-              <a:rPr lang="en-US" sz="5400" b="1" dirty="0">
-                <a:solidFill>
-                  <a:srgbClr val="333333"/>
-                </a:solidFill>
-                <a:latin typeface="Times New Roman" panose="02020603050405020304" pitchFamily="18" charset="0"/>
-                <a:cs typeface="Times New Roman" panose="02020603050405020304" pitchFamily="18" charset="0"/>
-              </a:rPr>
-              <a:t>Designing</a:t>
-            </a:r>
-            <a:r>
-              <a:rPr lang="en-US" sz="5400" dirty="0">
-                <a:solidFill>
-                  <a:srgbClr val="333333"/>
-                </a:solidFill>
-                <a:latin typeface="Times New Roman" panose="02020603050405020304" pitchFamily="18" charset="0"/>
-                <a:cs typeface="Times New Roman" panose="02020603050405020304" pitchFamily="18" charset="0"/>
-              </a:rPr>
-              <a:t> </a:t>
-            </a:r>
-            <a:r>
-              <a:rPr lang="en-US" sz="5400" b="1" dirty="0">
-                <a:solidFill>
-                  <a:srgbClr val="333333"/>
-                </a:solidFill>
-                <a:latin typeface="Times New Roman" panose="02020603050405020304" pitchFamily="18" charset="0"/>
-                <a:cs typeface="Times New Roman" panose="02020603050405020304" pitchFamily="18" charset="0"/>
-              </a:rPr>
-              <a:t>R simulations </a:t>
-            </a:r>
-            <a:r>
-              <a:rPr lang="en-US" sz="5400" dirty="0">
-                <a:solidFill>
-                  <a:srgbClr val="333333"/>
-                </a:solidFill>
-                <a:latin typeface="Times New Roman" panose="02020603050405020304" pitchFamily="18" charset="0"/>
-                <a:cs typeface="Times New Roman" panose="02020603050405020304" pitchFamily="18" charset="0"/>
-              </a:rPr>
-              <a:t>to investigate hypotheses about imputation technique.</a:t>
-            </a:r>
-            <a:br>
-              <a:rPr lang="en-US" sz="5400" dirty="0">
-                <a:solidFill>
-                  <a:srgbClr val="333333"/>
-                </a:solidFill>
-                <a:latin typeface="Times New Roman" panose="02020603050405020304" pitchFamily="18" charset="0"/>
-                <a:cs typeface="Times New Roman" panose="02020603050405020304" pitchFamily="18" charset="0"/>
-              </a:rPr>
-            </a:br>
-            <a:endParaRPr lang="en-US" sz="5400" dirty="0">
-              <a:solidFill>
-                <a:srgbClr val="000000"/>
-              </a:solidFill>
-              <a:latin typeface="Times New Roman" panose="02020603050405020304" pitchFamily="18" charset="0"/>
-              <a:cs typeface="Times New Roman" panose="02020603050405020304" pitchFamily="18" charset="0"/>
-            </a:endParaRPr>
-          </a:p>
-          <a:p>
-            <a:br>
-              <a:rPr lang="en-US" sz="1100" dirty="0"/>
-            </a:br>
-            <a:endParaRPr lang="en-US" sz="1100" dirty="0"/>
-          </a:p>
-        </p:txBody>
-      </p:sp>
-      <p:sp>
-        <p:nvSpPr>
-          <p:cNvPr id="777" name="テキスト ボックス 16">
-            <a:extLst>
-              <a:ext uri="{FF2B5EF4-FFF2-40B4-BE49-F238E27FC236}">
-                <a16:creationId xmlns:a16="http://schemas.microsoft.com/office/drawing/2014/main" id="{DE3BFD10-1A8C-92B8-ED52-7D25AA92E4C9}"/>
-              </a:ext>
-            </a:extLst>
-          </p:cNvPr>
-          <p:cNvSpPr txBox="1"/>
-          <p:nvPr/>
-        </p:nvSpPr>
-        <p:spPr>
-          <a:xfrm>
-            <a:off x="623782" y="11157322"/>
-            <a:ext cx="14630400" cy="1015663"/>
-          </a:xfrm>
-          <a:prstGeom prst="rect">
-            <a:avLst/>
-          </a:prstGeom>
-          <a:solidFill>
-            <a:schemeClr val="accent2"/>
-          </a:solidFill>
-          <a:ln>
-            <a:solidFill>
-              <a:schemeClr val="accent2"/>
-            </a:solidFill>
-          </a:ln>
-        </p:spPr>
-        <p:txBody>
-          <a:bodyPr wrap="square" rtlCol="0">
-            <a:spAutoFit/>
-          </a:bodyPr>
-          <a:lstStyle/>
-          <a:p>
-            <a:r>
-              <a:rPr lang="en-US" altLang="ja-JP" sz="6000" b="1" dirty="0">
-                <a:solidFill>
-                  <a:schemeClr val="bg1"/>
-                </a:solidFill>
-                <a:latin typeface="Helvetica Neue" charset="0"/>
-                <a:ea typeface="Helvetica Neue" charset="0"/>
-                <a:cs typeface="Helvetica Neue" charset="0"/>
-              </a:rPr>
-              <a:t> I</a:t>
-            </a:r>
-            <a:r>
-              <a:rPr lang="en-US" altLang="ja-JP" sz="4400" b="1" dirty="0">
-                <a:solidFill>
-                  <a:schemeClr val="bg1"/>
-                </a:solidFill>
-                <a:latin typeface="Helvetica Neue" charset="0"/>
-                <a:ea typeface="Helvetica Neue" charset="0"/>
-                <a:cs typeface="Helvetica Neue" charset="0"/>
-              </a:rPr>
-              <a:t>NTRODUCTION</a:t>
-            </a:r>
-            <a:endParaRPr kumimoji="1" lang="ja-JP" altLang="en-US" sz="4400" b="1" dirty="0">
-              <a:solidFill>
-                <a:schemeClr val="bg1"/>
-              </a:solidFill>
-              <a:latin typeface="Helvetica Neue" charset="0"/>
-              <a:ea typeface="Helvetica Neue" charset="0"/>
-              <a:cs typeface="Helvetica Neue" charset="0"/>
-            </a:endParaRPr>
-          </a:p>
-        </p:txBody>
-      </p:sp>
-      <p:sp>
-        <p:nvSpPr>
-          <p:cNvPr id="778" name="正方形/長方形 17">
-            <a:extLst>
-              <a:ext uri="{FF2B5EF4-FFF2-40B4-BE49-F238E27FC236}">
-                <a16:creationId xmlns:a16="http://schemas.microsoft.com/office/drawing/2014/main" id="{F75CC8C1-4F2A-8C82-CB89-6CF0774EEB96}"/>
+                <a16:creationId xmlns:a16="http://schemas.microsoft.com/office/drawing/2014/main" id="{54358222-7D5A-30CE-5B9C-AE624AAB2A59}"/>
               </a:ext>
             </a:extLst>
           </p:cNvPr>
@@ -3957,8 +6264,8 @@
         </p:nvSpPr>
         <p:spPr>
           <a:xfrm>
-            <a:off x="623782" y="12172985"/>
-            <a:ext cx="14630400" cy="25634496"/>
+            <a:off x="24754276" y="7726526"/>
+            <a:ext cx="7095131" cy="9335335"/>
           </a:xfrm>
           <a:prstGeom prst="rect">
             <a:avLst/>
@@ -3995,12 +6302,697 @@
           </a:p>
         </p:txBody>
       </p:sp>
-      <p:sp>
-        <p:nvSpPr>
-          <p:cNvPr id="780" name="正方形/長方形 13">
+      <p:graphicFrame>
+        <p:nvGraphicFramePr>
+          <p:cNvPr id="27" name="Table 2">
             <a:extLst>
               <a:ext uri="{FF2B5EF4-FFF2-40B4-BE49-F238E27FC236}">
-                <a16:creationId xmlns:a16="http://schemas.microsoft.com/office/drawing/2014/main" id="{7F537126-6314-E948-3A0A-286138B17171}"/>
+                <a16:creationId xmlns:a16="http://schemas.microsoft.com/office/drawing/2014/main" id="{AF15BAC0-FC08-2DCC-2B72-FA6E2A289066}"/>
+              </a:ext>
+            </a:extLst>
+          </p:cNvPr>
+          <p:cNvGraphicFramePr>
+            <a:graphicFrameLocks/>
+          </p:cNvGraphicFramePr>
+          <p:nvPr>
+            <p:extLst>
+              <p:ext uri="{D42A27DB-BD31-4B8C-83A1-F6EECF244321}">
+                <p14:modId xmlns:p14="http://schemas.microsoft.com/office/powerpoint/2010/main" val="3709606505"/>
+              </p:ext>
+            </p:extLst>
+          </p:nvPr>
+        </p:nvGraphicFramePr>
+        <p:xfrm>
+          <a:off x="18670100" y="17270507"/>
+          <a:ext cx="11897835" cy="3947900"/>
+        </p:xfrm>
+        <a:graphic>
+          <a:graphicData uri="http://schemas.openxmlformats.org/drawingml/2006/table">
+            <a:tbl>
+              <a:tblPr firstRow="1" bandRow="1">
+                <a:tableStyleId>{5C22544A-7EE6-4342-B048-85BDC9FD1C3A}</a:tableStyleId>
+              </a:tblPr>
+              <a:tblGrid>
+                <a:gridCol w="2379567">
+                  <a:extLst>
+                    <a:ext uri="{9D8B030D-6E8A-4147-A177-3AD203B41FA5}">
+                      <a16:colId xmlns:a16="http://schemas.microsoft.com/office/drawing/2014/main" val="2639204986"/>
+                    </a:ext>
+                  </a:extLst>
+                </a:gridCol>
+                <a:gridCol w="2379567">
+                  <a:extLst>
+                    <a:ext uri="{9D8B030D-6E8A-4147-A177-3AD203B41FA5}">
+                      <a16:colId xmlns:a16="http://schemas.microsoft.com/office/drawing/2014/main" val="2690891796"/>
+                    </a:ext>
+                  </a:extLst>
+                </a:gridCol>
+                <a:gridCol w="2379567">
+                  <a:extLst>
+                    <a:ext uri="{9D8B030D-6E8A-4147-A177-3AD203B41FA5}">
+                      <a16:colId xmlns:a16="http://schemas.microsoft.com/office/drawing/2014/main" val="3723378948"/>
+                    </a:ext>
+                  </a:extLst>
+                </a:gridCol>
+                <a:gridCol w="2379567">
+                  <a:extLst>
+                    <a:ext uri="{9D8B030D-6E8A-4147-A177-3AD203B41FA5}">
+                      <a16:colId xmlns:a16="http://schemas.microsoft.com/office/drawing/2014/main" val="1498371569"/>
+                    </a:ext>
+                  </a:extLst>
+                </a:gridCol>
+                <a:gridCol w="2379567">
+                  <a:extLst>
+                    <a:ext uri="{9D8B030D-6E8A-4147-A177-3AD203B41FA5}">
+                      <a16:colId xmlns:a16="http://schemas.microsoft.com/office/drawing/2014/main" val="889807820"/>
+                    </a:ext>
+                  </a:extLst>
+                </a:gridCol>
+              </a:tblGrid>
+              <a:tr h="410296">
+                <a:tc>
+                  <a:txBody>
+                    <a:bodyPr/>
+                    <a:lstStyle/>
+                    <a:p>
+                      <a:endParaRPr lang="en-US" sz="2400" dirty="0"/>
+                    </a:p>
+                  </a:txBody>
+                  <a:tcPr>
+                    <a:lnTlToBr w="12700" cap="flat" cmpd="sng" algn="ctr">
+                      <a:solidFill>
+                        <a:schemeClr val="tx1"/>
+                      </a:solidFill>
+                      <a:prstDash val="solid"/>
+                      <a:round/>
+                      <a:headEnd type="none" w="med" len="med"/>
+                      <a:tailEnd type="none" w="med" len="med"/>
+                    </a:lnTlToBr>
+                    <a:solidFill>
+                      <a:schemeClr val="tx2"/>
+                    </a:solidFill>
+                  </a:tcPr>
+                </a:tc>
+                <a:tc>
+                  <a:txBody>
+                    <a:bodyPr/>
+                    <a:lstStyle/>
+                    <a:p>
+                      <a:r>
+                        <a:rPr lang="en-US" sz="2400" dirty="0"/>
+                        <a:t>Estimate</a:t>
+                      </a:r>
+                    </a:p>
+                  </a:txBody>
+                  <a:tcPr/>
+                </a:tc>
+                <a:tc>
+                  <a:txBody>
+                    <a:bodyPr/>
+                    <a:lstStyle/>
+                    <a:p>
+                      <a:r>
+                        <a:rPr lang="en-US" sz="2400" dirty="0"/>
+                        <a:t>PB</a:t>
+                      </a:r>
+                    </a:p>
+                  </a:txBody>
+                  <a:tcPr/>
+                </a:tc>
+                <a:tc>
+                  <a:txBody>
+                    <a:bodyPr/>
+                    <a:lstStyle/>
+                    <a:p>
+                      <a:r>
+                        <a:rPr lang="en-US" sz="2400" dirty="0"/>
+                        <a:t>CR</a:t>
+                      </a:r>
+                    </a:p>
+                  </a:txBody>
+                  <a:tcPr/>
+                </a:tc>
+                <a:tc>
+                  <a:txBody>
+                    <a:bodyPr/>
+                    <a:lstStyle/>
+                    <a:p>
+                      <a:r>
+                        <a:rPr lang="en-US" sz="2400" dirty="0"/>
+                        <a:t>AW</a:t>
+                      </a:r>
+                    </a:p>
+                  </a:txBody>
+                  <a:tcPr/>
+                </a:tc>
+                <a:extLst>
+                  <a:ext uri="{0D108BD9-81ED-4DB2-BD59-A6C34878D82A}">
+                    <a16:rowId xmlns:a16="http://schemas.microsoft.com/office/drawing/2014/main" val="1025636070"/>
+                  </a:ext>
+                </a:extLst>
+              </a:tr>
+              <a:tr h="302595">
+                <a:tc>
+                  <a:txBody>
+                    <a:bodyPr/>
+                    <a:lstStyle/>
+                    <a:p>
+                      <a:r>
+                        <a:rPr lang="en-US" sz="2400" dirty="0"/>
+                        <a:t>MCAR</a:t>
+                      </a:r>
+                    </a:p>
+                  </a:txBody>
+                  <a:tcPr>
+                    <a:solidFill>
+                      <a:schemeClr val="accent2"/>
+                    </a:solidFill>
+                  </a:tcPr>
+                </a:tc>
+                <a:tc>
+                  <a:txBody>
+                    <a:bodyPr/>
+                    <a:lstStyle/>
+                    <a:p>
+                      <a:r>
+                        <a:rPr lang="en-US" sz="2400" dirty="0"/>
+                        <a:t>0.9779</a:t>
+                      </a:r>
+                    </a:p>
+                  </a:txBody>
+                  <a:tcPr/>
+                </a:tc>
+                <a:tc>
+                  <a:txBody>
+                    <a:bodyPr/>
+                    <a:lstStyle/>
+                    <a:p>
+                      <a:r>
+                        <a:rPr lang="en-US" sz="2400" dirty="0"/>
+                        <a:t>2.209</a:t>
+                      </a:r>
+                    </a:p>
+                  </a:txBody>
+                  <a:tcPr/>
+                </a:tc>
+                <a:tc>
+                  <a:txBody>
+                    <a:bodyPr/>
+                    <a:lstStyle/>
+                    <a:p>
+                      <a:r>
+                        <a:rPr lang="en-US" sz="2400" dirty="0"/>
+                        <a:t>0.97</a:t>
+                      </a:r>
+                    </a:p>
+                  </a:txBody>
+                  <a:tcPr/>
+                </a:tc>
+                <a:tc>
+                  <a:txBody>
+                    <a:bodyPr/>
+                    <a:lstStyle/>
+                    <a:p>
+                      <a:r>
+                        <a:rPr lang="en-US" sz="2400" dirty="0"/>
+                        <a:t>0.102</a:t>
+                      </a:r>
+                    </a:p>
+                  </a:txBody>
+                  <a:tcPr/>
+                </a:tc>
+                <a:extLst>
+                  <a:ext uri="{0D108BD9-81ED-4DB2-BD59-A6C34878D82A}">
+                    <a16:rowId xmlns:a16="http://schemas.microsoft.com/office/drawing/2014/main" val="2450062889"/>
+                  </a:ext>
+                </a:extLst>
+              </a:tr>
+              <a:tr h="410296">
+                <a:tc>
+                  <a:txBody>
+                    <a:bodyPr/>
+                    <a:lstStyle/>
+                    <a:p>
+                      <a:r>
+                        <a:rPr lang="en-US" sz="2400" dirty="0"/>
+                        <a:t>MAR-light</a:t>
+                      </a:r>
+                    </a:p>
+                  </a:txBody>
+                  <a:tcPr>
+                    <a:solidFill>
+                      <a:schemeClr val="accent2"/>
+                    </a:solidFill>
+                  </a:tcPr>
+                </a:tc>
+                <a:tc>
+                  <a:txBody>
+                    <a:bodyPr/>
+                    <a:lstStyle/>
+                    <a:p>
+                      <a:r>
+                        <a:rPr lang="en-US" sz="2400" dirty="0"/>
+                        <a:t>0.9768</a:t>
+                      </a:r>
+                    </a:p>
+                  </a:txBody>
+                  <a:tcPr/>
+                </a:tc>
+                <a:tc>
+                  <a:txBody>
+                    <a:bodyPr/>
+                    <a:lstStyle/>
+                    <a:p>
+                      <a:r>
+                        <a:rPr lang="en-US" sz="2400" dirty="0"/>
+                        <a:t>2.315</a:t>
+                      </a:r>
+                    </a:p>
+                  </a:txBody>
+                  <a:tcPr/>
+                </a:tc>
+                <a:tc>
+                  <a:txBody>
+                    <a:bodyPr/>
+                    <a:lstStyle/>
+                    <a:p>
+                      <a:r>
+                        <a:rPr lang="en-US" sz="2400" dirty="0"/>
+                        <a:t>0.91</a:t>
+                      </a:r>
+                    </a:p>
+                  </a:txBody>
+                  <a:tcPr/>
+                </a:tc>
+                <a:tc>
+                  <a:txBody>
+                    <a:bodyPr/>
+                    <a:lstStyle/>
+                    <a:p>
+                      <a:r>
+                        <a:rPr lang="en-US" sz="2400" dirty="0"/>
+                        <a:t>0.108</a:t>
+                      </a:r>
+                    </a:p>
+                  </a:txBody>
+                  <a:tcPr/>
+                </a:tc>
+                <a:extLst>
+                  <a:ext uri="{0D108BD9-81ED-4DB2-BD59-A6C34878D82A}">
+                    <a16:rowId xmlns:a16="http://schemas.microsoft.com/office/drawing/2014/main" val="106183214"/>
+                  </a:ext>
+                </a:extLst>
+              </a:tr>
+              <a:tr h="602350">
+                <a:tc>
+                  <a:txBody>
+                    <a:bodyPr/>
+                    <a:lstStyle/>
+                    <a:p>
+                      <a:r>
+                        <a:rPr lang="en-US" sz="2400" dirty="0"/>
+                        <a:t>MAR-moderate</a:t>
+                      </a:r>
+                    </a:p>
+                  </a:txBody>
+                  <a:tcPr>
+                    <a:solidFill>
+                      <a:schemeClr val="accent2"/>
+                    </a:solidFill>
+                  </a:tcPr>
+                </a:tc>
+                <a:tc>
+                  <a:txBody>
+                    <a:bodyPr/>
+                    <a:lstStyle/>
+                    <a:p>
+                      <a:r>
+                        <a:rPr lang="en-US" sz="2400" dirty="0"/>
+                        <a:t>0.9799</a:t>
+                      </a:r>
+                    </a:p>
+                  </a:txBody>
+                  <a:tcPr/>
+                </a:tc>
+                <a:tc>
+                  <a:txBody>
+                    <a:bodyPr/>
+                    <a:lstStyle/>
+                    <a:p>
+                      <a:r>
+                        <a:rPr lang="en-US" sz="2400" dirty="0"/>
+                        <a:t>2.011</a:t>
+                      </a:r>
+                    </a:p>
+                  </a:txBody>
+                  <a:tcPr/>
+                </a:tc>
+                <a:tc>
+                  <a:txBody>
+                    <a:bodyPr/>
+                    <a:lstStyle/>
+                    <a:p>
+                      <a:r>
+                        <a:rPr lang="en-US" sz="2400" dirty="0"/>
+                        <a:t>0.91</a:t>
+                      </a:r>
+                    </a:p>
+                  </a:txBody>
+                  <a:tcPr/>
+                </a:tc>
+                <a:tc>
+                  <a:txBody>
+                    <a:bodyPr/>
+                    <a:lstStyle/>
+                    <a:p>
+                      <a:r>
+                        <a:rPr lang="en-US" sz="2400" dirty="0"/>
+                        <a:t>0.095</a:t>
+                      </a:r>
+                    </a:p>
+                  </a:txBody>
+                  <a:tcPr/>
+                </a:tc>
+                <a:extLst>
+                  <a:ext uri="{0D108BD9-81ED-4DB2-BD59-A6C34878D82A}">
+                    <a16:rowId xmlns:a16="http://schemas.microsoft.com/office/drawing/2014/main" val="2167119470"/>
+                  </a:ext>
+                </a:extLst>
+              </a:tr>
+              <a:tr h="414239">
+                <a:tc>
+                  <a:txBody>
+                    <a:bodyPr/>
+                    <a:lstStyle/>
+                    <a:p>
+                      <a:r>
+                        <a:rPr lang="en-US" sz="2400" dirty="0"/>
+                        <a:t>MAR-heavy</a:t>
+                      </a:r>
+                    </a:p>
+                  </a:txBody>
+                  <a:tcPr>
+                    <a:solidFill>
+                      <a:schemeClr val="accent2"/>
+                    </a:solidFill>
+                  </a:tcPr>
+                </a:tc>
+                <a:tc>
+                  <a:txBody>
+                    <a:bodyPr/>
+                    <a:lstStyle/>
+                    <a:p>
+                      <a:r>
+                        <a:rPr lang="en-US" sz="2400" dirty="0"/>
+                        <a:t>0.9841</a:t>
+                      </a:r>
+                    </a:p>
+                  </a:txBody>
+                  <a:tcPr/>
+                </a:tc>
+                <a:tc>
+                  <a:txBody>
+                    <a:bodyPr/>
+                    <a:lstStyle/>
+                    <a:p>
+                      <a:r>
+                        <a:rPr lang="en-US" sz="2400" dirty="0"/>
+                        <a:t>1.588</a:t>
+                      </a:r>
+                    </a:p>
+                  </a:txBody>
+                  <a:tcPr/>
+                </a:tc>
+                <a:tc>
+                  <a:txBody>
+                    <a:bodyPr/>
+                    <a:lstStyle/>
+                    <a:p>
+                      <a:r>
+                        <a:rPr lang="en-US" sz="2400" dirty="0"/>
+                        <a:t>0.90</a:t>
+                      </a:r>
+                    </a:p>
+                  </a:txBody>
+                  <a:tcPr/>
+                </a:tc>
+                <a:tc>
+                  <a:txBody>
+                    <a:bodyPr/>
+                    <a:lstStyle/>
+                    <a:p>
+                      <a:r>
+                        <a:rPr lang="en-US" sz="2400" dirty="0"/>
+                        <a:t>0.082</a:t>
+                      </a:r>
+                    </a:p>
+                  </a:txBody>
+                  <a:tcPr/>
+                </a:tc>
+                <a:extLst>
+                  <a:ext uri="{0D108BD9-81ED-4DB2-BD59-A6C34878D82A}">
+                    <a16:rowId xmlns:a16="http://schemas.microsoft.com/office/drawing/2014/main" val="4197118472"/>
+                  </a:ext>
+                </a:extLst>
+              </a:tr>
+              <a:tr h="414239">
+                <a:tc>
+                  <a:txBody>
+                    <a:bodyPr/>
+                    <a:lstStyle/>
+                    <a:p>
+                      <a:r>
+                        <a:rPr lang="en-US" sz="2400" dirty="0"/>
+                        <a:t>MNAR-light</a:t>
+                      </a:r>
+                    </a:p>
+                  </a:txBody>
+                  <a:tcPr>
+                    <a:solidFill>
+                      <a:schemeClr val="accent2"/>
+                    </a:solidFill>
+                  </a:tcPr>
+                </a:tc>
+                <a:tc>
+                  <a:txBody>
+                    <a:bodyPr/>
+                    <a:lstStyle/>
+                    <a:p>
+                      <a:r>
+                        <a:rPr lang="en-US" sz="2400" dirty="0"/>
+                        <a:t>1.0174</a:t>
+                      </a:r>
+                    </a:p>
+                  </a:txBody>
+                  <a:tcPr/>
+                </a:tc>
+                <a:tc>
+                  <a:txBody>
+                    <a:bodyPr/>
+                    <a:lstStyle/>
+                    <a:p>
+                      <a:r>
+                        <a:rPr lang="en-US" sz="2400" dirty="0"/>
+                        <a:t>1.740</a:t>
+                      </a:r>
+                    </a:p>
+                  </a:txBody>
+                  <a:tcPr/>
+                </a:tc>
+                <a:tc>
+                  <a:txBody>
+                    <a:bodyPr/>
+                    <a:lstStyle/>
+                    <a:p>
+                      <a:r>
+                        <a:rPr lang="en-US" sz="2400" dirty="0"/>
+                        <a:t>0.96</a:t>
+                      </a:r>
+                    </a:p>
+                  </a:txBody>
+                  <a:tcPr/>
+                </a:tc>
+                <a:tc>
+                  <a:txBody>
+                    <a:bodyPr/>
+                    <a:lstStyle/>
+                    <a:p>
+                      <a:r>
+                        <a:rPr lang="en-US" sz="2400" dirty="0"/>
+                        <a:t>0.306</a:t>
+                      </a:r>
+                    </a:p>
+                  </a:txBody>
+                  <a:tcPr/>
+                </a:tc>
+                <a:extLst>
+                  <a:ext uri="{0D108BD9-81ED-4DB2-BD59-A6C34878D82A}">
+                    <a16:rowId xmlns:a16="http://schemas.microsoft.com/office/drawing/2014/main" val="4122388607"/>
+                  </a:ext>
+                </a:extLst>
+              </a:tr>
+              <a:tr h="602350">
+                <a:tc>
+                  <a:txBody>
+                    <a:bodyPr/>
+                    <a:lstStyle/>
+                    <a:p>
+                      <a:r>
+                        <a:rPr lang="en-US" sz="2400" dirty="0"/>
+                        <a:t>MNAR-moderate</a:t>
+                      </a:r>
+                    </a:p>
+                  </a:txBody>
+                  <a:tcPr>
+                    <a:solidFill>
+                      <a:schemeClr val="accent2"/>
+                    </a:solidFill>
+                  </a:tcPr>
+                </a:tc>
+                <a:tc>
+                  <a:txBody>
+                    <a:bodyPr/>
+                    <a:lstStyle/>
+                    <a:p>
+                      <a:r>
+                        <a:rPr lang="en-US" sz="2400" dirty="0"/>
+                        <a:t>1.0262</a:t>
+                      </a:r>
+                    </a:p>
+                  </a:txBody>
+                  <a:tcPr/>
+                </a:tc>
+                <a:tc>
+                  <a:txBody>
+                    <a:bodyPr/>
+                    <a:lstStyle/>
+                    <a:p>
+                      <a:r>
+                        <a:rPr lang="en-US" sz="2400" dirty="0"/>
+                        <a:t>2.615</a:t>
+                      </a:r>
+                    </a:p>
+                  </a:txBody>
+                  <a:tcPr/>
+                </a:tc>
+                <a:tc>
+                  <a:txBody>
+                    <a:bodyPr/>
+                    <a:lstStyle/>
+                    <a:p>
+                      <a:r>
+                        <a:rPr lang="en-US" sz="2400" dirty="0"/>
+                        <a:t>0.95</a:t>
+                      </a:r>
+                    </a:p>
+                  </a:txBody>
+                  <a:tcPr/>
+                </a:tc>
+                <a:tc>
+                  <a:txBody>
+                    <a:bodyPr/>
+                    <a:lstStyle/>
+                    <a:p>
+                      <a:r>
+                        <a:rPr lang="en-US" sz="2400" dirty="0"/>
+                        <a:t>0.331</a:t>
+                      </a:r>
+                    </a:p>
+                  </a:txBody>
+                  <a:tcPr/>
+                </a:tc>
+                <a:extLst>
+                  <a:ext uri="{0D108BD9-81ED-4DB2-BD59-A6C34878D82A}">
+                    <a16:rowId xmlns:a16="http://schemas.microsoft.com/office/drawing/2014/main" val="1306177704"/>
+                  </a:ext>
+                </a:extLst>
+              </a:tr>
+              <a:tr h="414239">
+                <a:tc>
+                  <a:txBody>
+                    <a:bodyPr/>
+                    <a:lstStyle/>
+                    <a:p>
+                      <a:r>
+                        <a:rPr lang="en-US" sz="2400" dirty="0"/>
+                        <a:t>MNAR-heavy</a:t>
+                      </a:r>
+                    </a:p>
+                  </a:txBody>
+                  <a:tcPr>
+                    <a:solidFill>
+                      <a:schemeClr val="accent2"/>
+                    </a:solidFill>
+                  </a:tcPr>
+                </a:tc>
+                <a:tc>
+                  <a:txBody>
+                    <a:bodyPr/>
+                    <a:lstStyle/>
+                    <a:p>
+                      <a:r>
+                        <a:rPr lang="en-US" sz="2400" dirty="0"/>
+                        <a:t>1.0485</a:t>
+                      </a:r>
+                    </a:p>
+                  </a:txBody>
+                  <a:tcPr/>
+                </a:tc>
+                <a:tc>
+                  <a:txBody>
+                    <a:bodyPr/>
+                    <a:lstStyle/>
+                    <a:p>
+                      <a:r>
+                        <a:rPr lang="en-US" sz="2400" dirty="0"/>
+                        <a:t>4.853</a:t>
+                      </a:r>
+                    </a:p>
+                  </a:txBody>
+                  <a:tcPr/>
+                </a:tc>
+                <a:tc>
+                  <a:txBody>
+                    <a:bodyPr/>
+                    <a:lstStyle/>
+                    <a:p>
+                      <a:r>
+                        <a:rPr lang="en-US" sz="2400" dirty="0"/>
+                        <a:t>0.88</a:t>
+                      </a:r>
+                    </a:p>
+                  </a:txBody>
+                  <a:tcPr/>
+                </a:tc>
+                <a:tc>
+                  <a:txBody>
+                    <a:bodyPr/>
+                    <a:lstStyle/>
+                    <a:p>
+                      <a:r>
+                        <a:rPr lang="en-US" sz="2400" dirty="0"/>
+                        <a:t>0.388</a:t>
+                      </a:r>
+                    </a:p>
+                  </a:txBody>
+                  <a:tcPr/>
+                </a:tc>
+                <a:extLst>
+                  <a:ext uri="{0D108BD9-81ED-4DB2-BD59-A6C34878D82A}">
+                    <a16:rowId xmlns:a16="http://schemas.microsoft.com/office/drawing/2014/main" val="4228847266"/>
+                  </a:ext>
+                </a:extLst>
+              </a:tr>
+            </a:tbl>
+          </a:graphicData>
+        </a:graphic>
+      </p:graphicFrame>
+      <p:sp>
+        <p:nvSpPr>
+          <p:cNvPr id="29" name="正方形/長方形 17">
+            <a:extLst>
+              <a:ext uri="{FF2B5EF4-FFF2-40B4-BE49-F238E27FC236}">
+                <a16:creationId xmlns:a16="http://schemas.microsoft.com/office/drawing/2014/main" id="{3FB023C2-9525-8AE2-37A3-16B9BAC2F6A1}"/>
               </a:ext>
             </a:extLst>
           </p:cNvPr>
@@ -4009,8 +7001,3619 @@
         </p:nvSpPr>
         <p:spPr>
           <a:xfrm>
-            <a:off x="17342480" y="6701442"/>
-            <a:ext cx="14630400" cy="21904675"/>
+            <a:off x="17573472" y="17193130"/>
+            <a:ext cx="14275935" cy="4112697"/>
+          </a:xfrm>
+          <a:prstGeom prst="rect">
+            <a:avLst/>
+          </a:prstGeom>
+          <a:noFill/>
+          <a:ln w="34925">
+            <a:solidFill>
+              <a:schemeClr val="accent2"/>
+            </a:solidFill>
+          </a:ln>
+        </p:spPr>
+        <p:style>
+          <a:lnRef idx="2">
+            <a:schemeClr val="accent1">
+              <a:shade val="50000"/>
+            </a:schemeClr>
+          </a:lnRef>
+          <a:fillRef idx="1">
+            <a:schemeClr val="accent1"/>
+          </a:fillRef>
+          <a:effectRef idx="0">
+            <a:schemeClr val="accent1"/>
+          </a:effectRef>
+          <a:fontRef idx="minor">
+            <a:schemeClr val="lt1"/>
+          </a:fontRef>
+        </p:style>
+        <p:txBody>
+          <a:bodyPr rtlCol="0" anchor="ctr"/>
+          <a:lstStyle/>
+          <a:p>
+            <a:pPr algn="ctr"/>
+            <a:endParaRPr kumimoji="1" lang="ja-JP" altLang="en-US"/>
+          </a:p>
+        </p:txBody>
+      </p:sp>
+      <p:pic>
+        <p:nvPicPr>
+          <p:cNvPr id="30" name="Picture 29">
+            <a:extLst>
+              <a:ext uri="{FF2B5EF4-FFF2-40B4-BE49-F238E27FC236}">
+                <a16:creationId xmlns:a16="http://schemas.microsoft.com/office/drawing/2014/main" id="{1C5CA847-2564-29CD-E96B-739636B52E38}"/>
+              </a:ext>
+            </a:extLst>
+          </p:cNvPr>
+          <p:cNvPicPr>
+            <a:picLocks noChangeAspect="1"/>
+          </p:cNvPicPr>
+          <p:nvPr/>
+        </p:nvPicPr>
+        <p:blipFill>
+          <a:blip r:embed="rId12"/>
+          <a:stretch>
+            <a:fillRect/>
+          </a:stretch>
+        </p:blipFill>
+        <p:spPr>
+          <a:xfrm>
+            <a:off x="1704754" y="24114919"/>
+            <a:ext cx="12608486" cy="4069229"/>
+          </a:xfrm>
+          <a:prstGeom prst="rect">
+            <a:avLst/>
+          </a:prstGeom>
+        </p:spPr>
+      </p:pic>
+      <p:pic>
+        <p:nvPicPr>
+          <p:cNvPr id="31" name="Picture 30">
+            <a:extLst>
+              <a:ext uri="{FF2B5EF4-FFF2-40B4-BE49-F238E27FC236}">
+                <a16:creationId xmlns:a16="http://schemas.microsoft.com/office/drawing/2014/main" id="{8E86B1E7-073F-88EF-9600-A0CB2055351A}"/>
+              </a:ext>
+            </a:extLst>
+          </p:cNvPr>
+          <p:cNvPicPr>
+            <a:picLocks noChangeAspect="1"/>
+          </p:cNvPicPr>
+          <p:nvPr/>
+        </p:nvPicPr>
+        <p:blipFill>
+          <a:blip r:embed="rId13"/>
+          <a:stretch>
+            <a:fillRect/>
+          </a:stretch>
+        </p:blipFill>
+        <p:spPr>
+          <a:xfrm>
+            <a:off x="3026080" y="30308164"/>
+            <a:ext cx="8128000" cy="4864100"/>
+          </a:xfrm>
+          <a:prstGeom prst="rect">
+            <a:avLst/>
+          </a:prstGeom>
+        </p:spPr>
+      </p:pic>
+      <p:sp>
+        <p:nvSpPr>
+          <p:cNvPr id="32" name="TextBox 31">
+            <a:extLst>
+              <a:ext uri="{FF2B5EF4-FFF2-40B4-BE49-F238E27FC236}">
+                <a16:creationId xmlns:a16="http://schemas.microsoft.com/office/drawing/2014/main" id="{62D8DFF1-8AF7-DAE3-54E7-3A1E44DA18DF}"/>
+              </a:ext>
+            </a:extLst>
+          </p:cNvPr>
+          <p:cNvSpPr txBox="1"/>
+          <p:nvPr/>
+        </p:nvSpPr>
+        <p:spPr>
+          <a:xfrm>
+            <a:off x="9901739" y="30867877"/>
+            <a:ext cx="442750" cy="369332"/>
+          </a:xfrm>
+          <a:prstGeom prst="rect">
+            <a:avLst/>
+          </a:prstGeom>
+          <a:noFill/>
+        </p:spPr>
+        <p:txBody>
+          <a:bodyPr wrap="none" rtlCol="0">
+            <a:spAutoFit/>
+          </a:bodyPr>
+          <a:lstStyle/>
+          <a:p>
+            <a:r>
+              <a:rPr lang="en-US" dirty="0"/>
+              <a:t>[1]</a:t>
+            </a:r>
+          </a:p>
+        </p:txBody>
+      </p:sp>
+      <p:sp>
+        <p:nvSpPr>
+          <p:cNvPr id="5" name="TextBox 4">
+            <a:extLst>
+              <a:ext uri="{FF2B5EF4-FFF2-40B4-BE49-F238E27FC236}">
+                <a16:creationId xmlns:a16="http://schemas.microsoft.com/office/drawing/2014/main" id="{B326DCEF-4B94-AB82-FC9E-CBA273E0786E}"/>
+              </a:ext>
+            </a:extLst>
+          </p:cNvPr>
+          <p:cNvSpPr txBox="1"/>
+          <p:nvPr/>
+        </p:nvSpPr>
+        <p:spPr>
+          <a:xfrm>
+            <a:off x="19365637" y="25397889"/>
+            <a:ext cx="3115276" cy="523220"/>
+          </a:xfrm>
+          <a:prstGeom prst="rect">
+            <a:avLst/>
+          </a:prstGeom>
+          <a:noFill/>
+        </p:spPr>
+        <p:txBody>
+          <a:bodyPr wrap="none" rtlCol="0">
+            <a:spAutoFit/>
+          </a:bodyPr>
+          <a:lstStyle/>
+          <a:p>
+            <a:r>
+              <a:rPr lang="en-US" sz="2800" dirty="0"/>
+              <a:t>Multiple Imputation</a:t>
+            </a:r>
+          </a:p>
+        </p:txBody>
+      </p:sp>
+      <p:sp>
+        <p:nvSpPr>
+          <p:cNvPr id="6" name="TextBox 5">
+            <a:extLst>
+              <a:ext uri="{FF2B5EF4-FFF2-40B4-BE49-F238E27FC236}">
+                <a16:creationId xmlns:a16="http://schemas.microsoft.com/office/drawing/2014/main" id="{706D0613-83C6-0341-361A-CDF73C808BBC}"/>
+              </a:ext>
+            </a:extLst>
+          </p:cNvPr>
+          <p:cNvSpPr txBox="1"/>
+          <p:nvPr/>
+        </p:nvSpPr>
+        <p:spPr>
+          <a:xfrm>
+            <a:off x="27028137" y="25548509"/>
+            <a:ext cx="2650534" cy="523220"/>
+          </a:xfrm>
+          <a:prstGeom prst="rect">
+            <a:avLst/>
+          </a:prstGeom>
+          <a:noFill/>
+        </p:spPr>
+        <p:txBody>
+          <a:bodyPr wrap="none" rtlCol="0">
+            <a:spAutoFit/>
+          </a:bodyPr>
+          <a:lstStyle/>
+          <a:p>
+            <a:r>
+              <a:rPr lang="en-US" sz="2800" dirty="0"/>
+              <a:t>Listwise Deletion</a:t>
+            </a:r>
+          </a:p>
+        </p:txBody>
+      </p:sp>
+      <mc:AlternateContent xmlns:mc="http://schemas.openxmlformats.org/markup-compatibility/2006">
+        <mc:Choice xmlns:a14="http://schemas.microsoft.com/office/drawing/2010/main" Requires="a14">
+          <p:sp>
+            <p:nvSpPr>
+              <p:cNvPr id="8" name="TextBox 7">
+                <a:extLst>
+                  <a:ext uri="{FF2B5EF4-FFF2-40B4-BE49-F238E27FC236}">
+                    <a16:creationId xmlns:a16="http://schemas.microsoft.com/office/drawing/2014/main" id="{526C54A0-AE6D-8B4B-F749-CDE4A5BDF1B0}"/>
+                  </a:ext>
+                </a:extLst>
+              </p:cNvPr>
+              <p:cNvSpPr txBox="1"/>
+              <p:nvPr/>
+            </p:nvSpPr>
+            <p:spPr>
+              <a:xfrm>
+                <a:off x="17455112" y="22727899"/>
+                <a:ext cx="15262120" cy="750911"/>
+              </a:xfrm>
+              <a:prstGeom prst="rect">
+                <a:avLst/>
+              </a:prstGeom>
+              <a:noFill/>
+            </p:spPr>
+            <p:txBody>
+              <a:bodyPr wrap="square">
+                <a:spAutoFit/>
+              </a:bodyPr>
+              <a:lstStyle/>
+              <a:p>
+                <a:pPr>
+                  <a:lnSpc>
+                    <a:spcPct val="150000"/>
+                  </a:lnSpc>
+                </a:pPr>
+                <a:r>
+                  <a:rPr lang="en-US" sz="2900" b="1" dirty="0"/>
+                  <a:t>Determining </a:t>
+                </a:r>
+                <a14:m>
+                  <m:oMath xmlns:m="http://schemas.openxmlformats.org/officeDocument/2006/math">
+                    <m:sSub>
+                      <m:sSubPr>
+                        <m:ctrlPr>
+                          <a:rPr lang="en-US" sz="2900" b="1" i="1" smtClean="0">
+                            <a:latin typeface="Cambria Math" panose="02040503050406030204" pitchFamily="18" charset="0"/>
+                          </a:rPr>
+                        </m:ctrlPr>
+                      </m:sSubPr>
+                      <m:e>
+                        <m:r>
+                          <a:rPr lang="en-US" sz="2900" b="1" i="1" smtClean="0">
+                            <a:latin typeface="Cambria Math" panose="02040503050406030204" pitchFamily="18" charset="0"/>
+                          </a:rPr>
+                          <m:t>𝜷</m:t>
+                        </m:r>
+                      </m:e>
+                      <m:sub>
+                        <m:r>
+                          <a:rPr lang="en-US" sz="2900" b="1" i="1" smtClean="0">
+                            <a:latin typeface="Cambria Math" panose="02040503050406030204" pitchFamily="18" charset="0"/>
+                          </a:rPr>
+                          <m:t>𝟏</m:t>
+                        </m:r>
+                      </m:sub>
+                    </m:sSub>
+                    <m:r>
+                      <a:rPr lang="en-US" sz="2900" b="1" i="1" smtClean="0">
+                        <a:latin typeface="Cambria Math" panose="02040503050406030204" pitchFamily="18" charset="0"/>
+                      </a:rPr>
+                      <m:t>=</m:t>
+                    </m:r>
+                    <m:r>
+                      <a:rPr lang="en-US" sz="2900" b="1" i="1" smtClean="0">
+                        <a:latin typeface="Cambria Math" panose="02040503050406030204" pitchFamily="18" charset="0"/>
+                      </a:rPr>
+                      <m:t>𝟏</m:t>
+                    </m:r>
+                  </m:oMath>
+                </a14:m>
+                <a:r>
+                  <a:rPr lang="en-US" sz="2900" b="1" dirty="0"/>
+                  <a:t>, </a:t>
+                </a:r>
+                <a14:m>
+                  <m:oMath xmlns:m="http://schemas.openxmlformats.org/officeDocument/2006/math">
+                    <m:sSub>
+                      <m:sSubPr>
+                        <m:ctrlPr>
+                          <a:rPr lang="en-US" sz="2900" b="1" i="1" smtClean="0">
+                            <a:latin typeface="Cambria Math" panose="02040503050406030204" pitchFamily="18" charset="0"/>
+                          </a:rPr>
+                        </m:ctrlPr>
+                      </m:sSubPr>
+                      <m:e>
+                        <m:r>
+                          <a:rPr lang="en-US" sz="2900" b="1" i="1">
+                            <a:latin typeface="Cambria Math" panose="02040503050406030204" pitchFamily="18" charset="0"/>
+                          </a:rPr>
+                          <m:t>𝜷</m:t>
+                        </m:r>
+                      </m:e>
+                      <m:sub>
+                        <m:r>
+                          <a:rPr lang="en-US" sz="2900" b="1" i="1" smtClean="0">
+                            <a:latin typeface="Cambria Math" panose="02040503050406030204" pitchFamily="18" charset="0"/>
+                          </a:rPr>
+                          <m:t>𝟐</m:t>
+                        </m:r>
+                      </m:sub>
+                    </m:sSub>
+                  </m:oMath>
+                </a14:m>
+                <a:r>
+                  <a:rPr lang="en-US" sz="2900" b="1" dirty="0"/>
+                  <a:t> = 2, </a:t>
+                </a:r>
+                <a14:m>
+                  <m:oMath xmlns:m="http://schemas.openxmlformats.org/officeDocument/2006/math">
+                    <m:sSub>
+                      <m:sSubPr>
+                        <m:ctrlPr>
+                          <a:rPr lang="en-US" sz="2900" b="1" i="1">
+                            <a:latin typeface="Cambria Math" panose="02040503050406030204" pitchFamily="18" charset="0"/>
+                          </a:rPr>
+                        </m:ctrlPr>
+                      </m:sSubPr>
+                      <m:e>
+                        <m:r>
+                          <a:rPr lang="en-US" sz="2900" b="1" i="1">
+                            <a:latin typeface="Cambria Math" panose="02040503050406030204" pitchFamily="18" charset="0"/>
+                          </a:rPr>
+                          <m:t>𝜷</m:t>
+                        </m:r>
+                      </m:e>
+                      <m:sub>
+                        <m:r>
+                          <a:rPr lang="en-US" sz="2900" b="1" i="1" smtClean="0">
+                            <a:latin typeface="Cambria Math" panose="02040503050406030204" pitchFamily="18" charset="0"/>
+                          </a:rPr>
+                          <m:t>𝟑</m:t>
+                        </m:r>
+                      </m:sub>
+                    </m:sSub>
+                  </m:oMath>
+                </a14:m>
+                <a:r>
+                  <a:rPr lang="en-US" sz="2900" b="1" dirty="0"/>
+                  <a:t> = 3, </a:t>
+                </a:r>
+                <a14:m>
+                  <m:oMath xmlns:m="http://schemas.openxmlformats.org/officeDocument/2006/math">
+                    <m:sSub>
+                      <m:sSubPr>
+                        <m:ctrlPr>
+                          <a:rPr lang="en-US" sz="2900" b="1" i="1">
+                            <a:latin typeface="Cambria Math" panose="02040503050406030204" pitchFamily="18" charset="0"/>
+                          </a:rPr>
+                        </m:ctrlPr>
+                      </m:sSubPr>
+                      <m:e>
+                        <m:r>
+                          <a:rPr lang="en-US" sz="2900" b="1" i="1">
+                            <a:latin typeface="Cambria Math" panose="02040503050406030204" pitchFamily="18" charset="0"/>
+                          </a:rPr>
+                          <m:t>𝜷</m:t>
+                        </m:r>
+                      </m:e>
+                      <m:sub>
+                        <m:r>
+                          <a:rPr lang="en-US" sz="2900" b="1" i="1" smtClean="0">
+                            <a:latin typeface="Cambria Math" panose="02040503050406030204" pitchFamily="18" charset="0"/>
+                          </a:rPr>
+                          <m:t>𝟒</m:t>
+                        </m:r>
+                      </m:sub>
+                    </m:sSub>
+                  </m:oMath>
+                </a14:m>
+                <a:r>
+                  <a:rPr lang="en-US" sz="2900" b="1" dirty="0"/>
+                  <a:t> = 4 </a:t>
+                </a:r>
+                <a:r>
+                  <a:rPr lang="en-US" sz="2900" dirty="0"/>
+                  <a:t>in model </a:t>
+                </a:r>
+                <a14:m>
+                  <m:oMath xmlns:m="http://schemas.openxmlformats.org/officeDocument/2006/math">
+                    <m:sSub>
+                      <m:sSubPr>
+                        <m:ctrlPr>
+                          <a:rPr lang="en-US" sz="2900" i="1">
+                            <a:latin typeface="Cambria Math" panose="02040503050406030204" pitchFamily="18" charset="0"/>
+                          </a:rPr>
+                        </m:ctrlPr>
+                      </m:sSubPr>
+                      <m:e>
+                        <m:r>
+                          <a:rPr lang="en-US" sz="2900" i="1">
+                            <a:latin typeface="Cambria Math" panose="02040503050406030204" pitchFamily="18" charset="0"/>
+                          </a:rPr>
+                          <m:t>𝑦</m:t>
+                        </m:r>
+                      </m:e>
+                      <m:sub>
+                        <m:r>
+                          <a:rPr lang="en-US" sz="2900" i="1">
+                            <a:latin typeface="Cambria Math" panose="02040503050406030204" pitchFamily="18" charset="0"/>
+                          </a:rPr>
+                          <m:t>𝑖</m:t>
+                        </m:r>
+                      </m:sub>
+                    </m:sSub>
+                    <m:r>
+                      <a:rPr lang="en-US" sz="2900" i="1">
+                        <a:latin typeface="Cambria Math" panose="02040503050406030204" pitchFamily="18" charset="0"/>
+                      </a:rPr>
+                      <m:t>=</m:t>
+                    </m:r>
+                    <m:sSub>
+                      <m:sSubPr>
+                        <m:ctrlPr>
+                          <a:rPr lang="en-US" sz="2900" i="1">
+                            <a:latin typeface="Cambria Math" panose="02040503050406030204" pitchFamily="18" charset="0"/>
+                          </a:rPr>
+                        </m:ctrlPr>
+                      </m:sSubPr>
+                      <m:e>
+                        <m:r>
+                          <a:rPr lang="en-US" sz="2900" i="1">
+                            <a:latin typeface="Cambria Math" panose="02040503050406030204" pitchFamily="18" charset="0"/>
+                          </a:rPr>
+                          <m:t>𝑥</m:t>
+                        </m:r>
+                      </m:e>
+                      <m:sub>
+                        <m:r>
+                          <a:rPr lang="en-US" sz="2900" i="1">
+                            <a:latin typeface="Cambria Math" panose="02040503050406030204" pitchFamily="18" charset="0"/>
+                          </a:rPr>
+                          <m:t>1,</m:t>
+                        </m:r>
+                        <m:r>
+                          <a:rPr lang="en-US" sz="2900" i="1">
+                            <a:latin typeface="Cambria Math" panose="02040503050406030204" pitchFamily="18" charset="0"/>
+                          </a:rPr>
+                          <m:t>𝑖</m:t>
+                        </m:r>
+                      </m:sub>
+                    </m:sSub>
+                    <m:sSub>
+                      <m:sSubPr>
+                        <m:ctrlPr>
+                          <a:rPr lang="en-US" sz="2900" i="1">
+                            <a:latin typeface="Cambria Math" panose="02040503050406030204" pitchFamily="18" charset="0"/>
+                          </a:rPr>
+                        </m:ctrlPr>
+                      </m:sSubPr>
+                      <m:e>
+                        <m:r>
+                          <a:rPr lang="en-US" sz="2900" i="1">
+                            <a:latin typeface="Cambria Math" panose="02040503050406030204" pitchFamily="18" charset="0"/>
+                          </a:rPr>
+                          <m:t>𝛽</m:t>
+                        </m:r>
+                      </m:e>
+                      <m:sub>
+                        <m:r>
+                          <a:rPr lang="en-US" sz="2900" i="1">
+                            <a:latin typeface="Cambria Math" panose="02040503050406030204" pitchFamily="18" charset="0"/>
+                          </a:rPr>
+                          <m:t>1</m:t>
+                        </m:r>
+                      </m:sub>
+                    </m:sSub>
+                    <m:r>
+                      <a:rPr lang="en-US" sz="2900" i="1">
+                        <a:latin typeface="Cambria Math" panose="02040503050406030204" pitchFamily="18" charset="0"/>
+                      </a:rPr>
+                      <m:t>+</m:t>
+                    </m:r>
+                    <m:sSub>
+                      <m:sSubPr>
+                        <m:ctrlPr>
+                          <a:rPr lang="en-US" sz="2900" i="1">
+                            <a:latin typeface="Cambria Math" panose="02040503050406030204" pitchFamily="18" charset="0"/>
+                          </a:rPr>
+                        </m:ctrlPr>
+                      </m:sSubPr>
+                      <m:e>
+                        <m:r>
+                          <a:rPr lang="en-US" sz="2900" i="1">
+                            <a:latin typeface="Cambria Math" panose="02040503050406030204" pitchFamily="18" charset="0"/>
+                          </a:rPr>
+                          <m:t>𝑥</m:t>
+                        </m:r>
+                      </m:e>
+                      <m:sub>
+                        <m:r>
+                          <a:rPr lang="en-US" sz="2900" i="1">
+                            <a:latin typeface="Cambria Math" panose="02040503050406030204" pitchFamily="18" charset="0"/>
+                          </a:rPr>
+                          <m:t>2,</m:t>
+                        </m:r>
+                        <m:r>
+                          <a:rPr lang="en-US" sz="2900" i="1">
+                            <a:latin typeface="Cambria Math" panose="02040503050406030204" pitchFamily="18" charset="0"/>
+                          </a:rPr>
+                          <m:t>𝑖</m:t>
+                        </m:r>
+                      </m:sub>
+                    </m:sSub>
+                    <m:sSub>
+                      <m:sSubPr>
+                        <m:ctrlPr>
+                          <a:rPr lang="en-US" sz="2900" i="1">
+                            <a:latin typeface="Cambria Math" panose="02040503050406030204" pitchFamily="18" charset="0"/>
+                          </a:rPr>
+                        </m:ctrlPr>
+                      </m:sSubPr>
+                      <m:e>
+                        <m:r>
+                          <a:rPr lang="en-US" sz="2900" i="1">
+                            <a:latin typeface="Cambria Math" panose="02040503050406030204" pitchFamily="18" charset="0"/>
+                          </a:rPr>
+                          <m:t>𝛽</m:t>
+                        </m:r>
+                      </m:e>
+                      <m:sub>
+                        <m:r>
+                          <a:rPr lang="en-US" sz="2900" i="1">
+                            <a:latin typeface="Cambria Math" panose="02040503050406030204" pitchFamily="18" charset="0"/>
+                          </a:rPr>
+                          <m:t>2</m:t>
+                        </m:r>
+                      </m:sub>
+                    </m:sSub>
+                    <m:r>
+                      <a:rPr lang="en-US" sz="2900" i="1">
+                        <a:latin typeface="Cambria Math" panose="02040503050406030204" pitchFamily="18" charset="0"/>
+                      </a:rPr>
+                      <m:t>+</m:t>
+                    </m:r>
+                    <m:sSub>
+                      <m:sSubPr>
+                        <m:ctrlPr>
+                          <a:rPr lang="en-US" sz="2900" i="1">
+                            <a:latin typeface="Cambria Math" panose="02040503050406030204" pitchFamily="18" charset="0"/>
+                          </a:rPr>
+                        </m:ctrlPr>
+                      </m:sSubPr>
+                      <m:e>
+                        <m:r>
+                          <a:rPr lang="en-US" sz="2900" i="1">
+                            <a:latin typeface="Cambria Math" panose="02040503050406030204" pitchFamily="18" charset="0"/>
+                          </a:rPr>
+                          <m:t>𝑥</m:t>
+                        </m:r>
+                      </m:e>
+                      <m:sub>
+                        <m:r>
+                          <a:rPr lang="en-US" sz="2900" b="0" i="1" smtClean="0">
+                            <a:latin typeface="Cambria Math" panose="02040503050406030204" pitchFamily="18" charset="0"/>
+                          </a:rPr>
+                          <m:t>3</m:t>
+                        </m:r>
+                        <m:r>
+                          <a:rPr lang="en-US" sz="2900" i="1">
+                            <a:latin typeface="Cambria Math" panose="02040503050406030204" pitchFamily="18" charset="0"/>
+                          </a:rPr>
+                          <m:t>,</m:t>
+                        </m:r>
+                        <m:r>
+                          <a:rPr lang="en-US" sz="2900" i="1">
+                            <a:latin typeface="Cambria Math" panose="02040503050406030204" pitchFamily="18" charset="0"/>
+                          </a:rPr>
+                          <m:t>𝑖</m:t>
+                        </m:r>
+                      </m:sub>
+                    </m:sSub>
+                    <m:sSub>
+                      <m:sSubPr>
+                        <m:ctrlPr>
+                          <a:rPr lang="en-US" sz="2900" i="1">
+                            <a:latin typeface="Cambria Math" panose="02040503050406030204" pitchFamily="18" charset="0"/>
+                          </a:rPr>
+                        </m:ctrlPr>
+                      </m:sSubPr>
+                      <m:e>
+                        <m:r>
+                          <a:rPr lang="en-US" sz="2900" i="1">
+                            <a:latin typeface="Cambria Math" panose="02040503050406030204" pitchFamily="18" charset="0"/>
+                          </a:rPr>
+                          <m:t>𝛽</m:t>
+                        </m:r>
+                      </m:e>
+                      <m:sub>
+                        <m:r>
+                          <a:rPr lang="en-US" sz="2900" b="0" i="1" smtClean="0">
+                            <a:latin typeface="Cambria Math" panose="02040503050406030204" pitchFamily="18" charset="0"/>
+                          </a:rPr>
+                          <m:t>3</m:t>
+                        </m:r>
+                      </m:sub>
+                    </m:sSub>
+                    <m:r>
+                      <a:rPr lang="en-US" sz="2900" b="0" i="1" smtClean="0">
+                        <a:latin typeface="Cambria Math" panose="02040503050406030204" pitchFamily="18" charset="0"/>
+                      </a:rPr>
+                      <m:t>+</m:t>
+                    </m:r>
+                    <m:sSub>
+                      <m:sSubPr>
+                        <m:ctrlPr>
+                          <a:rPr lang="en-US" sz="2900" i="1">
+                            <a:latin typeface="Cambria Math" panose="02040503050406030204" pitchFamily="18" charset="0"/>
+                          </a:rPr>
+                        </m:ctrlPr>
+                      </m:sSubPr>
+                      <m:e>
+                        <m:r>
+                          <a:rPr lang="en-US" sz="2900" i="1">
+                            <a:latin typeface="Cambria Math" panose="02040503050406030204" pitchFamily="18" charset="0"/>
+                          </a:rPr>
+                          <m:t>𝑥</m:t>
+                        </m:r>
+                      </m:e>
+                      <m:sub>
+                        <m:r>
+                          <a:rPr lang="en-US" sz="2900" b="0" i="1" smtClean="0">
+                            <a:latin typeface="Cambria Math" panose="02040503050406030204" pitchFamily="18" charset="0"/>
+                          </a:rPr>
+                          <m:t>4</m:t>
+                        </m:r>
+                        <m:r>
+                          <a:rPr lang="en-US" sz="2900" i="1">
+                            <a:latin typeface="Cambria Math" panose="02040503050406030204" pitchFamily="18" charset="0"/>
+                          </a:rPr>
+                          <m:t>,</m:t>
+                        </m:r>
+                        <m:r>
+                          <a:rPr lang="en-US" sz="2900" i="1">
+                            <a:latin typeface="Cambria Math" panose="02040503050406030204" pitchFamily="18" charset="0"/>
+                          </a:rPr>
+                          <m:t>𝑖</m:t>
+                        </m:r>
+                      </m:sub>
+                    </m:sSub>
+                    <m:sSub>
+                      <m:sSubPr>
+                        <m:ctrlPr>
+                          <a:rPr lang="en-US" sz="2900" i="1">
+                            <a:latin typeface="Cambria Math" panose="02040503050406030204" pitchFamily="18" charset="0"/>
+                          </a:rPr>
+                        </m:ctrlPr>
+                      </m:sSubPr>
+                      <m:e>
+                        <m:r>
+                          <a:rPr lang="en-US" sz="2900" i="1">
+                            <a:latin typeface="Cambria Math" panose="02040503050406030204" pitchFamily="18" charset="0"/>
+                          </a:rPr>
+                          <m:t>𝛽</m:t>
+                        </m:r>
+                      </m:e>
+                      <m:sub>
+                        <m:r>
+                          <a:rPr lang="en-US" sz="2900" b="0" i="1" smtClean="0">
+                            <a:latin typeface="Cambria Math" panose="02040503050406030204" pitchFamily="18" charset="0"/>
+                          </a:rPr>
+                          <m:t>4</m:t>
+                        </m:r>
+                      </m:sub>
+                    </m:sSub>
+                    <m:r>
+                      <a:rPr lang="en-US" sz="2900" b="0" i="1" smtClean="0">
+                        <a:latin typeface="Cambria Math" panose="02040503050406030204" pitchFamily="18" charset="0"/>
+                      </a:rPr>
+                      <m:t>+</m:t>
+                    </m:r>
+                    <m:sSub>
+                      <m:sSubPr>
+                        <m:ctrlPr>
+                          <a:rPr lang="en-US" sz="2900" i="1">
+                            <a:latin typeface="Cambria Math" panose="02040503050406030204" pitchFamily="18" charset="0"/>
+                          </a:rPr>
+                        </m:ctrlPr>
+                      </m:sSubPr>
+                      <m:e>
+                        <m:r>
+                          <a:rPr lang="en-US" sz="2900" i="1">
+                            <a:latin typeface="Cambria Math" panose="02040503050406030204" pitchFamily="18" charset="0"/>
+                          </a:rPr>
+                          <m:t>𝜖</m:t>
+                        </m:r>
+                      </m:e>
+                      <m:sub>
+                        <m:r>
+                          <a:rPr lang="en-US" sz="2900" i="1">
+                            <a:latin typeface="Cambria Math" panose="02040503050406030204" pitchFamily="18" charset="0"/>
+                          </a:rPr>
+                          <m:t>𝑖</m:t>
+                        </m:r>
+                      </m:sub>
+                    </m:sSub>
+                  </m:oMath>
+                </a14:m>
+                <a:r>
+                  <a:rPr lang="en-US" sz="2900" dirty="0"/>
+                  <a:t> </a:t>
+                </a:r>
+              </a:p>
+            </p:txBody>
+          </p:sp>
+        </mc:Choice>
+        <mc:Fallback>
+          <p:sp>
+            <p:nvSpPr>
+              <p:cNvPr id="8" name="TextBox 7">
+                <a:extLst>
+                  <a:ext uri="{FF2B5EF4-FFF2-40B4-BE49-F238E27FC236}">
+                    <a16:creationId xmlns:a16="http://schemas.microsoft.com/office/drawing/2014/main" id="{526C54A0-AE6D-8B4B-F749-CDE4A5BDF1B0}"/>
+                  </a:ext>
+                </a:extLst>
+              </p:cNvPr>
+              <p:cNvSpPr txBox="1">
+                <a:spLocks noRot="1" noChangeAspect="1" noMove="1" noResize="1" noEditPoints="1" noAdjustHandles="1" noChangeArrowheads="1" noChangeShapeType="1" noTextEdit="1"/>
+              </p:cNvSpPr>
+              <p:nvPr/>
+            </p:nvSpPr>
+            <p:spPr>
+              <a:xfrm>
+                <a:off x="17455112" y="22727899"/>
+                <a:ext cx="15262120" cy="750911"/>
+              </a:xfrm>
+              <a:prstGeom prst="rect">
+                <a:avLst/>
+              </a:prstGeom>
+              <a:blipFill>
+                <a:blip r:embed="rId14"/>
+                <a:stretch>
+                  <a:fillRect l="-914" b="-20000"/>
+                </a:stretch>
+              </a:blipFill>
+            </p:spPr>
+            <p:txBody>
+              <a:bodyPr/>
+              <a:lstStyle/>
+              <a:p>
+                <a:r>
+                  <a:rPr lang="en-US">
+                    <a:noFill/>
+                  </a:rPr>
+                  <a:t> </a:t>
+                </a:r>
+              </a:p>
+            </p:txBody>
+          </p:sp>
+        </mc:Fallback>
+      </mc:AlternateContent>
+      <p:grpSp>
+        <p:nvGrpSpPr>
+          <p:cNvPr id="788" name="Group 787">
+            <a:extLst>
+              <a:ext uri="{FF2B5EF4-FFF2-40B4-BE49-F238E27FC236}">
+                <a16:creationId xmlns:a16="http://schemas.microsoft.com/office/drawing/2014/main" id="{FD314A39-4611-B653-6252-E7E25A2A618C}"/>
+              </a:ext>
+            </a:extLst>
+          </p:cNvPr>
+          <p:cNvGrpSpPr/>
+          <p:nvPr/>
+        </p:nvGrpSpPr>
+        <p:grpSpPr>
+          <a:xfrm>
+            <a:off x="18264537" y="26064396"/>
+            <a:ext cx="5317477" cy="2073570"/>
+            <a:chOff x="18224780" y="26484288"/>
+            <a:chExt cx="5317477" cy="2073570"/>
+          </a:xfrm>
+        </p:grpSpPr>
+        <p:pic>
+          <p:nvPicPr>
+            <p:cNvPr id="3" name="Picture 2" descr="A picture containing application&#10;&#10;Description automatically generated">
+              <a:extLst>
+                <a:ext uri="{FF2B5EF4-FFF2-40B4-BE49-F238E27FC236}">
+                  <a16:creationId xmlns:a16="http://schemas.microsoft.com/office/drawing/2014/main" id="{B5A7F671-7711-A9CB-AF04-F559DCF356C7}"/>
+                </a:ext>
+              </a:extLst>
+            </p:cNvPr>
+            <p:cNvPicPr>
+              <a:picLocks noChangeAspect="1"/>
+            </p:cNvPicPr>
+            <p:nvPr/>
+          </p:nvPicPr>
+          <p:blipFill rotWithShape="1">
+            <a:blip r:embed="rId15"/>
+            <a:srcRect l="-1" t="19156" r="44693" b="1309"/>
+            <a:stretch/>
+          </p:blipFill>
+          <p:spPr>
+            <a:xfrm>
+              <a:off x="18224780" y="27780092"/>
+              <a:ext cx="4165277" cy="777766"/>
+            </a:xfrm>
+            <a:prstGeom prst="rect">
+              <a:avLst/>
+            </a:prstGeom>
+          </p:spPr>
+        </p:pic>
+        <p:pic>
+          <p:nvPicPr>
+            <p:cNvPr id="9" name="Picture 8" descr="Text&#10;&#10;Description automatically generated">
+              <a:extLst>
+                <a:ext uri="{FF2B5EF4-FFF2-40B4-BE49-F238E27FC236}">
+                  <a16:creationId xmlns:a16="http://schemas.microsoft.com/office/drawing/2014/main" id="{51FE6048-6BA8-8439-49CE-AC0E66887CA7}"/>
+                </a:ext>
+              </a:extLst>
+            </p:cNvPr>
+            <p:cNvPicPr>
+              <a:picLocks noChangeAspect="1"/>
+            </p:cNvPicPr>
+            <p:nvPr/>
+          </p:nvPicPr>
+          <p:blipFill rotWithShape="1">
+            <a:blip r:embed="rId16"/>
+            <a:srcRect t="62430" r="29154"/>
+            <a:stretch/>
+          </p:blipFill>
+          <p:spPr>
+            <a:xfrm>
+              <a:off x="18224780" y="26484288"/>
+              <a:ext cx="5317477" cy="1202385"/>
+            </a:xfrm>
+            <a:prstGeom prst="rect">
+              <a:avLst/>
+            </a:prstGeom>
+          </p:spPr>
+        </p:pic>
+      </p:grpSp>
+      <p:grpSp>
+        <p:nvGrpSpPr>
+          <p:cNvPr id="789" name="Group 788">
+            <a:extLst>
+              <a:ext uri="{FF2B5EF4-FFF2-40B4-BE49-F238E27FC236}">
+                <a16:creationId xmlns:a16="http://schemas.microsoft.com/office/drawing/2014/main" id="{02FC3991-3399-0B00-4CCC-5AC51FF87CA7}"/>
+              </a:ext>
+            </a:extLst>
+          </p:cNvPr>
+          <p:cNvGrpSpPr/>
+          <p:nvPr/>
+        </p:nvGrpSpPr>
+        <p:grpSpPr>
+          <a:xfrm>
+            <a:off x="26024394" y="26364683"/>
+            <a:ext cx="5067300" cy="1982489"/>
+            <a:chOff x="26020502" y="26590542"/>
+            <a:chExt cx="5067300" cy="1982489"/>
+          </a:xfrm>
+        </p:grpSpPr>
+        <p:pic>
+          <p:nvPicPr>
+            <p:cNvPr id="4" name="Picture 3" descr="Text&#10;&#10;Description automatically generated with medium confidence">
+              <a:extLst>
+                <a:ext uri="{FF2B5EF4-FFF2-40B4-BE49-F238E27FC236}">
+                  <a16:creationId xmlns:a16="http://schemas.microsoft.com/office/drawing/2014/main" id="{B2C30E52-D361-1018-9A57-B6A80144EE1A}"/>
+                </a:ext>
+              </a:extLst>
+            </p:cNvPr>
+            <p:cNvPicPr>
+              <a:picLocks noChangeAspect="1"/>
+            </p:cNvPicPr>
+            <p:nvPr/>
+          </p:nvPicPr>
+          <p:blipFill rotWithShape="1">
+            <a:blip r:embed="rId17"/>
+            <a:srcRect l="-1" t="45804" r="44785"/>
+            <a:stretch/>
+          </p:blipFill>
+          <p:spPr>
+            <a:xfrm>
+              <a:off x="26020502" y="27795265"/>
+              <a:ext cx="5067299" cy="777766"/>
+            </a:xfrm>
+            <a:prstGeom prst="rect">
+              <a:avLst/>
+            </a:prstGeom>
+          </p:spPr>
+        </p:pic>
+        <p:pic>
+          <p:nvPicPr>
+            <p:cNvPr id="11" name="Picture 10" descr="Text, letter&#10;&#10;Description automatically generated">
+              <a:extLst>
+                <a:ext uri="{FF2B5EF4-FFF2-40B4-BE49-F238E27FC236}">
+                  <a16:creationId xmlns:a16="http://schemas.microsoft.com/office/drawing/2014/main" id="{3ECA9C1E-1F24-9F1D-C331-72821C9C77AE}"/>
+                </a:ext>
+              </a:extLst>
+            </p:cNvPr>
+            <p:cNvPicPr>
+              <a:picLocks noChangeAspect="1"/>
+            </p:cNvPicPr>
+            <p:nvPr/>
+          </p:nvPicPr>
+          <p:blipFill>
+            <a:blip r:embed="rId18"/>
+            <a:stretch>
+              <a:fillRect/>
+            </a:stretch>
+          </p:blipFill>
+          <p:spPr>
+            <a:xfrm>
+              <a:off x="26020502" y="26590542"/>
+              <a:ext cx="5067300" cy="762000"/>
+            </a:xfrm>
+            <a:prstGeom prst="rect">
+              <a:avLst/>
+            </a:prstGeom>
+          </p:spPr>
+        </p:pic>
+        <p:pic>
+          <p:nvPicPr>
+            <p:cNvPr id="17" name="Picture 16" descr="Text&#10;&#10;Description automatically generated with medium confidence">
+              <a:extLst>
+                <a:ext uri="{FF2B5EF4-FFF2-40B4-BE49-F238E27FC236}">
+                  <a16:creationId xmlns:a16="http://schemas.microsoft.com/office/drawing/2014/main" id="{C8EC54EE-004B-1E3F-5964-901DB2778CB1}"/>
+                </a:ext>
+              </a:extLst>
+            </p:cNvPr>
+            <p:cNvPicPr>
+              <a:picLocks noChangeAspect="1"/>
+            </p:cNvPicPr>
+            <p:nvPr/>
+          </p:nvPicPr>
+          <p:blipFill rotWithShape="1">
+            <a:blip r:embed="rId17"/>
+            <a:srcRect r="32828" b="73319"/>
+            <a:stretch/>
+          </p:blipFill>
+          <p:spPr>
+            <a:xfrm>
+              <a:off x="26020502" y="27322729"/>
+              <a:ext cx="5067300" cy="382894"/>
+            </a:xfrm>
+            <a:prstGeom prst="rect">
+              <a:avLst/>
+            </a:prstGeom>
+          </p:spPr>
+        </p:pic>
+      </p:grpSp>
+      <p:sp>
+        <p:nvSpPr>
+          <p:cNvPr id="19" name="TextBox 18">
+            <a:extLst>
+              <a:ext uri="{FF2B5EF4-FFF2-40B4-BE49-F238E27FC236}">
+                <a16:creationId xmlns:a16="http://schemas.microsoft.com/office/drawing/2014/main" id="{E7F75914-9DB7-76BA-FA5A-46E8B1ACE923}"/>
+              </a:ext>
+            </a:extLst>
+          </p:cNvPr>
+          <p:cNvSpPr txBox="1"/>
+          <p:nvPr/>
+        </p:nvSpPr>
+        <p:spPr>
+          <a:xfrm>
+            <a:off x="17720154" y="28286183"/>
+            <a:ext cx="9521517" cy="707886"/>
+          </a:xfrm>
+          <a:prstGeom prst="rect">
+            <a:avLst/>
+          </a:prstGeom>
+          <a:noFill/>
+        </p:spPr>
+        <p:txBody>
+          <a:bodyPr wrap="none" rtlCol="0">
+            <a:spAutoFit/>
+          </a:bodyPr>
+          <a:lstStyle/>
+          <a:p>
+            <a:r>
+              <a:rPr lang="en-US" sz="4000" b="1" dirty="0">
+                <a:solidFill>
+                  <a:schemeClr val="accent2">
+                    <a:lumMod val="75000"/>
+                  </a:schemeClr>
+                </a:solidFill>
+              </a:rPr>
+              <a:t>Case 2: </a:t>
+            </a:r>
+            <a:r>
+              <a:rPr lang="en-US" sz="3600" b="1" dirty="0">
+                <a:solidFill>
+                  <a:schemeClr val="accent2">
+                    <a:lumMod val="75000"/>
+                  </a:schemeClr>
+                </a:solidFill>
+              </a:rPr>
+              <a:t>Missing Data independent of response </a:t>
+            </a:r>
+            <a:r>
+              <a:rPr lang="en-US" sz="3600" b="1" i="1" dirty="0">
+                <a:solidFill>
+                  <a:schemeClr val="accent2">
+                    <a:lumMod val="75000"/>
+                  </a:schemeClr>
+                </a:solidFill>
+              </a:rPr>
+              <a:t>Y</a:t>
+            </a:r>
+            <a:endParaRPr lang="en-US" sz="3600" b="1" dirty="0">
+              <a:solidFill>
+                <a:schemeClr val="accent2">
+                  <a:lumMod val="75000"/>
+                </a:schemeClr>
+              </a:solidFill>
+            </a:endParaRPr>
+          </a:p>
+        </p:txBody>
+      </p:sp>
+      <p:sp>
+        <p:nvSpPr>
+          <p:cNvPr id="22" name="TextBox 21">
+            <a:extLst>
+              <a:ext uri="{FF2B5EF4-FFF2-40B4-BE49-F238E27FC236}">
+                <a16:creationId xmlns:a16="http://schemas.microsoft.com/office/drawing/2014/main" id="{1836D78E-2845-258E-E973-F4AEDE564C11}"/>
+              </a:ext>
+            </a:extLst>
+          </p:cNvPr>
+          <p:cNvSpPr txBox="1"/>
+          <p:nvPr/>
+        </p:nvSpPr>
+        <p:spPr>
+          <a:xfrm>
+            <a:off x="19107545" y="32513059"/>
+            <a:ext cx="3115276" cy="523220"/>
+          </a:xfrm>
+          <a:prstGeom prst="rect">
+            <a:avLst/>
+          </a:prstGeom>
+          <a:noFill/>
+        </p:spPr>
+        <p:txBody>
+          <a:bodyPr wrap="none" rtlCol="0">
+            <a:spAutoFit/>
+          </a:bodyPr>
+          <a:lstStyle/>
+          <a:p>
+            <a:r>
+              <a:rPr lang="en-US" sz="2800" dirty="0"/>
+              <a:t>Multiple Imputation</a:t>
+            </a:r>
+          </a:p>
+        </p:txBody>
+      </p:sp>
+      <p:sp>
+        <p:nvSpPr>
+          <p:cNvPr id="23" name="TextBox 22">
+            <a:extLst>
+              <a:ext uri="{FF2B5EF4-FFF2-40B4-BE49-F238E27FC236}">
+                <a16:creationId xmlns:a16="http://schemas.microsoft.com/office/drawing/2014/main" id="{28A2FF04-18B4-66F1-C08D-080D2371AC04}"/>
+              </a:ext>
+            </a:extLst>
+          </p:cNvPr>
+          <p:cNvSpPr txBox="1"/>
+          <p:nvPr/>
+        </p:nvSpPr>
+        <p:spPr>
+          <a:xfrm>
+            <a:off x="27085954" y="32611787"/>
+            <a:ext cx="2650534" cy="523220"/>
+          </a:xfrm>
+          <a:prstGeom prst="rect">
+            <a:avLst/>
+          </a:prstGeom>
+          <a:noFill/>
+        </p:spPr>
+        <p:txBody>
+          <a:bodyPr wrap="none" rtlCol="0">
+            <a:spAutoFit/>
+          </a:bodyPr>
+          <a:lstStyle/>
+          <a:p>
+            <a:r>
+              <a:rPr lang="en-US" sz="2800" dirty="0"/>
+              <a:t>Listwise Deletion</a:t>
+            </a:r>
+          </a:p>
+        </p:txBody>
+      </p:sp>
+      <p:grpSp>
+        <p:nvGrpSpPr>
+          <p:cNvPr id="793" name="Group 792">
+            <a:extLst>
+              <a:ext uri="{FF2B5EF4-FFF2-40B4-BE49-F238E27FC236}">
+                <a16:creationId xmlns:a16="http://schemas.microsoft.com/office/drawing/2014/main" id="{68DAA845-0528-3E88-DDF3-2D99569D4174}"/>
+              </a:ext>
+            </a:extLst>
+          </p:cNvPr>
+          <p:cNvGrpSpPr/>
+          <p:nvPr/>
+        </p:nvGrpSpPr>
+        <p:grpSpPr>
+          <a:xfrm>
+            <a:off x="18113454" y="33323244"/>
+            <a:ext cx="5118661" cy="1926066"/>
+            <a:chOff x="17536766" y="32258557"/>
+            <a:chExt cx="5118661" cy="1926066"/>
+          </a:xfrm>
+        </p:grpSpPr>
+        <p:pic>
+          <p:nvPicPr>
+            <p:cNvPr id="33" name="Picture 32">
+              <a:extLst>
+                <a:ext uri="{FF2B5EF4-FFF2-40B4-BE49-F238E27FC236}">
+                  <a16:creationId xmlns:a16="http://schemas.microsoft.com/office/drawing/2014/main" id="{CC32499B-571F-4953-7911-4AB6CFE92595}"/>
+                </a:ext>
+              </a:extLst>
+            </p:cNvPr>
+            <p:cNvPicPr>
+              <a:picLocks noChangeAspect="1"/>
+            </p:cNvPicPr>
+            <p:nvPr/>
+          </p:nvPicPr>
+          <p:blipFill>
+            <a:blip r:embed="rId19"/>
+            <a:stretch>
+              <a:fillRect/>
+            </a:stretch>
+          </p:blipFill>
+          <p:spPr>
+            <a:xfrm>
+              <a:off x="17536766" y="33435323"/>
+              <a:ext cx="4343400" cy="749300"/>
+            </a:xfrm>
+            <a:prstGeom prst="rect">
+              <a:avLst/>
+            </a:prstGeom>
+          </p:spPr>
+        </p:pic>
+        <p:pic>
+          <p:nvPicPr>
+            <p:cNvPr id="35" name="Picture 34">
+              <a:extLst>
+                <a:ext uri="{FF2B5EF4-FFF2-40B4-BE49-F238E27FC236}">
+                  <a16:creationId xmlns:a16="http://schemas.microsoft.com/office/drawing/2014/main" id="{36C64111-F475-93DE-F762-6A7494D0BEC2}"/>
+                </a:ext>
+              </a:extLst>
+            </p:cNvPr>
+            <p:cNvPicPr>
+              <a:picLocks noChangeAspect="1"/>
+            </p:cNvPicPr>
+            <p:nvPr/>
+          </p:nvPicPr>
+          <p:blipFill>
+            <a:blip r:embed="rId20"/>
+            <a:stretch>
+              <a:fillRect/>
+            </a:stretch>
+          </p:blipFill>
+          <p:spPr>
+            <a:xfrm>
+              <a:off x="17575427" y="32258557"/>
+              <a:ext cx="5080000" cy="1206500"/>
+            </a:xfrm>
+            <a:prstGeom prst="rect">
+              <a:avLst/>
+            </a:prstGeom>
+          </p:spPr>
+        </p:pic>
+      </p:grpSp>
+      <p:grpSp>
+        <p:nvGrpSpPr>
+          <p:cNvPr id="792" name="Group 791">
+            <a:extLst>
+              <a:ext uri="{FF2B5EF4-FFF2-40B4-BE49-F238E27FC236}">
+                <a16:creationId xmlns:a16="http://schemas.microsoft.com/office/drawing/2014/main" id="{5F8BF13A-11A2-B87C-46BB-22711D138061}"/>
+              </a:ext>
+            </a:extLst>
+          </p:cNvPr>
+          <p:cNvGrpSpPr/>
+          <p:nvPr/>
+        </p:nvGrpSpPr>
+        <p:grpSpPr>
+          <a:xfrm>
+            <a:off x="25970485" y="33304945"/>
+            <a:ext cx="5171022" cy="1979322"/>
+            <a:chOff x="25704891" y="32399530"/>
+            <a:chExt cx="5171022" cy="1979322"/>
+          </a:xfrm>
+        </p:grpSpPr>
+        <p:pic>
+          <p:nvPicPr>
+            <p:cNvPr id="37" name="Picture 36" descr="Graphical user interface, application, Teams&#10;&#10;Description automatically generated">
+              <a:extLst>
+                <a:ext uri="{FF2B5EF4-FFF2-40B4-BE49-F238E27FC236}">
+                  <a16:creationId xmlns:a16="http://schemas.microsoft.com/office/drawing/2014/main" id="{2D85D9A6-EAEE-DCD8-212C-1745E45BD7DF}"/>
+                </a:ext>
+              </a:extLst>
+            </p:cNvPr>
+            <p:cNvPicPr>
+              <a:picLocks noChangeAspect="1"/>
+            </p:cNvPicPr>
+            <p:nvPr/>
+          </p:nvPicPr>
+          <p:blipFill>
+            <a:blip r:embed="rId21"/>
+            <a:stretch>
+              <a:fillRect/>
+            </a:stretch>
+          </p:blipFill>
+          <p:spPr>
+            <a:xfrm>
+              <a:off x="25704891" y="33566052"/>
+              <a:ext cx="3975100" cy="812800"/>
+            </a:xfrm>
+            <a:prstGeom prst="rect">
+              <a:avLst/>
+            </a:prstGeom>
+          </p:spPr>
+        </p:pic>
+        <p:pic>
+          <p:nvPicPr>
+            <p:cNvPr id="39" name="Picture 38" descr="Text&#10;&#10;Description automatically generated">
+              <a:extLst>
+                <a:ext uri="{FF2B5EF4-FFF2-40B4-BE49-F238E27FC236}">
+                  <a16:creationId xmlns:a16="http://schemas.microsoft.com/office/drawing/2014/main" id="{FFC7029C-34C4-CF73-AD34-3B5C33E8FF1C}"/>
+                </a:ext>
+              </a:extLst>
+            </p:cNvPr>
+            <p:cNvPicPr>
+              <a:picLocks noChangeAspect="1"/>
+            </p:cNvPicPr>
+            <p:nvPr/>
+          </p:nvPicPr>
+          <p:blipFill>
+            <a:blip r:embed="rId22"/>
+            <a:stretch>
+              <a:fillRect/>
+            </a:stretch>
+          </p:blipFill>
+          <p:spPr>
+            <a:xfrm>
+              <a:off x="25757813" y="32399530"/>
+              <a:ext cx="5118100" cy="1206500"/>
+            </a:xfrm>
+            <a:prstGeom prst="rect">
+              <a:avLst/>
+            </a:prstGeom>
+          </p:spPr>
+        </p:pic>
+      </p:grpSp>
+      <p:grpSp>
+        <p:nvGrpSpPr>
+          <p:cNvPr id="785" name="Group 784">
+            <a:extLst>
+              <a:ext uri="{FF2B5EF4-FFF2-40B4-BE49-F238E27FC236}">
+                <a16:creationId xmlns:a16="http://schemas.microsoft.com/office/drawing/2014/main" id="{6B71BE9D-F035-D509-39A3-FDA8A4D45AEB}"/>
+              </a:ext>
+            </a:extLst>
+          </p:cNvPr>
+          <p:cNvGrpSpPr/>
+          <p:nvPr/>
+        </p:nvGrpSpPr>
+        <p:grpSpPr>
+          <a:xfrm>
+            <a:off x="21919859" y="29674553"/>
+            <a:ext cx="4882079" cy="2814439"/>
+            <a:chOff x="17773348" y="34683234"/>
+            <a:chExt cx="4882079" cy="2520676"/>
+          </a:xfrm>
+        </p:grpSpPr>
+        <p:pic>
+          <p:nvPicPr>
+            <p:cNvPr id="41" name="Picture 40" descr="Table, Excel&#10;&#10;Description automatically generated">
+              <a:extLst>
+                <a:ext uri="{FF2B5EF4-FFF2-40B4-BE49-F238E27FC236}">
+                  <a16:creationId xmlns:a16="http://schemas.microsoft.com/office/drawing/2014/main" id="{5496E6E0-A293-C174-B8A8-3D4F3ACA493B}"/>
+                </a:ext>
+              </a:extLst>
+            </p:cNvPr>
+            <p:cNvPicPr>
+              <a:picLocks noChangeAspect="1"/>
+            </p:cNvPicPr>
+            <p:nvPr/>
+          </p:nvPicPr>
+          <p:blipFill rotWithShape="1">
+            <a:blip r:embed="rId23"/>
+            <a:srcRect l="149" t="34122" r="-1" b="24949"/>
+            <a:stretch/>
+          </p:blipFill>
+          <p:spPr>
+            <a:xfrm>
+              <a:off x="17773349" y="34961822"/>
+              <a:ext cx="4882078" cy="2242088"/>
+            </a:xfrm>
+            <a:prstGeom prst="rect">
+              <a:avLst/>
+            </a:prstGeom>
+          </p:spPr>
+        </p:pic>
+        <p:pic>
+          <p:nvPicPr>
+            <p:cNvPr id="43" name="Picture 42">
+              <a:extLst>
+                <a:ext uri="{FF2B5EF4-FFF2-40B4-BE49-F238E27FC236}">
+                  <a16:creationId xmlns:a16="http://schemas.microsoft.com/office/drawing/2014/main" id="{EE6D6CBE-F947-C366-5196-921A4595AC13}"/>
+                </a:ext>
+              </a:extLst>
+            </p:cNvPr>
+            <p:cNvPicPr>
+              <a:picLocks noChangeAspect="1"/>
+            </p:cNvPicPr>
+            <p:nvPr/>
+          </p:nvPicPr>
+          <p:blipFill>
+            <a:blip r:embed="rId24"/>
+            <a:stretch>
+              <a:fillRect/>
+            </a:stretch>
+          </p:blipFill>
+          <p:spPr>
+            <a:xfrm>
+              <a:off x="17773348" y="34683234"/>
+              <a:ext cx="4882079" cy="272022"/>
+            </a:xfrm>
+            <a:prstGeom prst="rect">
+              <a:avLst/>
+            </a:prstGeom>
+          </p:spPr>
+        </p:pic>
+      </p:grpSp>
+      <p:sp>
+        <p:nvSpPr>
+          <p:cNvPr id="44" name="TextBox 43">
+            <a:extLst>
+              <a:ext uri="{FF2B5EF4-FFF2-40B4-BE49-F238E27FC236}">
+                <a16:creationId xmlns:a16="http://schemas.microsoft.com/office/drawing/2014/main" id="{396E90D3-1081-E998-E512-43464DD67270}"/>
+              </a:ext>
+            </a:extLst>
+          </p:cNvPr>
+          <p:cNvSpPr txBox="1"/>
+          <p:nvPr/>
+        </p:nvSpPr>
+        <p:spPr>
+          <a:xfrm>
+            <a:off x="17485011" y="35392953"/>
+            <a:ext cx="14499354" cy="615553"/>
+          </a:xfrm>
+          <a:prstGeom prst="rect">
+            <a:avLst/>
+          </a:prstGeom>
+          <a:noFill/>
+        </p:spPr>
+        <p:txBody>
+          <a:bodyPr wrap="none" rtlCol="0">
+            <a:spAutoFit/>
+          </a:bodyPr>
+          <a:lstStyle/>
+          <a:p>
+            <a:r>
+              <a:rPr lang="en-US" sz="3400" b="1" dirty="0">
+                <a:solidFill>
+                  <a:schemeClr val="accent2">
+                    <a:lumMod val="75000"/>
+                  </a:schemeClr>
+                </a:solidFill>
+              </a:rPr>
+              <a:t>Case 3: Logistic regression model &amp; probability to be missing depends </a:t>
+            </a:r>
+            <a:r>
+              <a:rPr lang="en-US" sz="3400" b="1" i="1" dirty="0">
+                <a:solidFill>
+                  <a:schemeClr val="accent2">
+                    <a:lumMod val="75000"/>
+                  </a:schemeClr>
+                </a:solidFill>
+              </a:rPr>
+              <a:t>only</a:t>
+            </a:r>
+            <a:r>
+              <a:rPr lang="en-US" sz="3400" b="1" dirty="0">
+                <a:solidFill>
+                  <a:schemeClr val="accent2">
+                    <a:lumMod val="75000"/>
+                  </a:schemeClr>
+                </a:solidFill>
+              </a:rPr>
+              <a:t> on </a:t>
+            </a:r>
+            <a:r>
+              <a:rPr lang="en-US" sz="3400" b="1" i="1" dirty="0">
+                <a:solidFill>
+                  <a:schemeClr val="accent2">
+                    <a:lumMod val="75000"/>
+                  </a:schemeClr>
+                </a:solidFill>
+              </a:rPr>
+              <a:t>Y</a:t>
+            </a:r>
+            <a:endParaRPr lang="en-US" sz="3400" b="1" dirty="0">
+              <a:solidFill>
+                <a:schemeClr val="accent2">
+                  <a:lumMod val="75000"/>
+                </a:schemeClr>
+              </a:solidFill>
+            </a:endParaRPr>
+          </a:p>
+        </p:txBody>
+      </p:sp>
+      <mc:AlternateContent xmlns:mc="http://schemas.openxmlformats.org/markup-compatibility/2006">
+        <mc:Choice xmlns:a14="http://schemas.microsoft.com/office/drawing/2010/main" Requires="a14">
+          <p:sp>
+            <p:nvSpPr>
+              <p:cNvPr id="46" name="TextBox 45">
+                <a:extLst>
+                  <a:ext uri="{FF2B5EF4-FFF2-40B4-BE49-F238E27FC236}">
+                    <a16:creationId xmlns:a16="http://schemas.microsoft.com/office/drawing/2014/main" id="{56E6EDD7-0C2D-AD2A-6C73-A37E5CBC0549}"/>
+                  </a:ext>
+                </a:extLst>
+              </p:cNvPr>
+              <p:cNvSpPr txBox="1"/>
+              <p:nvPr/>
+            </p:nvSpPr>
+            <p:spPr>
+              <a:xfrm>
+                <a:off x="17536766" y="36007072"/>
+                <a:ext cx="16459200" cy="1405769"/>
+              </a:xfrm>
+              <a:prstGeom prst="rect">
+                <a:avLst/>
+              </a:prstGeom>
+              <a:noFill/>
+            </p:spPr>
+            <p:txBody>
+              <a:bodyPr wrap="square">
+                <a:spAutoFit/>
+              </a:bodyPr>
+              <a:lstStyle/>
+              <a:p>
+                <a:pPr>
+                  <a:lnSpc>
+                    <a:spcPct val="150000"/>
+                  </a:lnSpc>
+                </a:pPr>
+                <a:r>
+                  <a:rPr lang="en-US" sz="3000" b="1" dirty="0"/>
+                  <a:t>Simulate determining </a:t>
+                </a:r>
+                <a14:m>
+                  <m:oMath xmlns:m="http://schemas.openxmlformats.org/officeDocument/2006/math">
+                    <m:sSub>
+                      <m:sSubPr>
+                        <m:ctrlPr>
+                          <a:rPr lang="en-US" sz="3000" b="1" i="1" smtClean="0">
+                            <a:latin typeface="Cambria Math" panose="02040503050406030204" pitchFamily="18" charset="0"/>
+                          </a:rPr>
+                        </m:ctrlPr>
+                      </m:sSubPr>
+                      <m:e>
+                        <m:r>
+                          <a:rPr lang="en-US" sz="3000" b="1" i="1" smtClean="0">
+                            <a:latin typeface="Cambria Math" panose="02040503050406030204" pitchFamily="18" charset="0"/>
+                          </a:rPr>
+                          <m:t>𝜷</m:t>
+                        </m:r>
+                      </m:e>
+                      <m:sub>
+                        <m:r>
+                          <a:rPr lang="en-US" sz="3000" b="1" i="1" smtClean="0">
+                            <a:latin typeface="Cambria Math" panose="02040503050406030204" pitchFamily="18" charset="0"/>
+                          </a:rPr>
+                          <m:t>𝟏</m:t>
+                        </m:r>
+                      </m:sub>
+                    </m:sSub>
+                    <m:r>
+                      <a:rPr lang="en-US" sz="3000" b="1" i="1" smtClean="0">
+                        <a:latin typeface="Cambria Math" panose="02040503050406030204" pitchFamily="18" charset="0"/>
+                      </a:rPr>
+                      <m:t>=</m:t>
+                    </m:r>
+                    <m:r>
+                      <a:rPr lang="en-US" sz="3000" b="1" i="1" smtClean="0">
+                        <a:latin typeface="Cambria Math" panose="02040503050406030204" pitchFamily="18" charset="0"/>
+                      </a:rPr>
+                      <m:t>𝟏</m:t>
+                    </m:r>
+                  </m:oMath>
+                </a14:m>
+                <a:r>
+                  <a:rPr lang="en-US" sz="3000" b="1" dirty="0"/>
+                  <a:t>, </a:t>
+                </a:r>
+                <a14:m>
+                  <m:oMath xmlns:m="http://schemas.openxmlformats.org/officeDocument/2006/math">
+                    <m:sSub>
+                      <m:sSubPr>
+                        <m:ctrlPr>
+                          <a:rPr lang="en-US" sz="3000" b="1" i="1" smtClean="0">
+                            <a:latin typeface="Cambria Math" panose="02040503050406030204" pitchFamily="18" charset="0"/>
+                          </a:rPr>
+                        </m:ctrlPr>
+                      </m:sSubPr>
+                      <m:e>
+                        <m:r>
+                          <a:rPr lang="en-US" sz="3000" b="1" i="1">
+                            <a:latin typeface="Cambria Math" panose="02040503050406030204" pitchFamily="18" charset="0"/>
+                          </a:rPr>
+                          <m:t>𝜷</m:t>
+                        </m:r>
+                      </m:e>
+                      <m:sub>
+                        <m:r>
+                          <a:rPr lang="en-US" sz="3000" b="1" i="1" smtClean="0">
+                            <a:latin typeface="Cambria Math" panose="02040503050406030204" pitchFamily="18" charset="0"/>
+                          </a:rPr>
+                          <m:t>𝟐</m:t>
+                        </m:r>
+                      </m:sub>
+                    </m:sSub>
+                  </m:oMath>
+                </a14:m>
+                <a:r>
+                  <a:rPr lang="en-US" sz="3000" b="1" dirty="0"/>
+                  <a:t> = 2  </a:t>
+                </a:r>
+                <a:r>
+                  <a:rPr lang="en-US" sz="3000" dirty="0"/>
+                  <a:t>in logistic regression model. MNAR missingness</a:t>
+                </a:r>
+              </a:p>
+              <a:p>
+                <a:pPr>
+                  <a:lnSpc>
+                    <a:spcPct val="150000"/>
+                  </a:lnSpc>
+                </a:pPr>
+                <a:r>
+                  <a:rPr lang="en-US" sz="3000" dirty="0"/>
+                  <a:t>where </a:t>
+                </a:r>
+                <a:r>
+                  <a:rPr lang="en-US" sz="3000" i="1" dirty="0"/>
+                  <a:t>Y = 0 </a:t>
+                </a:r>
+                <a:r>
+                  <a:rPr lang="en-US" sz="3000" dirty="0"/>
+                  <a:t>observations have greater missingness probability for predictors than </a:t>
+                </a:r>
+                <a:r>
+                  <a:rPr lang="en-US" sz="3000" i="1" dirty="0"/>
+                  <a:t>Y = 1 </a:t>
+                </a:r>
+                <a:r>
+                  <a:rPr lang="en-US" sz="3000" dirty="0"/>
+                  <a:t>cases</a:t>
+                </a:r>
+              </a:p>
+            </p:txBody>
+          </p:sp>
+        </mc:Choice>
+        <mc:Fallback>
+          <p:sp>
+            <p:nvSpPr>
+              <p:cNvPr id="46" name="TextBox 45">
+                <a:extLst>
+                  <a:ext uri="{FF2B5EF4-FFF2-40B4-BE49-F238E27FC236}">
+                    <a16:creationId xmlns:a16="http://schemas.microsoft.com/office/drawing/2014/main" id="{56E6EDD7-0C2D-AD2A-6C73-A37E5CBC0549}"/>
+                  </a:ext>
+                </a:extLst>
+              </p:cNvPr>
+              <p:cNvSpPr txBox="1">
+                <a:spLocks noRot="1" noChangeAspect="1" noMove="1" noResize="1" noEditPoints="1" noAdjustHandles="1" noChangeArrowheads="1" noChangeShapeType="1" noTextEdit="1"/>
+              </p:cNvSpPr>
+              <p:nvPr/>
+            </p:nvSpPr>
+            <p:spPr>
+              <a:xfrm>
+                <a:off x="17536766" y="36007072"/>
+                <a:ext cx="16459200" cy="1405769"/>
+              </a:xfrm>
+              <a:prstGeom prst="rect">
+                <a:avLst/>
+              </a:prstGeom>
+              <a:blipFill>
+                <a:blip r:embed="rId25"/>
+                <a:stretch>
+                  <a:fillRect l="-848" b="-13514"/>
+                </a:stretch>
+              </a:blipFill>
+            </p:spPr>
+            <p:txBody>
+              <a:bodyPr/>
+              <a:lstStyle/>
+              <a:p>
+                <a:r>
+                  <a:rPr lang="en-US">
+                    <a:noFill/>
+                  </a:rPr>
+                  <a:t> </a:t>
+                </a:r>
+              </a:p>
+            </p:txBody>
+          </p:sp>
+        </mc:Fallback>
+      </mc:AlternateContent>
+      <p:sp>
+        <p:nvSpPr>
+          <p:cNvPr id="49" name="TextBox 48">
+            <a:extLst>
+              <a:ext uri="{FF2B5EF4-FFF2-40B4-BE49-F238E27FC236}">
+                <a16:creationId xmlns:a16="http://schemas.microsoft.com/office/drawing/2014/main" id="{6FC8CAA4-CE09-55D8-12A8-FBDB3911F4AA}"/>
+              </a:ext>
+            </a:extLst>
+          </p:cNvPr>
+          <p:cNvSpPr txBox="1"/>
+          <p:nvPr/>
+        </p:nvSpPr>
+        <p:spPr>
+          <a:xfrm>
+            <a:off x="18081364" y="37627886"/>
+            <a:ext cx="3115276" cy="523220"/>
+          </a:xfrm>
+          <a:prstGeom prst="rect">
+            <a:avLst/>
+          </a:prstGeom>
+          <a:noFill/>
+        </p:spPr>
+        <p:txBody>
+          <a:bodyPr wrap="none" rtlCol="0">
+            <a:spAutoFit/>
+          </a:bodyPr>
+          <a:lstStyle/>
+          <a:p>
+            <a:r>
+              <a:rPr lang="en-US" sz="2800" dirty="0"/>
+              <a:t>Multiple Imputation</a:t>
+            </a:r>
+          </a:p>
+        </p:txBody>
+      </p:sp>
+      <p:sp>
+        <p:nvSpPr>
+          <p:cNvPr id="50" name="TextBox 49">
+            <a:extLst>
+              <a:ext uri="{FF2B5EF4-FFF2-40B4-BE49-F238E27FC236}">
+                <a16:creationId xmlns:a16="http://schemas.microsoft.com/office/drawing/2014/main" id="{25834D4B-9FF0-DB62-2678-19D41A873C1A}"/>
+              </a:ext>
+            </a:extLst>
+          </p:cNvPr>
+          <p:cNvSpPr txBox="1"/>
+          <p:nvPr/>
+        </p:nvSpPr>
+        <p:spPr>
+          <a:xfrm>
+            <a:off x="27678191" y="37697822"/>
+            <a:ext cx="2650534" cy="523220"/>
+          </a:xfrm>
+          <a:prstGeom prst="rect">
+            <a:avLst/>
+          </a:prstGeom>
+          <a:noFill/>
+        </p:spPr>
+        <p:txBody>
+          <a:bodyPr wrap="none" rtlCol="0">
+            <a:spAutoFit/>
+          </a:bodyPr>
+          <a:lstStyle/>
+          <a:p>
+            <a:r>
+              <a:rPr lang="en-US" sz="2800" dirty="0"/>
+              <a:t>Listwise Deletion</a:t>
+            </a:r>
+          </a:p>
+        </p:txBody>
+      </p:sp>
+      <p:grpSp>
+        <p:nvGrpSpPr>
+          <p:cNvPr id="806" name="Group 805">
+            <a:extLst>
+              <a:ext uri="{FF2B5EF4-FFF2-40B4-BE49-F238E27FC236}">
+                <a16:creationId xmlns:a16="http://schemas.microsoft.com/office/drawing/2014/main" id="{D1FB0381-5FC3-DA68-6123-86A3C581B8A2}"/>
+              </a:ext>
+            </a:extLst>
+          </p:cNvPr>
+          <p:cNvGrpSpPr/>
+          <p:nvPr/>
+        </p:nvGrpSpPr>
+        <p:grpSpPr>
+          <a:xfrm>
+            <a:off x="17556364" y="38545674"/>
+            <a:ext cx="4906407" cy="1627164"/>
+            <a:chOff x="18113454" y="40595173"/>
+            <a:chExt cx="4906407" cy="1627164"/>
+          </a:xfrm>
+        </p:grpSpPr>
+        <p:pic>
+          <p:nvPicPr>
+            <p:cNvPr id="52" name="Picture 51">
+              <a:extLst>
+                <a:ext uri="{FF2B5EF4-FFF2-40B4-BE49-F238E27FC236}">
+                  <a16:creationId xmlns:a16="http://schemas.microsoft.com/office/drawing/2014/main" id="{1872EDE3-C4A8-0B5D-29E0-6A481E69F574}"/>
+                </a:ext>
+              </a:extLst>
+            </p:cNvPr>
+            <p:cNvPicPr>
+              <a:picLocks noChangeAspect="1"/>
+            </p:cNvPicPr>
+            <p:nvPr/>
+          </p:nvPicPr>
+          <p:blipFill>
+            <a:blip r:embed="rId26"/>
+            <a:stretch>
+              <a:fillRect/>
+            </a:stretch>
+          </p:blipFill>
+          <p:spPr>
+            <a:xfrm>
+              <a:off x="18130361" y="40595173"/>
+              <a:ext cx="4889500" cy="812800"/>
+            </a:xfrm>
+            <a:prstGeom prst="rect">
+              <a:avLst/>
+            </a:prstGeom>
+          </p:spPr>
+        </p:pic>
+        <p:pic>
+          <p:nvPicPr>
+            <p:cNvPr id="54" name="Picture 53">
+              <a:extLst>
+                <a:ext uri="{FF2B5EF4-FFF2-40B4-BE49-F238E27FC236}">
+                  <a16:creationId xmlns:a16="http://schemas.microsoft.com/office/drawing/2014/main" id="{C94A2182-F9C6-8F3F-7366-072790E1FB7D}"/>
+                </a:ext>
+              </a:extLst>
+            </p:cNvPr>
+            <p:cNvPicPr>
+              <a:picLocks noChangeAspect="1"/>
+            </p:cNvPicPr>
+            <p:nvPr/>
+          </p:nvPicPr>
+          <p:blipFill>
+            <a:blip r:embed="rId27"/>
+            <a:stretch>
+              <a:fillRect/>
+            </a:stretch>
+          </p:blipFill>
+          <p:spPr>
+            <a:xfrm>
+              <a:off x="18113454" y="41473037"/>
+              <a:ext cx="3098800" cy="749300"/>
+            </a:xfrm>
+            <a:prstGeom prst="rect">
+              <a:avLst/>
+            </a:prstGeom>
+          </p:spPr>
+        </p:pic>
+      </p:grpSp>
+      <p:grpSp>
+        <p:nvGrpSpPr>
+          <p:cNvPr id="805" name="Group 804">
+            <a:extLst>
+              <a:ext uri="{FF2B5EF4-FFF2-40B4-BE49-F238E27FC236}">
+                <a16:creationId xmlns:a16="http://schemas.microsoft.com/office/drawing/2014/main" id="{1ABF5FC5-ED6B-49AA-2100-42803BF6853A}"/>
+              </a:ext>
+            </a:extLst>
+          </p:cNvPr>
+          <p:cNvGrpSpPr/>
+          <p:nvPr/>
+        </p:nvGrpSpPr>
+        <p:grpSpPr>
+          <a:xfrm>
+            <a:off x="26503446" y="38505597"/>
+            <a:ext cx="5006990" cy="1678310"/>
+            <a:chOff x="25499346" y="40544027"/>
+            <a:chExt cx="5006990" cy="1678310"/>
+          </a:xfrm>
+        </p:grpSpPr>
+        <p:pic>
+          <p:nvPicPr>
+            <p:cNvPr id="56" name="Picture 55" descr="Graphical user interface, text, application&#10;&#10;Description automatically generated">
+              <a:extLst>
+                <a:ext uri="{FF2B5EF4-FFF2-40B4-BE49-F238E27FC236}">
+                  <a16:creationId xmlns:a16="http://schemas.microsoft.com/office/drawing/2014/main" id="{D1E91D8F-6F65-65B5-C969-06675D4DBD88}"/>
+                </a:ext>
+              </a:extLst>
+            </p:cNvPr>
+            <p:cNvPicPr>
+              <a:picLocks noChangeAspect="1"/>
+            </p:cNvPicPr>
+            <p:nvPr/>
+          </p:nvPicPr>
+          <p:blipFill>
+            <a:blip r:embed="rId28"/>
+            <a:stretch>
+              <a:fillRect/>
+            </a:stretch>
+          </p:blipFill>
+          <p:spPr>
+            <a:xfrm>
+              <a:off x="25499346" y="41460337"/>
+              <a:ext cx="4953000" cy="762000"/>
+            </a:xfrm>
+            <a:prstGeom prst="rect">
+              <a:avLst/>
+            </a:prstGeom>
+          </p:spPr>
+        </p:pic>
+        <p:pic>
+          <p:nvPicPr>
+            <p:cNvPr id="58" name="Picture 57" descr="Text, letter&#10;&#10;Description automatically generated">
+              <a:extLst>
+                <a:ext uri="{FF2B5EF4-FFF2-40B4-BE49-F238E27FC236}">
+                  <a16:creationId xmlns:a16="http://schemas.microsoft.com/office/drawing/2014/main" id="{FD9D6BA2-C1E7-DD9F-66AD-B993C337F4EE}"/>
+                </a:ext>
+              </a:extLst>
+            </p:cNvPr>
+            <p:cNvPicPr>
+              <a:picLocks noChangeAspect="1"/>
+            </p:cNvPicPr>
+            <p:nvPr/>
+          </p:nvPicPr>
+          <p:blipFill>
+            <a:blip r:embed="rId29"/>
+            <a:stretch>
+              <a:fillRect/>
+            </a:stretch>
+          </p:blipFill>
+          <p:spPr>
+            <a:xfrm>
+              <a:off x="25553336" y="40544027"/>
+              <a:ext cx="4953000" cy="825500"/>
+            </a:xfrm>
+            <a:prstGeom prst="rect">
+              <a:avLst/>
+            </a:prstGeom>
+          </p:spPr>
+        </p:pic>
+      </p:grpSp>
+      <p:pic>
+        <p:nvPicPr>
+          <p:cNvPr id="61" name="Picture 60" descr="Table&#10;&#10;Description automatically generated">
+            <a:extLst>
+              <a:ext uri="{FF2B5EF4-FFF2-40B4-BE49-F238E27FC236}">
+                <a16:creationId xmlns:a16="http://schemas.microsoft.com/office/drawing/2014/main" id="{A4787385-C858-EB20-3D96-4D11D4C06394}"/>
+              </a:ext>
+            </a:extLst>
+          </p:cNvPr>
+          <p:cNvPicPr>
+            <a:picLocks noChangeAspect="1"/>
+          </p:cNvPicPr>
+          <p:nvPr/>
+        </p:nvPicPr>
+        <p:blipFill>
+          <a:blip r:embed="rId30"/>
+          <a:stretch>
+            <a:fillRect/>
+          </a:stretch>
+        </p:blipFill>
+        <p:spPr>
+          <a:xfrm>
+            <a:off x="22121602" y="23685250"/>
+            <a:ext cx="5511410" cy="1675984"/>
+          </a:xfrm>
+          <a:prstGeom prst="rect">
+            <a:avLst/>
+          </a:prstGeom>
+        </p:spPr>
+      </p:pic>
+      <p:grpSp>
+        <p:nvGrpSpPr>
+          <p:cNvPr id="783" name="Group 782">
+            <a:extLst>
+              <a:ext uri="{FF2B5EF4-FFF2-40B4-BE49-F238E27FC236}">
+                <a16:creationId xmlns:a16="http://schemas.microsoft.com/office/drawing/2014/main" id="{896FAA4B-CE3F-10FC-0E86-FC5F6B8BD7EE}"/>
+              </a:ext>
+            </a:extLst>
+          </p:cNvPr>
+          <p:cNvGrpSpPr/>
+          <p:nvPr/>
+        </p:nvGrpSpPr>
+        <p:grpSpPr>
+          <a:xfrm>
+            <a:off x="22588609" y="37492607"/>
+            <a:ext cx="3445427" cy="2838193"/>
+            <a:chOff x="13218615" y="37638583"/>
+            <a:chExt cx="3930380" cy="3546387"/>
+          </a:xfrm>
+        </p:grpSpPr>
+        <p:pic>
+          <p:nvPicPr>
+            <p:cNvPr id="63" name="Picture 62" descr="Table&#10;&#10;Description automatically generated">
+              <a:extLst>
+                <a:ext uri="{FF2B5EF4-FFF2-40B4-BE49-F238E27FC236}">
+                  <a16:creationId xmlns:a16="http://schemas.microsoft.com/office/drawing/2014/main" id="{936D241A-4020-63CA-7B6A-C4D8528B6987}"/>
+                </a:ext>
+              </a:extLst>
+            </p:cNvPr>
+            <p:cNvPicPr>
+              <a:picLocks noChangeAspect="1"/>
+            </p:cNvPicPr>
+            <p:nvPr/>
+          </p:nvPicPr>
+          <p:blipFill>
+            <a:blip r:embed="rId31"/>
+            <a:stretch>
+              <a:fillRect/>
+            </a:stretch>
+          </p:blipFill>
+          <p:spPr>
+            <a:xfrm>
+              <a:off x="13224695" y="37984570"/>
+              <a:ext cx="3924300" cy="3200400"/>
+            </a:xfrm>
+            <a:prstGeom prst="rect">
+              <a:avLst/>
+            </a:prstGeom>
+          </p:spPr>
+        </p:pic>
+        <p:pic>
+          <p:nvPicPr>
+            <p:cNvPr id="779" name="Picture 778">
+              <a:extLst>
+                <a:ext uri="{FF2B5EF4-FFF2-40B4-BE49-F238E27FC236}">
+                  <a16:creationId xmlns:a16="http://schemas.microsoft.com/office/drawing/2014/main" id="{78009B8A-F557-C6AD-7BE3-8DAC4BC7BECA}"/>
+                </a:ext>
+              </a:extLst>
+            </p:cNvPr>
+            <p:cNvPicPr>
+              <a:picLocks noChangeAspect="1"/>
+            </p:cNvPicPr>
+            <p:nvPr/>
+          </p:nvPicPr>
+          <p:blipFill>
+            <a:blip r:embed="rId32"/>
+            <a:stretch>
+              <a:fillRect/>
+            </a:stretch>
+          </p:blipFill>
+          <p:spPr>
+            <a:xfrm>
+              <a:off x="13218615" y="37638583"/>
+              <a:ext cx="3898900" cy="393700"/>
+            </a:xfrm>
+            <a:prstGeom prst="rect">
+              <a:avLst/>
+            </a:prstGeom>
+          </p:spPr>
+        </p:pic>
+      </p:grpSp>
+      <mc:AlternateContent xmlns:mc="http://schemas.openxmlformats.org/markup-compatibility/2006">
+        <mc:Choice xmlns:a14="http://schemas.microsoft.com/office/drawing/2010/main" Requires="a14">
+          <p:sp>
+            <p:nvSpPr>
+              <p:cNvPr id="804" name="TextBox 803">
+                <a:extLst>
+                  <a:ext uri="{FF2B5EF4-FFF2-40B4-BE49-F238E27FC236}">
+                    <a16:creationId xmlns:a16="http://schemas.microsoft.com/office/drawing/2014/main" id="{8E114C11-4943-8107-A836-31F4C2FAA6E3}"/>
+                  </a:ext>
+                </a:extLst>
+              </p:cNvPr>
+              <p:cNvSpPr txBox="1"/>
+              <p:nvPr/>
+            </p:nvSpPr>
+            <p:spPr>
+              <a:xfrm>
+                <a:off x="17455112" y="28760293"/>
+                <a:ext cx="15262120" cy="750911"/>
+              </a:xfrm>
+              <a:prstGeom prst="rect">
+                <a:avLst/>
+              </a:prstGeom>
+              <a:noFill/>
+            </p:spPr>
+            <p:txBody>
+              <a:bodyPr wrap="square">
+                <a:spAutoFit/>
+              </a:bodyPr>
+              <a:lstStyle/>
+              <a:p>
+                <a:pPr>
+                  <a:lnSpc>
+                    <a:spcPct val="150000"/>
+                  </a:lnSpc>
+                </a:pPr>
+                <a:r>
+                  <a:rPr lang="en-US" sz="2900" b="1" dirty="0"/>
+                  <a:t>Determining </a:t>
+                </a:r>
+                <a14:m>
+                  <m:oMath xmlns:m="http://schemas.openxmlformats.org/officeDocument/2006/math">
+                    <m:sSub>
+                      <m:sSubPr>
+                        <m:ctrlPr>
+                          <a:rPr lang="en-US" sz="2900" b="1" i="1" smtClean="0">
+                            <a:latin typeface="Cambria Math" panose="02040503050406030204" pitchFamily="18" charset="0"/>
+                          </a:rPr>
+                        </m:ctrlPr>
+                      </m:sSubPr>
+                      <m:e>
+                        <m:r>
+                          <a:rPr lang="en-US" sz="2900" b="1" i="1" smtClean="0">
+                            <a:latin typeface="Cambria Math" panose="02040503050406030204" pitchFamily="18" charset="0"/>
+                          </a:rPr>
+                          <m:t>𝜷</m:t>
+                        </m:r>
+                      </m:e>
+                      <m:sub>
+                        <m:r>
+                          <a:rPr lang="en-US" sz="2900" b="1" i="1" smtClean="0">
+                            <a:latin typeface="Cambria Math" panose="02040503050406030204" pitchFamily="18" charset="0"/>
+                          </a:rPr>
+                          <m:t>𝟏</m:t>
+                        </m:r>
+                      </m:sub>
+                    </m:sSub>
+                    <m:r>
+                      <a:rPr lang="en-US" sz="2900" b="1" i="1" smtClean="0">
+                        <a:latin typeface="Cambria Math" panose="02040503050406030204" pitchFamily="18" charset="0"/>
+                      </a:rPr>
+                      <m:t>=</m:t>
+                    </m:r>
+                    <m:r>
+                      <a:rPr lang="en-US" sz="2900" b="1" i="1" smtClean="0">
+                        <a:latin typeface="Cambria Math" panose="02040503050406030204" pitchFamily="18" charset="0"/>
+                      </a:rPr>
+                      <m:t>𝟏</m:t>
+                    </m:r>
+                  </m:oMath>
+                </a14:m>
+                <a:r>
+                  <a:rPr lang="en-US" sz="2900" b="1" dirty="0"/>
+                  <a:t>, </a:t>
+                </a:r>
+                <a14:m>
+                  <m:oMath xmlns:m="http://schemas.openxmlformats.org/officeDocument/2006/math">
+                    <m:sSub>
+                      <m:sSubPr>
+                        <m:ctrlPr>
+                          <a:rPr lang="en-US" sz="2900" b="1" i="1" smtClean="0">
+                            <a:latin typeface="Cambria Math" panose="02040503050406030204" pitchFamily="18" charset="0"/>
+                          </a:rPr>
+                        </m:ctrlPr>
+                      </m:sSubPr>
+                      <m:e>
+                        <m:r>
+                          <a:rPr lang="en-US" sz="2900" b="1" i="1">
+                            <a:latin typeface="Cambria Math" panose="02040503050406030204" pitchFamily="18" charset="0"/>
+                          </a:rPr>
+                          <m:t>𝜷</m:t>
+                        </m:r>
+                      </m:e>
+                      <m:sub>
+                        <m:r>
+                          <a:rPr lang="en-US" sz="2900" b="1" i="1" smtClean="0">
+                            <a:latin typeface="Cambria Math" panose="02040503050406030204" pitchFamily="18" charset="0"/>
+                          </a:rPr>
+                          <m:t>𝟐</m:t>
+                        </m:r>
+                      </m:sub>
+                    </m:sSub>
+                  </m:oMath>
+                </a14:m>
+                <a:r>
+                  <a:rPr lang="en-US" sz="2900" b="1" dirty="0"/>
+                  <a:t> = 2, </a:t>
+                </a:r>
+                <a14:m>
+                  <m:oMath xmlns:m="http://schemas.openxmlformats.org/officeDocument/2006/math">
+                    <m:sSub>
+                      <m:sSubPr>
+                        <m:ctrlPr>
+                          <a:rPr lang="en-US" sz="2900" b="1" i="1">
+                            <a:latin typeface="Cambria Math" panose="02040503050406030204" pitchFamily="18" charset="0"/>
+                          </a:rPr>
+                        </m:ctrlPr>
+                      </m:sSubPr>
+                      <m:e>
+                        <m:r>
+                          <a:rPr lang="en-US" sz="2900" b="1" i="1">
+                            <a:latin typeface="Cambria Math" panose="02040503050406030204" pitchFamily="18" charset="0"/>
+                          </a:rPr>
+                          <m:t>𝜷</m:t>
+                        </m:r>
+                      </m:e>
+                      <m:sub>
+                        <m:r>
+                          <a:rPr lang="en-US" sz="2900" b="1" i="1" smtClean="0">
+                            <a:latin typeface="Cambria Math" panose="02040503050406030204" pitchFamily="18" charset="0"/>
+                          </a:rPr>
+                          <m:t>𝟑</m:t>
+                        </m:r>
+                      </m:sub>
+                    </m:sSub>
+                  </m:oMath>
+                </a14:m>
+                <a:r>
+                  <a:rPr lang="en-US" sz="2900" b="1" dirty="0"/>
+                  <a:t> = 3, </a:t>
+                </a:r>
+                <a14:m>
+                  <m:oMath xmlns:m="http://schemas.openxmlformats.org/officeDocument/2006/math">
+                    <m:sSub>
+                      <m:sSubPr>
+                        <m:ctrlPr>
+                          <a:rPr lang="en-US" sz="2900" b="1" i="1">
+                            <a:latin typeface="Cambria Math" panose="02040503050406030204" pitchFamily="18" charset="0"/>
+                          </a:rPr>
+                        </m:ctrlPr>
+                      </m:sSubPr>
+                      <m:e>
+                        <m:r>
+                          <a:rPr lang="en-US" sz="2900" b="1" i="1">
+                            <a:latin typeface="Cambria Math" panose="02040503050406030204" pitchFamily="18" charset="0"/>
+                          </a:rPr>
+                          <m:t>𝜷</m:t>
+                        </m:r>
+                      </m:e>
+                      <m:sub>
+                        <m:r>
+                          <a:rPr lang="en-US" sz="2900" b="1" i="1" smtClean="0">
+                            <a:latin typeface="Cambria Math" panose="02040503050406030204" pitchFamily="18" charset="0"/>
+                          </a:rPr>
+                          <m:t>𝟒</m:t>
+                        </m:r>
+                      </m:sub>
+                    </m:sSub>
+                  </m:oMath>
+                </a14:m>
+                <a:r>
+                  <a:rPr lang="en-US" sz="2900" b="1" dirty="0"/>
+                  <a:t> = 4 </a:t>
+                </a:r>
+                <a:r>
+                  <a:rPr lang="en-US" sz="2900" dirty="0"/>
+                  <a:t>in model </a:t>
+                </a:r>
+                <a14:m>
+                  <m:oMath xmlns:m="http://schemas.openxmlformats.org/officeDocument/2006/math">
+                    <m:sSub>
+                      <m:sSubPr>
+                        <m:ctrlPr>
+                          <a:rPr lang="en-US" sz="2900" i="1">
+                            <a:latin typeface="Cambria Math" panose="02040503050406030204" pitchFamily="18" charset="0"/>
+                          </a:rPr>
+                        </m:ctrlPr>
+                      </m:sSubPr>
+                      <m:e>
+                        <m:r>
+                          <a:rPr lang="en-US" sz="2900" i="1">
+                            <a:latin typeface="Cambria Math" panose="02040503050406030204" pitchFamily="18" charset="0"/>
+                          </a:rPr>
+                          <m:t>𝑦</m:t>
+                        </m:r>
+                      </m:e>
+                      <m:sub>
+                        <m:r>
+                          <a:rPr lang="en-US" sz="2900" i="1">
+                            <a:latin typeface="Cambria Math" panose="02040503050406030204" pitchFamily="18" charset="0"/>
+                          </a:rPr>
+                          <m:t>𝑖</m:t>
+                        </m:r>
+                      </m:sub>
+                    </m:sSub>
+                    <m:r>
+                      <a:rPr lang="en-US" sz="2900" i="1">
+                        <a:latin typeface="Cambria Math" panose="02040503050406030204" pitchFamily="18" charset="0"/>
+                      </a:rPr>
+                      <m:t>=</m:t>
+                    </m:r>
+                    <m:sSub>
+                      <m:sSubPr>
+                        <m:ctrlPr>
+                          <a:rPr lang="en-US" sz="2900" i="1">
+                            <a:latin typeface="Cambria Math" panose="02040503050406030204" pitchFamily="18" charset="0"/>
+                          </a:rPr>
+                        </m:ctrlPr>
+                      </m:sSubPr>
+                      <m:e>
+                        <m:r>
+                          <a:rPr lang="en-US" sz="2900" i="1">
+                            <a:latin typeface="Cambria Math" panose="02040503050406030204" pitchFamily="18" charset="0"/>
+                          </a:rPr>
+                          <m:t>𝑥</m:t>
+                        </m:r>
+                      </m:e>
+                      <m:sub>
+                        <m:r>
+                          <a:rPr lang="en-US" sz="2900" i="1">
+                            <a:latin typeface="Cambria Math" panose="02040503050406030204" pitchFamily="18" charset="0"/>
+                          </a:rPr>
+                          <m:t>1,</m:t>
+                        </m:r>
+                        <m:r>
+                          <a:rPr lang="en-US" sz="2900" i="1">
+                            <a:latin typeface="Cambria Math" panose="02040503050406030204" pitchFamily="18" charset="0"/>
+                          </a:rPr>
+                          <m:t>𝑖</m:t>
+                        </m:r>
+                      </m:sub>
+                    </m:sSub>
+                    <m:sSub>
+                      <m:sSubPr>
+                        <m:ctrlPr>
+                          <a:rPr lang="en-US" sz="2900" i="1">
+                            <a:latin typeface="Cambria Math" panose="02040503050406030204" pitchFamily="18" charset="0"/>
+                          </a:rPr>
+                        </m:ctrlPr>
+                      </m:sSubPr>
+                      <m:e>
+                        <m:r>
+                          <a:rPr lang="en-US" sz="2900" i="1">
+                            <a:latin typeface="Cambria Math" panose="02040503050406030204" pitchFamily="18" charset="0"/>
+                          </a:rPr>
+                          <m:t>𝛽</m:t>
+                        </m:r>
+                      </m:e>
+                      <m:sub>
+                        <m:r>
+                          <a:rPr lang="en-US" sz="2900" i="1">
+                            <a:latin typeface="Cambria Math" panose="02040503050406030204" pitchFamily="18" charset="0"/>
+                          </a:rPr>
+                          <m:t>1</m:t>
+                        </m:r>
+                      </m:sub>
+                    </m:sSub>
+                    <m:r>
+                      <a:rPr lang="en-US" sz="2900" i="1">
+                        <a:latin typeface="Cambria Math" panose="02040503050406030204" pitchFamily="18" charset="0"/>
+                      </a:rPr>
+                      <m:t>+</m:t>
+                    </m:r>
+                    <m:sSub>
+                      <m:sSubPr>
+                        <m:ctrlPr>
+                          <a:rPr lang="en-US" sz="2900" i="1">
+                            <a:latin typeface="Cambria Math" panose="02040503050406030204" pitchFamily="18" charset="0"/>
+                          </a:rPr>
+                        </m:ctrlPr>
+                      </m:sSubPr>
+                      <m:e>
+                        <m:r>
+                          <a:rPr lang="en-US" sz="2900" i="1">
+                            <a:latin typeface="Cambria Math" panose="02040503050406030204" pitchFamily="18" charset="0"/>
+                          </a:rPr>
+                          <m:t>𝑥</m:t>
+                        </m:r>
+                      </m:e>
+                      <m:sub>
+                        <m:r>
+                          <a:rPr lang="en-US" sz="2900" i="1">
+                            <a:latin typeface="Cambria Math" panose="02040503050406030204" pitchFamily="18" charset="0"/>
+                          </a:rPr>
+                          <m:t>2,</m:t>
+                        </m:r>
+                        <m:r>
+                          <a:rPr lang="en-US" sz="2900" i="1">
+                            <a:latin typeface="Cambria Math" panose="02040503050406030204" pitchFamily="18" charset="0"/>
+                          </a:rPr>
+                          <m:t>𝑖</m:t>
+                        </m:r>
+                      </m:sub>
+                    </m:sSub>
+                    <m:sSub>
+                      <m:sSubPr>
+                        <m:ctrlPr>
+                          <a:rPr lang="en-US" sz="2900" i="1">
+                            <a:latin typeface="Cambria Math" panose="02040503050406030204" pitchFamily="18" charset="0"/>
+                          </a:rPr>
+                        </m:ctrlPr>
+                      </m:sSubPr>
+                      <m:e>
+                        <m:r>
+                          <a:rPr lang="en-US" sz="2900" i="1">
+                            <a:latin typeface="Cambria Math" panose="02040503050406030204" pitchFamily="18" charset="0"/>
+                          </a:rPr>
+                          <m:t>𝛽</m:t>
+                        </m:r>
+                      </m:e>
+                      <m:sub>
+                        <m:r>
+                          <a:rPr lang="en-US" sz="2900" i="1">
+                            <a:latin typeface="Cambria Math" panose="02040503050406030204" pitchFamily="18" charset="0"/>
+                          </a:rPr>
+                          <m:t>2</m:t>
+                        </m:r>
+                      </m:sub>
+                    </m:sSub>
+                    <m:r>
+                      <a:rPr lang="en-US" sz="2900" i="1">
+                        <a:latin typeface="Cambria Math" panose="02040503050406030204" pitchFamily="18" charset="0"/>
+                      </a:rPr>
+                      <m:t>+</m:t>
+                    </m:r>
+                    <m:sSub>
+                      <m:sSubPr>
+                        <m:ctrlPr>
+                          <a:rPr lang="en-US" sz="2900" i="1">
+                            <a:latin typeface="Cambria Math" panose="02040503050406030204" pitchFamily="18" charset="0"/>
+                          </a:rPr>
+                        </m:ctrlPr>
+                      </m:sSubPr>
+                      <m:e>
+                        <m:r>
+                          <a:rPr lang="en-US" sz="2900" i="1">
+                            <a:latin typeface="Cambria Math" panose="02040503050406030204" pitchFamily="18" charset="0"/>
+                          </a:rPr>
+                          <m:t>𝑥</m:t>
+                        </m:r>
+                      </m:e>
+                      <m:sub>
+                        <m:r>
+                          <a:rPr lang="en-US" sz="2900" b="0" i="1" smtClean="0">
+                            <a:latin typeface="Cambria Math" panose="02040503050406030204" pitchFamily="18" charset="0"/>
+                          </a:rPr>
+                          <m:t>3</m:t>
+                        </m:r>
+                        <m:r>
+                          <a:rPr lang="en-US" sz="2900" i="1">
+                            <a:latin typeface="Cambria Math" panose="02040503050406030204" pitchFamily="18" charset="0"/>
+                          </a:rPr>
+                          <m:t>,</m:t>
+                        </m:r>
+                        <m:r>
+                          <a:rPr lang="en-US" sz="2900" i="1">
+                            <a:latin typeface="Cambria Math" panose="02040503050406030204" pitchFamily="18" charset="0"/>
+                          </a:rPr>
+                          <m:t>𝑖</m:t>
+                        </m:r>
+                      </m:sub>
+                    </m:sSub>
+                    <m:sSub>
+                      <m:sSubPr>
+                        <m:ctrlPr>
+                          <a:rPr lang="en-US" sz="2900" i="1">
+                            <a:latin typeface="Cambria Math" panose="02040503050406030204" pitchFamily="18" charset="0"/>
+                          </a:rPr>
+                        </m:ctrlPr>
+                      </m:sSubPr>
+                      <m:e>
+                        <m:r>
+                          <a:rPr lang="en-US" sz="2900" i="1">
+                            <a:latin typeface="Cambria Math" panose="02040503050406030204" pitchFamily="18" charset="0"/>
+                          </a:rPr>
+                          <m:t>𝛽</m:t>
+                        </m:r>
+                      </m:e>
+                      <m:sub>
+                        <m:r>
+                          <a:rPr lang="en-US" sz="2900" b="0" i="1" smtClean="0">
+                            <a:latin typeface="Cambria Math" panose="02040503050406030204" pitchFamily="18" charset="0"/>
+                          </a:rPr>
+                          <m:t>3</m:t>
+                        </m:r>
+                      </m:sub>
+                    </m:sSub>
+                    <m:r>
+                      <a:rPr lang="en-US" sz="2900" b="0" i="1" smtClean="0">
+                        <a:latin typeface="Cambria Math" panose="02040503050406030204" pitchFamily="18" charset="0"/>
+                      </a:rPr>
+                      <m:t>+</m:t>
+                    </m:r>
+                    <m:sSub>
+                      <m:sSubPr>
+                        <m:ctrlPr>
+                          <a:rPr lang="en-US" sz="2900" i="1">
+                            <a:latin typeface="Cambria Math" panose="02040503050406030204" pitchFamily="18" charset="0"/>
+                          </a:rPr>
+                        </m:ctrlPr>
+                      </m:sSubPr>
+                      <m:e>
+                        <m:r>
+                          <a:rPr lang="en-US" sz="2900" i="1">
+                            <a:latin typeface="Cambria Math" panose="02040503050406030204" pitchFamily="18" charset="0"/>
+                          </a:rPr>
+                          <m:t>𝑥</m:t>
+                        </m:r>
+                      </m:e>
+                      <m:sub>
+                        <m:r>
+                          <a:rPr lang="en-US" sz="2900" b="0" i="1" smtClean="0">
+                            <a:latin typeface="Cambria Math" panose="02040503050406030204" pitchFamily="18" charset="0"/>
+                          </a:rPr>
+                          <m:t>4</m:t>
+                        </m:r>
+                        <m:r>
+                          <a:rPr lang="en-US" sz="2900" i="1">
+                            <a:latin typeface="Cambria Math" panose="02040503050406030204" pitchFamily="18" charset="0"/>
+                          </a:rPr>
+                          <m:t>,</m:t>
+                        </m:r>
+                        <m:r>
+                          <a:rPr lang="en-US" sz="2900" i="1">
+                            <a:latin typeface="Cambria Math" panose="02040503050406030204" pitchFamily="18" charset="0"/>
+                          </a:rPr>
+                          <m:t>𝑖</m:t>
+                        </m:r>
+                      </m:sub>
+                    </m:sSub>
+                    <m:sSub>
+                      <m:sSubPr>
+                        <m:ctrlPr>
+                          <a:rPr lang="en-US" sz="2900" i="1">
+                            <a:latin typeface="Cambria Math" panose="02040503050406030204" pitchFamily="18" charset="0"/>
+                          </a:rPr>
+                        </m:ctrlPr>
+                      </m:sSubPr>
+                      <m:e>
+                        <m:r>
+                          <a:rPr lang="en-US" sz="2900" i="1">
+                            <a:latin typeface="Cambria Math" panose="02040503050406030204" pitchFamily="18" charset="0"/>
+                          </a:rPr>
+                          <m:t>𝛽</m:t>
+                        </m:r>
+                      </m:e>
+                      <m:sub>
+                        <m:r>
+                          <a:rPr lang="en-US" sz="2900" b="0" i="1" smtClean="0">
+                            <a:latin typeface="Cambria Math" panose="02040503050406030204" pitchFamily="18" charset="0"/>
+                          </a:rPr>
+                          <m:t>4</m:t>
+                        </m:r>
+                      </m:sub>
+                    </m:sSub>
+                    <m:r>
+                      <a:rPr lang="en-US" sz="2900" b="0" i="1" smtClean="0">
+                        <a:latin typeface="Cambria Math" panose="02040503050406030204" pitchFamily="18" charset="0"/>
+                      </a:rPr>
+                      <m:t>+</m:t>
+                    </m:r>
+                    <m:sSub>
+                      <m:sSubPr>
+                        <m:ctrlPr>
+                          <a:rPr lang="en-US" sz="2900" i="1">
+                            <a:latin typeface="Cambria Math" panose="02040503050406030204" pitchFamily="18" charset="0"/>
+                          </a:rPr>
+                        </m:ctrlPr>
+                      </m:sSubPr>
+                      <m:e>
+                        <m:r>
+                          <a:rPr lang="en-US" sz="2900" i="1">
+                            <a:latin typeface="Cambria Math" panose="02040503050406030204" pitchFamily="18" charset="0"/>
+                          </a:rPr>
+                          <m:t>𝜖</m:t>
+                        </m:r>
+                      </m:e>
+                      <m:sub>
+                        <m:r>
+                          <a:rPr lang="en-US" sz="2900" i="1">
+                            <a:latin typeface="Cambria Math" panose="02040503050406030204" pitchFamily="18" charset="0"/>
+                          </a:rPr>
+                          <m:t>𝑖</m:t>
+                        </m:r>
+                      </m:sub>
+                    </m:sSub>
+                  </m:oMath>
+                </a14:m>
+                <a:r>
+                  <a:rPr lang="en-US" sz="2900" dirty="0"/>
+                  <a:t> </a:t>
+                </a:r>
+              </a:p>
+            </p:txBody>
+          </p:sp>
+        </mc:Choice>
+        <mc:Fallback>
+          <p:sp>
+            <p:nvSpPr>
+              <p:cNvPr id="804" name="TextBox 803">
+                <a:extLst>
+                  <a:ext uri="{FF2B5EF4-FFF2-40B4-BE49-F238E27FC236}">
+                    <a16:creationId xmlns:a16="http://schemas.microsoft.com/office/drawing/2014/main" id="{8E114C11-4943-8107-A836-31F4C2FAA6E3}"/>
+                  </a:ext>
+                </a:extLst>
+              </p:cNvPr>
+              <p:cNvSpPr txBox="1">
+                <a:spLocks noRot="1" noChangeAspect="1" noMove="1" noResize="1" noEditPoints="1" noAdjustHandles="1" noChangeArrowheads="1" noChangeShapeType="1" noTextEdit="1"/>
+              </p:cNvSpPr>
+              <p:nvPr/>
+            </p:nvSpPr>
+            <p:spPr>
+              <a:xfrm>
+                <a:off x="17455112" y="28760293"/>
+                <a:ext cx="15262120" cy="750911"/>
+              </a:xfrm>
+              <a:prstGeom prst="rect">
+                <a:avLst/>
+              </a:prstGeom>
+              <a:blipFill>
+                <a:blip r:embed="rId33"/>
+                <a:stretch>
+                  <a:fillRect l="-914" b="-18333"/>
+                </a:stretch>
+              </a:blipFill>
+            </p:spPr>
+            <p:txBody>
+              <a:bodyPr/>
+              <a:lstStyle/>
+              <a:p>
+                <a:r>
+                  <a:rPr lang="en-US">
+                    <a:noFill/>
+                  </a:rPr>
+                  <a:t> </a:t>
+                </a:r>
+              </a:p>
+            </p:txBody>
+          </p:sp>
+        </mc:Fallback>
+      </mc:AlternateContent>
+      <p:graphicFrame>
+        <p:nvGraphicFramePr>
+          <p:cNvPr id="807" name="Table 808">
+            <a:extLst>
+              <a:ext uri="{FF2B5EF4-FFF2-40B4-BE49-F238E27FC236}">
+                <a16:creationId xmlns:a16="http://schemas.microsoft.com/office/drawing/2014/main" id="{0FA59198-B3A6-8831-3708-93BB74A7E459}"/>
+              </a:ext>
+            </a:extLst>
+          </p:cNvPr>
+          <p:cNvGraphicFramePr>
+            <a:graphicFrameLocks noGrp="1"/>
+          </p:cNvGraphicFramePr>
+          <p:nvPr>
+            <p:extLst>
+              <p:ext uri="{D42A27DB-BD31-4B8C-83A1-F6EECF244321}">
+                <p14:modId xmlns:p14="http://schemas.microsoft.com/office/powerpoint/2010/main" val="360216574"/>
+              </p:ext>
+            </p:extLst>
+          </p:nvPr>
+        </p:nvGraphicFramePr>
+        <p:xfrm>
+          <a:off x="18457980" y="41293203"/>
+          <a:ext cx="12592592" cy="1828800"/>
+        </p:xfrm>
+        <a:graphic>
+          <a:graphicData uri="http://schemas.openxmlformats.org/drawingml/2006/table">
+            <a:tbl>
+              <a:tblPr firstRow="1" bandRow="1">
+                <a:tableStyleId>{5C22544A-7EE6-4342-B048-85BDC9FD1C3A}</a:tableStyleId>
+              </a:tblPr>
+              <a:tblGrid>
+                <a:gridCol w="3148148">
+                  <a:extLst>
+                    <a:ext uri="{9D8B030D-6E8A-4147-A177-3AD203B41FA5}">
+                      <a16:colId xmlns:a16="http://schemas.microsoft.com/office/drawing/2014/main" val="3795066645"/>
+                    </a:ext>
+                  </a:extLst>
+                </a:gridCol>
+                <a:gridCol w="3148148">
+                  <a:extLst>
+                    <a:ext uri="{9D8B030D-6E8A-4147-A177-3AD203B41FA5}">
+                      <a16:colId xmlns:a16="http://schemas.microsoft.com/office/drawing/2014/main" val="2864703554"/>
+                    </a:ext>
+                  </a:extLst>
+                </a:gridCol>
+                <a:gridCol w="3148148">
+                  <a:extLst>
+                    <a:ext uri="{9D8B030D-6E8A-4147-A177-3AD203B41FA5}">
+                      <a16:colId xmlns:a16="http://schemas.microsoft.com/office/drawing/2014/main" val="944471903"/>
+                    </a:ext>
+                  </a:extLst>
+                </a:gridCol>
+                <a:gridCol w="3148148">
+                  <a:extLst>
+                    <a:ext uri="{9D8B030D-6E8A-4147-A177-3AD203B41FA5}">
+                      <a16:colId xmlns:a16="http://schemas.microsoft.com/office/drawing/2014/main" val="25610501"/>
+                    </a:ext>
+                  </a:extLst>
+                </a:gridCol>
+              </a:tblGrid>
+              <a:tr h="370840">
+                <a:tc>
+                  <a:txBody>
+                    <a:bodyPr/>
+                    <a:lstStyle/>
+                    <a:p>
+                      <a:endParaRPr lang="en-US" sz="2400" dirty="0"/>
+                    </a:p>
+                  </a:txBody>
+                  <a:tcPr>
+                    <a:lnTlToBr w="12700" cap="flat" cmpd="sng" algn="ctr">
+                      <a:solidFill>
+                        <a:schemeClr val="tx1"/>
+                      </a:solidFill>
+                      <a:prstDash val="solid"/>
+                      <a:round/>
+                      <a:headEnd type="none" w="med" len="med"/>
+                      <a:tailEnd type="none" w="med" len="med"/>
+                    </a:lnTlToBr>
+                  </a:tcPr>
+                </a:tc>
+                <a:tc>
+                  <a:txBody>
+                    <a:bodyPr/>
+                    <a:lstStyle/>
+                    <a:p>
+                      <a:r>
+                        <a:rPr lang="en-US" sz="2400" dirty="0"/>
+                        <a:t>Listwise Del (s)</a:t>
+                      </a:r>
+                    </a:p>
+                  </a:txBody>
+                  <a:tcPr/>
+                </a:tc>
+                <a:tc>
+                  <a:txBody>
+                    <a:bodyPr/>
+                    <a:lstStyle/>
+                    <a:p>
+                      <a:r>
+                        <a:rPr lang="en-US" sz="2400" dirty="0"/>
+                        <a:t> Multiple Imp (s)</a:t>
+                      </a:r>
+                    </a:p>
+                  </a:txBody>
+                  <a:tcPr/>
+                </a:tc>
+                <a:tc>
+                  <a:txBody>
+                    <a:bodyPr/>
+                    <a:lstStyle/>
+                    <a:p>
+                      <a:r>
+                        <a:rPr lang="en-US" sz="2400" dirty="0"/>
+                        <a:t>Rate</a:t>
+                      </a:r>
+                    </a:p>
+                  </a:txBody>
+                  <a:tcPr/>
+                </a:tc>
+                <a:extLst>
+                  <a:ext uri="{0D108BD9-81ED-4DB2-BD59-A6C34878D82A}">
+                    <a16:rowId xmlns:a16="http://schemas.microsoft.com/office/drawing/2014/main" val="47882385"/>
+                  </a:ext>
+                </a:extLst>
+              </a:tr>
+              <a:tr h="370840">
+                <a:tc>
+                  <a:txBody>
+                    <a:bodyPr/>
+                    <a:lstStyle/>
+                    <a:p>
+                      <a:r>
+                        <a:rPr lang="en-US" sz="2400" dirty="0"/>
+                        <a:t>Case 1</a:t>
+                      </a:r>
+                    </a:p>
+                  </a:txBody>
+                  <a:tcPr>
+                    <a:solidFill>
+                      <a:schemeClr val="accent2"/>
+                    </a:solidFill>
+                  </a:tcPr>
+                </a:tc>
+                <a:tc>
+                  <a:txBody>
+                    <a:bodyPr/>
+                    <a:lstStyle/>
+                    <a:p>
+                      <a:r>
+                        <a:rPr lang="en-US" sz="2400" dirty="0"/>
+                        <a:t>0.00731</a:t>
+                      </a:r>
+                    </a:p>
+                  </a:txBody>
+                  <a:tcPr/>
+                </a:tc>
+                <a:tc>
+                  <a:txBody>
+                    <a:bodyPr/>
+                    <a:lstStyle/>
+                    <a:p>
+                      <a:r>
+                        <a:rPr lang="en-US" sz="2400" dirty="0"/>
+                        <a:t>0.07354</a:t>
+                      </a:r>
+                    </a:p>
+                  </a:txBody>
+                  <a:tcPr/>
+                </a:tc>
+                <a:tc>
+                  <a:txBody>
+                    <a:bodyPr/>
+                    <a:lstStyle/>
+                    <a:p>
+                      <a:r>
+                        <a:rPr lang="en-US" sz="2400" dirty="0"/>
+                        <a:t>10x faster</a:t>
+                      </a:r>
+                    </a:p>
+                  </a:txBody>
+                  <a:tcPr/>
+                </a:tc>
+                <a:extLst>
+                  <a:ext uri="{0D108BD9-81ED-4DB2-BD59-A6C34878D82A}">
+                    <a16:rowId xmlns:a16="http://schemas.microsoft.com/office/drawing/2014/main" val="1029343939"/>
+                  </a:ext>
+                </a:extLst>
+              </a:tr>
+              <a:tr h="370840">
+                <a:tc>
+                  <a:txBody>
+                    <a:bodyPr/>
+                    <a:lstStyle/>
+                    <a:p>
+                      <a:r>
+                        <a:rPr lang="en-US" sz="2400" dirty="0"/>
+                        <a:t>Case 2</a:t>
+                      </a:r>
+                    </a:p>
+                  </a:txBody>
+                  <a:tcPr>
+                    <a:solidFill>
+                      <a:schemeClr val="accent2"/>
+                    </a:solidFill>
+                  </a:tcPr>
+                </a:tc>
+                <a:tc>
+                  <a:txBody>
+                    <a:bodyPr/>
+                    <a:lstStyle/>
+                    <a:p>
+                      <a:r>
+                        <a:rPr lang="en-US" sz="2400" dirty="0"/>
+                        <a:t>0.00770</a:t>
+                      </a:r>
+                    </a:p>
+                  </a:txBody>
+                  <a:tcPr/>
+                </a:tc>
+                <a:tc>
+                  <a:txBody>
+                    <a:bodyPr/>
+                    <a:lstStyle/>
+                    <a:p>
+                      <a:r>
+                        <a:rPr lang="en-US" sz="2400" dirty="0"/>
+                        <a:t>0.19124</a:t>
+                      </a:r>
+                    </a:p>
+                  </a:txBody>
+                  <a:tcPr/>
+                </a:tc>
+                <a:tc>
+                  <a:txBody>
+                    <a:bodyPr/>
+                    <a:lstStyle/>
+                    <a:p>
+                      <a:r>
+                        <a:rPr lang="en-US" sz="2400" dirty="0"/>
+                        <a:t>~25x faster</a:t>
+                      </a:r>
+                    </a:p>
+                  </a:txBody>
+                  <a:tcPr/>
+                </a:tc>
+                <a:extLst>
+                  <a:ext uri="{0D108BD9-81ED-4DB2-BD59-A6C34878D82A}">
+                    <a16:rowId xmlns:a16="http://schemas.microsoft.com/office/drawing/2014/main" val="81840052"/>
+                  </a:ext>
+                </a:extLst>
+              </a:tr>
+              <a:tr h="370840">
+                <a:tc>
+                  <a:txBody>
+                    <a:bodyPr/>
+                    <a:lstStyle/>
+                    <a:p>
+                      <a:r>
+                        <a:rPr lang="en-US" sz="2400" dirty="0"/>
+                        <a:t>Case 3</a:t>
+                      </a:r>
+                    </a:p>
+                  </a:txBody>
+                  <a:tcPr>
+                    <a:solidFill>
+                      <a:schemeClr val="accent2"/>
+                    </a:solidFill>
+                  </a:tcPr>
+                </a:tc>
+                <a:tc>
+                  <a:txBody>
+                    <a:bodyPr/>
+                    <a:lstStyle/>
+                    <a:p>
+                      <a:r>
+                        <a:rPr lang="en-US" sz="2400" dirty="0"/>
+                        <a:t>0.00705</a:t>
+                      </a:r>
+                    </a:p>
+                  </a:txBody>
+                  <a:tcPr/>
+                </a:tc>
+                <a:tc>
+                  <a:txBody>
+                    <a:bodyPr/>
+                    <a:lstStyle/>
+                    <a:p>
+                      <a:r>
+                        <a:rPr lang="en-US" sz="2400" dirty="0"/>
+                        <a:t>0.21237</a:t>
+                      </a:r>
+                    </a:p>
+                  </a:txBody>
+                  <a:tcPr/>
+                </a:tc>
+                <a:tc>
+                  <a:txBody>
+                    <a:bodyPr/>
+                    <a:lstStyle/>
+                    <a:p>
+                      <a:r>
+                        <a:rPr lang="en-US" sz="2400" dirty="0"/>
+                        <a:t>~30x faster</a:t>
+                      </a:r>
+                    </a:p>
+                  </a:txBody>
+                  <a:tcPr/>
+                </a:tc>
+                <a:extLst>
+                  <a:ext uri="{0D108BD9-81ED-4DB2-BD59-A6C34878D82A}">
+                    <a16:rowId xmlns:a16="http://schemas.microsoft.com/office/drawing/2014/main" val="239775130"/>
+                  </a:ext>
+                </a:extLst>
+              </a:tr>
+            </a:tbl>
+          </a:graphicData>
+        </a:graphic>
+      </p:graphicFrame>
+      <p:sp>
+        <p:nvSpPr>
+          <p:cNvPr id="809" name="TextBox 808">
+            <a:extLst>
+              <a:ext uri="{FF2B5EF4-FFF2-40B4-BE49-F238E27FC236}">
+                <a16:creationId xmlns:a16="http://schemas.microsoft.com/office/drawing/2014/main" id="{F0ACFF52-DF2F-92D9-2629-BC7734E2CE7A}"/>
+              </a:ext>
+            </a:extLst>
+          </p:cNvPr>
+          <p:cNvSpPr txBox="1"/>
+          <p:nvPr/>
+        </p:nvSpPr>
+        <p:spPr>
+          <a:xfrm>
+            <a:off x="17461548" y="40610592"/>
+            <a:ext cx="7182672" cy="646331"/>
+          </a:xfrm>
+          <a:prstGeom prst="rect">
+            <a:avLst/>
+          </a:prstGeom>
+          <a:noFill/>
+        </p:spPr>
+        <p:txBody>
+          <a:bodyPr wrap="none" rtlCol="0">
+            <a:spAutoFit/>
+          </a:bodyPr>
+          <a:lstStyle/>
+          <a:p>
+            <a:r>
+              <a:rPr lang="en-US" sz="3600" dirty="0">
+                <a:solidFill>
+                  <a:schemeClr val="accent2">
+                    <a:lumMod val="75000"/>
+                  </a:schemeClr>
+                </a:solidFill>
+              </a:rPr>
+              <a:t>Investigation (2) Summarized Results:</a:t>
+            </a:r>
+          </a:p>
+        </p:txBody>
+      </p:sp>
+      <p:sp>
+        <p:nvSpPr>
+          <p:cNvPr id="822" name="テキスト ボックス 16">
+            <a:extLst>
+              <a:ext uri="{FF2B5EF4-FFF2-40B4-BE49-F238E27FC236}">
+                <a16:creationId xmlns:a16="http://schemas.microsoft.com/office/drawing/2014/main" id="{103AB8C7-7BD2-92B8-5C2F-B233600A37D8}"/>
+              </a:ext>
+            </a:extLst>
+          </p:cNvPr>
+          <p:cNvSpPr txBox="1"/>
+          <p:nvPr/>
+        </p:nvSpPr>
+        <p:spPr>
+          <a:xfrm>
+            <a:off x="623782" y="35464370"/>
+            <a:ext cx="14630400" cy="769441"/>
+          </a:xfrm>
+          <a:prstGeom prst="rect">
+            <a:avLst/>
+          </a:prstGeom>
+          <a:solidFill>
+            <a:schemeClr val="accent2"/>
+          </a:solidFill>
+          <a:ln>
+            <a:solidFill>
+              <a:schemeClr val="accent2"/>
+            </a:solidFill>
+          </a:ln>
+        </p:spPr>
+        <p:txBody>
+          <a:bodyPr wrap="square" rtlCol="0">
+            <a:spAutoFit/>
+          </a:bodyPr>
+          <a:lstStyle/>
+          <a:p>
+            <a:r>
+              <a:rPr lang="en-US" altLang="ja-JP" sz="4400" b="1" dirty="0">
+                <a:solidFill>
+                  <a:schemeClr val="bg1"/>
+                </a:solidFill>
+                <a:latin typeface="Helvetica Neue" charset="0"/>
+                <a:ea typeface="Helvetica Neue" charset="0"/>
+                <a:cs typeface="Helvetica Neue" charset="0"/>
+              </a:rPr>
+              <a:t> CONCLUSION</a:t>
+            </a:r>
+            <a:endParaRPr kumimoji="1" lang="ja-JP" altLang="en-US" sz="4400" b="1" dirty="0">
+              <a:solidFill>
+                <a:schemeClr val="bg1"/>
+              </a:solidFill>
+              <a:latin typeface="Helvetica Neue" charset="0"/>
+              <a:ea typeface="Helvetica Neue" charset="0"/>
+              <a:cs typeface="Helvetica Neue" charset="0"/>
+            </a:endParaRPr>
+          </a:p>
+        </p:txBody>
+      </p:sp>
+      <p:sp>
+        <p:nvSpPr>
+          <p:cNvPr id="823" name="正方形/長方形 12">
+            <a:extLst>
+              <a:ext uri="{FF2B5EF4-FFF2-40B4-BE49-F238E27FC236}">
+                <a16:creationId xmlns:a16="http://schemas.microsoft.com/office/drawing/2014/main" id="{38F113E3-FD88-C90D-DCD7-A37FD26972DE}"/>
+              </a:ext>
+            </a:extLst>
+          </p:cNvPr>
+          <p:cNvSpPr/>
+          <p:nvPr/>
+        </p:nvSpPr>
+        <p:spPr>
+          <a:xfrm>
+            <a:off x="623782" y="36275616"/>
+            <a:ext cx="14630400" cy="3750980"/>
+          </a:xfrm>
+          <a:prstGeom prst="rect">
+            <a:avLst/>
+          </a:prstGeom>
+          <a:noFill/>
+          <a:ln w="34925">
+            <a:solidFill>
+              <a:schemeClr val="accent2"/>
+            </a:solidFill>
+          </a:ln>
+        </p:spPr>
+        <p:style>
+          <a:lnRef idx="2">
+            <a:schemeClr val="accent1">
+              <a:shade val="50000"/>
+            </a:schemeClr>
+          </a:lnRef>
+          <a:fillRef idx="1">
+            <a:schemeClr val="accent1"/>
+          </a:fillRef>
+          <a:effectRef idx="0">
+            <a:schemeClr val="accent1"/>
+          </a:effectRef>
+          <a:fontRef idx="minor">
+            <a:schemeClr val="lt1"/>
+          </a:fontRef>
+        </p:style>
+        <p:txBody>
+          <a:bodyPr rtlCol="0" anchor="ctr"/>
+          <a:lstStyle/>
+          <a:p>
+            <a:pPr algn="ctr"/>
+            <a:endParaRPr kumimoji="1" lang="ja-JP" altLang="en-US"/>
+          </a:p>
+        </p:txBody>
+      </p:sp>
+      <p:sp>
+        <p:nvSpPr>
+          <p:cNvPr id="826" name="TextBox 825">
+            <a:extLst>
+              <a:ext uri="{FF2B5EF4-FFF2-40B4-BE49-F238E27FC236}">
+                <a16:creationId xmlns:a16="http://schemas.microsoft.com/office/drawing/2014/main" id="{9958E47E-428F-E177-0AC7-DDCF4C3CA7A0}"/>
+              </a:ext>
+            </a:extLst>
+          </p:cNvPr>
+          <p:cNvSpPr txBox="1"/>
+          <p:nvPr/>
+        </p:nvSpPr>
+        <p:spPr>
+          <a:xfrm>
+            <a:off x="864943" y="36414865"/>
+            <a:ext cx="14083803" cy="3539430"/>
+          </a:xfrm>
+          <a:prstGeom prst="rect">
+            <a:avLst/>
+          </a:prstGeom>
+          <a:noFill/>
+        </p:spPr>
+        <p:txBody>
+          <a:bodyPr wrap="square" rtlCol="0">
+            <a:spAutoFit/>
+          </a:bodyPr>
+          <a:lstStyle/>
+          <a:p>
+            <a:r>
+              <a:rPr lang="en-US" sz="2800" dirty="0"/>
+              <a:t>If in doubt, choosing multiple imputation for your dataset is generally safest approach. </a:t>
+            </a:r>
+          </a:p>
+          <a:p>
+            <a:pPr marL="285750" indent="-285750">
+              <a:buFont typeface="Arial" panose="020B0604020202020204" pitchFamily="34" charset="0"/>
+              <a:buChar char="•"/>
+            </a:pPr>
+            <a:r>
+              <a:rPr lang="en-US" sz="2800" dirty="0"/>
+              <a:t>Depending on the </a:t>
+            </a:r>
+            <a:r>
+              <a:rPr lang="en-US" sz="2800" dirty="0" err="1"/>
+              <a:t>missinginess</a:t>
+            </a:r>
+            <a:r>
+              <a:rPr lang="en-US" sz="2800" dirty="0"/>
+              <a:t> mechanism underlying your data, the quality of your imputations will vary significantly (</a:t>
+            </a:r>
+            <a:r>
+              <a:rPr lang="en-US" sz="2800" i="1" dirty="0"/>
+              <a:t>investigation 1</a:t>
+            </a:r>
+            <a:r>
+              <a:rPr lang="en-US" sz="2800" dirty="0"/>
+              <a:t>).</a:t>
+            </a:r>
+          </a:p>
+          <a:p>
+            <a:pPr marL="285750" indent="-285750">
+              <a:buFont typeface="Arial" panose="020B0604020202020204" pitchFamily="34" charset="0"/>
+              <a:buChar char="•"/>
+            </a:pPr>
+            <a:r>
+              <a:rPr lang="en-US" sz="2800" dirty="0"/>
+              <a:t>Moreover, there are situations where listwise deletion is orders of magnitude faster and provides unbiased regression coefficients (</a:t>
+            </a:r>
+            <a:r>
+              <a:rPr lang="en-US" sz="2800" i="1" dirty="0"/>
+              <a:t>investigation 2</a:t>
+            </a:r>
+            <a:r>
+              <a:rPr lang="en-US" sz="2800" dirty="0"/>
+              <a:t>).</a:t>
+            </a:r>
+          </a:p>
+          <a:p>
+            <a:r>
+              <a:rPr lang="en-US" sz="2800" dirty="0"/>
+              <a:t>There are far more imputation methods than just the two discussed here; it is vital to deliberately consider which imputation method is best for your dataset when performing statistical analyses.</a:t>
+            </a:r>
+          </a:p>
+        </p:txBody>
+      </p:sp>
+      <p:sp>
+        <p:nvSpPr>
+          <p:cNvPr id="827" name="正方形/長方形 12">
+            <a:extLst>
+              <a:ext uri="{FF2B5EF4-FFF2-40B4-BE49-F238E27FC236}">
+                <a16:creationId xmlns:a16="http://schemas.microsoft.com/office/drawing/2014/main" id="{C3EDFE89-4D6B-DCF8-ECE5-0ED32FDAA058}"/>
+              </a:ext>
+            </a:extLst>
+          </p:cNvPr>
+          <p:cNvSpPr/>
+          <p:nvPr/>
+        </p:nvSpPr>
+        <p:spPr>
+          <a:xfrm>
+            <a:off x="623782" y="40636730"/>
+            <a:ext cx="14630400" cy="2889376"/>
+          </a:xfrm>
+          <a:prstGeom prst="rect">
+            <a:avLst/>
+          </a:prstGeom>
+          <a:noFill/>
+          <a:ln w="34925">
+            <a:solidFill>
+              <a:schemeClr val="accent2"/>
+            </a:solidFill>
+          </a:ln>
+        </p:spPr>
+        <p:style>
+          <a:lnRef idx="2">
+            <a:schemeClr val="accent1">
+              <a:shade val="50000"/>
+            </a:schemeClr>
+          </a:lnRef>
+          <a:fillRef idx="1">
+            <a:schemeClr val="accent1"/>
+          </a:fillRef>
+          <a:effectRef idx="0">
+            <a:schemeClr val="accent1"/>
+          </a:effectRef>
+          <a:fontRef idx="minor">
+            <a:schemeClr val="lt1"/>
+          </a:fontRef>
+        </p:style>
+        <p:txBody>
+          <a:bodyPr rtlCol="0" anchor="ctr"/>
+          <a:lstStyle/>
+          <a:p>
+            <a:pPr algn="ctr"/>
+            <a:endParaRPr kumimoji="1" lang="ja-JP" altLang="en-US"/>
+          </a:p>
+        </p:txBody>
+      </p:sp>
+      <p:sp>
+        <p:nvSpPr>
+          <p:cNvPr id="828" name="TextBox 827">
+            <a:extLst>
+              <a:ext uri="{FF2B5EF4-FFF2-40B4-BE49-F238E27FC236}">
+                <a16:creationId xmlns:a16="http://schemas.microsoft.com/office/drawing/2014/main" id="{83A6B8ED-AF2F-CE04-86FD-52CD5503A18F}"/>
+              </a:ext>
+            </a:extLst>
+          </p:cNvPr>
+          <p:cNvSpPr txBox="1"/>
+          <p:nvPr/>
+        </p:nvSpPr>
+        <p:spPr>
+          <a:xfrm>
+            <a:off x="623782" y="40610592"/>
+            <a:ext cx="16459200" cy="3785652"/>
+          </a:xfrm>
+          <a:prstGeom prst="rect">
+            <a:avLst/>
+          </a:prstGeom>
+          <a:noFill/>
+        </p:spPr>
+        <p:txBody>
+          <a:bodyPr wrap="square">
+            <a:spAutoFit/>
+          </a:bodyPr>
+          <a:lstStyle/>
+          <a:p>
+            <a:r>
+              <a:rPr kumimoji="1" lang="en-US" altLang="ja-JP" sz="4400" b="1" dirty="0">
+                <a:solidFill>
+                  <a:schemeClr val="accent2"/>
+                </a:solidFill>
+                <a:latin typeface="Times New Roman" panose="02020603050405020304" pitchFamily="18" charset="0"/>
+                <a:ea typeface="Helvetica Neue" charset="0"/>
+                <a:cs typeface="Times New Roman" panose="02020603050405020304" pitchFamily="18" charset="0"/>
+              </a:rPr>
+              <a:t> References &amp; Acknowledgment</a:t>
+            </a:r>
+          </a:p>
+          <a:p>
+            <a:pPr marL="571500" indent="-571500">
+              <a:buFont typeface="Arial" panose="020B0604020202020204" pitchFamily="34" charset="0"/>
+              <a:buChar char="•"/>
+            </a:pPr>
+            <a:r>
+              <a:rPr kumimoji="1" lang="en-US" altLang="ja-JP" sz="3600" b="1" dirty="0">
+                <a:latin typeface="Times New Roman" panose="02020603050405020304" pitchFamily="18" charset="0"/>
+                <a:ea typeface="Helvetica Neue" charset="0"/>
+                <a:cs typeface="Times New Roman" panose="02020603050405020304" pitchFamily="18" charset="0"/>
+              </a:rPr>
+              <a:t>Textbook, paper (TODO)</a:t>
+            </a:r>
+          </a:p>
+          <a:p>
+            <a:pPr marL="571500" indent="-571500">
+              <a:buFont typeface="Arial" panose="020B0604020202020204" pitchFamily="34" charset="0"/>
+              <a:buChar char="•"/>
+            </a:pPr>
+            <a:r>
+              <a:rPr kumimoji="1" lang="en-US" altLang="ja-JP" sz="3600" b="1" dirty="0">
+                <a:latin typeface="Times New Roman" panose="02020603050405020304" pitchFamily="18" charset="0"/>
+                <a:ea typeface="Helvetica Neue" charset="0"/>
+                <a:cs typeface="Times New Roman" panose="02020603050405020304" pitchFamily="18" charset="0"/>
+              </a:rPr>
+              <a:t>Thank you to Professor Nathalie Moon for her expertise and guidance</a:t>
+            </a:r>
+          </a:p>
+          <a:p>
+            <a:pPr marL="571500" indent="-571500">
+              <a:buFont typeface="Arial" panose="020B0604020202020204" pitchFamily="34" charset="0"/>
+              <a:buChar char="•"/>
+            </a:pPr>
+            <a:r>
+              <a:rPr kumimoji="1" lang="en-US" altLang="ja-JP" sz="3600" b="1" dirty="0" err="1">
+                <a:latin typeface="Times New Roman" panose="02020603050405020304" pitchFamily="18" charset="0"/>
+                <a:ea typeface="Helvetica Neue" charset="0"/>
+                <a:cs typeface="Times New Roman" panose="02020603050405020304" pitchFamily="18" charset="0"/>
+              </a:rPr>
+              <a:t>Github</a:t>
+            </a:r>
+            <a:r>
+              <a:rPr kumimoji="1" lang="en-US" altLang="ja-JP" sz="3600" b="1" dirty="0">
+                <a:latin typeface="Times New Roman" panose="02020603050405020304" pitchFamily="18" charset="0"/>
+                <a:ea typeface="Helvetica Neue" charset="0"/>
+                <a:cs typeface="Times New Roman" panose="02020603050405020304" pitchFamily="18" charset="0"/>
+              </a:rPr>
+              <a:t> link for full code</a:t>
+            </a:r>
+            <a:endParaRPr kumimoji="1" lang="en-US" altLang="ja-JP" sz="3200" b="1" dirty="0">
+              <a:latin typeface="Times New Roman" panose="02020603050405020304" pitchFamily="18" charset="0"/>
+              <a:ea typeface="Helvetica Neue" charset="0"/>
+              <a:cs typeface="Times New Roman" panose="02020603050405020304" pitchFamily="18" charset="0"/>
+            </a:endParaRPr>
+          </a:p>
+          <a:p>
+            <a:endParaRPr kumimoji="1" lang="en-US" altLang="ja-JP" sz="4400" b="1" dirty="0">
+              <a:latin typeface="Times New Roman" panose="02020603050405020304" pitchFamily="18" charset="0"/>
+              <a:ea typeface="Helvetica Neue" charset="0"/>
+              <a:cs typeface="Times New Roman" panose="02020603050405020304" pitchFamily="18" charset="0"/>
+            </a:endParaRPr>
+          </a:p>
+          <a:p>
+            <a:endParaRPr kumimoji="1" lang="ja-JP" altLang="en-US" sz="4400" b="1" dirty="0">
+              <a:solidFill>
+                <a:schemeClr val="accent2"/>
+              </a:solidFill>
+              <a:latin typeface="Times New Roman" panose="02020603050405020304" pitchFamily="18" charset="0"/>
+              <a:ea typeface="Helvetica Neue" charset="0"/>
+              <a:cs typeface="Times New Roman" panose="02020603050405020304" pitchFamily="18" charset="0"/>
+            </a:endParaRPr>
+          </a:p>
+        </p:txBody>
+      </p:sp>
+      <p:sp>
+        <p:nvSpPr>
+          <p:cNvPr id="829" name="正方形/長方形 17">
+            <a:extLst>
+              <a:ext uri="{FF2B5EF4-FFF2-40B4-BE49-F238E27FC236}">
+                <a16:creationId xmlns:a16="http://schemas.microsoft.com/office/drawing/2014/main" id="{4D9D219E-10D9-E676-DFF6-E505B42D18E8}"/>
+              </a:ext>
+            </a:extLst>
+          </p:cNvPr>
+          <p:cNvSpPr/>
+          <p:nvPr/>
+        </p:nvSpPr>
+        <p:spPr>
+          <a:xfrm>
+            <a:off x="825177" y="22694299"/>
+            <a:ext cx="14275935" cy="12500172"/>
+          </a:xfrm>
+          <a:prstGeom prst="rect">
+            <a:avLst/>
+          </a:prstGeom>
+          <a:noFill/>
+          <a:ln w="34925">
+            <a:solidFill>
+              <a:schemeClr val="accent2"/>
+            </a:solidFill>
+          </a:ln>
+        </p:spPr>
+        <p:style>
+          <a:lnRef idx="2">
+            <a:schemeClr val="accent1">
+              <a:shade val="50000"/>
+            </a:schemeClr>
+          </a:lnRef>
+          <a:fillRef idx="1">
+            <a:schemeClr val="accent1"/>
+          </a:fillRef>
+          <a:effectRef idx="0">
+            <a:schemeClr val="accent1"/>
+          </a:effectRef>
+          <a:fontRef idx="minor">
+            <a:schemeClr val="lt1"/>
+          </a:fontRef>
+        </p:style>
+        <p:txBody>
+          <a:bodyPr rtlCol="0" anchor="ctr"/>
+          <a:lstStyle/>
+          <a:p>
+            <a:pPr algn="ctr"/>
+            <a:endParaRPr kumimoji="1" lang="ja-JP" altLang="en-US"/>
+          </a:p>
+        </p:txBody>
+      </p:sp>
+      <p:sp>
+        <p:nvSpPr>
+          <p:cNvPr id="836" name="正方形/長方形 17">
+            <a:extLst>
+              <a:ext uri="{FF2B5EF4-FFF2-40B4-BE49-F238E27FC236}">
+                <a16:creationId xmlns:a16="http://schemas.microsoft.com/office/drawing/2014/main" id="{D4779C7F-BD6B-73EB-72DA-2227FF073B5B}"/>
+              </a:ext>
+            </a:extLst>
+          </p:cNvPr>
+          <p:cNvSpPr/>
+          <p:nvPr/>
+        </p:nvSpPr>
+        <p:spPr>
+          <a:xfrm>
+            <a:off x="819968" y="15372506"/>
+            <a:ext cx="14275935" cy="7279988"/>
+          </a:xfrm>
+          <a:prstGeom prst="rect">
+            <a:avLst/>
+          </a:prstGeom>
+          <a:noFill/>
+          <a:ln w="34925">
+            <a:solidFill>
+              <a:schemeClr val="accent2"/>
+            </a:solidFill>
+          </a:ln>
+        </p:spPr>
+        <p:style>
+          <a:lnRef idx="2">
+            <a:schemeClr val="accent1">
+              <a:shade val="50000"/>
+            </a:schemeClr>
+          </a:lnRef>
+          <a:fillRef idx="1">
+            <a:schemeClr val="accent1"/>
+          </a:fillRef>
+          <a:effectRef idx="0">
+            <a:schemeClr val="accent1"/>
+          </a:effectRef>
+          <a:fontRef idx="minor">
+            <a:schemeClr val="lt1"/>
+          </a:fontRef>
+        </p:style>
+        <p:txBody>
+          <a:bodyPr rtlCol="0" anchor="ctr"/>
+          <a:lstStyle/>
+          <a:p>
+            <a:pPr algn="ctr"/>
+            <a:endParaRPr kumimoji="1" lang="ja-JP" altLang="en-US"/>
+          </a:p>
+        </p:txBody>
+      </p:sp>
+      <p:sp>
+        <p:nvSpPr>
+          <p:cNvPr id="837" name="正方形/長方形 17">
+            <a:extLst>
+              <a:ext uri="{FF2B5EF4-FFF2-40B4-BE49-F238E27FC236}">
+                <a16:creationId xmlns:a16="http://schemas.microsoft.com/office/drawing/2014/main" id="{7D729F1A-CF1D-72FE-83C0-B3E05695E945}"/>
+              </a:ext>
+            </a:extLst>
+          </p:cNvPr>
+          <p:cNvSpPr/>
+          <p:nvPr/>
+        </p:nvSpPr>
+        <p:spPr>
+          <a:xfrm>
+            <a:off x="795662" y="12970974"/>
+            <a:ext cx="14275935" cy="1753481"/>
+          </a:xfrm>
+          <a:prstGeom prst="rect">
+            <a:avLst/>
+          </a:prstGeom>
+          <a:noFill/>
+          <a:ln w="34925">
+            <a:solidFill>
+              <a:schemeClr val="accent2"/>
+            </a:solidFill>
+          </a:ln>
+        </p:spPr>
+        <p:style>
+          <a:lnRef idx="2">
+            <a:schemeClr val="accent1">
+              <a:shade val="50000"/>
+            </a:schemeClr>
+          </a:lnRef>
+          <a:fillRef idx="1">
+            <a:schemeClr val="accent1"/>
+          </a:fillRef>
+          <a:effectRef idx="0">
+            <a:schemeClr val="accent1"/>
+          </a:effectRef>
+          <a:fontRef idx="minor">
+            <a:schemeClr val="lt1"/>
+          </a:fontRef>
+        </p:style>
+        <p:txBody>
+          <a:bodyPr rtlCol="0" anchor="ctr"/>
+          <a:lstStyle/>
+          <a:p>
+            <a:pPr algn="ctr"/>
+            <a:endParaRPr kumimoji="1" lang="ja-JP" altLang="en-US"/>
+          </a:p>
+        </p:txBody>
+      </p:sp>
+    </p:spTree>
+    <p:extLst>
+      <p:ext uri="{BB962C8B-B14F-4D97-AF65-F5344CB8AC3E}">
+        <p14:creationId xmlns:p14="http://schemas.microsoft.com/office/powerpoint/2010/main" val="309733641"/>
+      </p:ext>
+    </p:extLst>
+  </p:cSld>
+  <p:clrMapOvr>
+    <a:masterClrMapping/>
+  </p:clrMapOvr>
+</p:sld>
+</file>
+
+<file path=ppt/slides/slide2.xml><?xml version="1.0" encoding="utf-8"?>
+<p:sld xmlns:a="http://schemas.openxmlformats.org/drawingml/2006/main" xmlns:r="http://schemas.openxmlformats.org/officeDocument/2006/relationships" xmlns:p="http://schemas.openxmlformats.org/presentationml/2006/main">
+  <p:cSld>
+    <p:spTree>
+      <p:nvGrpSpPr>
+        <p:cNvPr id="1" name=""/>
+        <p:cNvGrpSpPr/>
+        <p:nvPr/>
+      </p:nvGrpSpPr>
+      <p:grpSpPr>
+        <a:xfrm>
+          <a:off x="0" y="0"/>
+          <a:ext cx="0" cy="0"/>
+          <a:chOff x="0" y="0"/>
+          <a:chExt cx="0" cy="0"/>
+        </a:xfrm>
+      </p:grpSpPr>
+      <p:sp>
+        <p:nvSpPr>
+          <p:cNvPr id="770" name="TextBox 769">
+            <a:extLst>
+              <a:ext uri="{FF2B5EF4-FFF2-40B4-BE49-F238E27FC236}">
+                <a16:creationId xmlns:a16="http://schemas.microsoft.com/office/drawing/2014/main" id="{938DA395-CBCF-EE45-5154-7BD952451EDA}"/>
+              </a:ext>
+            </a:extLst>
+          </p:cNvPr>
+          <p:cNvSpPr txBox="1"/>
+          <p:nvPr/>
+        </p:nvSpPr>
+        <p:spPr>
+          <a:xfrm>
+            <a:off x="1086480" y="174057"/>
+            <a:ext cx="23571200" cy="3046988"/>
+          </a:xfrm>
+          <a:prstGeom prst="rect">
+            <a:avLst/>
+          </a:prstGeom>
+          <a:noFill/>
+        </p:spPr>
+        <p:txBody>
+          <a:bodyPr wrap="square">
+            <a:spAutoFit/>
+          </a:bodyPr>
+          <a:lstStyle/>
+          <a:p>
+            <a:r>
+              <a:rPr lang="en-US" sz="9600" dirty="0">
+                <a:solidFill>
+                  <a:schemeClr val="accent2">
+                    <a:lumMod val="75000"/>
+                  </a:schemeClr>
+                </a:solidFill>
+                <a:latin typeface="Times New Roman" panose="02020603050405020304" pitchFamily="18" charset="0"/>
+                <a:cs typeface="Times New Roman" panose="02020603050405020304" pitchFamily="18" charset="0"/>
+              </a:rPr>
+              <a:t>Exploration of the effect of missing data on statistical analysis</a:t>
+            </a:r>
+          </a:p>
+        </p:txBody>
+      </p:sp>
+      <p:sp>
+        <p:nvSpPr>
+          <p:cNvPr id="771" name="TextBox 770">
+            <a:extLst>
+              <a:ext uri="{FF2B5EF4-FFF2-40B4-BE49-F238E27FC236}">
+                <a16:creationId xmlns:a16="http://schemas.microsoft.com/office/drawing/2014/main" id="{EA9B3F00-C122-DCD0-8A19-03DCB8912605}"/>
+              </a:ext>
+            </a:extLst>
+          </p:cNvPr>
+          <p:cNvSpPr txBox="1"/>
+          <p:nvPr/>
+        </p:nvSpPr>
+        <p:spPr>
+          <a:xfrm>
+            <a:off x="3164179" y="3668125"/>
+            <a:ext cx="14127778" cy="1569660"/>
+          </a:xfrm>
+          <a:prstGeom prst="rect">
+            <a:avLst/>
+          </a:prstGeom>
+          <a:noFill/>
+        </p:spPr>
+        <p:txBody>
+          <a:bodyPr wrap="none" rtlCol="0">
+            <a:spAutoFit/>
+          </a:bodyPr>
+          <a:lstStyle/>
+          <a:p>
+            <a:r>
+              <a:rPr lang="en-US" sz="9600" dirty="0">
+                <a:solidFill>
+                  <a:schemeClr val="accent2">
+                    <a:lumMod val="75000"/>
+                  </a:schemeClr>
+                </a:solidFill>
+              </a:rPr>
+              <a:t>Leo Watson, Nathalie Moon</a:t>
+            </a:r>
+          </a:p>
+        </p:txBody>
+      </p:sp>
+      <p:pic>
+        <p:nvPicPr>
+          <p:cNvPr id="772" name="Picture 771">
+            <a:extLst>
+              <a:ext uri="{FF2B5EF4-FFF2-40B4-BE49-F238E27FC236}">
+                <a16:creationId xmlns:a16="http://schemas.microsoft.com/office/drawing/2014/main" id="{0FC03FE9-1126-DCCD-DA9F-A804DFD43C50}"/>
+              </a:ext>
+            </a:extLst>
+          </p:cNvPr>
+          <p:cNvPicPr>
+            <a:picLocks noChangeAspect="1"/>
+          </p:cNvPicPr>
+          <p:nvPr/>
+        </p:nvPicPr>
+        <p:blipFill>
+          <a:blip r:embed="rId3"/>
+          <a:stretch>
+            <a:fillRect/>
+          </a:stretch>
+        </p:blipFill>
+        <p:spPr>
+          <a:xfrm>
+            <a:off x="25002561" y="365095"/>
+            <a:ext cx="6011937" cy="4452560"/>
+          </a:xfrm>
+          <a:prstGeom prst="rect">
+            <a:avLst/>
+          </a:prstGeom>
+        </p:spPr>
+      </p:pic>
+      <p:sp>
+        <p:nvSpPr>
+          <p:cNvPr id="773" name="テキスト ボックス 7">
+            <a:extLst>
+              <a:ext uri="{FF2B5EF4-FFF2-40B4-BE49-F238E27FC236}">
+                <a16:creationId xmlns:a16="http://schemas.microsoft.com/office/drawing/2014/main" id="{F83BA4FB-DA00-DCEC-16F1-896604EC2767}"/>
+              </a:ext>
+            </a:extLst>
+          </p:cNvPr>
+          <p:cNvSpPr txBox="1"/>
+          <p:nvPr/>
+        </p:nvSpPr>
+        <p:spPr>
+          <a:xfrm>
+            <a:off x="640081" y="5652169"/>
+            <a:ext cx="14630400" cy="1015663"/>
+          </a:xfrm>
+          <a:prstGeom prst="rect">
+            <a:avLst/>
+          </a:prstGeom>
+          <a:solidFill>
+            <a:schemeClr val="accent2"/>
+          </a:solidFill>
+          <a:ln>
+            <a:solidFill>
+              <a:schemeClr val="accent2"/>
+            </a:solidFill>
+          </a:ln>
+        </p:spPr>
+        <p:txBody>
+          <a:bodyPr wrap="square" rtlCol="0">
+            <a:spAutoFit/>
+          </a:bodyPr>
+          <a:lstStyle/>
+          <a:p>
+            <a:r>
+              <a:rPr lang="en-US" altLang="ja-JP" sz="6000" b="1" dirty="0">
+                <a:solidFill>
+                  <a:schemeClr val="bg1"/>
+                </a:solidFill>
+                <a:latin typeface="Helvetica Neue" charset="0"/>
+                <a:ea typeface="Helvetica Neue" charset="0"/>
+                <a:cs typeface="Helvetica Neue" charset="0"/>
+              </a:rPr>
+              <a:t> A</a:t>
+            </a:r>
+            <a:r>
+              <a:rPr lang="en-US" altLang="ja-JP" sz="4400" b="1" dirty="0">
+                <a:solidFill>
+                  <a:schemeClr val="bg1"/>
+                </a:solidFill>
+                <a:latin typeface="Helvetica Neue" charset="0"/>
+                <a:ea typeface="Helvetica Neue" charset="0"/>
+                <a:cs typeface="Helvetica Neue" charset="0"/>
+              </a:rPr>
+              <a:t>BSTRACT</a:t>
+            </a:r>
+            <a:endParaRPr kumimoji="1" lang="ja-JP" altLang="en-US" sz="4400" b="1" dirty="0">
+              <a:solidFill>
+                <a:schemeClr val="bg1"/>
+              </a:solidFill>
+              <a:latin typeface="Helvetica Neue" charset="0"/>
+              <a:ea typeface="Helvetica Neue" charset="0"/>
+              <a:cs typeface="Helvetica Neue" charset="0"/>
+            </a:endParaRPr>
+          </a:p>
+        </p:txBody>
+      </p:sp>
+      <p:sp>
+        <p:nvSpPr>
+          <p:cNvPr id="774" name="正方形/長方形 12">
+            <a:extLst>
+              <a:ext uri="{FF2B5EF4-FFF2-40B4-BE49-F238E27FC236}">
+                <a16:creationId xmlns:a16="http://schemas.microsoft.com/office/drawing/2014/main" id="{FD65D7EB-5359-0E6D-B282-3313092912E0}"/>
+              </a:ext>
+            </a:extLst>
+          </p:cNvPr>
+          <p:cNvSpPr/>
+          <p:nvPr/>
+        </p:nvSpPr>
+        <p:spPr>
+          <a:xfrm>
+            <a:off x="640081" y="6699056"/>
+            <a:ext cx="14630400" cy="3908274"/>
           </a:xfrm>
           <a:prstGeom prst="rect">
             <a:avLst/>
@@ -4043,6 +10646,322 @@
           <a:lstStyle/>
           <a:p>
             <a:pPr algn="ctr"/>
+            <a:endParaRPr kumimoji="1" lang="ja-JP" altLang="en-US"/>
+          </a:p>
+        </p:txBody>
+      </p:sp>
+      <p:sp>
+        <p:nvSpPr>
+          <p:cNvPr id="776" name="TextBox 775">
+            <a:extLst>
+              <a:ext uri="{FF2B5EF4-FFF2-40B4-BE49-F238E27FC236}">
+                <a16:creationId xmlns:a16="http://schemas.microsoft.com/office/drawing/2014/main" id="{6E092D70-4633-21D5-9EA1-E1D21572DF57}"/>
+              </a:ext>
+            </a:extLst>
+          </p:cNvPr>
+          <p:cNvSpPr txBox="1"/>
+          <p:nvPr/>
+        </p:nvSpPr>
+        <p:spPr>
+          <a:xfrm>
+            <a:off x="928470" y="7038082"/>
+            <a:ext cx="13747119" cy="4585871"/>
+          </a:xfrm>
+          <a:prstGeom prst="rect">
+            <a:avLst/>
+          </a:prstGeom>
+          <a:noFill/>
+        </p:spPr>
+        <p:txBody>
+          <a:bodyPr wrap="square">
+            <a:spAutoFit/>
+          </a:bodyPr>
+          <a:lstStyle/>
+          <a:p>
+            <a:pPr fontAlgn="base"/>
+            <a:r>
+              <a:rPr lang="en-US" sz="5400" dirty="0">
+                <a:solidFill>
+                  <a:srgbClr val="333333"/>
+                </a:solidFill>
+                <a:latin typeface="Times New Roman" panose="02020603050405020304" pitchFamily="18" charset="0"/>
+                <a:cs typeface="Times New Roman" panose="02020603050405020304" pitchFamily="18" charset="0"/>
+              </a:rPr>
+              <a:t>Analysis of </a:t>
+            </a:r>
+            <a:r>
+              <a:rPr lang="en-US" sz="5400" b="1" dirty="0">
+                <a:solidFill>
+                  <a:srgbClr val="333333"/>
+                </a:solidFill>
+                <a:latin typeface="Times New Roman" panose="02020603050405020304" pitchFamily="18" charset="0"/>
+                <a:cs typeface="Times New Roman" panose="02020603050405020304" pitchFamily="18" charset="0"/>
+              </a:rPr>
+              <a:t>missing data mechanisms </a:t>
+            </a:r>
+            <a:r>
+              <a:rPr lang="en-US" sz="5400" dirty="0">
+                <a:solidFill>
+                  <a:srgbClr val="333333"/>
+                </a:solidFill>
+                <a:latin typeface="Times New Roman" panose="02020603050405020304" pitchFamily="18" charset="0"/>
+                <a:cs typeface="Times New Roman" panose="02020603050405020304" pitchFamily="18" charset="0"/>
+              </a:rPr>
+              <a:t>and </a:t>
+            </a:r>
+            <a:r>
+              <a:rPr lang="en-US" sz="5400" b="1" dirty="0">
+                <a:solidFill>
+                  <a:srgbClr val="333333"/>
+                </a:solidFill>
+                <a:latin typeface="Times New Roman" panose="02020603050405020304" pitchFamily="18" charset="0"/>
+                <a:cs typeface="Times New Roman" panose="02020603050405020304" pitchFamily="18" charset="0"/>
+              </a:rPr>
+              <a:t>modern approaches to handling missing data</a:t>
+            </a:r>
+            <a:r>
+              <a:rPr lang="en-US" sz="5400" dirty="0">
+                <a:solidFill>
+                  <a:srgbClr val="333333"/>
+                </a:solidFill>
+                <a:latin typeface="Times New Roman" panose="02020603050405020304" pitchFamily="18" charset="0"/>
+                <a:cs typeface="Times New Roman" panose="02020603050405020304" pitchFamily="18" charset="0"/>
+              </a:rPr>
+              <a:t>. </a:t>
+            </a:r>
+            <a:r>
+              <a:rPr lang="en-US" sz="5400" b="1" dirty="0">
+                <a:solidFill>
+                  <a:srgbClr val="333333"/>
+                </a:solidFill>
+                <a:latin typeface="Times New Roman" panose="02020603050405020304" pitchFamily="18" charset="0"/>
+                <a:cs typeface="Times New Roman" panose="02020603050405020304" pitchFamily="18" charset="0"/>
+              </a:rPr>
+              <a:t>Designing</a:t>
+            </a:r>
+            <a:r>
+              <a:rPr lang="en-US" sz="5400" dirty="0">
+                <a:solidFill>
+                  <a:srgbClr val="333333"/>
+                </a:solidFill>
+                <a:latin typeface="Times New Roman" panose="02020603050405020304" pitchFamily="18" charset="0"/>
+                <a:cs typeface="Times New Roman" panose="02020603050405020304" pitchFamily="18" charset="0"/>
+              </a:rPr>
+              <a:t> </a:t>
+            </a:r>
+            <a:r>
+              <a:rPr lang="en-US" sz="5400" b="1" dirty="0">
+                <a:solidFill>
+                  <a:srgbClr val="333333"/>
+                </a:solidFill>
+                <a:latin typeface="Times New Roman" panose="02020603050405020304" pitchFamily="18" charset="0"/>
+                <a:cs typeface="Times New Roman" panose="02020603050405020304" pitchFamily="18" charset="0"/>
+              </a:rPr>
+              <a:t>R simulations </a:t>
+            </a:r>
+            <a:r>
+              <a:rPr lang="en-US" sz="5400" dirty="0">
+                <a:solidFill>
+                  <a:srgbClr val="333333"/>
+                </a:solidFill>
+                <a:latin typeface="Times New Roman" panose="02020603050405020304" pitchFamily="18" charset="0"/>
+                <a:cs typeface="Times New Roman" panose="02020603050405020304" pitchFamily="18" charset="0"/>
+              </a:rPr>
+              <a:t>to investigate hypotheses about imputation technique.</a:t>
+            </a:r>
+            <a:br>
+              <a:rPr lang="en-US" sz="5400" dirty="0">
+                <a:solidFill>
+                  <a:srgbClr val="333333"/>
+                </a:solidFill>
+                <a:latin typeface="Times New Roman" panose="02020603050405020304" pitchFamily="18" charset="0"/>
+                <a:cs typeface="Times New Roman" panose="02020603050405020304" pitchFamily="18" charset="0"/>
+              </a:rPr>
+            </a:br>
+            <a:endParaRPr lang="en-US" sz="5400" dirty="0">
+              <a:solidFill>
+                <a:srgbClr val="000000"/>
+              </a:solidFill>
+              <a:latin typeface="Times New Roman" panose="02020603050405020304" pitchFamily="18" charset="0"/>
+              <a:cs typeface="Times New Roman" panose="02020603050405020304" pitchFamily="18" charset="0"/>
+            </a:endParaRPr>
+          </a:p>
+          <a:p>
+            <a:br>
+              <a:rPr lang="en-US" sz="1100" dirty="0"/>
+            </a:br>
+            <a:endParaRPr lang="en-US" sz="1100" dirty="0"/>
+          </a:p>
+        </p:txBody>
+      </p:sp>
+      <p:sp>
+        <p:nvSpPr>
+          <p:cNvPr id="777" name="テキスト ボックス 16">
+            <a:extLst>
+              <a:ext uri="{FF2B5EF4-FFF2-40B4-BE49-F238E27FC236}">
+                <a16:creationId xmlns:a16="http://schemas.microsoft.com/office/drawing/2014/main" id="{DE3BFD10-1A8C-92B8-ED52-7D25AA92E4C9}"/>
+              </a:ext>
+            </a:extLst>
+          </p:cNvPr>
+          <p:cNvSpPr txBox="1"/>
+          <p:nvPr/>
+        </p:nvSpPr>
+        <p:spPr>
+          <a:xfrm>
+            <a:off x="623782" y="11157322"/>
+            <a:ext cx="14630400" cy="1015663"/>
+          </a:xfrm>
+          <a:prstGeom prst="rect">
+            <a:avLst/>
+          </a:prstGeom>
+          <a:solidFill>
+            <a:schemeClr val="accent2"/>
+          </a:solidFill>
+          <a:ln>
+            <a:solidFill>
+              <a:schemeClr val="accent2"/>
+            </a:solidFill>
+          </a:ln>
+        </p:spPr>
+        <p:txBody>
+          <a:bodyPr wrap="square" rtlCol="0">
+            <a:spAutoFit/>
+          </a:bodyPr>
+          <a:lstStyle/>
+          <a:p>
+            <a:r>
+              <a:rPr lang="en-US" altLang="ja-JP" sz="6000" b="1" dirty="0">
+                <a:solidFill>
+                  <a:schemeClr val="bg1"/>
+                </a:solidFill>
+                <a:latin typeface="Helvetica Neue" charset="0"/>
+                <a:ea typeface="Helvetica Neue" charset="0"/>
+                <a:cs typeface="Helvetica Neue" charset="0"/>
+              </a:rPr>
+              <a:t> I</a:t>
+            </a:r>
+            <a:r>
+              <a:rPr lang="en-US" altLang="ja-JP" sz="4400" b="1" dirty="0">
+                <a:solidFill>
+                  <a:schemeClr val="bg1"/>
+                </a:solidFill>
+                <a:latin typeface="Helvetica Neue" charset="0"/>
+                <a:ea typeface="Helvetica Neue" charset="0"/>
+                <a:cs typeface="Helvetica Neue" charset="0"/>
+              </a:rPr>
+              <a:t>NTRODUCTION</a:t>
+            </a:r>
+            <a:endParaRPr kumimoji="1" lang="ja-JP" altLang="en-US" sz="4400" b="1" dirty="0">
+              <a:solidFill>
+                <a:schemeClr val="bg1"/>
+              </a:solidFill>
+              <a:latin typeface="Helvetica Neue" charset="0"/>
+              <a:ea typeface="Helvetica Neue" charset="0"/>
+              <a:cs typeface="Helvetica Neue" charset="0"/>
+            </a:endParaRPr>
+          </a:p>
+        </p:txBody>
+      </p:sp>
+      <p:sp>
+        <p:nvSpPr>
+          <p:cNvPr id="778" name="正方形/長方形 17">
+            <a:extLst>
+              <a:ext uri="{FF2B5EF4-FFF2-40B4-BE49-F238E27FC236}">
+                <a16:creationId xmlns:a16="http://schemas.microsoft.com/office/drawing/2014/main" id="{F75CC8C1-4F2A-8C82-CB89-6CF0774EEB96}"/>
+              </a:ext>
+            </a:extLst>
+          </p:cNvPr>
+          <p:cNvSpPr/>
+          <p:nvPr/>
+        </p:nvSpPr>
+        <p:spPr>
+          <a:xfrm>
+            <a:off x="623782" y="12172985"/>
+            <a:ext cx="14630400" cy="22999279"/>
+          </a:xfrm>
+          <a:prstGeom prst="rect">
+            <a:avLst/>
+          </a:prstGeom>
+          <a:noFill/>
+          <a:ln w="34925">
+            <a:solidFill>
+              <a:schemeClr val="tx1"/>
+            </a:solidFill>
+          </a:ln>
+        </p:spPr>
+        <p:style>
+          <a:lnRef idx="2">
+            <a:schemeClr val="accent1">
+              <a:shade val="50000"/>
+            </a:schemeClr>
+          </a:lnRef>
+          <a:fillRef idx="1">
+            <a:schemeClr val="accent1"/>
+          </a:fillRef>
+          <a:effectRef idx="0">
+            <a:schemeClr val="accent1"/>
+          </a:effectRef>
+          <a:fontRef idx="minor">
+            <a:schemeClr val="lt1"/>
+          </a:fontRef>
+        </p:style>
+        <p:txBody>
+          <a:bodyPr rtlCol="0" anchor="ctr"/>
+          <a:lstStyle/>
+          <a:p>
+            <a:pPr algn="ctr"/>
+            <a:endParaRPr kumimoji="1" lang="ja-JP" altLang="en-US"/>
+          </a:p>
+        </p:txBody>
+      </p:sp>
+      <p:sp>
+        <p:nvSpPr>
+          <p:cNvPr id="780" name="正方形/長方形 13">
+            <a:extLst>
+              <a:ext uri="{FF2B5EF4-FFF2-40B4-BE49-F238E27FC236}">
+                <a16:creationId xmlns:a16="http://schemas.microsoft.com/office/drawing/2014/main" id="{7F537126-6314-E948-3A0A-286138B17171}"/>
+              </a:ext>
+            </a:extLst>
+          </p:cNvPr>
+          <p:cNvSpPr/>
+          <p:nvPr/>
+        </p:nvSpPr>
+        <p:spPr>
+          <a:xfrm>
+            <a:off x="17342480" y="6701442"/>
+            <a:ext cx="14630400" cy="21904675"/>
+          </a:xfrm>
+          <a:prstGeom prst="rect">
+            <a:avLst/>
+          </a:prstGeom>
+          <a:noFill/>
+          <a:ln w="34925">
+            <a:solidFill>
+              <a:schemeClr val="tx1"/>
+            </a:solidFill>
+          </a:ln>
+        </p:spPr>
+        <p:style>
+          <a:lnRef idx="2">
+            <a:schemeClr val="accent1">
+              <a:shade val="50000"/>
+            </a:schemeClr>
+          </a:lnRef>
+          <a:fillRef idx="1">
+            <a:schemeClr val="accent1"/>
+          </a:fillRef>
+          <a:effectRef idx="0">
+            <a:schemeClr val="accent1"/>
+          </a:effectRef>
+          <a:fontRef idx="minor">
+            <a:schemeClr val="lt1"/>
+          </a:fontRef>
+        </p:style>
+        <p:txBody>
+          <a:bodyPr rtlCol="0" anchor="ctr"/>
+          <a:lstStyle/>
+          <a:p>
+            <a:pPr algn="ctr"/>
             <a:endParaRPr kumimoji="1" lang="ja-JP" altLang="en-US">
               <a:solidFill>
                 <a:srgbClr val="FF0000"/>
@@ -4278,8 +11197,8 @@
         </p:nvSpPr>
         <p:spPr>
           <a:xfrm>
-            <a:off x="846026" y="12838504"/>
-            <a:ext cx="2931508" cy="769441"/>
+            <a:off x="846026" y="12327525"/>
+            <a:ext cx="2242730" cy="584775"/>
           </a:xfrm>
           <a:prstGeom prst="rect">
             <a:avLst/>
@@ -4293,7 +11212,7 @@
           <a:lstStyle/>
           <a:p>
             <a:r>
-              <a:rPr lang="en-US" sz="4400" dirty="0">
+              <a:rPr lang="en-US" sz="3200" b="1" dirty="0">
                 <a:solidFill>
                   <a:schemeClr val="accent2"/>
                 </a:solidFill>
@@ -4317,8 +11236,8 @@
         </p:nvSpPr>
         <p:spPr>
           <a:xfrm>
-            <a:off x="1036976" y="16924999"/>
-            <a:ext cx="2740558" cy="769441"/>
+            <a:off x="896192" y="14724456"/>
+            <a:ext cx="2045945" cy="584775"/>
           </a:xfrm>
           <a:prstGeom prst="rect">
             <a:avLst/>
@@ -4332,7 +11251,7 @@
           <a:lstStyle/>
           <a:p>
             <a:r>
-              <a:rPr lang="en-US" sz="4400" b="1" dirty="0">
+              <a:rPr lang="en-US" sz="3200" b="1" dirty="0">
                 <a:solidFill>
                   <a:schemeClr val="accent2"/>
                 </a:solidFill>
@@ -4356,8 +11275,8 @@
         </p:nvSpPr>
         <p:spPr>
           <a:xfrm>
-            <a:off x="2106052" y="18934545"/>
-            <a:ext cx="1601721" cy="769441"/>
+            <a:off x="1483371" y="16358179"/>
+            <a:ext cx="13437827" cy="2308324"/>
           </a:xfrm>
           <a:prstGeom prst="rect">
             <a:avLst/>
@@ -4365,15 +11284,49 @@
           <a:noFill/>
         </p:spPr>
         <p:txBody>
-          <a:bodyPr wrap="none" rtlCol="0">
+          <a:bodyPr wrap="square" rtlCol="0">
             <a:spAutoFit/>
           </a:bodyPr>
           <a:lstStyle/>
           <a:p>
             <a:r>
-              <a:rPr lang="en-US" sz="4400" dirty="0"/>
+              <a:rPr lang="en-US" sz="2400" b="1" dirty="0"/>
               <a:t>MCAR</a:t>
             </a:r>
+            <a:r>
+              <a:rPr lang="en-US" sz="2400" dirty="0"/>
+              <a:t>: When probability of missingness for data points </a:t>
+            </a:r>
+          </a:p>
+          <a:p>
+            <a:r>
+              <a:rPr lang="en-US" sz="2400" dirty="0"/>
+              <a:t>in a dataset is constant.</a:t>
+            </a:r>
+          </a:p>
+          <a:p>
+            <a:pPr marL="1028700" lvl="1" indent="-571500">
+              <a:buFont typeface="Arial" panose="020B0604020202020204" pitchFamily="34" charset="0"/>
+              <a:buChar char="•"/>
+            </a:pPr>
+            <a:r>
+              <a:rPr lang="en-US" sz="2400" dirty="0"/>
+              <a:t>Each student’s mark is stored in a spreadsheet by the instructor but following a computer update 10% of the data is deleted at random. </a:t>
+            </a:r>
+          </a:p>
+          <a:p>
+            <a:pPr marL="1028700" lvl="1" indent="-571500">
+              <a:buFont typeface="Arial" panose="020B0604020202020204" pitchFamily="34" charset="0"/>
+              <a:buChar char="•"/>
+            </a:pPr>
+            <a:endParaRPr lang="en-US" sz="2400" dirty="0"/>
+          </a:p>
+          <a:p>
+            <a:pPr marL="1028700" lvl="1" indent="-571500">
+              <a:buFont typeface="Arial" panose="020B0604020202020204" pitchFamily="34" charset="0"/>
+              <a:buChar char="•"/>
+            </a:pPr>
+            <a:endParaRPr lang="en-US" sz="2400" dirty="0"/>
           </a:p>
         </p:txBody>
       </p:sp>
@@ -4391,8 +11344,8 @@
         </p:nvSpPr>
         <p:spPr>
           <a:xfrm>
-            <a:off x="2106052" y="21575182"/>
-            <a:ext cx="1300356" cy="769441"/>
+            <a:off x="1483372" y="18045209"/>
+            <a:ext cx="13192218" cy="1938992"/>
           </a:xfrm>
           <a:prstGeom prst="rect">
             <a:avLst/>
@@ -4400,15 +11353,36 @@
           <a:noFill/>
         </p:spPr>
         <p:txBody>
-          <a:bodyPr wrap="none" rtlCol="0">
+          <a:bodyPr wrap="square" rtlCol="0">
             <a:spAutoFit/>
           </a:bodyPr>
           <a:lstStyle/>
           <a:p>
             <a:r>
-              <a:rPr lang="en-US" sz="4400" dirty="0"/>
+              <a:rPr lang="en-US" sz="2400" b="1" dirty="0"/>
               <a:t>MAR</a:t>
             </a:r>
+            <a:r>
+              <a:rPr lang="en-US" sz="2400" dirty="0"/>
+              <a:t>: When probability of missingness is dependent on some observed variable of the dataset.</a:t>
+            </a:r>
+          </a:p>
+          <a:p>
+            <a:pPr marL="800100" lvl="1" indent="-342900">
+              <a:buFont typeface="Arial" panose="020B0604020202020204" pitchFamily="34" charset="0"/>
+              <a:buChar char="•"/>
+            </a:pPr>
+            <a:r>
+              <a:rPr lang="en-US" sz="2400" dirty="0"/>
+              <a:t>Most students joined a class from day 1, but some students joined late from the waitlist due to capacity restrictions. 10% of students who joined on time had a missing submission for the first problem set, while 30% of students who joined late missed the first problem set. </a:t>
+            </a:r>
+          </a:p>
+          <a:p>
+            <a:pPr marL="800100" lvl="1" indent="-342900">
+              <a:buFont typeface="Arial" panose="020B0604020202020204" pitchFamily="34" charset="0"/>
+              <a:buChar char="•"/>
+            </a:pPr>
+            <a:endParaRPr lang="en-US" sz="2400" dirty="0"/>
           </a:p>
         </p:txBody>
       </p:sp>
@@ -4426,8 +11400,8 @@
         </p:nvSpPr>
         <p:spPr>
           <a:xfrm>
-            <a:off x="2166568" y="25095263"/>
-            <a:ext cx="1664238" cy="769441"/>
+            <a:off x="1398560" y="19588784"/>
+            <a:ext cx="13192218" cy="3416320"/>
           </a:xfrm>
           <a:prstGeom prst="rect">
             <a:avLst/>
@@ -4435,15 +11409,64 @@
           <a:noFill/>
         </p:spPr>
         <p:txBody>
-          <a:bodyPr wrap="none" rtlCol="0">
+          <a:bodyPr wrap="square" rtlCol="0">
             <a:spAutoFit/>
           </a:bodyPr>
           <a:lstStyle/>
           <a:p>
             <a:r>
-              <a:rPr lang="en-US" sz="4400" dirty="0"/>
+              <a:rPr lang="en-US" sz="2400" b="1" dirty="0"/>
               <a:t>MNAR</a:t>
             </a:r>
+            <a:r>
+              <a:rPr lang="en-US" sz="2400" dirty="0"/>
+              <a:t>: When probability of missingness is dependent on the true value of the data point which we don’t</a:t>
+            </a:r>
+          </a:p>
+          <a:p>
+            <a:r>
+              <a:rPr lang="en-US" sz="2400" dirty="0"/>
+              <a:t>know for all subjects.</a:t>
+            </a:r>
+          </a:p>
+          <a:p>
+            <a:r>
+              <a:rPr lang="en-US" sz="2400" dirty="0"/>
+              <a:t>	• Due to a system failure, the instructor loses all the students’ marks. Left with no choice, the instructor requests the students to calculate and share their true final marks to the instructor. If they don’t, the instructor will input that they got a B. </a:t>
+            </a:r>
+          </a:p>
+          <a:p>
+            <a:r>
+              <a:rPr lang="en-US" sz="2400" b="1" dirty="0"/>
+              <a:t>		– </a:t>
+            </a:r>
+            <a:r>
+              <a:rPr lang="en-US" sz="2400" dirty="0"/>
+              <a:t>If a student’s true mark is an A, they are 90% likely to state their true mark. </a:t>
+            </a:r>
+            <a:r>
+              <a:rPr lang="en-US" sz="2400" b="1" dirty="0"/>
+              <a:t>– </a:t>
+            </a:r>
+            <a:r>
+              <a:rPr lang="en-US" sz="2400" dirty="0"/>
+              <a:t>If a student’s true mark is a B, they are 70% likely to state their true mark. </a:t>
+            </a:r>
+            <a:r>
+              <a:rPr lang="en-US" sz="2400" b="1" dirty="0"/>
+              <a:t>– </a:t>
+            </a:r>
+            <a:r>
+              <a:rPr lang="en-US" sz="2400" dirty="0"/>
+              <a:t>If a student’s true mark is a C, they are 50% likely to state their true mark. </a:t>
+            </a:r>
+          </a:p>
+          <a:p>
+            <a:pPr marL="342900" indent="-342900">
+              <a:buFont typeface="Arial" panose="020B0604020202020204" pitchFamily="34" charset="0"/>
+              <a:buChar char="•"/>
+            </a:pPr>
+            <a:endParaRPr lang="en-US" sz="2400" dirty="0"/>
           </a:p>
         </p:txBody>
       </p:sp>
@@ -4461,8 +11484,8 @@
         </p:nvSpPr>
         <p:spPr>
           <a:xfrm>
-            <a:off x="2407417" y="29992808"/>
-            <a:ext cx="4068999" cy="769441"/>
+            <a:off x="1483371" y="23484328"/>
+            <a:ext cx="12495728" cy="830997"/>
           </a:xfrm>
           <a:prstGeom prst="rect">
             <a:avLst/>
@@ -4476,8 +11499,18 @@
           <a:lstStyle/>
           <a:p>
             <a:r>
-              <a:rPr lang="en-US" sz="4400" dirty="0"/>
+              <a:rPr lang="en-US" sz="2400" b="1" dirty="0"/>
               <a:t>Listwise Deletion</a:t>
+            </a:r>
+            <a:r>
+              <a:rPr lang="en-US" sz="2400" dirty="0"/>
+              <a:t>: Eliminates all observations containing ANY missing values in variables of interest</a:t>
+            </a:r>
+          </a:p>
+          <a:p>
+            <a:r>
+              <a:rPr lang="en-US" sz="2400" dirty="0"/>
+              <a:t> </a:t>
             </a:r>
           </a:p>
         </p:txBody>
@@ -4496,8 +11529,8 @@
         </p:nvSpPr>
         <p:spPr>
           <a:xfrm>
-            <a:off x="2407416" y="33265526"/>
-            <a:ext cx="4795608" cy="769441"/>
+            <a:off x="1483371" y="28375284"/>
+            <a:ext cx="13928878" cy="1938992"/>
           </a:xfrm>
           <a:prstGeom prst="rect">
             <a:avLst/>
@@ -4511,8 +11544,52 @@
           <a:lstStyle/>
           <a:p>
             <a:r>
-              <a:rPr lang="en-US" sz="4400" dirty="0"/>
+              <a:rPr lang="en-US" sz="2400" b="1" dirty="0"/>
               <a:t>Multiple Imputation</a:t>
+            </a:r>
+            <a:r>
+              <a:rPr lang="en-US" sz="2400" dirty="0"/>
+              <a:t>:</a:t>
+            </a:r>
+          </a:p>
+          <a:p>
+            <a:pPr marL="914400" lvl="1" indent="-457200">
+              <a:buFont typeface="+mj-lt"/>
+              <a:buAutoNum type="arabicPeriod"/>
+            </a:pPr>
+            <a:r>
+              <a:rPr lang="en-US" sz="2400" dirty="0"/>
+              <a:t>Takes incomplete dataset and creates multiple copies of it.</a:t>
+            </a:r>
+          </a:p>
+          <a:p>
+            <a:pPr marL="914400" lvl="1" indent="-457200">
+              <a:buFont typeface="+mj-lt"/>
+              <a:buAutoNum type="arabicPeriod"/>
+            </a:pPr>
+            <a:r>
+              <a:rPr lang="en-US" sz="2400" dirty="0"/>
+              <a:t>Impute incomplete columns with plausible values through an iterative predictive method for each copy</a:t>
+            </a:r>
+          </a:p>
+          <a:p>
+            <a:pPr marL="914400" lvl="1" indent="-457200">
+              <a:buFont typeface="+mj-lt"/>
+              <a:buAutoNum type="arabicPeriod"/>
+            </a:pPr>
+            <a:r>
+              <a:rPr lang="en-US" sz="2400" dirty="0"/>
+              <a:t>Obtain estimate for parameter of interest for each copy</a:t>
+            </a:r>
+          </a:p>
+          <a:p>
+            <a:pPr marL="914400" lvl="1" indent="-457200">
+              <a:buFont typeface="+mj-lt"/>
+              <a:buAutoNum type="arabicPeriod"/>
+            </a:pPr>
+            <a:r>
+              <a:rPr lang="en-US" sz="2400" dirty="0"/>
+              <a:t>Pool estimators together to create a single pooled estimate.</a:t>
             </a:r>
           </a:p>
         </p:txBody>
@@ -4531,8 +11608,8 @@
         </p:nvSpPr>
         <p:spPr>
           <a:xfrm>
-            <a:off x="1086023" y="17859713"/>
-            <a:ext cx="6143733" cy="769441"/>
+            <a:off x="1201628" y="15463971"/>
+            <a:ext cx="4520020" cy="584775"/>
           </a:xfrm>
           <a:prstGeom prst="rect">
             <a:avLst/>
@@ -4546,7 +11623,7 @@
           <a:lstStyle/>
           <a:p>
             <a:r>
-              <a:rPr lang="en-US" sz="4400" dirty="0">
+              <a:rPr lang="en-US" sz="3200" dirty="0">
                 <a:solidFill>
                   <a:schemeClr val="accent2">
                     <a:lumMod val="75000"/>
@@ -4572,8 +11649,8 @@
         </p:nvSpPr>
         <p:spPr>
           <a:xfrm>
-            <a:off x="1065766" y="28679048"/>
-            <a:ext cx="5423536" cy="769441"/>
+            <a:off x="1201628" y="22712716"/>
+            <a:ext cx="3999428" cy="584775"/>
           </a:xfrm>
           <a:prstGeom prst="rect">
             <a:avLst/>
@@ -4587,7 +11664,7 @@
           <a:lstStyle/>
           <a:p>
             <a:r>
-              <a:rPr lang="en-US" sz="4400" dirty="0">
+              <a:rPr lang="en-US" sz="3200" dirty="0">
                 <a:solidFill>
                   <a:schemeClr val="accent2">
                     <a:lumMod val="75000"/>
@@ -4613,8 +11690,8 @@
         </p:nvSpPr>
         <p:spPr>
           <a:xfrm>
-            <a:off x="1201628" y="13831845"/>
-            <a:ext cx="13747118" cy="3477875"/>
+            <a:off x="1201628" y="13277411"/>
+            <a:ext cx="13747118" cy="1569660"/>
           </a:xfrm>
           <a:prstGeom prst="rect">
             <a:avLst/>
@@ -4632,7 +11709,7 @@
               <a:buChar char="•"/>
             </a:pPr>
             <a:r>
-              <a:rPr lang="en-US" sz="4400" dirty="0"/>
+              <a:rPr lang="en-US" sz="2400" dirty="0"/>
               <a:t>Interested in what scenarios different imputation techniques should be used to reduce runtime without sacrificing bias, error, and other performance measures.</a:t>
             </a:r>
           </a:p>
@@ -4642,7 +11719,7 @@
               <a:buChar char="•"/>
             </a:pPr>
             <a:r>
-              <a:rPr lang="en-US" sz="4400" dirty="0"/>
+              <a:rPr lang="en-US" sz="2400" dirty="0"/>
               <a:t>Determine the types of missing data in the real world</a:t>
             </a:r>
           </a:p>
@@ -4651,7 +11728,7 @@
               <a:buFont typeface="Arial" panose="020B0604020202020204" pitchFamily="34" charset="0"/>
               <a:buChar char="•"/>
             </a:pPr>
-            <a:endParaRPr lang="en-US" sz="4400" dirty="0"/>
+            <a:endParaRPr lang="en-US" sz="2400" dirty="0"/>
           </a:p>
         </p:txBody>
       </p:sp>
@@ -6821,6 +13898,101 @@
           </a:p>
         </p:txBody>
       </p:sp>
+      <p:pic>
+        <p:nvPicPr>
+          <p:cNvPr id="30" name="Picture 29">
+            <a:extLst>
+              <a:ext uri="{FF2B5EF4-FFF2-40B4-BE49-F238E27FC236}">
+                <a16:creationId xmlns:a16="http://schemas.microsoft.com/office/drawing/2014/main" id="{1C5CA847-2564-29CD-E96B-739636B52E38}"/>
+              </a:ext>
+            </a:extLst>
+          </p:cNvPr>
+          <p:cNvPicPr>
+            <a:picLocks noChangeAspect="1"/>
+          </p:cNvPicPr>
+          <p:nvPr/>
+        </p:nvPicPr>
+        <p:blipFill>
+          <a:blip r:embed="rId12"/>
+          <a:stretch>
+            <a:fillRect/>
+          </a:stretch>
+        </p:blipFill>
+        <p:spPr>
+          <a:xfrm>
+            <a:off x="1704754" y="24114919"/>
+            <a:ext cx="12608486" cy="4069229"/>
+          </a:xfrm>
+          <a:prstGeom prst="rect">
+            <a:avLst/>
+          </a:prstGeom>
+        </p:spPr>
+      </p:pic>
+      <p:pic>
+        <p:nvPicPr>
+          <p:cNvPr id="31" name="Picture 30">
+            <a:extLst>
+              <a:ext uri="{FF2B5EF4-FFF2-40B4-BE49-F238E27FC236}">
+                <a16:creationId xmlns:a16="http://schemas.microsoft.com/office/drawing/2014/main" id="{8E86B1E7-073F-88EF-9600-A0CB2055351A}"/>
+              </a:ext>
+            </a:extLst>
+          </p:cNvPr>
+          <p:cNvPicPr>
+            <a:picLocks noChangeAspect="1"/>
+          </p:cNvPicPr>
+          <p:nvPr/>
+        </p:nvPicPr>
+        <p:blipFill>
+          <a:blip r:embed="rId13"/>
+          <a:stretch>
+            <a:fillRect/>
+          </a:stretch>
+        </p:blipFill>
+        <p:spPr>
+          <a:xfrm>
+            <a:off x="3026080" y="30308164"/>
+            <a:ext cx="8128000" cy="4864100"/>
+          </a:xfrm>
+          <a:prstGeom prst="rect">
+            <a:avLst/>
+          </a:prstGeom>
+        </p:spPr>
+      </p:pic>
+      <p:sp>
+        <p:nvSpPr>
+          <p:cNvPr id="32" name="TextBox 31">
+            <a:extLst>
+              <a:ext uri="{FF2B5EF4-FFF2-40B4-BE49-F238E27FC236}">
+                <a16:creationId xmlns:a16="http://schemas.microsoft.com/office/drawing/2014/main" id="{62D8DFF1-8AF7-DAE3-54E7-3A1E44DA18DF}"/>
+              </a:ext>
+            </a:extLst>
+          </p:cNvPr>
+          <p:cNvSpPr txBox="1"/>
+          <p:nvPr/>
+        </p:nvSpPr>
+        <p:spPr>
+          <a:xfrm>
+            <a:off x="9901739" y="30867877"/>
+            <a:ext cx="442750" cy="369332"/>
+          </a:xfrm>
+          <a:prstGeom prst="rect">
+            <a:avLst/>
+          </a:prstGeom>
+          <a:noFill/>
+        </p:spPr>
+        <p:txBody>
+          <a:bodyPr wrap="none" rtlCol="0">
+            <a:spAutoFit/>
+          </a:bodyPr>
+          <a:lstStyle/>
+          <a:p>
+            <a:r>
+              <a:rPr lang="en-US" dirty="0"/>
+              <a:t>[1]</a:t>
+            </a:r>
+          </a:p>
+        </p:txBody>
+      </p:sp>
     </p:spTree>
     <p:extLst>
       <p:ext uri="{BB962C8B-B14F-4D97-AF65-F5344CB8AC3E}">
@@ -6834,7 +14006,7 @@
 </p:sld>
 </file>
 
-<file path=ppt/slides/slide2.xml><?xml version="1.0" encoding="utf-8"?>
+<file path=ppt/slides/slide3.xml><?xml version="1.0" encoding="utf-8"?>
 <p:sld xmlns:a="http://schemas.openxmlformats.org/drawingml/2006/main" xmlns:r="http://schemas.openxmlformats.org/officeDocument/2006/relationships" xmlns:p="http://schemas.openxmlformats.org/presentationml/2006/main">
   <p:cSld>
     <p:spTree>
@@ -7695,6 +14867,276 @@
 </p:sld>
 </file>
 
+<file path=ppt/slides/slide4.xml><?xml version="1.0" encoding="utf-8"?>
+<p:sld xmlns:a="http://schemas.openxmlformats.org/drawingml/2006/main" xmlns:r="http://schemas.openxmlformats.org/officeDocument/2006/relationships" xmlns:p="http://schemas.openxmlformats.org/presentationml/2006/main">
+  <p:cSld>
+    <p:spTree>
+      <p:nvGrpSpPr>
+        <p:cNvPr id="1" name=""/>
+        <p:cNvGrpSpPr/>
+        <p:nvPr/>
+      </p:nvGrpSpPr>
+      <p:grpSpPr>
+        <a:xfrm>
+          <a:off x="0" y="0"/>
+          <a:ext cx="0" cy="0"/>
+          <a:chOff x="0" y="0"/>
+          <a:chExt cx="0" cy="0"/>
+        </a:xfrm>
+      </p:grpSpPr>
+      <p:pic>
+        <p:nvPicPr>
+          <p:cNvPr id="5" name="Picture 4" descr="A picture containing application&#10;&#10;Description automatically generated">
+            <a:extLst>
+              <a:ext uri="{FF2B5EF4-FFF2-40B4-BE49-F238E27FC236}">
+                <a16:creationId xmlns:a16="http://schemas.microsoft.com/office/drawing/2014/main" id="{0174E7D0-C71C-1083-8F33-891FE547E635}"/>
+              </a:ext>
+            </a:extLst>
+          </p:cNvPr>
+          <p:cNvPicPr>
+            <a:picLocks noChangeAspect="1"/>
+          </p:cNvPicPr>
+          <p:nvPr/>
+        </p:nvPicPr>
+        <p:blipFill>
+          <a:blip r:embed="rId3"/>
+          <a:stretch>
+            <a:fillRect/>
+          </a:stretch>
+        </p:blipFill>
+        <p:spPr>
+          <a:xfrm>
+            <a:off x="10347457" y="30124374"/>
+            <a:ext cx="7531100" cy="977900"/>
+          </a:xfrm>
+          <a:prstGeom prst="rect">
+            <a:avLst/>
+          </a:prstGeom>
+        </p:spPr>
+      </p:pic>
+      <p:pic>
+        <p:nvPicPr>
+          <p:cNvPr id="7" name="Picture 6" descr="Text&#10;&#10;Description automatically generated with medium confidence">
+            <a:extLst>
+              <a:ext uri="{FF2B5EF4-FFF2-40B4-BE49-F238E27FC236}">
+                <a16:creationId xmlns:a16="http://schemas.microsoft.com/office/drawing/2014/main" id="{696CD472-2DDC-9810-01C7-D6C8BCEECF31}"/>
+              </a:ext>
+            </a:extLst>
+          </p:cNvPr>
+          <p:cNvPicPr>
+            <a:picLocks noChangeAspect="1"/>
+          </p:cNvPicPr>
+          <p:nvPr/>
+        </p:nvPicPr>
+        <p:blipFill>
+          <a:blip r:embed="rId4"/>
+          <a:stretch>
+            <a:fillRect/>
+          </a:stretch>
+        </p:blipFill>
+        <p:spPr>
+          <a:xfrm>
+            <a:off x="10334757" y="28371928"/>
+            <a:ext cx="7543800" cy="1435100"/>
+          </a:xfrm>
+          <a:prstGeom prst="rect">
+            <a:avLst/>
+          </a:prstGeom>
+        </p:spPr>
+      </p:pic>
+      <p:pic>
+        <p:nvPicPr>
+          <p:cNvPr id="9" name="Picture 8" descr="Text&#10;&#10;Description automatically generated">
+            <a:extLst>
+              <a:ext uri="{FF2B5EF4-FFF2-40B4-BE49-F238E27FC236}">
+                <a16:creationId xmlns:a16="http://schemas.microsoft.com/office/drawing/2014/main" id="{ED6CAF2E-3C52-43AC-77CF-9CB98AF5B7B6}"/>
+              </a:ext>
+            </a:extLst>
+          </p:cNvPr>
+          <p:cNvPicPr>
+            <a:picLocks noChangeAspect="1"/>
+          </p:cNvPicPr>
+          <p:nvPr/>
+        </p:nvPicPr>
+        <p:blipFill>
+          <a:blip r:embed="rId5"/>
+          <a:stretch>
+            <a:fillRect/>
+          </a:stretch>
+        </p:blipFill>
+        <p:spPr>
+          <a:xfrm>
+            <a:off x="12687300" y="19393054"/>
+            <a:ext cx="5486400" cy="1536700"/>
+          </a:xfrm>
+          <a:prstGeom prst="rect">
+            <a:avLst/>
+          </a:prstGeom>
+        </p:spPr>
+      </p:pic>
+      <p:pic>
+        <p:nvPicPr>
+          <p:cNvPr id="11" name="Picture 10" descr="A picture containing application&#10;&#10;Description automatically generated">
+            <a:extLst>
+              <a:ext uri="{FF2B5EF4-FFF2-40B4-BE49-F238E27FC236}">
+                <a16:creationId xmlns:a16="http://schemas.microsoft.com/office/drawing/2014/main" id="{A1BC5BD6-D3EC-F478-E418-A6C81B17250F}"/>
+              </a:ext>
+            </a:extLst>
+          </p:cNvPr>
+          <p:cNvPicPr>
+            <a:picLocks noChangeAspect="1"/>
+          </p:cNvPicPr>
+          <p:nvPr/>
+        </p:nvPicPr>
+        <p:blipFill>
+          <a:blip r:embed="rId6"/>
+          <a:stretch>
+            <a:fillRect/>
+          </a:stretch>
+        </p:blipFill>
+        <p:spPr>
+          <a:xfrm>
+            <a:off x="12674600" y="20945379"/>
+            <a:ext cx="5499100" cy="736600"/>
+          </a:xfrm>
+          <a:prstGeom prst="rect">
+            <a:avLst/>
+          </a:prstGeom>
+        </p:spPr>
+      </p:pic>
+      <p:pic>
+        <p:nvPicPr>
+          <p:cNvPr id="13" name="Picture 12" descr="Text&#10;&#10;Description automatically generated">
+            <a:extLst>
+              <a:ext uri="{FF2B5EF4-FFF2-40B4-BE49-F238E27FC236}">
+                <a16:creationId xmlns:a16="http://schemas.microsoft.com/office/drawing/2014/main" id="{5E404927-6C35-BE8C-DBD5-613842F73ADA}"/>
+              </a:ext>
+            </a:extLst>
+          </p:cNvPr>
+          <p:cNvPicPr>
+            <a:picLocks noChangeAspect="1"/>
+          </p:cNvPicPr>
+          <p:nvPr/>
+        </p:nvPicPr>
+        <p:blipFill>
+          <a:blip r:embed="rId7"/>
+          <a:stretch>
+            <a:fillRect/>
+          </a:stretch>
+        </p:blipFill>
+        <p:spPr>
+          <a:xfrm>
+            <a:off x="8521151" y="21925736"/>
+            <a:ext cx="7569200" cy="2324100"/>
+          </a:xfrm>
+          <a:prstGeom prst="rect">
+            <a:avLst/>
+          </a:prstGeom>
+        </p:spPr>
+      </p:pic>
+      <p:pic>
+        <p:nvPicPr>
+          <p:cNvPr id="15" name="Picture 14" descr="A picture containing text&#10;&#10;Description automatically generated">
+            <a:extLst>
+              <a:ext uri="{FF2B5EF4-FFF2-40B4-BE49-F238E27FC236}">
+                <a16:creationId xmlns:a16="http://schemas.microsoft.com/office/drawing/2014/main" id="{486744DE-096D-CFEA-010A-7F62D9A79556}"/>
+              </a:ext>
+            </a:extLst>
+          </p:cNvPr>
+          <p:cNvPicPr>
+            <a:picLocks noChangeAspect="1"/>
+          </p:cNvPicPr>
+          <p:nvPr/>
+        </p:nvPicPr>
+        <p:blipFill>
+          <a:blip r:embed="rId8"/>
+          <a:stretch>
+            <a:fillRect/>
+          </a:stretch>
+        </p:blipFill>
+        <p:spPr>
+          <a:xfrm>
+            <a:off x="20353907" y="19064821"/>
+            <a:ext cx="7531100" cy="2565400"/>
+          </a:xfrm>
+          <a:prstGeom prst="rect">
+            <a:avLst/>
+          </a:prstGeom>
+        </p:spPr>
+      </p:pic>
+      <p:pic>
+        <p:nvPicPr>
+          <p:cNvPr id="17" name="Picture 16" descr="Graphical user interface, text, application&#10;&#10;Description automatically generated">
+            <a:extLst>
+              <a:ext uri="{FF2B5EF4-FFF2-40B4-BE49-F238E27FC236}">
+                <a16:creationId xmlns:a16="http://schemas.microsoft.com/office/drawing/2014/main" id="{C1100384-898B-F6D9-1AD7-3C10BF3723A5}"/>
+              </a:ext>
+            </a:extLst>
+          </p:cNvPr>
+          <p:cNvPicPr>
+            <a:picLocks noChangeAspect="1"/>
+          </p:cNvPicPr>
+          <p:nvPr/>
+        </p:nvPicPr>
+        <p:blipFill>
+          <a:blip r:embed="rId9"/>
+          <a:stretch>
+            <a:fillRect/>
+          </a:stretch>
+        </p:blipFill>
+        <p:spPr>
+          <a:xfrm>
+            <a:off x="7222748" y="25079059"/>
+            <a:ext cx="7531100" cy="2146300"/>
+          </a:xfrm>
+          <a:prstGeom prst="rect">
+            <a:avLst/>
+          </a:prstGeom>
+        </p:spPr>
+      </p:pic>
+      <p:pic>
+        <p:nvPicPr>
+          <p:cNvPr id="19" name="Picture 18" descr="Text&#10;&#10;Description automatically generated">
+            <a:extLst>
+              <a:ext uri="{FF2B5EF4-FFF2-40B4-BE49-F238E27FC236}">
+                <a16:creationId xmlns:a16="http://schemas.microsoft.com/office/drawing/2014/main" id="{23C7E1D4-6116-74D3-DC9E-2E1D88BB3BCA}"/>
+              </a:ext>
+            </a:extLst>
+          </p:cNvPr>
+          <p:cNvPicPr>
+            <a:picLocks noChangeAspect="1"/>
+          </p:cNvPicPr>
+          <p:nvPr/>
+        </p:nvPicPr>
+        <p:blipFill>
+          <a:blip r:embed="rId10"/>
+          <a:stretch>
+            <a:fillRect/>
+          </a:stretch>
+        </p:blipFill>
+        <p:spPr>
+          <a:xfrm>
+            <a:off x="16284626" y="25777405"/>
+            <a:ext cx="7505700" cy="3200400"/>
+          </a:xfrm>
+          <a:prstGeom prst="rect">
+            <a:avLst/>
+          </a:prstGeom>
+        </p:spPr>
+      </p:pic>
+    </p:spTree>
+    <p:extLst>
+      <p:ext uri="{BB962C8B-B14F-4D97-AF65-F5344CB8AC3E}">
+        <p14:creationId xmlns:p14="http://schemas.microsoft.com/office/powerpoint/2010/main" val="3352566202"/>
+      </p:ext>
+    </p:extLst>
+  </p:cSld>
+  <p:clrMapOvr>
+    <a:masterClrMapping/>
+  </p:clrMapOvr>
+</p:sld>
+</file>
+
 <file path=ppt/theme/theme1.xml><?xml version="1.0" encoding="utf-8"?>
 <a:theme xmlns:a="http://schemas.openxmlformats.org/drawingml/2006/main" name="Office Theme">
   <a:themeElements>
